--- a/Sunular/MÖT-Hafta-4 - Underfitting_and_Overfitting.pptx
+++ b/Sunular/MÖT-Hafta-4 - Underfitting_and_Overfitting.pptx
@@ -5,7 +5,7 @@
     <p:sldMasterId id="2147483718" r:id="rId1"/>
   </p:sldMasterIdLst>
   <p:notesMasterIdLst>
-    <p:notesMasterId r:id="rId25"/>
+    <p:notesMasterId r:id="rId30"/>
   </p:notesMasterIdLst>
   <p:sldIdLst>
     <p:sldId id="256" r:id="rId2"/>
@@ -13,38 +13,43 @@
     <p:sldId id="316" r:id="rId4"/>
     <p:sldId id="371" r:id="rId5"/>
     <p:sldId id="372" r:id="rId6"/>
-    <p:sldId id="373" r:id="rId7"/>
-    <p:sldId id="374" r:id="rId8"/>
-    <p:sldId id="343" r:id="rId9"/>
-    <p:sldId id="344" r:id="rId10"/>
-    <p:sldId id="375" r:id="rId11"/>
-    <p:sldId id="376" r:id="rId12"/>
-    <p:sldId id="377" r:id="rId13"/>
-    <p:sldId id="379" r:id="rId14"/>
-    <p:sldId id="346" r:id="rId15"/>
-    <p:sldId id="359" r:id="rId16"/>
-    <p:sldId id="347" r:id="rId17"/>
-    <p:sldId id="358" r:id="rId18"/>
-    <p:sldId id="362" r:id="rId19"/>
-    <p:sldId id="360" r:id="rId20"/>
-    <p:sldId id="363" r:id="rId21"/>
-    <p:sldId id="364" r:id="rId22"/>
-    <p:sldId id="361" r:id="rId23"/>
-    <p:sldId id="378" r:id="rId24"/>
+    <p:sldId id="382" r:id="rId7"/>
+    <p:sldId id="383" r:id="rId8"/>
+    <p:sldId id="373" r:id="rId9"/>
+    <p:sldId id="380" r:id="rId10"/>
+    <p:sldId id="381" r:id="rId11"/>
+    <p:sldId id="374" r:id="rId12"/>
+    <p:sldId id="384" r:id="rId13"/>
+    <p:sldId id="343" r:id="rId14"/>
+    <p:sldId id="344" r:id="rId15"/>
+    <p:sldId id="375" r:id="rId16"/>
+    <p:sldId id="376" r:id="rId17"/>
+    <p:sldId id="377" r:id="rId18"/>
+    <p:sldId id="379" r:id="rId19"/>
+    <p:sldId id="346" r:id="rId20"/>
+    <p:sldId id="359" r:id="rId21"/>
+    <p:sldId id="347" r:id="rId22"/>
+    <p:sldId id="358" r:id="rId23"/>
+    <p:sldId id="362" r:id="rId24"/>
+    <p:sldId id="360" r:id="rId25"/>
+    <p:sldId id="363" r:id="rId26"/>
+    <p:sldId id="364" r:id="rId27"/>
+    <p:sldId id="361" r:id="rId28"/>
+    <p:sldId id="378" r:id="rId29"/>
   </p:sldIdLst>
   <p:sldSz cx="9144000" cy="5143500" type="screen16x9"/>
   <p:notesSz cx="6858000" cy="9144000"/>
   <p:embeddedFontLst>
     <p:embeddedFont>
       <p:font typeface="Arial Black" panose="020B0A04020102020204" pitchFamily="34" charset="0"/>
-      <p:bold r:id="rId26"/>
+      <p:bold r:id="rId31"/>
     </p:embeddedFont>
     <p:embeddedFont>
       <p:font typeface="Calibri" panose="020F0502020204030204" pitchFamily="34" charset="0"/>
-      <p:regular r:id="rId27"/>
-      <p:bold r:id="rId28"/>
-      <p:italic r:id="rId29"/>
-      <p:boldItalic r:id="rId30"/>
+      <p:regular r:id="rId32"/>
+      <p:bold r:id="rId33"/>
+      <p:italic r:id="rId34"/>
+      <p:boldItalic r:id="rId35"/>
     </p:embeddedFont>
   </p:embeddedFontLst>
   <p:defaultTextStyle>
@@ -838,7 +843,7 @@
             <a:fld id="{B61BEF0D-F0BB-DE4B-95CE-6DB70DBA9567}" type="datetimeFigureOut">
               <a:rPr lang="en-US" smtClean="0"/>
               <a:pPr/>
-              <a:t>10/26/2022</a:t>
+              <a:t>11/10/2022</a:t>
             </a:fld>
             <a:endParaRPr lang="en-US" dirty="0"/>
           </a:p>
@@ -1019,7 +1024,7 @@
             <a:fld id="{B61BEF0D-F0BB-DE4B-95CE-6DB70DBA9567}" type="datetimeFigureOut">
               <a:rPr lang="en-US" smtClean="0"/>
               <a:pPr/>
-              <a:t>10/26/2022</a:t>
+              <a:t>11/10/2022</a:t>
             </a:fld>
             <a:endParaRPr lang="en-US" dirty="0"/>
           </a:p>
@@ -1210,7 +1215,7 @@
             <a:fld id="{B61BEF0D-F0BB-DE4B-95CE-6DB70DBA9567}" type="datetimeFigureOut">
               <a:rPr lang="en-US" smtClean="0"/>
               <a:pPr/>
-              <a:t>10/26/2022</a:t>
+              <a:t>11/10/2022</a:t>
             </a:fld>
             <a:endParaRPr lang="en-US" dirty="0"/>
           </a:p>
@@ -1391,7 +1396,7 @@
             <a:fld id="{B61BEF0D-F0BB-DE4B-95CE-6DB70DBA9567}" type="datetimeFigureOut">
               <a:rPr lang="en-US" smtClean="0"/>
               <a:pPr/>
-              <a:t>10/26/2022</a:t>
+              <a:t>11/10/2022</a:t>
             </a:fld>
             <a:endParaRPr lang="en-US" dirty="0"/>
           </a:p>
@@ -1648,7 +1653,7 @@
             <a:fld id="{B61BEF0D-F0BB-DE4B-95CE-6DB70DBA9567}" type="datetimeFigureOut">
               <a:rPr lang="en-US" smtClean="0"/>
               <a:pPr/>
-              <a:t>10/26/2022</a:t>
+              <a:t>11/10/2022</a:t>
             </a:fld>
             <a:endParaRPr lang="en-US" dirty="0"/>
           </a:p>
@@ -1891,7 +1896,7 @@
             <a:fld id="{B61BEF0D-F0BB-DE4B-95CE-6DB70DBA9567}" type="datetimeFigureOut">
               <a:rPr lang="en-US" smtClean="0"/>
               <a:pPr/>
-              <a:t>10/26/2022</a:t>
+              <a:t>11/10/2022</a:t>
             </a:fld>
             <a:endParaRPr lang="en-US" dirty="0"/>
           </a:p>
@@ -2269,7 +2274,7 @@
             <a:fld id="{B61BEF0D-F0BB-DE4B-95CE-6DB70DBA9567}" type="datetimeFigureOut">
               <a:rPr lang="en-US" smtClean="0"/>
               <a:pPr/>
-              <a:t>10/26/2022</a:t>
+              <a:t>11/10/2022</a:t>
             </a:fld>
             <a:endParaRPr lang="en-US" dirty="0"/>
           </a:p>
@@ -2398,7 +2403,7 @@
             <a:fld id="{B61BEF0D-F0BB-DE4B-95CE-6DB70DBA9567}" type="datetimeFigureOut">
               <a:rPr lang="en-US" smtClean="0"/>
               <a:pPr/>
-              <a:t>10/26/2022</a:t>
+              <a:t>11/10/2022</a:t>
             </a:fld>
             <a:endParaRPr lang="en-US" dirty="0"/>
           </a:p>
@@ -2504,7 +2509,7 @@
             <a:fld id="{B61BEF0D-F0BB-DE4B-95CE-6DB70DBA9567}" type="datetimeFigureOut">
               <a:rPr lang="en-US" smtClean="0"/>
               <a:pPr/>
-              <a:t>10/26/2022</a:t>
+              <a:t>11/10/2022</a:t>
             </a:fld>
             <a:endParaRPr lang="en-US" dirty="0"/>
           </a:p>
@@ -2792,7 +2797,7 @@
             <a:fld id="{B61BEF0D-F0BB-DE4B-95CE-6DB70DBA9567}" type="datetimeFigureOut">
               <a:rPr lang="en-US" smtClean="0"/>
               <a:pPr/>
-              <a:t>10/26/2022</a:t>
+              <a:t>11/10/2022</a:t>
             </a:fld>
             <a:endParaRPr lang="en-US" dirty="0"/>
           </a:p>
@@ -3060,7 +3065,7 @@
             <a:fld id="{B61BEF0D-F0BB-DE4B-95CE-6DB70DBA9567}" type="datetimeFigureOut">
               <a:rPr lang="en-US" smtClean="0"/>
               <a:pPr/>
-              <a:t>10/26/2022</a:t>
+              <a:t>11/10/2022</a:t>
             </a:fld>
             <a:endParaRPr lang="en-US" dirty="0"/>
           </a:p>
@@ -3284,7 +3289,7 @@
             <a:fld id="{B61BEF0D-F0BB-DE4B-95CE-6DB70DBA9567}" type="datetimeFigureOut">
               <a:rPr lang="en-US" smtClean="0"/>
               <a:pPr/>
-              <a:t>10/26/2022</a:t>
+              <a:t>11/10/2022</a:t>
             </a:fld>
             <a:endParaRPr lang="en-US" dirty="0"/>
           </a:p>
@@ -3829,14 +3834,9 @@
           <a:lstStyle/>
           <a:p>
             <a:r>
-              <a:rPr lang="tr-TR" sz="2000" dirty="0">
-                <a:solidFill>
-                  <a:srgbClr val="FFFF00"/>
-                </a:solidFill>
-              </a:rPr>
-              <a:t>Aşırı Öğrenme-Eksik Öğrenme</a:t>
-            </a:r>
-            <a:endParaRPr lang="tr-TR" sz="2000" dirty="0"/>
+              <a:rPr lang="tr-TR" sz="2000" dirty="0"/>
+              <a:t>Dengesiz Veri- Yeniden Örnekleme</a:t>
+            </a:r>
           </a:p>
         </p:txBody>
       </p:sp>
@@ -3850,8 +3850,8 @@
         </p:nvSpPr>
         <p:spPr>
           <a:xfrm>
-            <a:off x="281354" y="745588"/>
-            <a:ext cx="8620191" cy="4248443"/>
+            <a:off x="288388" y="752622"/>
+            <a:ext cx="8433581" cy="4117251"/>
           </a:xfrm>
           <a:prstGeom prst="rect">
             <a:avLst/>
@@ -3881,6 +3881,1408 @@
             </a:lvl1pPr>
           </a:lstStyle>
           <a:p>
+            <a:pPr algn="ctr" fontAlgn="t">
+              <a:spcAft>
+                <a:spcPts val="1200"/>
+              </a:spcAft>
+            </a:pPr>
+            <a:r>
+              <a:rPr lang="tr-TR" sz="2400" b="1" u="sng" dirty="0" err="1">
+                <a:solidFill>
+                  <a:srgbClr val="FFFF00"/>
+                </a:solidFill>
+                <a:latin typeface="Calibri" panose="020F0502020204030204" pitchFamily="34" charset="0"/>
+                <a:cs typeface="Calibri" panose="020F0502020204030204" pitchFamily="34" charset="0"/>
+              </a:rPr>
+              <a:t>Undersampling</a:t>
+            </a:r>
+            <a:endParaRPr lang="tr-TR" sz="2400" u="sng" dirty="0">
+              <a:solidFill>
+                <a:srgbClr val="FFFF00"/>
+              </a:solidFill>
+              <a:latin typeface="Calibri" panose="020F0502020204030204" pitchFamily="34" charset="0"/>
+              <a:cs typeface="Calibri" panose="020F0502020204030204" pitchFamily="34" charset="0"/>
+            </a:endParaRPr>
+          </a:p>
+          <a:p>
+            <a:pPr marL="342900" indent="-342900" algn="just" fontAlgn="t">
+              <a:spcAft>
+                <a:spcPts val="1200"/>
+              </a:spcAft>
+              <a:buFont typeface="Arial" panose="020B0604020202020204" pitchFamily="34" charset="0"/>
+              <a:buChar char="•"/>
+            </a:pPr>
+            <a:r>
+              <a:rPr lang="tr-TR" sz="2400" dirty="0">
+                <a:latin typeface="Calibri" panose="020F0502020204030204" pitchFamily="34" charset="0"/>
+                <a:cs typeface="Calibri" panose="020F0502020204030204" pitchFamily="34" charset="0"/>
+              </a:rPr>
+              <a:t>Diğer yöntem ise ağırlıklı sınıfa ait verileri veri kümesinden çıkararak dengeli bir veri kümesi elde etmek (</a:t>
+            </a:r>
+            <a:r>
+              <a:rPr lang="tr-TR" sz="2400" dirty="0" err="1">
+                <a:latin typeface="Calibri" panose="020F0502020204030204" pitchFamily="34" charset="0"/>
+                <a:cs typeface="Calibri" panose="020F0502020204030204" pitchFamily="34" charset="0"/>
+              </a:rPr>
+              <a:t>undersampling</a:t>
+            </a:r>
+            <a:r>
+              <a:rPr lang="tr-TR" sz="2400" dirty="0">
+                <a:latin typeface="Calibri" panose="020F0502020204030204" pitchFamily="34" charset="0"/>
+                <a:cs typeface="Calibri" panose="020F0502020204030204" pitchFamily="34" charset="0"/>
+              </a:rPr>
+              <a:t>). </a:t>
+            </a:r>
+          </a:p>
+          <a:p>
+            <a:pPr marL="342900" indent="-342900" algn="just" fontAlgn="t">
+              <a:spcAft>
+                <a:spcPts val="1200"/>
+              </a:spcAft>
+              <a:buFont typeface="Arial" panose="020B0604020202020204" pitchFamily="34" charset="0"/>
+              <a:buChar char="•"/>
+            </a:pPr>
+            <a:r>
+              <a:rPr lang="tr-TR" sz="2400" dirty="0" err="1">
+                <a:latin typeface="Calibri" panose="020F0502020204030204" pitchFamily="34" charset="0"/>
+                <a:cs typeface="Calibri" panose="020F0502020204030204" pitchFamily="34" charset="0"/>
+              </a:rPr>
+              <a:t>Random</a:t>
+            </a:r>
+            <a:r>
+              <a:rPr lang="tr-TR" sz="2400" dirty="0">
+                <a:latin typeface="Calibri" panose="020F0502020204030204" pitchFamily="34" charset="0"/>
+                <a:cs typeface="Calibri" panose="020F0502020204030204" pitchFamily="34" charset="0"/>
+              </a:rPr>
+              <a:t> </a:t>
+            </a:r>
+            <a:r>
+              <a:rPr lang="tr-TR" sz="2400" dirty="0" err="1">
+                <a:latin typeface="Calibri" panose="020F0502020204030204" pitchFamily="34" charset="0"/>
+                <a:cs typeface="Calibri" panose="020F0502020204030204" pitchFamily="34" charset="0"/>
+              </a:rPr>
+              <a:t>undersampling</a:t>
+            </a:r>
+            <a:r>
+              <a:rPr lang="tr-TR" sz="2400" dirty="0">
+                <a:latin typeface="Calibri" panose="020F0502020204030204" pitchFamily="34" charset="0"/>
+                <a:cs typeface="Calibri" panose="020F0502020204030204" pitchFamily="34" charset="0"/>
+              </a:rPr>
+              <a:t>, </a:t>
+            </a:r>
+            <a:r>
+              <a:rPr lang="tr-TR" sz="2400" dirty="0" err="1">
+                <a:latin typeface="Calibri" panose="020F0502020204030204" pitchFamily="34" charset="0"/>
+                <a:cs typeface="Calibri" panose="020F0502020204030204" pitchFamily="34" charset="0"/>
+              </a:rPr>
+              <a:t>ClusterCentroids</a:t>
+            </a:r>
+            <a:r>
+              <a:rPr lang="tr-TR" sz="2400" dirty="0">
+                <a:latin typeface="Calibri" panose="020F0502020204030204" pitchFamily="34" charset="0"/>
+                <a:cs typeface="Calibri" panose="020F0502020204030204" pitchFamily="34" charset="0"/>
+              </a:rPr>
+              <a:t> ve </a:t>
+            </a:r>
+            <a:r>
+              <a:rPr lang="tr-TR" sz="2400" dirty="0" err="1">
+                <a:latin typeface="Calibri" panose="020F0502020204030204" pitchFamily="34" charset="0"/>
+                <a:cs typeface="Calibri" panose="020F0502020204030204" pitchFamily="34" charset="0"/>
+              </a:rPr>
+              <a:t>NearMiss</a:t>
+            </a:r>
+            <a:r>
+              <a:rPr lang="tr-TR" sz="2400" dirty="0">
+                <a:latin typeface="Calibri" panose="020F0502020204030204" pitchFamily="34" charset="0"/>
+                <a:cs typeface="Calibri" panose="020F0502020204030204" pitchFamily="34" charset="0"/>
+              </a:rPr>
+              <a:t> teknikleri veri kümesini dengeye getirmek için kullanılabilir. </a:t>
+            </a:r>
+          </a:p>
+          <a:p>
+            <a:pPr marL="342900" indent="-342900" algn="just" fontAlgn="t">
+              <a:spcAft>
+                <a:spcPts val="1200"/>
+              </a:spcAft>
+              <a:buFont typeface="Arial" panose="020B0604020202020204" pitchFamily="34" charset="0"/>
+              <a:buChar char="•"/>
+            </a:pPr>
+            <a:r>
+              <a:rPr lang="tr-TR" sz="2400" dirty="0">
+                <a:latin typeface="Calibri" panose="020F0502020204030204" pitchFamily="34" charset="0"/>
+                <a:cs typeface="Calibri" panose="020F0502020204030204" pitchFamily="34" charset="0"/>
+              </a:rPr>
+              <a:t>Eğer çalıştığınız veri kümesi yeterince büyük değilse bu yöntem, bilgi kaybına sebep olacağından diğer yöntemler tercih edilmelidir.</a:t>
+            </a:r>
+          </a:p>
+          <a:p>
+            <a:pPr algn="just"/>
+            <a:endParaRPr lang="tr-TR" sz="2400" dirty="0">
+              <a:latin typeface="Calibri" panose="020F0502020204030204" pitchFamily="34" charset="0"/>
+              <a:cs typeface="Calibri" panose="020F0502020204030204" pitchFamily="34" charset="0"/>
+            </a:endParaRPr>
+          </a:p>
+        </p:txBody>
+      </p:sp>
+    </p:spTree>
+    <p:extLst>
+      <p:ext uri="{BB962C8B-B14F-4D97-AF65-F5344CB8AC3E}">
+        <p14:creationId xmlns:p14="http://schemas.microsoft.com/office/powerpoint/2010/main" val="2015938631"/>
+      </p:ext>
+    </p:extLst>
+  </p:cSld>
+  <p:clrMapOvr>
+    <a:masterClrMapping/>
+  </p:clrMapOvr>
+</p:sld>
+</file>
+
+<file path=ppt/slides/slide11.xml><?xml version="1.0" encoding="utf-8"?>
+<p:sld xmlns:a="http://schemas.openxmlformats.org/drawingml/2006/main" xmlns:r="http://schemas.openxmlformats.org/officeDocument/2006/relationships" xmlns:p="http://schemas.openxmlformats.org/presentationml/2006/main">
+  <p:cSld>
+    <p:spTree>
+      <p:nvGrpSpPr>
+        <p:cNvPr id="1" name=""/>
+        <p:cNvGrpSpPr/>
+        <p:nvPr/>
+      </p:nvGrpSpPr>
+      <p:grpSpPr>
+        <a:xfrm>
+          <a:off x="0" y="0"/>
+          <a:ext cx="0" cy="0"/>
+          <a:chOff x="0" y="0"/>
+          <a:chExt cx="0" cy="0"/>
+        </a:xfrm>
+      </p:grpSpPr>
+      <p:sp>
+        <p:nvSpPr>
+          <p:cNvPr id="3" name="Unvan 2"/>
+          <p:cNvSpPr>
+            <a:spLocks noGrp="1"/>
+          </p:cNvSpPr>
+          <p:nvPr>
+            <p:ph type="title"/>
+          </p:nvPr>
+        </p:nvSpPr>
+        <p:spPr>
+          <a:xfrm>
+            <a:off x="927579" y="0"/>
+            <a:ext cx="7228130" cy="875049"/>
+          </a:xfrm>
+        </p:spPr>
+        <p:txBody>
+          <a:bodyPr>
+            <a:normAutofit/>
+          </a:bodyPr>
+          <a:lstStyle/>
+          <a:p>
+            <a:r>
+              <a:rPr lang="tr-TR" sz="2000" dirty="0"/>
+              <a:t>Dengesiz Veri</a:t>
+            </a:r>
+          </a:p>
+        </p:txBody>
+      </p:sp>
+      <p:sp>
+        <p:nvSpPr>
+          <p:cNvPr id="7" name="Unvan 2"/>
+          <p:cNvSpPr txBox="1">
+            <a:spLocks/>
+          </p:cNvSpPr>
+          <p:nvPr/>
+        </p:nvSpPr>
+        <p:spPr>
+          <a:xfrm>
+            <a:off x="414961" y="1226127"/>
+            <a:ext cx="3840516" cy="3643746"/>
+          </a:xfrm>
+          <a:prstGeom prst="rect">
+            <a:avLst/>
+          </a:prstGeom>
+        </p:spPr>
+        <p:txBody>
+          <a:bodyPr vert="horz" lIns="91440" tIns="45720" rIns="91440" bIns="45720" rtlCol="0" anchor="t">
+            <a:normAutofit/>
+          </a:bodyPr>
+          <a:lstStyle>
+            <a:lvl1pPr algn="l" defTabSz="685800" rtl="0" eaLnBrk="1" latinLnBrk="0" hangingPunct="1">
+              <a:lnSpc>
+                <a:spcPct val="90000"/>
+              </a:lnSpc>
+              <a:spcBef>
+                <a:spcPct val="0"/>
+              </a:spcBef>
+              <a:buNone/>
+              <a:defRPr sz="3300" kern="1200">
+                <a:solidFill>
+                  <a:schemeClr val="tx1"/>
+                </a:solidFill>
+                <a:latin typeface="+mj-lt"/>
+                <a:ea typeface="+mj-ea"/>
+                <a:cs typeface="+mj-cs"/>
+              </a:defRPr>
+            </a:lvl1pPr>
+          </a:lstStyle>
+          <a:p>
+            <a:pPr algn="just" fontAlgn="t"/>
+            <a:r>
+              <a:rPr lang="tr-TR" sz="2400" dirty="0">
+                <a:solidFill>
+                  <a:srgbClr val="FF0000"/>
+                </a:solidFill>
+                <a:latin typeface="Calibri" panose="020F0502020204030204" pitchFamily="34" charset="0"/>
+                <a:cs typeface="Calibri" panose="020F0502020204030204" pitchFamily="34" charset="0"/>
+              </a:rPr>
+              <a:t>Hatalı yaklaşım, </a:t>
+            </a:r>
+            <a:r>
+              <a:rPr lang="tr-TR" sz="2400" dirty="0">
+                <a:latin typeface="Calibri" panose="020F0502020204030204" pitchFamily="34" charset="0"/>
+                <a:cs typeface="Calibri" panose="020F0502020204030204" pitchFamily="34" charset="0"/>
+              </a:rPr>
+              <a:t>tüm datadan örnekleme ve ardından </a:t>
+            </a:r>
+            <a:r>
+              <a:rPr lang="tr-TR" sz="2400" dirty="0" err="1">
+                <a:latin typeface="Calibri" panose="020F0502020204030204" pitchFamily="34" charset="0"/>
+                <a:cs typeface="Calibri" panose="020F0502020204030204" pitchFamily="34" charset="0"/>
+              </a:rPr>
+              <a:t>train</a:t>
+            </a:r>
+            <a:r>
+              <a:rPr lang="tr-TR" sz="2400" dirty="0">
+                <a:latin typeface="Calibri" panose="020F0502020204030204" pitchFamily="34" charset="0"/>
+                <a:cs typeface="Calibri" panose="020F0502020204030204" pitchFamily="34" charset="0"/>
+              </a:rPr>
+              <a:t> test ayrımı</a:t>
+            </a:r>
+          </a:p>
+          <a:p>
+            <a:pPr algn="just" fontAlgn="t"/>
+            <a:endParaRPr lang="tr-TR" sz="2400" dirty="0">
+              <a:latin typeface="Calibri" panose="020F0502020204030204" pitchFamily="34" charset="0"/>
+              <a:cs typeface="Calibri" panose="020F0502020204030204" pitchFamily="34" charset="0"/>
+            </a:endParaRPr>
+          </a:p>
+          <a:p>
+            <a:pPr algn="just" fontAlgn="t"/>
+            <a:r>
+              <a:rPr lang="tr-TR" sz="2400" dirty="0">
+                <a:solidFill>
+                  <a:srgbClr val="FF0000"/>
+                </a:solidFill>
+                <a:latin typeface="Calibri" panose="020F0502020204030204" pitchFamily="34" charset="0"/>
+                <a:cs typeface="Calibri" panose="020F0502020204030204" pitchFamily="34" charset="0"/>
+              </a:rPr>
+              <a:t>İdeal yaklaşım, </a:t>
+            </a:r>
+            <a:r>
+              <a:rPr lang="tr-TR" sz="2400" dirty="0">
+                <a:latin typeface="Calibri" panose="020F0502020204030204" pitchFamily="34" charset="0"/>
+                <a:cs typeface="Calibri" panose="020F0502020204030204" pitchFamily="34" charset="0"/>
+              </a:rPr>
+              <a:t>sadece </a:t>
+            </a:r>
+            <a:r>
+              <a:rPr lang="tr-TR" sz="2400" dirty="0" err="1">
+                <a:latin typeface="Calibri" panose="020F0502020204030204" pitchFamily="34" charset="0"/>
+                <a:cs typeface="Calibri" panose="020F0502020204030204" pitchFamily="34" charset="0"/>
+              </a:rPr>
+              <a:t>trainden</a:t>
+            </a:r>
+            <a:r>
+              <a:rPr lang="tr-TR" sz="2400" dirty="0">
+                <a:latin typeface="Calibri" panose="020F0502020204030204" pitchFamily="34" charset="0"/>
+                <a:cs typeface="Calibri" panose="020F0502020204030204" pitchFamily="34" charset="0"/>
+              </a:rPr>
+              <a:t> üretim, test datası üzerinde doğrulama. </a:t>
+            </a:r>
+          </a:p>
+          <a:p>
+            <a:pPr algn="just"/>
+            <a:endParaRPr lang="tr-TR" sz="2400" dirty="0">
+              <a:latin typeface="Calibri" panose="020F0502020204030204" pitchFamily="34" charset="0"/>
+              <a:cs typeface="Calibri" panose="020F0502020204030204" pitchFamily="34" charset="0"/>
+            </a:endParaRPr>
+          </a:p>
+        </p:txBody>
+      </p:sp>
+      <p:pic>
+        <p:nvPicPr>
+          <p:cNvPr id="8" name="Picture 4" descr="Failure of Classification Accuracy for Imbalanced Class Distributions"/>
+          <p:cNvPicPr>
+            <a:picLocks noChangeAspect="1" noChangeArrowheads="1"/>
+          </p:cNvPicPr>
+          <p:nvPr/>
+        </p:nvPicPr>
+        <p:blipFill>
+          <a:blip r:embed="rId2">
+            <a:extLst>
+              <a:ext uri="{28A0092B-C50C-407E-A947-70E740481C1C}">
+                <a14:useLocalDpi xmlns:a14="http://schemas.microsoft.com/office/drawing/2010/main" val="0"/>
+              </a:ext>
+            </a:extLst>
+          </a:blip>
+          <a:srcRect/>
+          <a:stretch>
+            <a:fillRect/>
+          </a:stretch>
+        </p:blipFill>
+        <p:spPr bwMode="auto">
+          <a:xfrm>
+            <a:off x="4688813" y="1226127"/>
+            <a:ext cx="3961041" cy="2970781"/>
+          </a:xfrm>
+          <a:prstGeom prst="rect">
+            <a:avLst/>
+          </a:prstGeom>
+          <a:noFill/>
+          <a:extLst>
+            <a:ext uri="{909E8E84-426E-40DD-AFC4-6F175D3DCCD1}">
+              <a14:hiddenFill xmlns:a14="http://schemas.microsoft.com/office/drawing/2010/main">
+                <a:solidFill>
+                  <a:srgbClr val="FFFFFF"/>
+                </a:solidFill>
+              </a14:hiddenFill>
+            </a:ext>
+          </a:extLst>
+        </p:spPr>
+      </p:pic>
+    </p:spTree>
+    <p:extLst>
+      <p:ext uri="{BB962C8B-B14F-4D97-AF65-F5344CB8AC3E}">
+        <p14:creationId xmlns:p14="http://schemas.microsoft.com/office/powerpoint/2010/main" val="3592057511"/>
+      </p:ext>
+    </p:extLst>
+  </p:cSld>
+  <p:clrMapOvr>
+    <a:masterClrMapping/>
+  </p:clrMapOvr>
+</p:sld>
+</file>
+
+<file path=ppt/slides/slide12.xml><?xml version="1.0" encoding="utf-8"?>
+<p:sld xmlns:a="http://schemas.openxmlformats.org/drawingml/2006/main" xmlns:r="http://schemas.openxmlformats.org/officeDocument/2006/relationships" xmlns:p="http://schemas.openxmlformats.org/presentationml/2006/main">
+  <p:cSld>
+    <p:spTree>
+      <p:nvGrpSpPr>
+        <p:cNvPr id="1" name=""/>
+        <p:cNvGrpSpPr/>
+        <p:nvPr/>
+      </p:nvGrpSpPr>
+      <p:grpSpPr>
+        <a:xfrm>
+          <a:off x="0" y="0"/>
+          <a:ext cx="0" cy="0"/>
+          <a:chOff x="0" y="0"/>
+          <a:chExt cx="0" cy="0"/>
+        </a:xfrm>
+      </p:grpSpPr>
+      <p:sp>
+        <p:nvSpPr>
+          <p:cNvPr id="3" name="Unvan 2"/>
+          <p:cNvSpPr>
+            <a:spLocks noGrp="1"/>
+          </p:cNvSpPr>
+          <p:nvPr>
+            <p:ph type="title"/>
+          </p:nvPr>
+        </p:nvSpPr>
+        <p:spPr>
+          <a:xfrm>
+            <a:off x="927579" y="0"/>
+            <a:ext cx="7228130" cy="875049"/>
+          </a:xfrm>
+        </p:spPr>
+        <p:txBody>
+          <a:bodyPr>
+            <a:normAutofit/>
+          </a:bodyPr>
+          <a:lstStyle/>
+          <a:p>
+            <a:r>
+              <a:rPr lang="tr-TR" sz="2000" dirty="0"/>
+              <a:t>KATMANLAMA (STRATIFICATION)</a:t>
+            </a:r>
+          </a:p>
+        </p:txBody>
+      </p:sp>
+      <p:sp>
+        <p:nvSpPr>
+          <p:cNvPr id="7" name="Unvan 2"/>
+          <p:cNvSpPr txBox="1">
+            <a:spLocks/>
+          </p:cNvSpPr>
+          <p:nvPr/>
+        </p:nvSpPr>
+        <p:spPr>
+          <a:xfrm>
+            <a:off x="414960" y="875049"/>
+            <a:ext cx="7983451" cy="3994824"/>
+          </a:xfrm>
+          <a:prstGeom prst="rect">
+            <a:avLst/>
+          </a:prstGeom>
+        </p:spPr>
+        <p:txBody>
+          <a:bodyPr vert="horz" lIns="91440" tIns="45720" rIns="91440" bIns="45720" rtlCol="0" anchor="t">
+            <a:normAutofit/>
+          </a:bodyPr>
+          <a:lstStyle>
+            <a:lvl1pPr algn="l" defTabSz="685800" rtl="0" eaLnBrk="1" latinLnBrk="0" hangingPunct="1">
+              <a:lnSpc>
+                <a:spcPct val="90000"/>
+              </a:lnSpc>
+              <a:spcBef>
+                <a:spcPct val="0"/>
+              </a:spcBef>
+              <a:buNone/>
+              <a:defRPr sz="3300" kern="1200">
+                <a:solidFill>
+                  <a:schemeClr val="tx1"/>
+                </a:solidFill>
+                <a:latin typeface="+mj-lt"/>
+                <a:ea typeface="+mj-ea"/>
+                <a:cs typeface="+mj-cs"/>
+              </a:defRPr>
+            </a:lvl1pPr>
+          </a:lstStyle>
+          <a:p>
+            <a:pPr marL="342900" indent="-342900" algn="just" fontAlgn="t">
+              <a:buFont typeface="Arial" panose="020B0604020202020204" pitchFamily="34" charset="0"/>
+              <a:buChar char="•"/>
+            </a:pPr>
+            <a:r>
+              <a:rPr lang="tr-TR" sz="2000" dirty="0">
+                <a:latin typeface="Calibri" panose="020F0502020204030204" pitchFamily="34" charset="0"/>
+                <a:cs typeface="Calibri" panose="020F0502020204030204" pitchFamily="34" charset="0"/>
+              </a:rPr>
+              <a:t>Dengesiz veri kümelerini, eğitim veri kümesi (</a:t>
+            </a:r>
+            <a:r>
+              <a:rPr lang="tr-TR" sz="2000" dirty="0" err="1">
+                <a:latin typeface="Calibri" panose="020F0502020204030204" pitchFamily="34" charset="0"/>
+                <a:cs typeface="Calibri" panose="020F0502020204030204" pitchFamily="34" charset="0"/>
+              </a:rPr>
+              <a:t>training</a:t>
+            </a:r>
+            <a:r>
+              <a:rPr lang="tr-TR" sz="2000" dirty="0">
+                <a:latin typeface="Calibri" panose="020F0502020204030204" pitchFamily="34" charset="0"/>
+                <a:cs typeface="Calibri" panose="020F0502020204030204" pitchFamily="34" charset="0"/>
+              </a:rPr>
+              <a:t> </a:t>
+            </a:r>
+            <a:r>
+              <a:rPr lang="tr-TR" sz="2000" dirty="0" err="1">
+                <a:latin typeface="Calibri" panose="020F0502020204030204" pitchFamily="34" charset="0"/>
+                <a:cs typeface="Calibri" panose="020F0502020204030204" pitchFamily="34" charset="0"/>
+              </a:rPr>
+              <a:t>dataset</a:t>
+            </a:r>
+            <a:r>
+              <a:rPr lang="tr-TR" sz="2000" dirty="0">
+                <a:latin typeface="Calibri" panose="020F0502020204030204" pitchFamily="34" charset="0"/>
+                <a:cs typeface="Calibri" panose="020F0502020204030204" pitchFamily="34" charset="0"/>
+              </a:rPr>
+              <a:t>) ve test veri kümesi (test </a:t>
+            </a:r>
+            <a:r>
+              <a:rPr lang="tr-TR" sz="2000" dirty="0" err="1">
+                <a:latin typeface="Calibri" panose="020F0502020204030204" pitchFamily="34" charset="0"/>
+                <a:cs typeface="Calibri" panose="020F0502020204030204" pitchFamily="34" charset="0"/>
+              </a:rPr>
+              <a:t>dataset</a:t>
+            </a:r>
+            <a:r>
+              <a:rPr lang="tr-TR" sz="2000" dirty="0">
+                <a:latin typeface="Calibri" panose="020F0502020204030204" pitchFamily="34" charset="0"/>
+                <a:cs typeface="Calibri" panose="020F0502020204030204" pitchFamily="34" charset="0"/>
+              </a:rPr>
+              <a:t>) olarak ikiye ayırırken, verilerin dengesizlik oranında, eğitim ve test kümelerine eşit dağılması gerekir. Yani her iki kümede sınıfların oranının aynı olması, modelin performansının istikrarlı (</a:t>
+            </a:r>
+            <a:r>
+              <a:rPr lang="tr-TR" sz="2000" dirty="0" err="1">
+                <a:latin typeface="Calibri" panose="020F0502020204030204" pitchFamily="34" charset="0"/>
+                <a:cs typeface="Calibri" panose="020F0502020204030204" pitchFamily="34" charset="0"/>
+              </a:rPr>
+              <a:t>consistency</a:t>
+            </a:r>
+            <a:r>
+              <a:rPr lang="tr-TR" sz="2000" dirty="0">
+                <a:latin typeface="Calibri" panose="020F0502020204030204" pitchFamily="34" charset="0"/>
+                <a:cs typeface="Calibri" panose="020F0502020204030204" pitchFamily="34" charset="0"/>
+              </a:rPr>
+              <a:t>) olması </a:t>
+            </a:r>
+            <a:r>
+              <a:rPr lang="tr-TR" sz="2000">
+                <a:latin typeface="Calibri" panose="020F0502020204030204" pitchFamily="34" charset="0"/>
+                <a:cs typeface="Calibri" panose="020F0502020204030204" pitchFamily="34" charset="0"/>
+              </a:rPr>
+              <a:t>açısından önemlidir.</a:t>
+            </a:r>
+            <a:endParaRPr lang="tr-TR" sz="2000" dirty="0">
+              <a:latin typeface="Calibri" panose="020F0502020204030204" pitchFamily="34" charset="0"/>
+              <a:cs typeface="Calibri" panose="020F0502020204030204" pitchFamily="34" charset="0"/>
+            </a:endParaRPr>
+          </a:p>
+          <a:p>
+            <a:pPr marL="342900" indent="-342900" algn="just" fontAlgn="t">
+              <a:buFont typeface="Arial" panose="020B0604020202020204" pitchFamily="34" charset="0"/>
+              <a:buChar char="•"/>
+            </a:pPr>
+            <a:endParaRPr lang="tr-TR" sz="2000" dirty="0">
+              <a:latin typeface="Calibri" panose="020F0502020204030204" pitchFamily="34" charset="0"/>
+              <a:cs typeface="Calibri" panose="020F0502020204030204" pitchFamily="34" charset="0"/>
+            </a:endParaRPr>
+          </a:p>
+          <a:p>
+            <a:pPr marL="342900" indent="-342900" algn="just" fontAlgn="t">
+              <a:buFont typeface="Arial" panose="020B0604020202020204" pitchFamily="34" charset="0"/>
+              <a:buChar char="•"/>
+            </a:pPr>
+            <a:r>
+              <a:rPr lang="tr-TR" sz="2000" dirty="0">
+                <a:latin typeface="Calibri" panose="020F0502020204030204" pitchFamily="34" charset="0"/>
+                <a:cs typeface="Calibri" panose="020F0502020204030204" pitchFamily="34" charset="0"/>
+              </a:rPr>
+              <a:t>Dolayısıyla, veri kümesini eğitim ve test veri kümelerine ayırırken, </a:t>
+            </a:r>
+            <a:r>
+              <a:rPr lang="tr-TR" sz="2000" dirty="0" err="1">
+                <a:latin typeface="Calibri" panose="020F0502020204030204" pitchFamily="34" charset="0"/>
+                <a:cs typeface="Calibri" panose="020F0502020204030204" pitchFamily="34" charset="0"/>
+              </a:rPr>
+              <a:t>train_test_split</a:t>
+            </a:r>
+            <a:r>
+              <a:rPr lang="tr-TR" sz="2000" dirty="0">
+                <a:latin typeface="Calibri" panose="020F0502020204030204" pitchFamily="34" charset="0"/>
+                <a:cs typeface="Calibri" panose="020F0502020204030204" pitchFamily="34" charset="0"/>
+              </a:rPr>
+              <a:t>() fonksiyonundaki “</a:t>
+            </a:r>
+            <a:r>
+              <a:rPr lang="tr-TR" sz="2000" dirty="0" err="1">
+                <a:latin typeface="Calibri" panose="020F0502020204030204" pitchFamily="34" charset="0"/>
+                <a:cs typeface="Calibri" panose="020F0502020204030204" pitchFamily="34" charset="0"/>
+              </a:rPr>
+              <a:t>stratify</a:t>
+            </a:r>
+            <a:r>
+              <a:rPr lang="tr-TR" sz="2000" dirty="0">
+                <a:latin typeface="Calibri" panose="020F0502020204030204" pitchFamily="34" charset="0"/>
+                <a:cs typeface="Calibri" panose="020F0502020204030204" pitchFamily="34" charset="0"/>
+              </a:rPr>
+              <a:t>” parametresi kullanılmalıdır.</a:t>
+            </a:r>
+          </a:p>
+          <a:p>
+            <a:pPr marL="342900" indent="-342900" algn="just" fontAlgn="t">
+              <a:buFont typeface="Arial" panose="020B0604020202020204" pitchFamily="34" charset="0"/>
+              <a:buChar char="•"/>
+            </a:pPr>
+            <a:endParaRPr lang="tr-TR" sz="2000" dirty="0">
+              <a:latin typeface="Calibri" panose="020F0502020204030204" pitchFamily="34" charset="0"/>
+              <a:cs typeface="Calibri" panose="020F0502020204030204" pitchFamily="34" charset="0"/>
+            </a:endParaRPr>
+          </a:p>
+          <a:p>
+            <a:pPr marL="342900" indent="-342900" algn="just" fontAlgn="t">
+              <a:buFont typeface="Arial" panose="020B0604020202020204" pitchFamily="34" charset="0"/>
+              <a:buChar char="•"/>
+            </a:pPr>
+            <a:r>
+              <a:rPr lang="tr-TR" sz="2000" dirty="0" err="1">
+                <a:solidFill>
+                  <a:srgbClr val="FFFF00"/>
+                </a:solidFill>
+                <a:latin typeface="Calibri" panose="020F0502020204030204" pitchFamily="34" charset="0"/>
+                <a:cs typeface="Calibri" panose="020F0502020204030204" pitchFamily="34" charset="0"/>
+              </a:rPr>
+              <a:t>from</a:t>
+            </a:r>
+            <a:r>
+              <a:rPr lang="tr-TR" sz="2000" dirty="0">
+                <a:solidFill>
+                  <a:srgbClr val="FFFF00"/>
+                </a:solidFill>
+                <a:latin typeface="Calibri" panose="020F0502020204030204" pitchFamily="34" charset="0"/>
+                <a:cs typeface="Calibri" panose="020F0502020204030204" pitchFamily="34" charset="0"/>
+              </a:rPr>
+              <a:t> </a:t>
+            </a:r>
+            <a:r>
+              <a:rPr lang="tr-TR" sz="2000" dirty="0" err="1">
+                <a:solidFill>
+                  <a:srgbClr val="FFFF00"/>
+                </a:solidFill>
+                <a:latin typeface="Calibri" panose="020F0502020204030204" pitchFamily="34" charset="0"/>
+                <a:cs typeface="Calibri" panose="020F0502020204030204" pitchFamily="34" charset="0"/>
+              </a:rPr>
+              <a:t>sklearn.model_selection</a:t>
+            </a:r>
+            <a:r>
+              <a:rPr lang="tr-TR" sz="2000" dirty="0">
+                <a:solidFill>
+                  <a:srgbClr val="FFFF00"/>
+                </a:solidFill>
+                <a:latin typeface="Calibri" panose="020F0502020204030204" pitchFamily="34" charset="0"/>
+                <a:cs typeface="Calibri" panose="020F0502020204030204" pitchFamily="34" charset="0"/>
+              </a:rPr>
+              <a:t> </a:t>
+            </a:r>
+            <a:r>
+              <a:rPr lang="tr-TR" sz="2000" dirty="0" err="1">
+                <a:solidFill>
+                  <a:srgbClr val="FFFF00"/>
+                </a:solidFill>
+                <a:latin typeface="Calibri" panose="020F0502020204030204" pitchFamily="34" charset="0"/>
+                <a:cs typeface="Calibri" panose="020F0502020204030204" pitchFamily="34" charset="0"/>
+              </a:rPr>
+              <a:t>import</a:t>
+            </a:r>
+            <a:r>
+              <a:rPr lang="tr-TR" sz="2000" dirty="0">
+                <a:solidFill>
+                  <a:srgbClr val="FFFF00"/>
+                </a:solidFill>
+                <a:latin typeface="Calibri" panose="020F0502020204030204" pitchFamily="34" charset="0"/>
+                <a:cs typeface="Calibri" panose="020F0502020204030204" pitchFamily="34" charset="0"/>
+              </a:rPr>
+              <a:t> </a:t>
+            </a:r>
+            <a:r>
+              <a:rPr lang="tr-TR" sz="2000" dirty="0" err="1">
+                <a:solidFill>
+                  <a:srgbClr val="FFFF00"/>
+                </a:solidFill>
+                <a:latin typeface="Calibri" panose="020F0502020204030204" pitchFamily="34" charset="0"/>
+                <a:cs typeface="Calibri" panose="020F0502020204030204" pitchFamily="34" charset="0"/>
+              </a:rPr>
+              <a:t>StratifiedKFold</a:t>
+            </a:r>
+            <a:r>
+              <a:rPr lang="tr-TR" sz="2000" dirty="0">
+                <a:solidFill>
+                  <a:srgbClr val="FFFF00"/>
+                </a:solidFill>
+                <a:latin typeface="Calibri" panose="020F0502020204030204" pitchFamily="34" charset="0"/>
+                <a:cs typeface="Calibri" panose="020F0502020204030204" pitchFamily="34" charset="0"/>
+              </a:rPr>
+              <a:t>, </a:t>
+            </a:r>
+            <a:r>
+              <a:rPr lang="tr-TR" sz="2000" dirty="0" err="1">
+                <a:solidFill>
+                  <a:srgbClr val="FFFF00"/>
+                </a:solidFill>
+                <a:latin typeface="Calibri" panose="020F0502020204030204" pitchFamily="34" charset="0"/>
+                <a:cs typeface="Calibri" panose="020F0502020204030204" pitchFamily="34" charset="0"/>
+              </a:rPr>
+              <a:t>cross_val_score</a:t>
+            </a:r>
+            <a:endParaRPr lang="tr-TR" sz="2000" dirty="0">
+              <a:solidFill>
+                <a:srgbClr val="FFFF00"/>
+              </a:solidFill>
+              <a:latin typeface="Calibri" panose="020F0502020204030204" pitchFamily="34" charset="0"/>
+              <a:cs typeface="Calibri" panose="020F0502020204030204" pitchFamily="34" charset="0"/>
+            </a:endParaRPr>
+          </a:p>
+          <a:p>
+            <a:pPr marL="342900" indent="-342900" algn="just" fontAlgn="t">
+              <a:buFont typeface="Arial" panose="020B0604020202020204" pitchFamily="34" charset="0"/>
+              <a:buChar char="•"/>
+            </a:pPr>
+            <a:r>
+              <a:rPr lang="tr-TR" sz="2000" dirty="0" err="1">
+                <a:solidFill>
+                  <a:srgbClr val="FFFF00"/>
+                </a:solidFill>
+                <a:latin typeface="Calibri" panose="020F0502020204030204" pitchFamily="34" charset="0"/>
+                <a:cs typeface="Calibri" panose="020F0502020204030204" pitchFamily="34" charset="0"/>
+              </a:rPr>
+              <a:t>skf</a:t>
+            </a:r>
+            <a:r>
+              <a:rPr lang="tr-TR" sz="2000" dirty="0">
+                <a:solidFill>
+                  <a:srgbClr val="FFFF00"/>
+                </a:solidFill>
+                <a:latin typeface="Calibri" panose="020F0502020204030204" pitchFamily="34" charset="0"/>
+                <a:cs typeface="Calibri" panose="020F0502020204030204" pitchFamily="34" charset="0"/>
+              </a:rPr>
+              <a:t> = </a:t>
+            </a:r>
+            <a:r>
+              <a:rPr lang="tr-TR" sz="2000" dirty="0" err="1">
+                <a:solidFill>
+                  <a:srgbClr val="FFFF00"/>
+                </a:solidFill>
+                <a:latin typeface="Calibri" panose="020F0502020204030204" pitchFamily="34" charset="0"/>
+                <a:cs typeface="Calibri" panose="020F0502020204030204" pitchFamily="34" charset="0"/>
+              </a:rPr>
+              <a:t>StratifiedKFold</a:t>
+            </a:r>
+            <a:r>
+              <a:rPr lang="tr-TR" sz="2000" dirty="0">
+                <a:solidFill>
+                  <a:srgbClr val="FFFF00"/>
+                </a:solidFill>
+                <a:latin typeface="Calibri" panose="020F0502020204030204" pitchFamily="34" charset="0"/>
+                <a:cs typeface="Calibri" panose="020F0502020204030204" pitchFamily="34" charset="0"/>
+              </a:rPr>
+              <a:t>(</a:t>
+            </a:r>
+            <a:r>
+              <a:rPr lang="tr-TR" sz="2000" dirty="0" err="1">
+                <a:solidFill>
+                  <a:srgbClr val="FFFF00"/>
+                </a:solidFill>
+                <a:latin typeface="Calibri" panose="020F0502020204030204" pitchFamily="34" charset="0"/>
+                <a:cs typeface="Calibri" panose="020F0502020204030204" pitchFamily="34" charset="0"/>
+              </a:rPr>
+              <a:t>n_splits</a:t>
+            </a:r>
+            <a:r>
+              <a:rPr lang="tr-TR" sz="2000" dirty="0">
+                <a:solidFill>
+                  <a:srgbClr val="FFFF00"/>
+                </a:solidFill>
+                <a:latin typeface="Calibri" panose="020F0502020204030204" pitchFamily="34" charset="0"/>
+                <a:cs typeface="Calibri" panose="020F0502020204030204" pitchFamily="34" charset="0"/>
+              </a:rPr>
+              <a:t>=10)</a:t>
+            </a:r>
+          </a:p>
+        </p:txBody>
+      </p:sp>
+    </p:spTree>
+    <p:extLst>
+      <p:ext uri="{BB962C8B-B14F-4D97-AF65-F5344CB8AC3E}">
+        <p14:creationId xmlns:p14="http://schemas.microsoft.com/office/powerpoint/2010/main" val="1746472269"/>
+      </p:ext>
+    </p:extLst>
+  </p:cSld>
+  <p:clrMapOvr>
+    <a:masterClrMapping/>
+  </p:clrMapOvr>
+</p:sld>
+</file>
+
+<file path=ppt/slides/slide13.xml><?xml version="1.0" encoding="utf-8"?>
+<p:sld xmlns:a="http://schemas.openxmlformats.org/drawingml/2006/main" xmlns:r="http://schemas.openxmlformats.org/officeDocument/2006/relationships" xmlns:p="http://schemas.openxmlformats.org/presentationml/2006/main">
+  <p:cSld>
+    <p:spTree>
+      <p:nvGrpSpPr>
+        <p:cNvPr id="1" name=""/>
+        <p:cNvGrpSpPr/>
+        <p:nvPr/>
+      </p:nvGrpSpPr>
+      <p:grpSpPr>
+        <a:xfrm>
+          <a:off x="0" y="0"/>
+          <a:ext cx="0" cy="0"/>
+          <a:chOff x="0" y="0"/>
+          <a:chExt cx="0" cy="0"/>
+        </a:xfrm>
+      </p:grpSpPr>
+      <p:sp>
+        <p:nvSpPr>
+          <p:cNvPr id="3" name="Unvan 2"/>
+          <p:cNvSpPr>
+            <a:spLocks noGrp="1"/>
+          </p:cNvSpPr>
+          <p:nvPr>
+            <p:ph type="title"/>
+          </p:nvPr>
+        </p:nvSpPr>
+        <p:spPr>
+          <a:xfrm>
+            <a:off x="751733" y="351693"/>
+            <a:ext cx="7228130" cy="541606"/>
+          </a:xfrm>
+        </p:spPr>
+        <p:txBody>
+          <a:bodyPr>
+            <a:normAutofit fontScale="90000"/>
+          </a:bodyPr>
+          <a:lstStyle/>
+          <a:p>
+            <a:r>
+              <a:rPr lang="tr-TR" sz="2000" dirty="0">
+                <a:solidFill>
+                  <a:srgbClr val="FFFF00"/>
+                </a:solidFill>
+              </a:rPr>
+              <a:t>Aşırı Öğrenme-Eksik Öğrenme</a:t>
+            </a:r>
+            <a:br>
+              <a:rPr lang="tr-TR" sz="2000" dirty="0">
+                <a:solidFill>
+                  <a:srgbClr val="FFFF00"/>
+                </a:solidFill>
+              </a:rPr>
+            </a:br>
+            <a:endParaRPr lang="tr-TR" sz="2000" dirty="0">
+              <a:solidFill>
+                <a:srgbClr val="FFFF00"/>
+              </a:solidFill>
+            </a:endParaRPr>
+          </a:p>
+        </p:txBody>
+      </p:sp>
+      <p:sp>
+        <p:nvSpPr>
+          <p:cNvPr id="7" name="Unvan 2"/>
+          <p:cNvSpPr txBox="1">
+            <a:spLocks/>
+          </p:cNvSpPr>
+          <p:nvPr/>
+        </p:nvSpPr>
+        <p:spPr>
+          <a:xfrm>
+            <a:off x="414961" y="1226127"/>
+            <a:ext cx="8486584" cy="3643746"/>
+          </a:xfrm>
+          <a:prstGeom prst="rect">
+            <a:avLst/>
+          </a:prstGeom>
+        </p:spPr>
+        <p:txBody>
+          <a:bodyPr vert="horz" lIns="91440" tIns="45720" rIns="91440" bIns="45720" rtlCol="0" anchor="t">
+            <a:normAutofit/>
+          </a:bodyPr>
+          <a:lstStyle>
+            <a:lvl1pPr algn="l" defTabSz="685800" rtl="0" eaLnBrk="1" latinLnBrk="0" hangingPunct="1">
+              <a:lnSpc>
+                <a:spcPct val="90000"/>
+              </a:lnSpc>
+              <a:spcBef>
+                <a:spcPct val="0"/>
+              </a:spcBef>
+              <a:buNone/>
+              <a:defRPr sz="3300" kern="1200">
+                <a:solidFill>
+                  <a:schemeClr val="tx1"/>
+                </a:solidFill>
+                <a:latin typeface="+mj-lt"/>
+                <a:ea typeface="+mj-ea"/>
+                <a:cs typeface="+mj-cs"/>
+              </a:defRPr>
+            </a:lvl1pPr>
+          </a:lstStyle>
+          <a:p>
+            <a:endParaRPr lang="tr-TR" sz="1600" dirty="0">
+              <a:latin typeface="Calibri" panose="020F0502020204030204" pitchFamily="34" charset="0"/>
+              <a:cs typeface="Calibri" panose="020F0502020204030204" pitchFamily="34" charset="0"/>
+            </a:endParaRPr>
+          </a:p>
+          <a:p>
+            <a:pPr algn="just"/>
+            <a:r>
+              <a:rPr lang="tr-TR" sz="2200" b="1" dirty="0">
+                <a:latin typeface="Calibri" panose="020F0502020204030204" pitchFamily="34" charset="0"/>
+                <a:cs typeface="Calibri" panose="020F0502020204030204" pitchFamily="34" charset="0"/>
+              </a:rPr>
+              <a:t>Model, eğitim verilerinden elde edilen örüntülere göre inşa edilir. </a:t>
+            </a:r>
+          </a:p>
+          <a:p>
+            <a:pPr algn="just"/>
+            <a:r>
+              <a:rPr lang="tr-TR" sz="2200" b="1" dirty="0">
+                <a:latin typeface="Calibri" panose="020F0502020204030204" pitchFamily="34" charset="0"/>
+                <a:cs typeface="Calibri" panose="020F0502020204030204" pitchFamily="34" charset="0"/>
+              </a:rPr>
+              <a:t>Bu inşanın sonucunda;</a:t>
+            </a:r>
+          </a:p>
+          <a:p>
+            <a:pPr algn="just"/>
+            <a:endParaRPr lang="tr-TR" sz="2200" b="1" dirty="0">
+              <a:latin typeface="Calibri" panose="020F0502020204030204" pitchFamily="34" charset="0"/>
+              <a:cs typeface="Calibri" panose="020F0502020204030204" pitchFamily="34" charset="0"/>
+            </a:endParaRPr>
+          </a:p>
+          <a:p>
+            <a:pPr algn="just"/>
+            <a:r>
+              <a:rPr lang="tr-TR" sz="2200" b="1" dirty="0">
+                <a:solidFill>
+                  <a:srgbClr val="FF0000"/>
+                </a:solidFill>
+                <a:latin typeface="Calibri" panose="020F0502020204030204" pitchFamily="34" charset="0"/>
+                <a:cs typeface="Calibri" panose="020F0502020204030204" pitchFamily="34" charset="0"/>
+              </a:rPr>
+              <a:t>Aşırı Öğrenme</a:t>
+            </a:r>
+          </a:p>
+          <a:p>
+            <a:pPr algn="just"/>
+            <a:r>
+              <a:rPr lang="tr-TR" sz="2200" b="1" dirty="0">
+                <a:solidFill>
+                  <a:srgbClr val="FF0000"/>
+                </a:solidFill>
+                <a:latin typeface="Calibri" panose="020F0502020204030204" pitchFamily="34" charset="0"/>
+                <a:cs typeface="Calibri" panose="020F0502020204030204" pitchFamily="34" charset="0"/>
+              </a:rPr>
+              <a:t>Eksik Öğrenme</a:t>
+            </a:r>
+          </a:p>
+          <a:p>
+            <a:pPr algn="just"/>
+            <a:endParaRPr lang="tr-TR" sz="2200" b="1" dirty="0">
+              <a:latin typeface="Calibri" panose="020F0502020204030204" pitchFamily="34" charset="0"/>
+              <a:cs typeface="Calibri" panose="020F0502020204030204" pitchFamily="34" charset="0"/>
+            </a:endParaRPr>
+          </a:p>
+          <a:p>
+            <a:pPr algn="just"/>
+            <a:r>
+              <a:rPr lang="tr-TR" sz="2200" b="1" dirty="0">
+                <a:latin typeface="Calibri" panose="020F0502020204030204" pitchFamily="34" charset="0"/>
+                <a:cs typeface="Calibri" panose="020F0502020204030204" pitchFamily="34" charset="0"/>
+              </a:rPr>
+              <a:t>Bunun sonucu olarak, modelin tahminleri incelendiğinde yeterli öngörüde bulunamadığı ve hata oranı yüksek sonuçlar verdiği görülür.</a:t>
+            </a:r>
+            <a:endParaRPr lang="tr-TR" sz="2200" b="1" i="1" dirty="0">
+              <a:latin typeface="Calibri" panose="020F0502020204030204" pitchFamily="34" charset="0"/>
+              <a:cs typeface="Calibri" panose="020F0502020204030204" pitchFamily="34" charset="0"/>
+            </a:endParaRPr>
+          </a:p>
+          <a:p>
+            <a:endParaRPr lang="tr-TR" sz="1600" dirty="0">
+              <a:latin typeface="Calibri" panose="020F0502020204030204" pitchFamily="34" charset="0"/>
+              <a:cs typeface="Calibri" panose="020F0502020204030204" pitchFamily="34" charset="0"/>
+            </a:endParaRPr>
+          </a:p>
+        </p:txBody>
+      </p:sp>
+    </p:spTree>
+    <p:extLst>
+      <p:ext uri="{BB962C8B-B14F-4D97-AF65-F5344CB8AC3E}">
+        <p14:creationId xmlns:p14="http://schemas.microsoft.com/office/powerpoint/2010/main" val="2923711735"/>
+      </p:ext>
+    </p:extLst>
+  </p:cSld>
+  <p:clrMapOvr>
+    <a:masterClrMapping/>
+  </p:clrMapOvr>
+</p:sld>
+</file>
+
+<file path=ppt/slides/slide14.xml><?xml version="1.0" encoding="utf-8"?>
+<p:sld xmlns:a="http://schemas.openxmlformats.org/drawingml/2006/main" xmlns:r="http://schemas.openxmlformats.org/officeDocument/2006/relationships" xmlns:p="http://schemas.openxmlformats.org/presentationml/2006/main">
+  <p:cSld>
+    <p:spTree>
+      <p:nvGrpSpPr>
+        <p:cNvPr id="1" name=""/>
+        <p:cNvGrpSpPr/>
+        <p:nvPr/>
+      </p:nvGrpSpPr>
+      <p:grpSpPr>
+        <a:xfrm>
+          <a:off x="0" y="0"/>
+          <a:ext cx="0" cy="0"/>
+          <a:chOff x="0" y="0"/>
+          <a:chExt cx="0" cy="0"/>
+        </a:xfrm>
+      </p:grpSpPr>
+      <p:sp>
+        <p:nvSpPr>
+          <p:cNvPr id="3" name="Unvan 2"/>
+          <p:cNvSpPr>
+            <a:spLocks noGrp="1"/>
+          </p:cNvSpPr>
+          <p:nvPr>
+            <p:ph type="title"/>
+          </p:nvPr>
+        </p:nvSpPr>
+        <p:spPr>
+          <a:xfrm>
+            <a:off x="927579" y="0"/>
+            <a:ext cx="7228130" cy="875049"/>
+          </a:xfrm>
+        </p:spPr>
+        <p:txBody>
+          <a:bodyPr>
+            <a:normAutofit/>
+          </a:bodyPr>
+          <a:lstStyle/>
+          <a:p>
+            <a:r>
+              <a:rPr lang="tr-TR" sz="2000" dirty="0">
+                <a:solidFill>
+                  <a:srgbClr val="FFFF00"/>
+                </a:solidFill>
+              </a:rPr>
+              <a:t>Aşırı Öğrenme-Eksik Öğrenme</a:t>
+            </a:r>
+            <a:endParaRPr lang="tr-TR" sz="2000" dirty="0"/>
+          </a:p>
+        </p:txBody>
+      </p:sp>
+      <p:sp>
+        <p:nvSpPr>
+          <p:cNvPr id="7" name="Unvan 2"/>
+          <p:cNvSpPr txBox="1">
+            <a:spLocks/>
+          </p:cNvSpPr>
+          <p:nvPr/>
+        </p:nvSpPr>
+        <p:spPr>
+          <a:xfrm>
+            <a:off x="281354" y="991772"/>
+            <a:ext cx="8620191" cy="4002259"/>
+          </a:xfrm>
+          <a:prstGeom prst="rect">
+            <a:avLst/>
+          </a:prstGeom>
+        </p:spPr>
+        <p:txBody>
+          <a:bodyPr vert="horz" lIns="91440" tIns="45720" rIns="91440" bIns="45720" rtlCol="0" anchor="t">
+            <a:normAutofit fontScale="47500" lnSpcReduction="20000"/>
+          </a:bodyPr>
+          <a:lstStyle>
+            <a:lvl1pPr algn="l" defTabSz="685800" rtl="0" eaLnBrk="1" latinLnBrk="0" hangingPunct="1">
+              <a:lnSpc>
+                <a:spcPct val="90000"/>
+              </a:lnSpc>
+              <a:spcBef>
+                <a:spcPct val="0"/>
+              </a:spcBef>
+              <a:buNone/>
+              <a:defRPr sz="3300" kern="1200">
+                <a:solidFill>
+                  <a:schemeClr val="tx1"/>
+                </a:solidFill>
+                <a:latin typeface="+mj-lt"/>
+                <a:ea typeface="+mj-ea"/>
+                <a:cs typeface="+mj-cs"/>
+              </a:defRPr>
+            </a:lvl1pPr>
+          </a:lstStyle>
+          <a:p>
+            <a:pPr>
+              <a:lnSpc>
+                <a:spcPct val="120000"/>
+              </a:lnSpc>
+            </a:pPr>
+            <a:r>
+              <a:rPr lang="tr-TR" dirty="0" err="1">
+                <a:latin typeface="Calibri" panose="020F0502020204030204" pitchFamily="34" charset="0"/>
+                <a:cs typeface="Calibri" panose="020F0502020204030204" pitchFamily="34" charset="0"/>
+              </a:rPr>
+              <a:t>Overfitting</a:t>
+            </a:r>
+            <a:r>
+              <a:rPr lang="tr-TR" dirty="0">
+                <a:latin typeface="Calibri" panose="020F0502020204030204" pitchFamily="34" charset="0"/>
+                <a:cs typeface="Calibri" panose="020F0502020204030204" pitchFamily="34" charset="0"/>
+              </a:rPr>
+              <a:t> (Aşırı Öğrenme)</a:t>
+            </a:r>
+          </a:p>
+          <a:p>
+            <a:pPr>
+              <a:lnSpc>
+                <a:spcPct val="120000"/>
+              </a:lnSpc>
+            </a:pPr>
+            <a:endParaRPr lang="tr-TR" dirty="0">
+              <a:latin typeface="Calibri" panose="020F0502020204030204" pitchFamily="34" charset="0"/>
+              <a:cs typeface="Calibri" panose="020F0502020204030204" pitchFamily="34" charset="0"/>
+            </a:endParaRPr>
+          </a:p>
+          <a:p>
+            <a:pPr marL="514350" indent="-514350" algn="just">
+              <a:lnSpc>
+                <a:spcPct val="120000"/>
+              </a:lnSpc>
+              <a:buAutoNum type="alphaLcParenR"/>
+            </a:pPr>
+            <a:r>
+              <a:rPr lang="tr-TR" sz="3500" dirty="0">
+                <a:latin typeface="Calibri" panose="020F0502020204030204" pitchFamily="34" charset="0"/>
+                <a:cs typeface="Calibri" panose="020F0502020204030204" pitchFamily="34" charset="0"/>
+              </a:rPr>
+              <a:t>Eğitim için kullanılan veri seti üzerinde model gereğinden fazla çalışırsa </a:t>
+            </a:r>
+          </a:p>
+          <a:p>
+            <a:pPr marL="514350" indent="-514350" algn="just">
+              <a:lnSpc>
+                <a:spcPct val="120000"/>
+              </a:lnSpc>
+              <a:buAutoNum type="alphaLcParenR"/>
+            </a:pPr>
+            <a:r>
+              <a:rPr lang="tr-TR" sz="3500" dirty="0">
+                <a:latin typeface="Calibri" panose="020F0502020204030204" pitchFamily="34" charset="0"/>
+                <a:cs typeface="Calibri" panose="020F0502020204030204" pitchFamily="34" charset="0"/>
+              </a:rPr>
+              <a:t>Eğitim seti tek düze ise </a:t>
+            </a:r>
+          </a:p>
+          <a:p>
+            <a:pPr marL="514350" indent="-514350" algn="just">
+              <a:lnSpc>
+                <a:spcPct val="120000"/>
+              </a:lnSpc>
+              <a:buAutoNum type="alphaLcParenR"/>
+            </a:pPr>
+            <a:endParaRPr lang="tr-TR" sz="3500" dirty="0">
+              <a:latin typeface="Calibri" panose="020F0502020204030204" pitchFamily="34" charset="0"/>
+              <a:cs typeface="Calibri" panose="020F0502020204030204" pitchFamily="34" charset="0"/>
+            </a:endParaRPr>
+          </a:p>
+          <a:p>
+            <a:pPr algn="just">
+              <a:lnSpc>
+                <a:spcPct val="120000"/>
+              </a:lnSpc>
+            </a:pPr>
+            <a:r>
+              <a:rPr lang="tr-TR" sz="3500" dirty="0" err="1">
+                <a:latin typeface="Calibri" panose="020F0502020204030204" pitchFamily="34" charset="0"/>
+                <a:cs typeface="Calibri" panose="020F0502020204030204" pitchFamily="34" charset="0"/>
+              </a:rPr>
+              <a:t>overfitting</a:t>
+            </a:r>
+            <a:r>
+              <a:rPr lang="tr-TR" sz="3500" dirty="0">
+                <a:latin typeface="Calibri" panose="020F0502020204030204" pitchFamily="34" charset="0"/>
+                <a:cs typeface="Calibri" panose="020F0502020204030204" pitchFamily="34" charset="0"/>
+              </a:rPr>
+              <a:t> olma riski büyük demektir. </a:t>
+            </a:r>
+          </a:p>
+          <a:p>
+            <a:pPr algn="just">
+              <a:lnSpc>
+                <a:spcPct val="120000"/>
+              </a:lnSpc>
+            </a:pPr>
+            <a:endParaRPr lang="tr-TR" sz="3500" dirty="0">
+              <a:latin typeface="Calibri" panose="020F0502020204030204" pitchFamily="34" charset="0"/>
+              <a:cs typeface="Calibri" panose="020F0502020204030204" pitchFamily="34" charset="0"/>
+            </a:endParaRPr>
+          </a:p>
+          <a:p>
+            <a:pPr algn="just">
+              <a:lnSpc>
+                <a:spcPct val="120000"/>
+              </a:lnSpc>
+            </a:pPr>
+            <a:r>
+              <a:rPr lang="tr-TR" sz="3500" b="1" dirty="0">
+                <a:solidFill>
+                  <a:srgbClr val="FF0000"/>
+                </a:solidFill>
+                <a:effectLst>
+                  <a:outerShdw blurRad="38100" dist="38100" dir="2700000" algn="tl">
+                    <a:srgbClr val="000000">
+                      <a:alpha val="43137"/>
+                    </a:srgbClr>
+                  </a:outerShdw>
+                </a:effectLst>
+                <a:latin typeface="Calibri" panose="020F0502020204030204" pitchFamily="34" charset="0"/>
+                <a:cs typeface="Calibri" panose="020F0502020204030204" pitchFamily="34" charset="0"/>
+              </a:rPr>
+              <a:t>Sonuç: </a:t>
+            </a:r>
+          </a:p>
+          <a:p>
+            <a:pPr algn="just">
+              <a:lnSpc>
+                <a:spcPct val="120000"/>
+              </a:lnSpc>
+            </a:pPr>
+            <a:endParaRPr lang="tr-TR" sz="3500" dirty="0">
+              <a:solidFill>
+                <a:srgbClr val="FF0000"/>
+              </a:solidFill>
+              <a:latin typeface="Calibri" panose="020F0502020204030204" pitchFamily="34" charset="0"/>
+              <a:cs typeface="Calibri" panose="020F0502020204030204" pitchFamily="34" charset="0"/>
+            </a:endParaRPr>
+          </a:p>
+          <a:p>
+            <a:pPr algn="just">
+              <a:lnSpc>
+                <a:spcPct val="120000"/>
+              </a:lnSpc>
+            </a:pPr>
+            <a:r>
+              <a:rPr lang="tr-TR" sz="3500" dirty="0">
+                <a:latin typeface="Calibri" panose="020F0502020204030204" pitchFamily="34" charset="0"/>
+                <a:cs typeface="Calibri" panose="020F0502020204030204" pitchFamily="34" charset="0"/>
+              </a:rPr>
+              <a:t>Eğitim setinde yüksek başarı, test veri setinde </a:t>
+            </a:r>
+            <a:r>
+              <a:rPr lang="tr-TR" sz="3500" b="1" dirty="0">
+                <a:solidFill>
+                  <a:srgbClr val="FF0000"/>
+                </a:solidFill>
+                <a:latin typeface="Calibri" panose="020F0502020204030204" pitchFamily="34" charset="0"/>
+                <a:cs typeface="Calibri" panose="020F0502020204030204" pitchFamily="34" charset="0"/>
+              </a:rPr>
+              <a:t>çok düşük başarı</a:t>
+            </a:r>
+          </a:p>
+          <a:p>
+            <a:pPr algn="just">
+              <a:lnSpc>
+                <a:spcPct val="120000"/>
+              </a:lnSpc>
+            </a:pPr>
+            <a:endParaRPr lang="tr-TR" sz="3500" dirty="0">
+              <a:latin typeface="Calibri" panose="020F0502020204030204" pitchFamily="34" charset="0"/>
+              <a:cs typeface="Calibri" panose="020F0502020204030204" pitchFamily="34" charset="0"/>
+            </a:endParaRPr>
+          </a:p>
+          <a:p>
+            <a:pPr algn="just">
+              <a:lnSpc>
+                <a:spcPct val="120000"/>
+              </a:lnSpc>
+            </a:pPr>
+            <a:r>
+              <a:rPr lang="tr-TR" sz="3500" dirty="0">
+                <a:latin typeface="Calibri" panose="020F0502020204030204" pitchFamily="34" charset="0"/>
+                <a:cs typeface="Calibri" panose="020F0502020204030204" pitchFamily="34" charset="0"/>
+              </a:rPr>
+              <a:t>Çünkü model eğitim setindeki durumları ezberlemiştir ve test veri setinde bu durumları aramaktadır. En ufak bir değişiklikte ezberlenen durumlar bulunamayacağı için test veri setinde başarısız tahminler görülür. </a:t>
+            </a:r>
+          </a:p>
+          <a:p>
+            <a:pPr algn="just">
+              <a:lnSpc>
+                <a:spcPct val="120000"/>
+              </a:lnSpc>
+            </a:pPr>
+            <a:endParaRPr lang="tr-TR" sz="3500" dirty="0">
+              <a:latin typeface="Calibri" panose="020F0502020204030204" pitchFamily="34" charset="0"/>
+              <a:cs typeface="Calibri" panose="020F0502020204030204" pitchFamily="34" charset="0"/>
+            </a:endParaRPr>
+          </a:p>
+          <a:p>
+            <a:endParaRPr lang="tr-TR" sz="1600" dirty="0">
+              <a:latin typeface="Calibri" panose="020F0502020204030204" pitchFamily="34" charset="0"/>
+              <a:cs typeface="Calibri" panose="020F0502020204030204" pitchFamily="34" charset="0"/>
+            </a:endParaRPr>
+          </a:p>
+        </p:txBody>
+      </p:sp>
+    </p:spTree>
+    <p:extLst>
+      <p:ext uri="{BB962C8B-B14F-4D97-AF65-F5344CB8AC3E}">
+        <p14:creationId xmlns:p14="http://schemas.microsoft.com/office/powerpoint/2010/main" val="670347217"/>
+      </p:ext>
+    </p:extLst>
+  </p:cSld>
+  <p:clrMapOvr>
+    <a:masterClrMapping/>
+  </p:clrMapOvr>
+</p:sld>
+</file>
+
+<file path=ppt/slides/slide15.xml><?xml version="1.0" encoding="utf-8"?>
+<p:sld xmlns:a="http://schemas.openxmlformats.org/drawingml/2006/main" xmlns:r="http://schemas.openxmlformats.org/officeDocument/2006/relationships" xmlns:p="http://schemas.openxmlformats.org/presentationml/2006/main">
+  <p:cSld>
+    <p:spTree>
+      <p:nvGrpSpPr>
+        <p:cNvPr id="1" name=""/>
+        <p:cNvGrpSpPr/>
+        <p:nvPr/>
+      </p:nvGrpSpPr>
+      <p:grpSpPr>
+        <a:xfrm>
+          <a:off x="0" y="0"/>
+          <a:ext cx="0" cy="0"/>
+          <a:chOff x="0" y="0"/>
+          <a:chExt cx="0" cy="0"/>
+        </a:xfrm>
+      </p:grpSpPr>
+      <p:sp>
+        <p:nvSpPr>
+          <p:cNvPr id="3" name="Unvan 2"/>
+          <p:cNvSpPr>
+            <a:spLocks noGrp="1"/>
+          </p:cNvSpPr>
+          <p:nvPr>
+            <p:ph type="title"/>
+          </p:nvPr>
+        </p:nvSpPr>
+        <p:spPr>
+          <a:xfrm>
+            <a:off x="927579" y="0"/>
+            <a:ext cx="7228130" cy="875049"/>
+          </a:xfrm>
+        </p:spPr>
+        <p:txBody>
+          <a:bodyPr>
+            <a:normAutofit/>
+          </a:bodyPr>
+          <a:lstStyle/>
+          <a:p>
+            <a:r>
+              <a:rPr lang="tr-TR" sz="2000" dirty="0">
+                <a:solidFill>
+                  <a:srgbClr val="FFFF00"/>
+                </a:solidFill>
+              </a:rPr>
+              <a:t>Aşırı Öğrenme-Eksik Öğrenme</a:t>
+            </a:r>
+            <a:endParaRPr lang="tr-TR" sz="2000" dirty="0"/>
+          </a:p>
+        </p:txBody>
+      </p:sp>
+      <p:sp>
+        <p:nvSpPr>
+          <p:cNvPr id="7" name="Unvan 2"/>
+          <p:cNvSpPr txBox="1">
+            <a:spLocks/>
+          </p:cNvSpPr>
+          <p:nvPr/>
+        </p:nvSpPr>
+        <p:spPr>
+          <a:xfrm>
+            <a:off x="281354" y="745588"/>
+            <a:ext cx="8620191" cy="4248443"/>
+          </a:xfrm>
+          <a:prstGeom prst="rect">
+            <a:avLst/>
+          </a:prstGeom>
+        </p:spPr>
+        <p:txBody>
+          <a:bodyPr vert="horz" lIns="91440" tIns="45720" rIns="91440" bIns="45720" rtlCol="0" anchor="t">
+            <a:normAutofit/>
+          </a:bodyPr>
+          <a:lstStyle>
+            <a:lvl1pPr algn="l" defTabSz="685800" rtl="0" eaLnBrk="1" latinLnBrk="0" hangingPunct="1">
+              <a:lnSpc>
+                <a:spcPct val="90000"/>
+              </a:lnSpc>
+              <a:spcBef>
+                <a:spcPct val="0"/>
+              </a:spcBef>
+              <a:buNone/>
+              <a:defRPr sz="3300" kern="1200">
+                <a:solidFill>
+                  <a:schemeClr val="tx1"/>
+                </a:solidFill>
+                <a:latin typeface="+mj-lt"/>
+                <a:ea typeface="+mj-ea"/>
+                <a:cs typeface="+mj-cs"/>
+              </a:defRPr>
+            </a:lvl1pPr>
+          </a:lstStyle>
+          <a:p>
             <a:pPr algn="just">
               <a:lnSpc>
                 <a:spcPct val="120000"/>
@@ -4066,7 +5468,7 @@
 </p:sld>
 </file>
 
-<file path=ppt/slides/slide11.xml><?xml version="1.0" encoding="utf-8"?>
+<file path=ppt/slides/slide16.xml><?xml version="1.0" encoding="utf-8"?>
 <p:sld xmlns:a="http://schemas.openxmlformats.org/drawingml/2006/main" xmlns:r="http://schemas.openxmlformats.org/officeDocument/2006/relationships" xmlns:p="http://schemas.openxmlformats.org/presentationml/2006/main">
   <p:cSld>
     <p:bg>
@@ -4356,7 +5758,7 @@
 </p:sld>
 </file>
 
-<file path=ppt/slides/slide12.xml><?xml version="1.0" encoding="utf-8"?>
+<file path=ppt/slides/slide17.xml><?xml version="1.0" encoding="utf-8"?>
 <p:sld xmlns:a="http://schemas.openxmlformats.org/drawingml/2006/main" xmlns:r="http://schemas.openxmlformats.org/officeDocument/2006/relationships" xmlns:p="http://schemas.openxmlformats.org/presentationml/2006/main">
   <p:cSld>
     <p:bg>
@@ -4646,7 +6048,7 @@
 </p:sld>
 </file>
 
-<file path=ppt/slides/slide13.xml><?xml version="1.0" encoding="utf-8"?>
+<file path=ppt/slides/slide18.xml><?xml version="1.0" encoding="utf-8"?>
 <p:sld xmlns:a="http://schemas.openxmlformats.org/drawingml/2006/main" xmlns:r="http://schemas.openxmlformats.org/officeDocument/2006/relationships" xmlns:p="http://schemas.openxmlformats.org/presentationml/2006/main">
   <p:cSld>
     <p:spTree>
@@ -4796,7 +6198,7 @@
 </p:sld>
 </file>
 
-<file path=ppt/slides/slide14.xml><?xml version="1.0" encoding="utf-8"?>
+<file path=ppt/slides/slide19.xml><?xml version="1.0" encoding="utf-8"?>
 <p:sld xmlns:a="http://schemas.openxmlformats.org/drawingml/2006/main" xmlns:r="http://schemas.openxmlformats.org/officeDocument/2006/relationships" xmlns:p="http://schemas.openxmlformats.org/presentationml/2006/main">
   <p:cSld>
     <p:spTree>
@@ -5018,1102 +6420,6 @@
     <p:extLst>
       <p:ext uri="{BB962C8B-B14F-4D97-AF65-F5344CB8AC3E}">
         <p14:creationId xmlns:p14="http://schemas.microsoft.com/office/powerpoint/2010/main" val="4053033962"/>
-      </p:ext>
-    </p:extLst>
-  </p:cSld>
-  <p:clrMapOvr>
-    <a:masterClrMapping/>
-  </p:clrMapOvr>
-</p:sld>
-</file>
-
-<file path=ppt/slides/slide15.xml><?xml version="1.0" encoding="utf-8"?>
-<p:sld xmlns:a="http://schemas.openxmlformats.org/drawingml/2006/main" xmlns:r="http://schemas.openxmlformats.org/officeDocument/2006/relationships" xmlns:p="http://schemas.openxmlformats.org/presentationml/2006/main">
-  <p:cSld>
-    <p:spTree>
-      <p:nvGrpSpPr>
-        <p:cNvPr id="1" name=""/>
-        <p:cNvGrpSpPr/>
-        <p:nvPr/>
-      </p:nvGrpSpPr>
-      <p:grpSpPr>
-        <a:xfrm>
-          <a:off x="0" y="0"/>
-          <a:ext cx="0" cy="0"/>
-          <a:chOff x="0" y="0"/>
-          <a:chExt cx="0" cy="0"/>
-        </a:xfrm>
-      </p:grpSpPr>
-      <p:sp>
-        <p:nvSpPr>
-          <p:cNvPr id="3" name="Unvan 2"/>
-          <p:cNvSpPr>
-            <a:spLocks noGrp="1"/>
-          </p:cNvSpPr>
-          <p:nvPr>
-            <p:ph type="title"/>
-          </p:nvPr>
-        </p:nvSpPr>
-        <p:spPr>
-          <a:xfrm>
-            <a:off x="927579" y="0"/>
-            <a:ext cx="7228130" cy="875049"/>
-          </a:xfrm>
-        </p:spPr>
-        <p:txBody>
-          <a:bodyPr>
-            <a:normAutofit/>
-          </a:bodyPr>
-          <a:lstStyle/>
-          <a:p>
-            <a:r>
-              <a:rPr lang="tr-TR" sz="2000" dirty="0">
-                <a:solidFill>
-                  <a:srgbClr val="FFFF00"/>
-                </a:solidFill>
-              </a:rPr>
-              <a:t>Aşırı Öğrenme-Eksik Öğrenme</a:t>
-            </a:r>
-            <a:endParaRPr lang="tr-TR" sz="2000" dirty="0"/>
-          </a:p>
-        </p:txBody>
-      </p:sp>
-      <p:sp>
-        <p:nvSpPr>
-          <p:cNvPr id="7" name="Unvan 2"/>
-          <p:cNvSpPr txBox="1">
-            <a:spLocks/>
-          </p:cNvSpPr>
-          <p:nvPr/>
-        </p:nvSpPr>
-        <p:spPr>
-          <a:xfrm>
-            <a:off x="380662" y="1257914"/>
-            <a:ext cx="8486584" cy="3643746"/>
-          </a:xfrm>
-          <a:prstGeom prst="rect">
-            <a:avLst/>
-          </a:prstGeom>
-        </p:spPr>
-        <p:txBody>
-          <a:bodyPr vert="horz" lIns="91440" tIns="45720" rIns="91440" bIns="45720" rtlCol="0" anchor="t">
-            <a:noAutofit/>
-          </a:bodyPr>
-          <a:lstStyle>
-            <a:lvl1pPr algn="l" defTabSz="685800" rtl="0" eaLnBrk="1" latinLnBrk="0" hangingPunct="1">
-              <a:lnSpc>
-                <a:spcPct val="90000"/>
-              </a:lnSpc>
-              <a:spcBef>
-                <a:spcPct val="0"/>
-              </a:spcBef>
-              <a:buNone/>
-              <a:defRPr sz="3300" kern="1200">
-                <a:solidFill>
-                  <a:schemeClr val="tx1"/>
-                </a:solidFill>
-                <a:latin typeface="+mj-lt"/>
-                <a:ea typeface="+mj-ea"/>
-                <a:cs typeface="+mj-cs"/>
-              </a:defRPr>
-            </a:lvl1pPr>
-          </a:lstStyle>
-          <a:p>
-            <a:pPr algn="just"/>
-            <a:r>
-              <a:rPr lang="tr-TR" sz="2000" dirty="0" err="1">
-                <a:solidFill>
-                  <a:srgbClr val="FF0000"/>
-                </a:solidFill>
-              </a:rPr>
-              <a:t>Overfitting</a:t>
-            </a:r>
-            <a:r>
-              <a:rPr lang="tr-TR" sz="2000" dirty="0">
-                <a:solidFill>
-                  <a:srgbClr val="FF0000"/>
-                </a:solidFill>
-              </a:rPr>
-              <a:t> problemi için:</a:t>
-            </a:r>
-          </a:p>
-          <a:p>
-            <a:pPr algn="just"/>
-            <a:endParaRPr lang="tr-TR" sz="2000" dirty="0">
-              <a:latin typeface="Calibri" panose="020F0502020204030204" pitchFamily="34" charset="0"/>
-              <a:cs typeface="Calibri" panose="020F0502020204030204" pitchFamily="34" charset="0"/>
-            </a:endParaRPr>
-          </a:p>
-          <a:p>
-            <a:pPr algn="just"/>
-            <a:r>
-              <a:rPr lang="tr-TR" sz="2000" b="1" dirty="0">
-                <a:latin typeface="Calibri" panose="020F0502020204030204" pitchFamily="34" charset="0"/>
-                <a:cs typeface="Calibri" panose="020F0502020204030204" pitchFamily="34" charset="0"/>
-              </a:rPr>
-              <a:t>3. </a:t>
-            </a:r>
-            <a:r>
-              <a:rPr lang="tr-TR" sz="2000" b="1" dirty="0" err="1">
-                <a:latin typeface="Calibri" panose="020F0502020204030204" pitchFamily="34" charset="0"/>
-                <a:cs typeface="Calibri" panose="020F0502020204030204" pitchFamily="34" charset="0"/>
-              </a:rPr>
-              <a:t>Regularization</a:t>
-            </a:r>
-            <a:r>
-              <a:rPr lang="tr-TR" sz="2000" b="1" dirty="0">
-                <a:latin typeface="Calibri" panose="020F0502020204030204" pitchFamily="34" charset="0"/>
-                <a:cs typeface="Calibri" panose="020F0502020204030204" pitchFamily="34" charset="0"/>
-              </a:rPr>
-              <a:t> (Düzenleme):</a:t>
-            </a:r>
-            <a:r>
-              <a:rPr lang="tr-TR" sz="2000" dirty="0">
-                <a:latin typeface="Calibri" panose="020F0502020204030204" pitchFamily="34" charset="0"/>
-                <a:cs typeface="Calibri" panose="020F0502020204030204" pitchFamily="34" charset="0"/>
-              </a:rPr>
-              <a:t> Düzenleme, modelin karmaşıklığını azaltmak için bir kullanılan tekniktir. Modelde ağırlığı yüksek olan değişkenlerin ağırlığını azaltarak bu değişkenlerin etki oranı azaltılarak yapılır. Bu yöntem, aşırı öğrenme probleminin çözülmesine yardımcı olur. </a:t>
-            </a:r>
-          </a:p>
-          <a:p>
-            <a:pPr algn="just"/>
-            <a:endParaRPr lang="tr-TR" sz="2000" dirty="0">
-              <a:latin typeface="Calibri" panose="020F0502020204030204" pitchFamily="34" charset="0"/>
-              <a:cs typeface="Calibri" panose="020F0502020204030204" pitchFamily="34" charset="0"/>
-            </a:endParaRPr>
-          </a:p>
-          <a:p>
-            <a:pPr algn="just"/>
-            <a:r>
-              <a:rPr lang="tr-TR" sz="2000" dirty="0">
-                <a:latin typeface="Calibri" panose="020F0502020204030204" pitchFamily="34" charset="0"/>
-                <a:cs typeface="Calibri" panose="020F0502020204030204" pitchFamily="34" charset="0"/>
-              </a:rPr>
-              <a:t>Değişkenlerin ağırlığını azaltmak için </a:t>
-            </a:r>
-            <a:r>
-              <a:rPr lang="tr-TR" sz="2000" dirty="0" err="1">
-                <a:latin typeface="Calibri" panose="020F0502020204030204" pitchFamily="34" charset="0"/>
-                <a:cs typeface="Calibri" panose="020F0502020204030204" pitchFamily="34" charset="0"/>
-              </a:rPr>
-              <a:t>regularization</a:t>
-            </a:r>
-            <a:r>
-              <a:rPr lang="tr-TR" sz="2000" dirty="0">
-                <a:latin typeface="Calibri" panose="020F0502020204030204" pitchFamily="34" charset="0"/>
-                <a:cs typeface="Calibri" panose="020F0502020204030204" pitchFamily="34" charset="0"/>
-              </a:rPr>
-              <a:t> değerini arttırmak gerekmektedir. </a:t>
-            </a:r>
-            <a:r>
-              <a:rPr lang="tr-TR" sz="2000" dirty="0" err="1">
-                <a:latin typeface="Calibri" panose="020F0502020204030204" pitchFamily="34" charset="0"/>
-                <a:cs typeface="Calibri" panose="020F0502020204030204" pitchFamily="34" charset="0"/>
-              </a:rPr>
-              <a:t>Lasso</a:t>
-            </a:r>
-            <a:r>
-              <a:rPr lang="tr-TR" sz="2000" dirty="0">
-                <a:latin typeface="Calibri" panose="020F0502020204030204" pitchFamily="34" charset="0"/>
-                <a:cs typeface="Calibri" panose="020F0502020204030204" pitchFamily="34" charset="0"/>
-              </a:rPr>
-              <a:t> ve </a:t>
-            </a:r>
-            <a:r>
-              <a:rPr lang="tr-TR" sz="2000" dirty="0" err="1">
-                <a:latin typeface="Calibri" panose="020F0502020204030204" pitchFamily="34" charset="0"/>
-                <a:cs typeface="Calibri" panose="020F0502020204030204" pitchFamily="34" charset="0"/>
-              </a:rPr>
-              <a:t>Ridge</a:t>
-            </a:r>
-            <a:r>
-              <a:rPr lang="tr-TR" sz="2000" dirty="0">
-                <a:latin typeface="Calibri" panose="020F0502020204030204" pitchFamily="34" charset="0"/>
-                <a:cs typeface="Calibri" panose="020F0502020204030204" pitchFamily="34" charset="0"/>
-              </a:rPr>
-              <a:t> teknikleri en sık kullanılan </a:t>
-            </a:r>
-            <a:r>
-              <a:rPr lang="tr-TR" sz="2000" dirty="0" err="1">
-                <a:latin typeface="Calibri" panose="020F0502020204030204" pitchFamily="34" charset="0"/>
-                <a:cs typeface="Calibri" panose="020F0502020204030204" pitchFamily="34" charset="0"/>
-              </a:rPr>
-              <a:t>regularizasyon</a:t>
-            </a:r>
-            <a:r>
-              <a:rPr lang="tr-TR" sz="2000" dirty="0">
-                <a:latin typeface="Calibri" panose="020F0502020204030204" pitchFamily="34" charset="0"/>
-                <a:cs typeface="Calibri" panose="020F0502020204030204" pitchFamily="34" charset="0"/>
-              </a:rPr>
-              <a:t> teknikleridir.</a:t>
-            </a:r>
-          </a:p>
-        </p:txBody>
-      </p:sp>
-    </p:spTree>
-    <p:extLst>
-      <p:ext uri="{BB962C8B-B14F-4D97-AF65-F5344CB8AC3E}">
-        <p14:creationId xmlns:p14="http://schemas.microsoft.com/office/powerpoint/2010/main" val="304782433"/>
-      </p:ext>
-    </p:extLst>
-  </p:cSld>
-  <p:clrMapOvr>
-    <a:masterClrMapping/>
-  </p:clrMapOvr>
-</p:sld>
-</file>
-
-<file path=ppt/slides/slide16.xml><?xml version="1.0" encoding="utf-8"?>
-<p:sld xmlns:a="http://schemas.openxmlformats.org/drawingml/2006/main" xmlns:r="http://schemas.openxmlformats.org/officeDocument/2006/relationships" xmlns:p="http://schemas.openxmlformats.org/presentationml/2006/main">
-  <p:cSld>
-    <p:spTree>
-      <p:nvGrpSpPr>
-        <p:cNvPr id="1" name=""/>
-        <p:cNvGrpSpPr/>
-        <p:nvPr/>
-      </p:nvGrpSpPr>
-      <p:grpSpPr>
-        <a:xfrm>
-          <a:off x="0" y="0"/>
-          <a:ext cx="0" cy="0"/>
-          <a:chOff x="0" y="0"/>
-          <a:chExt cx="0" cy="0"/>
-        </a:xfrm>
-      </p:grpSpPr>
-      <p:sp>
-        <p:nvSpPr>
-          <p:cNvPr id="3" name="Unvan 2"/>
-          <p:cNvSpPr>
-            <a:spLocks noGrp="1"/>
-          </p:cNvSpPr>
-          <p:nvPr>
-            <p:ph type="title"/>
-          </p:nvPr>
-        </p:nvSpPr>
-        <p:spPr>
-          <a:xfrm>
-            <a:off x="927579" y="0"/>
-            <a:ext cx="7228130" cy="875049"/>
-          </a:xfrm>
-        </p:spPr>
-        <p:txBody>
-          <a:bodyPr>
-            <a:normAutofit/>
-          </a:bodyPr>
-          <a:lstStyle/>
-          <a:p>
-            <a:r>
-              <a:rPr lang="tr-TR" sz="2000" dirty="0">
-                <a:solidFill>
-                  <a:srgbClr val="FFFF00"/>
-                </a:solidFill>
-              </a:rPr>
-              <a:t>Aşırı Öğrenme-Eksik Öğrenme</a:t>
-            </a:r>
-            <a:endParaRPr lang="tr-TR" sz="2000" dirty="0"/>
-          </a:p>
-        </p:txBody>
-      </p:sp>
-      <p:sp>
-        <p:nvSpPr>
-          <p:cNvPr id="7" name="Unvan 2"/>
-          <p:cNvSpPr txBox="1">
-            <a:spLocks/>
-          </p:cNvSpPr>
-          <p:nvPr/>
-        </p:nvSpPr>
-        <p:spPr>
-          <a:xfrm>
-            <a:off x="463789" y="875048"/>
-            <a:ext cx="8486584" cy="4195715"/>
-          </a:xfrm>
-          <a:prstGeom prst="rect">
-            <a:avLst/>
-          </a:prstGeom>
-        </p:spPr>
-        <p:txBody>
-          <a:bodyPr vert="horz" lIns="91440" tIns="45720" rIns="91440" bIns="45720" rtlCol="0" anchor="t">
-            <a:noAutofit/>
-          </a:bodyPr>
-          <a:lstStyle>
-            <a:lvl1pPr algn="l" defTabSz="685800" rtl="0" eaLnBrk="1" latinLnBrk="0" hangingPunct="1">
-              <a:lnSpc>
-                <a:spcPct val="90000"/>
-              </a:lnSpc>
-              <a:spcBef>
-                <a:spcPct val="0"/>
-              </a:spcBef>
-              <a:buNone/>
-              <a:defRPr sz="3300" kern="1200">
-                <a:solidFill>
-                  <a:schemeClr val="tx1"/>
-                </a:solidFill>
-                <a:latin typeface="+mj-lt"/>
-                <a:ea typeface="+mj-ea"/>
-                <a:cs typeface="+mj-cs"/>
-              </a:defRPr>
-            </a:lvl1pPr>
-          </a:lstStyle>
-          <a:p>
-            <a:r>
-              <a:rPr lang="tr-TR" sz="2000" b="1" dirty="0" err="1">
-                <a:solidFill>
-                  <a:srgbClr val="FF0000"/>
-                </a:solidFill>
-                <a:latin typeface="Calibri" panose="020F0502020204030204" pitchFamily="34" charset="0"/>
-                <a:cs typeface="Calibri" panose="020F0502020204030204" pitchFamily="34" charset="0"/>
-              </a:rPr>
-              <a:t>Underfitting</a:t>
-            </a:r>
-            <a:r>
-              <a:rPr lang="tr-TR" sz="2000" b="1" dirty="0">
-                <a:solidFill>
-                  <a:srgbClr val="FF0000"/>
-                </a:solidFill>
-                <a:latin typeface="Calibri" panose="020F0502020204030204" pitchFamily="34" charset="0"/>
-                <a:cs typeface="Calibri" panose="020F0502020204030204" pitchFamily="34" charset="0"/>
-              </a:rPr>
-              <a:t> (Yetersiz öğrenme)</a:t>
-            </a:r>
-          </a:p>
-          <a:p>
-            <a:endParaRPr lang="tr-TR" sz="2000" dirty="0">
-              <a:latin typeface="Calibri" panose="020F0502020204030204" pitchFamily="34" charset="0"/>
-              <a:cs typeface="Calibri" panose="020F0502020204030204" pitchFamily="34" charset="0"/>
-            </a:endParaRPr>
-          </a:p>
-          <a:p>
-            <a:pPr algn="just"/>
-            <a:r>
-              <a:rPr lang="tr-TR" sz="2000" dirty="0">
-                <a:latin typeface="Calibri" panose="020F0502020204030204" pitchFamily="34" charset="0"/>
-                <a:cs typeface="Calibri" panose="020F0502020204030204" pitchFamily="34" charset="0"/>
-              </a:rPr>
-              <a:t>Yetersiz öğrenmeye sahip bir modelin eğitim verilerinden çıkarım yapamadığı görülür. </a:t>
-            </a:r>
-          </a:p>
-          <a:p>
-            <a:pPr algn="just"/>
-            <a:endParaRPr lang="tr-TR" sz="2000" dirty="0">
-              <a:latin typeface="Calibri" panose="020F0502020204030204" pitchFamily="34" charset="0"/>
-              <a:cs typeface="Calibri" panose="020F0502020204030204" pitchFamily="34" charset="0"/>
-            </a:endParaRPr>
-          </a:p>
-          <a:p>
-            <a:pPr algn="just"/>
-            <a:r>
-              <a:rPr lang="tr-TR" sz="2000" dirty="0">
-                <a:latin typeface="Calibri" panose="020F0502020204030204" pitchFamily="34" charset="0"/>
-                <a:cs typeface="Calibri" panose="020F0502020204030204" pitchFamily="34" charset="0"/>
-              </a:rPr>
-              <a:t>Bu modeller eğitim verilerini anlayamaz ve girdiler ile çıktılar arasındaki temel ilişkiyi öğrenemez.</a:t>
-            </a:r>
-          </a:p>
-          <a:p>
-            <a:pPr algn="just"/>
-            <a:endParaRPr lang="tr-TR" sz="2000" dirty="0">
-              <a:latin typeface="Calibri" panose="020F0502020204030204" pitchFamily="34" charset="0"/>
-              <a:cs typeface="Calibri" panose="020F0502020204030204" pitchFamily="34" charset="0"/>
-            </a:endParaRPr>
-          </a:p>
-          <a:p>
-            <a:pPr algn="just"/>
-            <a:r>
-              <a:rPr lang="tr-TR" sz="2000" dirty="0">
-                <a:latin typeface="Calibri" panose="020F0502020204030204" pitchFamily="34" charset="0"/>
-                <a:cs typeface="Calibri" panose="020F0502020204030204" pitchFamily="34" charset="0"/>
-              </a:rPr>
-              <a:t>Bu problem genellikle çok basit bir model inşasının sonucudur (yetersiz </a:t>
-            </a:r>
-            <a:r>
-              <a:rPr lang="tr-TR" sz="2000" dirty="0" err="1">
-                <a:latin typeface="Calibri" panose="020F0502020204030204" pitchFamily="34" charset="0"/>
-                <a:cs typeface="Calibri" panose="020F0502020204030204" pitchFamily="34" charset="0"/>
-              </a:rPr>
-              <a:t>tahminleyici</a:t>
-            </a:r>
-            <a:r>
-              <a:rPr lang="tr-TR" sz="2000" dirty="0">
-                <a:latin typeface="Calibri" panose="020F0502020204030204" pitchFamily="34" charset="0"/>
-                <a:cs typeface="Calibri" panose="020F0502020204030204" pitchFamily="34" charset="0"/>
-              </a:rPr>
-              <a:t>, bağımsız değişken eksikliği).</a:t>
-            </a:r>
-          </a:p>
-          <a:p>
-            <a:pPr algn="just"/>
-            <a:endParaRPr lang="tr-TR" sz="2000" dirty="0">
-              <a:latin typeface="Calibri" panose="020F0502020204030204" pitchFamily="34" charset="0"/>
-              <a:cs typeface="Calibri" panose="020F0502020204030204" pitchFamily="34" charset="0"/>
-            </a:endParaRPr>
-          </a:p>
-          <a:p>
-            <a:r>
-              <a:rPr lang="tr-TR" sz="2000" dirty="0">
-                <a:latin typeface="Calibri" panose="020F0502020204030204" pitchFamily="34" charset="0"/>
-                <a:cs typeface="Calibri" panose="020F0502020204030204" pitchFamily="34" charset="0"/>
-              </a:rPr>
-              <a:t>Sonuç: </a:t>
-            </a:r>
-          </a:p>
-          <a:p>
-            <a:r>
-              <a:rPr lang="tr-TR" sz="2000" dirty="0">
-                <a:latin typeface="Calibri" panose="020F0502020204030204" pitchFamily="34" charset="0"/>
-                <a:cs typeface="Calibri" panose="020F0502020204030204" pitchFamily="34" charset="0"/>
-              </a:rPr>
-              <a:t>Bu modellerde hem eğitim hem de test veri setinde hata oranı yüksektir. </a:t>
-            </a:r>
-          </a:p>
-          <a:p>
-            <a:r>
-              <a:rPr lang="tr-TR" sz="2000" dirty="0">
-                <a:latin typeface="Calibri" panose="020F0502020204030204" pitchFamily="34" charset="0"/>
-                <a:cs typeface="Calibri" panose="020F0502020204030204" pitchFamily="34" charset="0"/>
-              </a:rPr>
-              <a:t>Düşük </a:t>
-            </a:r>
-            <a:r>
-              <a:rPr lang="tr-TR" sz="2000" dirty="0" err="1">
-                <a:latin typeface="Calibri" panose="020F0502020204030204" pitchFamily="34" charset="0"/>
-                <a:cs typeface="Calibri" panose="020F0502020204030204" pitchFamily="34" charset="0"/>
-              </a:rPr>
-              <a:t>varyans</a:t>
-            </a:r>
-            <a:r>
-              <a:rPr lang="tr-TR" sz="2000" dirty="0">
-                <a:latin typeface="Calibri" panose="020F0502020204030204" pitchFamily="34" charset="0"/>
-                <a:cs typeface="Calibri" panose="020F0502020204030204" pitchFamily="34" charset="0"/>
-              </a:rPr>
-              <a:t> ve yüksek </a:t>
-            </a:r>
-            <a:r>
-              <a:rPr lang="tr-TR" sz="2000" dirty="0" err="1">
-                <a:latin typeface="Calibri" panose="020F0502020204030204" pitchFamily="34" charset="0"/>
-                <a:cs typeface="Calibri" panose="020F0502020204030204" pitchFamily="34" charset="0"/>
-              </a:rPr>
-              <a:t>bias</a:t>
-            </a:r>
-            <a:r>
-              <a:rPr lang="tr-TR" sz="2000" dirty="0">
-                <a:latin typeface="Calibri" panose="020F0502020204030204" pitchFamily="34" charset="0"/>
-                <a:cs typeface="Calibri" panose="020F0502020204030204" pitchFamily="34" charset="0"/>
-              </a:rPr>
-              <a:t> vardır. </a:t>
-            </a:r>
-          </a:p>
-          <a:p>
-            <a:endParaRPr lang="tr-TR" sz="2000" dirty="0">
-              <a:latin typeface="Calibri" panose="020F0502020204030204" pitchFamily="34" charset="0"/>
-              <a:cs typeface="Calibri" panose="020F0502020204030204" pitchFamily="34" charset="0"/>
-            </a:endParaRPr>
-          </a:p>
-        </p:txBody>
-      </p:sp>
-    </p:spTree>
-    <p:extLst>
-      <p:ext uri="{BB962C8B-B14F-4D97-AF65-F5344CB8AC3E}">
-        <p14:creationId xmlns:p14="http://schemas.microsoft.com/office/powerpoint/2010/main" val="2148797206"/>
-      </p:ext>
-    </p:extLst>
-  </p:cSld>
-  <p:clrMapOvr>
-    <a:masterClrMapping/>
-  </p:clrMapOvr>
-</p:sld>
-</file>
-
-<file path=ppt/slides/slide17.xml><?xml version="1.0" encoding="utf-8"?>
-<p:sld xmlns:a="http://schemas.openxmlformats.org/drawingml/2006/main" xmlns:r="http://schemas.openxmlformats.org/officeDocument/2006/relationships" xmlns:p="http://schemas.openxmlformats.org/presentationml/2006/main">
-  <p:cSld>
-    <p:spTree>
-      <p:nvGrpSpPr>
-        <p:cNvPr id="1" name=""/>
-        <p:cNvGrpSpPr/>
-        <p:nvPr/>
-      </p:nvGrpSpPr>
-      <p:grpSpPr>
-        <a:xfrm>
-          <a:off x="0" y="0"/>
-          <a:ext cx="0" cy="0"/>
-          <a:chOff x="0" y="0"/>
-          <a:chExt cx="0" cy="0"/>
-        </a:xfrm>
-      </p:grpSpPr>
-      <p:sp>
-        <p:nvSpPr>
-          <p:cNvPr id="3" name="Unvan 2"/>
-          <p:cNvSpPr>
-            <a:spLocks noGrp="1"/>
-          </p:cNvSpPr>
-          <p:nvPr>
-            <p:ph type="title"/>
-          </p:nvPr>
-        </p:nvSpPr>
-        <p:spPr>
-          <a:xfrm>
-            <a:off x="927579" y="0"/>
-            <a:ext cx="7228130" cy="875049"/>
-          </a:xfrm>
-        </p:spPr>
-        <p:txBody>
-          <a:bodyPr>
-            <a:normAutofit/>
-          </a:bodyPr>
-          <a:lstStyle/>
-          <a:p>
-            <a:r>
-              <a:rPr lang="tr-TR" sz="2000" dirty="0">
-                <a:solidFill>
-                  <a:srgbClr val="FFFF00"/>
-                </a:solidFill>
-              </a:rPr>
-              <a:t>Aşırı Öğrenme-Eksik Öğrenme</a:t>
-            </a:r>
-            <a:endParaRPr lang="tr-TR" sz="2000" dirty="0"/>
-          </a:p>
-        </p:txBody>
-      </p:sp>
-      <p:sp>
-        <p:nvSpPr>
-          <p:cNvPr id="7" name="Unvan 2"/>
-          <p:cNvSpPr txBox="1">
-            <a:spLocks/>
-          </p:cNvSpPr>
-          <p:nvPr/>
-        </p:nvSpPr>
-        <p:spPr>
-          <a:xfrm>
-            <a:off x="414961" y="1226127"/>
-            <a:ext cx="8486584" cy="3643746"/>
-          </a:xfrm>
-          <a:prstGeom prst="rect">
-            <a:avLst/>
-          </a:prstGeom>
-        </p:spPr>
-        <p:txBody>
-          <a:bodyPr vert="horz" lIns="91440" tIns="45720" rIns="91440" bIns="45720" rtlCol="0" anchor="t">
-            <a:normAutofit/>
-          </a:bodyPr>
-          <a:lstStyle>
-            <a:lvl1pPr algn="l" defTabSz="685800" rtl="0" eaLnBrk="1" latinLnBrk="0" hangingPunct="1">
-              <a:lnSpc>
-                <a:spcPct val="90000"/>
-              </a:lnSpc>
-              <a:spcBef>
-                <a:spcPct val="0"/>
-              </a:spcBef>
-              <a:buNone/>
-              <a:defRPr sz="3300" kern="1200">
-                <a:solidFill>
-                  <a:schemeClr val="tx1"/>
-                </a:solidFill>
-                <a:latin typeface="+mj-lt"/>
-                <a:ea typeface="+mj-ea"/>
-                <a:cs typeface="+mj-cs"/>
-              </a:defRPr>
-            </a:lvl1pPr>
-          </a:lstStyle>
-          <a:p>
-            <a:pPr marL="342900" indent="-342900">
-              <a:buFont typeface="Arial" panose="020B0604020202020204" pitchFamily="34" charset="0"/>
-              <a:buChar char="•"/>
-            </a:pPr>
-            <a:r>
-              <a:rPr lang="tr-TR" sz="2400" dirty="0" err="1">
-                <a:latin typeface="Calibri" panose="020F0502020204030204" pitchFamily="34" charset="0"/>
-                <a:cs typeface="Calibri" panose="020F0502020204030204" pitchFamily="34" charset="0"/>
-              </a:rPr>
-              <a:t>Overfit</a:t>
-            </a:r>
-            <a:r>
-              <a:rPr lang="tr-TR" sz="2400">
-                <a:latin typeface="Calibri" panose="020F0502020204030204" pitchFamily="34" charset="0"/>
-                <a:cs typeface="Calibri" panose="020F0502020204030204" pitchFamily="34" charset="0"/>
-              </a:rPr>
-              <a:t>, </a:t>
-            </a:r>
-            <a:r>
-              <a:rPr lang="tr-TR" sz="2400" dirty="0" err="1">
-                <a:latin typeface="Calibri" panose="020F0502020204030204" pitchFamily="34" charset="0"/>
-                <a:cs typeface="Calibri" panose="020F0502020204030204" pitchFamily="34" charset="0"/>
-              </a:rPr>
-              <a:t>Underfite</a:t>
-            </a:r>
-            <a:r>
-              <a:rPr lang="tr-TR" sz="2400" dirty="0">
-                <a:latin typeface="Calibri" panose="020F0502020204030204" pitchFamily="34" charset="0"/>
-                <a:cs typeface="Calibri" panose="020F0502020204030204" pitchFamily="34" charset="0"/>
-              </a:rPr>
-              <a:t> göre daha sık görülür. </a:t>
-            </a:r>
-          </a:p>
-          <a:p>
-            <a:pPr marL="342900" indent="-342900">
-              <a:buFont typeface="Arial" panose="020B0604020202020204" pitchFamily="34" charset="0"/>
-              <a:buChar char="•"/>
-            </a:pPr>
-            <a:r>
-              <a:rPr lang="tr-TR" sz="2400" dirty="0">
-                <a:latin typeface="Calibri" panose="020F0502020204030204" pitchFamily="34" charset="0"/>
-                <a:cs typeface="Calibri" panose="020F0502020204030204" pitchFamily="34" charset="0"/>
-              </a:rPr>
-              <a:t>Veri analizinde her iki problemden de kaçınmak gereklidir.</a:t>
-            </a:r>
-          </a:p>
-        </p:txBody>
-      </p:sp>
-    </p:spTree>
-    <p:extLst>
-      <p:ext uri="{BB962C8B-B14F-4D97-AF65-F5344CB8AC3E}">
-        <p14:creationId xmlns:p14="http://schemas.microsoft.com/office/powerpoint/2010/main" val="524043039"/>
-      </p:ext>
-    </p:extLst>
-  </p:cSld>
-  <p:clrMapOvr>
-    <a:masterClrMapping/>
-  </p:clrMapOvr>
-</p:sld>
-</file>
-
-<file path=ppt/slides/slide18.xml><?xml version="1.0" encoding="utf-8"?>
-<p:sld xmlns:a="http://schemas.openxmlformats.org/drawingml/2006/main" xmlns:r="http://schemas.openxmlformats.org/officeDocument/2006/relationships" xmlns:p="http://schemas.openxmlformats.org/presentationml/2006/main">
-  <p:cSld>
-    <p:spTree>
-      <p:nvGrpSpPr>
-        <p:cNvPr id="1" name=""/>
-        <p:cNvGrpSpPr/>
-        <p:nvPr/>
-      </p:nvGrpSpPr>
-      <p:grpSpPr>
-        <a:xfrm>
-          <a:off x="0" y="0"/>
-          <a:ext cx="0" cy="0"/>
-          <a:chOff x="0" y="0"/>
-          <a:chExt cx="0" cy="0"/>
-        </a:xfrm>
-      </p:grpSpPr>
-      <p:sp>
-        <p:nvSpPr>
-          <p:cNvPr id="3" name="Unvan 2"/>
-          <p:cNvSpPr>
-            <a:spLocks noGrp="1"/>
-          </p:cNvSpPr>
-          <p:nvPr>
-            <p:ph type="title"/>
-          </p:nvPr>
-        </p:nvSpPr>
-        <p:spPr>
-          <a:xfrm>
-            <a:off x="927579" y="0"/>
-            <a:ext cx="7228130" cy="875049"/>
-          </a:xfrm>
-        </p:spPr>
-        <p:txBody>
-          <a:bodyPr>
-            <a:normAutofit/>
-          </a:bodyPr>
-          <a:lstStyle/>
-          <a:p>
-            <a:r>
-              <a:rPr lang="tr-TR" sz="2000" dirty="0"/>
-              <a:t>Öğrenme</a:t>
-            </a:r>
-          </a:p>
-        </p:txBody>
-      </p:sp>
-      <p:sp>
-        <p:nvSpPr>
-          <p:cNvPr id="7" name="Unvan 2"/>
-          <p:cNvSpPr txBox="1">
-            <a:spLocks/>
-          </p:cNvSpPr>
-          <p:nvPr/>
-        </p:nvSpPr>
-        <p:spPr>
-          <a:xfrm>
-            <a:off x="414961" y="1226127"/>
-            <a:ext cx="8486584" cy="3643746"/>
-          </a:xfrm>
-          <a:prstGeom prst="rect">
-            <a:avLst/>
-          </a:prstGeom>
-        </p:spPr>
-        <p:txBody>
-          <a:bodyPr vert="horz" lIns="91440" tIns="45720" rIns="91440" bIns="45720" rtlCol="0" anchor="t">
-            <a:normAutofit/>
-          </a:bodyPr>
-          <a:lstStyle>
-            <a:lvl1pPr algn="l" defTabSz="685800" rtl="0" eaLnBrk="1" latinLnBrk="0" hangingPunct="1">
-              <a:lnSpc>
-                <a:spcPct val="90000"/>
-              </a:lnSpc>
-              <a:spcBef>
-                <a:spcPct val="0"/>
-              </a:spcBef>
-              <a:buNone/>
-              <a:defRPr sz="3300" kern="1200">
-                <a:solidFill>
-                  <a:schemeClr val="tx1"/>
-                </a:solidFill>
-                <a:latin typeface="+mj-lt"/>
-                <a:ea typeface="+mj-ea"/>
-                <a:cs typeface="+mj-cs"/>
-              </a:defRPr>
-            </a:lvl1pPr>
-          </a:lstStyle>
-          <a:p>
-            <a:pPr algn="just" fontAlgn="base"/>
-            <a:r>
-              <a:rPr lang="tr-TR" sz="2600" dirty="0">
-                <a:latin typeface="Calibri" panose="020F0502020204030204" pitchFamily="34" charset="0"/>
-                <a:cs typeface="Calibri" panose="020F0502020204030204" pitchFamily="34" charset="0"/>
-              </a:rPr>
-              <a:t>Bir modelin “genelleştirme” hatası, üç farklı hatanın toplamı şeklinde ifade edilebilir:</a:t>
-            </a:r>
-          </a:p>
-          <a:p>
-            <a:pPr algn="just" fontAlgn="base"/>
-            <a:endParaRPr lang="tr-TR" sz="2600" dirty="0">
-              <a:latin typeface="Calibri" panose="020F0502020204030204" pitchFamily="34" charset="0"/>
-              <a:cs typeface="Calibri" panose="020F0502020204030204" pitchFamily="34" charset="0"/>
-            </a:endParaRPr>
-          </a:p>
-          <a:p>
-            <a:pPr algn="just" fontAlgn="base"/>
-            <a:endParaRPr lang="tr-TR" sz="2600" dirty="0">
-              <a:latin typeface="Calibri" panose="020F0502020204030204" pitchFamily="34" charset="0"/>
-              <a:cs typeface="Calibri" panose="020F0502020204030204" pitchFamily="34" charset="0"/>
-            </a:endParaRPr>
-          </a:p>
-          <a:p>
-            <a:pPr algn="just" fontAlgn="base"/>
-            <a:r>
-              <a:rPr lang="tr-TR" sz="2600" dirty="0">
-                <a:latin typeface="Calibri" panose="020F0502020204030204" pitchFamily="34" charset="0"/>
-                <a:cs typeface="Calibri" panose="020F0502020204030204" pitchFamily="34" charset="0"/>
-              </a:rPr>
-              <a:t>Yanlılık (</a:t>
-            </a:r>
-            <a:r>
-              <a:rPr lang="tr-TR" sz="2600" dirty="0" err="1">
-                <a:latin typeface="Calibri" panose="020F0502020204030204" pitchFamily="34" charset="0"/>
-                <a:cs typeface="Calibri" panose="020F0502020204030204" pitchFamily="34" charset="0"/>
-              </a:rPr>
-              <a:t>Bias</a:t>
-            </a:r>
-            <a:r>
-              <a:rPr lang="tr-TR" sz="2600" dirty="0">
-                <a:latin typeface="Calibri" panose="020F0502020204030204" pitchFamily="34" charset="0"/>
-                <a:cs typeface="Calibri" panose="020F0502020204030204" pitchFamily="34" charset="0"/>
-              </a:rPr>
-              <a:t>)</a:t>
-            </a:r>
-          </a:p>
-          <a:p>
-            <a:pPr algn="just" fontAlgn="base"/>
-            <a:r>
-              <a:rPr lang="tr-TR" sz="2600" dirty="0" err="1">
-                <a:latin typeface="Calibri" panose="020F0502020204030204" pitchFamily="34" charset="0"/>
-                <a:cs typeface="Calibri" panose="020F0502020204030204" pitchFamily="34" charset="0"/>
-              </a:rPr>
-              <a:t>Varyans</a:t>
-            </a:r>
-            <a:r>
-              <a:rPr lang="tr-TR" sz="2600" dirty="0">
-                <a:latin typeface="Calibri" panose="020F0502020204030204" pitchFamily="34" charset="0"/>
-                <a:cs typeface="Calibri" panose="020F0502020204030204" pitchFamily="34" charset="0"/>
-              </a:rPr>
-              <a:t> (</a:t>
-            </a:r>
-            <a:r>
-              <a:rPr lang="tr-TR" sz="2600" dirty="0" err="1">
-                <a:latin typeface="Calibri" panose="020F0502020204030204" pitchFamily="34" charset="0"/>
-                <a:cs typeface="Calibri" panose="020F0502020204030204" pitchFamily="34" charset="0"/>
-              </a:rPr>
-              <a:t>Variance</a:t>
-            </a:r>
-            <a:r>
-              <a:rPr lang="tr-TR" sz="2600" dirty="0">
-                <a:latin typeface="Calibri" panose="020F0502020204030204" pitchFamily="34" charset="0"/>
-                <a:cs typeface="Calibri" panose="020F0502020204030204" pitchFamily="34" charset="0"/>
-              </a:rPr>
-              <a:t>)</a:t>
-            </a:r>
-          </a:p>
-          <a:p>
-            <a:pPr algn="just" fontAlgn="base"/>
-            <a:r>
-              <a:rPr lang="tr-TR" sz="2600" dirty="0">
-                <a:latin typeface="Calibri" panose="020F0502020204030204" pitchFamily="34" charset="0"/>
-                <a:cs typeface="Calibri" panose="020F0502020204030204" pitchFamily="34" charset="0"/>
-              </a:rPr>
-              <a:t>İndirgenemez Hata (</a:t>
-            </a:r>
-            <a:r>
-              <a:rPr lang="tr-TR" sz="2600" dirty="0" err="1">
-                <a:latin typeface="Calibri" panose="020F0502020204030204" pitchFamily="34" charset="0"/>
-                <a:cs typeface="Calibri" panose="020F0502020204030204" pitchFamily="34" charset="0"/>
-              </a:rPr>
-              <a:t>Irreducible</a:t>
-            </a:r>
-            <a:r>
-              <a:rPr lang="tr-TR" sz="2600" dirty="0">
-                <a:latin typeface="Calibri" panose="020F0502020204030204" pitchFamily="34" charset="0"/>
-                <a:cs typeface="Calibri" panose="020F0502020204030204" pitchFamily="34" charset="0"/>
-              </a:rPr>
-              <a:t> </a:t>
-            </a:r>
-            <a:r>
-              <a:rPr lang="tr-TR" sz="2600" dirty="0" err="1">
-                <a:latin typeface="Calibri" panose="020F0502020204030204" pitchFamily="34" charset="0"/>
-                <a:cs typeface="Calibri" panose="020F0502020204030204" pitchFamily="34" charset="0"/>
-              </a:rPr>
-              <a:t>error</a:t>
-            </a:r>
-            <a:r>
-              <a:rPr lang="tr-TR" sz="2600" dirty="0">
-                <a:latin typeface="Calibri" panose="020F0502020204030204" pitchFamily="34" charset="0"/>
-                <a:cs typeface="Calibri" panose="020F0502020204030204" pitchFamily="34" charset="0"/>
-              </a:rPr>
-              <a:t>)</a:t>
-            </a:r>
-          </a:p>
-        </p:txBody>
-      </p:sp>
-    </p:spTree>
-    <p:extLst>
-      <p:ext uri="{BB962C8B-B14F-4D97-AF65-F5344CB8AC3E}">
-        <p14:creationId xmlns:p14="http://schemas.microsoft.com/office/powerpoint/2010/main" val="243583585"/>
-      </p:ext>
-    </p:extLst>
-  </p:cSld>
-  <p:clrMapOvr>
-    <a:masterClrMapping/>
-  </p:clrMapOvr>
-</p:sld>
-</file>
-
-<file path=ppt/slides/slide19.xml><?xml version="1.0" encoding="utf-8"?>
-<p:sld xmlns:a="http://schemas.openxmlformats.org/drawingml/2006/main" xmlns:r="http://schemas.openxmlformats.org/officeDocument/2006/relationships" xmlns:p="http://schemas.openxmlformats.org/presentationml/2006/main">
-  <p:cSld>
-    <p:spTree>
-      <p:nvGrpSpPr>
-        <p:cNvPr id="1" name=""/>
-        <p:cNvGrpSpPr/>
-        <p:nvPr/>
-      </p:nvGrpSpPr>
-      <p:grpSpPr>
-        <a:xfrm>
-          <a:off x="0" y="0"/>
-          <a:ext cx="0" cy="0"/>
-          <a:chOff x="0" y="0"/>
-          <a:chExt cx="0" cy="0"/>
-        </a:xfrm>
-      </p:grpSpPr>
-      <p:sp>
-        <p:nvSpPr>
-          <p:cNvPr id="3" name="Unvan 2"/>
-          <p:cNvSpPr>
-            <a:spLocks noGrp="1"/>
-          </p:cNvSpPr>
-          <p:nvPr>
-            <p:ph type="title"/>
-          </p:nvPr>
-        </p:nvSpPr>
-        <p:spPr>
-          <a:xfrm>
-            <a:off x="927579" y="0"/>
-            <a:ext cx="7228130" cy="875049"/>
-          </a:xfrm>
-        </p:spPr>
-        <p:txBody>
-          <a:bodyPr>
-            <a:normAutofit/>
-          </a:bodyPr>
-          <a:lstStyle/>
-          <a:p>
-            <a:r>
-              <a:rPr lang="tr-TR" sz="2000" dirty="0"/>
-              <a:t>Öğrenme</a:t>
-            </a:r>
-          </a:p>
-        </p:txBody>
-      </p:sp>
-      <p:sp>
-        <p:nvSpPr>
-          <p:cNvPr id="7" name="Unvan 2"/>
-          <p:cNvSpPr txBox="1">
-            <a:spLocks/>
-          </p:cNvSpPr>
-          <p:nvPr/>
-        </p:nvSpPr>
-        <p:spPr>
-          <a:xfrm>
-            <a:off x="379792" y="875049"/>
-            <a:ext cx="8486584" cy="3643746"/>
-          </a:xfrm>
-          <a:prstGeom prst="rect">
-            <a:avLst/>
-          </a:prstGeom>
-        </p:spPr>
-        <p:txBody>
-          <a:bodyPr vert="horz" lIns="91440" tIns="45720" rIns="91440" bIns="45720" rtlCol="0" anchor="t">
-            <a:normAutofit fontScale="92500" lnSpcReduction="10000"/>
-          </a:bodyPr>
-          <a:lstStyle>
-            <a:lvl1pPr algn="l" defTabSz="685800" rtl="0" eaLnBrk="1" latinLnBrk="0" hangingPunct="1">
-              <a:lnSpc>
-                <a:spcPct val="90000"/>
-              </a:lnSpc>
-              <a:spcBef>
-                <a:spcPct val="0"/>
-              </a:spcBef>
-              <a:buNone/>
-              <a:defRPr sz="3300" kern="1200">
-                <a:solidFill>
-                  <a:schemeClr val="tx1"/>
-                </a:solidFill>
-                <a:latin typeface="+mj-lt"/>
-                <a:ea typeface="+mj-ea"/>
-                <a:cs typeface="+mj-cs"/>
-              </a:defRPr>
-            </a:lvl1pPr>
-          </a:lstStyle>
-          <a:p>
-            <a:r>
-              <a:rPr lang="tr-TR" dirty="0" err="1">
-                <a:solidFill>
-                  <a:srgbClr val="FF0000"/>
-                </a:solidFill>
-              </a:rPr>
-              <a:t>Varyans</a:t>
-            </a:r>
-            <a:r>
-              <a:rPr lang="tr-TR" dirty="0">
-                <a:solidFill>
-                  <a:srgbClr val="FF0000"/>
-                </a:solidFill>
-              </a:rPr>
-              <a:t> ve </a:t>
-            </a:r>
-            <a:r>
-              <a:rPr lang="tr-TR" dirty="0" err="1">
-                <a:solidFill>
-                  <a:srgbClr val="FF0000"/>
-                </a:solidFill>
-              </a:rPr>
-              <a:t>Bias</a:t>
-            </a:r>
-            <a:r>
-              <a:rPr lang="tr-TR" dirty="0">
-                <a:solidFill>
-                  <a:srgbClr val="FF0000"/>
-                </a:solidFill>
-              </a:rPr>
-              <a:t> </a:t>
-            </a:r>
-          </a:p>
-          <a:p>
-            <a:endParaRPr lang="tr-TR" sz="3000" dirty="0">
-              <a:solidFill>
-                <a:srgbClr val="FF0000"/>
-              </a:solidFill>
-              <a:latin typeface="Calibri" panose="020F0502020204030204" pitchFamily="34" charset="0"/>
-              <a:cs typeface="Calibri" panose="020F0502020204030204" pitchFamily="34" charset="0"/>
-            </a:endParaRPr>
-          </a:p>
-          <a:p>
-            <a:pPr algn="just"/>
-            <a:r>
-              <a:rPr lang="tr-TR" sz="2600" dirty="0" err="1">
-                <a:latin typeface="Calibri" panose="020F0502020204030204" pitchFamily="34" charset="0"/>
-                <a:cs typeface="Calibri" panose="020F0502020204030204" pitchFamily="34" charset="0"/>
-              </a:rPr>
-              <a:t>Varyans</a:t>
-            </a:r>
-            <a:r>
-              <a:rPr lang="tr-TR" sz="2600" dirty="0">
-                <a:latin typeface="Calibri" panose="020F0502020204030204" pitchFamily="34" charset="0"/>
-                <a:cs typeface="Calibri" panose="020F0502020204030204" pitchFamily="34" charset="0"/>
-              </a:rPr>
-              <a:t>, model eğitim veri setinde iyi performans gösterir, ancak bir test veri kümesi veya doğrulama veri kümesi gibi eğitilmemiş bir veri kümesinde iyi performans göstermez ise </a:t>
-            </a:r>
-            <a:r>
-              <a:rPr lang="tr-TR" sz="2600" b="1" dirty="0">
-                <a:solidFill>
-                  <a:srgbClr val="FF0000"/>
-                </a:solidFill>
-                <a:latin typeface="Calibri" panose="020F0502020204030204" pitchFamily="34" charset="0"/>
-                <a:cs typeface="Calibri" panose="020F0502020204030204" pitchFamily="34" charset="0"/>
-              </a:rPr>
-              <a:t>ortaya çıkar. </a:t>
-            </a:r>
-            <a:r>
-              <a:rPr lang="tr-TR" sz="2600" dirty="0" err="1">
-                <a:latin typeface="Calibri" panose="020F0502020204030204" pitchFamily="34" charset="0"/>
-                <a:cs typeface="Calibri" panose="020F0502020204030204" pitchFamily="34" charset="0"/>
-              </a:rPr>
-              <a:t>Varyans</a:t>
-            </a:r>
-            <a:r>
-              <a:rPr lang="tr-TR" sz="2600" dirty="0">
-                <a:latin typeface="Calibri" panose="020F0502020204030204" pitchFamily="34" charset="0"/>
-                <a:cs typeface="Calibri" panose="020F0502020204030204" pitchFamily="34" charset="0"/>
-              </a:rPr>
-              <a:t>, gerçek değerden tahmin edilen değerin ne kadar saçılma yaptığını ifade eder.</a:t>
-            </a:r>
-          </a:p>
-          <a:p>
-            <a:pPr algn="just"/>
-            <a:endParaRPr lang="tr-TR" sz="2600" dirty="0">
-              <a:latin typeface="Calibri" panose="020F0502020204030204" pitchFamily="34" charset="0"/>
-              <a:cs typeface="Calibri" panose="020F0502020204030204" pitchFamily="34" charset="0"/>
-            </a:endParaRPr>
-          </a:p>
-          <a:p>
-            <a:pPr algn="just"/>
-            <a:r>
-              <a:rPr lang="tr-TR" sz="2600" dirty="0" err="1">
-                <a:latin typeface="Calibri" panose="020F0502020204030204" pitchFamily="34" charset="0"/>
-                <a:cs typeface="Calibri" panose="020F0502020204030204" pitchFamily="34" charset="0"/>
-              </a:rPr>
-              <a:t>Bias</a:t>
-            </a:r>
-            <a:r>
-              <a:rPr lang="tr-TR" sz="2600" dirty="0">
-                <a:latin typeface="Calibri" panose="020F0502020204030204" pitchFamily="34" charset="0"/>
-                <a:cs typeface="Calibri" panose="020F0502020204030204" pitchFamily="34" charset="0"/>
-              </a:rPr>
-              <a:t>, gerçek değerlerden tahmin edilen değerlerin ne kadar uzak olduğudur. Tahmin edilen değerler gerçek değerlerden uzaksa, </a:t>
-            </a:r>
-            <a:r>
-              <a:rPr lang="tr-TR" sz="2600" b="1" dirty="0" err="1">
-                <a:solidFill>
-                  <a:srgbClr val="FF0000"/>
-                </a:solidFill>
-                <a:latin typeface="Calibri" panose="020F0502020204030204" pitchFamily="34" charset="0"/>
-                <a:cs typeface="Calibri" panose="020F0502020204030204" pitchFamily="34" charset="0"/>
-              </a:rPr>
-              <a:t>bias</a:t>
-            </a:r>
-            <a:r>
-              <a:rPr lang="tr-TR" sz="2600" b="1" dirty="0">
-                <a:solidFill>
-                  <a:srgbClr val="FF0000"/>
-                </a:solidFill>
-                <a:latin typeface="Calibri" panose="020F0502020204030204" pitchFamily="34" charset="0"/>
-                <a:cs typeface="Calibri" panose="020F0502020204030204" pitchFamily="34" charset="0"/>
-              </a:rPr>
-              <a:t> yüksektir.</a:t>
-            </a:r>
-          </a:p>
-        </p:txBody>
-      </p:sp>
-    </p:spTree>
-    <p:extLst>
-      <p:ext uri="{BB962C8B-B14F-4D97-AF65-F5344CB8AC3E}">
-        <p14:creationId xmlns:p14="http://schemas.microsoft.com/office/powerpoint/2010/main" val="2696308463"/>
       </p:ext>
     </p:extLst>
   </p:cSld>
@@ -6263,9 +6569,14 @@
           <a:lstStyle/>
           <a:p>
             <a:r>
-              <a:rPr lang="tr-TR" sz="2000" dirty="0"/>
-              <a:t>Öğrenme</a:t>
-            </a:r>
+              <a:rPr lang="tr-TR" sz="2000" dirty="0">
+                <a:solidFill>
+                  <a:srgbClr val="FFFF00"/>
+                </a:solidFill>
+              </a:rPr>
+              <a:t>Aşırı Öğrenme-Eksik Öğrenme</a:t>
+            </a:r>
+            <a:endParaRPr lang="tr-TR" sz="2000" dirty="0"/>
           </a:p>
         </p:txBody>
       </p:sp>
@@ -6279,7 +6590,7 @@
         </p:nvSpPr>
         <p:spPr>
           <a:xfrm>
-            <a:off x="414961" y="1226127"/>
+            <a:off x="380662" y="1257914"/>
             <a:ext cx="8486584" cy="3643746"/>
           </a:xfrm>
           <a:prstGeom prst="rect">
@@ -6288,7 +6599,7 @@
         </p:spPr>
         <p:txBody>
           <a:bodyPr vert="horz" lIns="91440" tIns="45720" rIns="91440" bIns="45720" rtlCol="0" anchor="t">
-            <a:normAutofit fontScale="77500" lnSpcReduction="20000"/>
+            <a:noAutofit/>
           </a:bodyPr>
           <a:lstStyle>
             <a:lvl1pPr algn="l" defTabSz="685800" rtl="0" eaLnBrk="1" latinLnBrk="0" hangingPunct="1">
@@ -6310,184 +6621,133 @@
             </a:lvl1pPr>
           </a:lstStyle>
           <a:p>
-            <a:r>
-              <a:rPr lang="tr-TR" sz="2600" b="1" dirty="0" err="1">
+            <a:pPr algn="just"/>
+            <a:r>
+              <a:rPr lang="tr-TR" sz="2000" dirty="0" err="1">
                 <a:solidFill>
                   <a:srgbClr val="FF0000"/>
                 </a:solidFill>
-                <a:latin typeface="Calibri" panose="020F0502020204030204" pitchFamily="34" charset="0"/>
-                <a:cs typeface="Calibri" panose="020F0502020204030204" pitchFamily="34" charset="0"/>
-              </a:rPr>
-              <a:t>Bias</a:t>
-            </a:r>
-            <a:r>
-              <a:rPr lang="tr-TR" sz="2600" b="1" dirty="0">
+              </a:rPr>
+              <a:t>Overfitting</a:t>
+            </a:r>
+            <a:r>
+              <a:rPr lang="tr-TR" sz="2000" dirty="0">
                 <a:solidFill>
                   <a:srgbClr val="FF0000"/>
                 </a:solidFill>
-                <a:latin typeface="Calibri" panose="020F0502020204030204" pitchFamily="34" charset="0"/>
-                <a:cs typeface="Calibri" panose="020F0502020204030204" pitchFamily="34" charset="0"/>
-              </a:rPr>
-              <a:t> (Yanlılık):</a:t>
-            </a:r>
-          </a:p>
-          <a:p>
-            <a:endParaRPr lang="tr-TR" sz="1600" dirty="0">
+              </a:rPr>
+              <a:t> problemi için:</a:t>
+            </a:r>
+          </a:p>
+          <a:p>
+            <a:pPr algn="just"/>
+            <a:endParaRPr lang="tr-TR" sz="2000" dirty="0">
               <a:latin typeface="Calibri" panose="020F0502020204030204" pitchFamily="34" charset="0"/>
               <a:cs typeface="Calibri" panose="020F0502020204030204" pitchFamily="34" charset="0"/>
             </a:endParaRPr>
           </a:p>
           <a:p>
-            <a:pPr fontAlgn="base"/>
-            <a:r>
-              <a:rPr lang="tr-TR" sz="2600" dirty="0">
-                <a:latin typeface="Calibri" panose="020F0502020204030204" pitchFamily="34" charset="0"/>
-                <a:cs typeface="Calibri" panose="020F0502020204030204" pitchFamily="34" charset="0"/>
-              </a:rPr>
-              <a:t>Modelin ne kadar yanlış sonuçlar sunduğunu ölçer. </a:t>
-            </a:r>
-          </a:p>
-          <a:p>
-            <a:pPr fontAlgn="base"/>
-            <a:r>
-              <a:rPr lang="tr-TR" sz="2600" dirty="0" err="1">
-                <a:latin typeface="Calibri" panose="020F0502020204030204" pitchFamily="34" charset="0"/>
-                <a:cs typeface="Calibri" panose="020F0502020204030204" pitchFamily="34" charset="0"/>
-              </a:rPr>
-              <a:t>Bias</a:t>
-            </a:r>
-            <a:r>
-              <a:rPr lang="tr-TR" sz="2600" dirty="0">
-                <a:latin typeface="Calibri" panose="020F0502020204030204" pitchFamily="34" charset="0"/>
-                <a:cs typeface="Calibri" panose="020F0502020204030204" pitchFamily="34" charset="0"/>
-              </a:rPr>
-              <a:t>, yanlış varsayımlara dayanır. </a:t>
-            </a:r>
-          </a:p>
-          <a:p>
-            <a:pPr fontAlgn="base"/>
-            <a:r>
-              <a:rPr lang="tr-TR" sz="2600" dirty="0">
-                <a:latin typeface="Calibri" panose="020F0502020204030204" pitchFamily="34" charset="0"/>
-                <a:cs typeface="Calibri" panose="020F0502020204030204" pitchFamily="34" charset="0"/>
-              </a:rPr>
-              <a:t>Yanlılık, modelin problemin çözümünü içermediğini gösterir. Yüksek yanlılığa sahip bir modelin, eğitim verimizi eksik öğrenme olasılığı daha fazladır.</a:t>
-            </a:r>
-          </a:p>
-          <a:p>
-            <a:pPr fontAlgn="base"/>
-            <a:r>
-              <a:rPr lang="tr-TR" sz="2600" dirty="0">
-                <a:latin typeface="Calibri" panose="020F0502020204030204" pitchFamily="34" charset="0"/>
-                <a:cs typeface="Calibri" panose="020F0502020204030204" pitchFamily="34" charset="0"/>
-              </a:rPr>
-              <a:t>Modelimizin zayıf kaldığı bu duruma eksik öğrenme (</a:t>
-            </a:r>
-            <a:r>
-              <a:rPr lang="tr-TR" sz="2600" dirty="0" err="1">
-                <a:latin typeface="Calibri" panose="020F0502020204030204" pitchFamily="34" charset="0"/>
-                <a:cs typeface="Calibri" panose="020F0502020204030204" pitchFamily="34" charset="0"/>
-              </a:rPr>
-              <a:t>underfitting</a:t>
-            </a:r>
-            <a:r>
-              <a:rPr lang="tr-TR" sz="2600" dirty="0">
-                <a:latin typeface="Calibri" panose="020F0502020204030204" pitchFamily="34" charset="0"/>
-                <a:cs typeface="Calibri" panose="020F0502020204030204" pitchFamily="34" charset="0"/>
-              </a:rPr>
-              <a:t>) denir. </a:t>
-            </a:r>
-          </a:p>
-          <a:p>
-            <a:pPr fontAlgn="base"/>
-            <a:endParaRPr lang="tr-TR" sz="2600" dirty="0">
+            <a:pPr algn="just"/>
+            <a:r>
+              <a:rPr lang="tr-TR" sz="2000" b="1" dirty="0">
+                <a:latin typeface="Calibri" panose="020F0502020204030204" pitchFamily="34" charset="0"/>
+                <a:cs typeface="Calibri" panose="020F0502020204030204" pitchFamily="34" charset="0"/>
+              </a:rPr>
+              <a:t>3. </a:t>
+            </a:r>
+            <a:r>
+              <a:rPr lang="tr-TR" sz="2000" b="1" dirty="0" err="1">
+                <a:latin typeface="Calibri" panose="020F0502020204030204" pitchFamily="34" charset="0"/>
+                <a:cs typeface="Calibri" panose="020F0502020204030204" pitchFamily="34" charset="0"/>
+              </a:rPr>
+              <a:t>Regularization</a:t>
+            </a:r>
+            <a:r>
+              <a:rPr lang="tr-TR" sz="2000" b="1" dirty="0">
+                <a:latin typeface="Calibri" panose="020F0502020204030204" pitchFamily="34" charset="0"/>
+                <a:cs typeface="Calibri" panose="020F0502020204030204" pitchFamily="34" charset="0"/>
+              </a:rPr>
+              <a:t> (Düzenleme):</a:t>
+            </a:r>
+            <a:r>
+              <a:rPr lang="tr-TR" sz="2000" dirty="0">
+                <a:latin typeface="Calibri" panose="020F0502020204030204" pitchFamily="34" charset="0"/>
+                <a:cs typeface="Calibri" panose="020F0502020204030204" pitchFamily="34" charset="0"/>
+              </a:rPr>
+              <a:t> Düzenleme, modelin karmaşıklığını azaltmak için bir kullanılan tekniktir. Modelde ağırlığı yüksek olan değişkenlerin ağırlığını azaltarak bu değişkenlerin etki oranı azaltılarak yapılır. Bu yöntem, aşırı öğrenme probleminin çözülmesine yardımcı olur. </a:t>
+            </a:r>
+          </a:p>
+          <a:p>
+            <a:pPr algn="just"/>
+            <a:endParaRPr lang="tr-TR" sz="2000" dirty="0">
               <a:latin typeface="Calibri" panose="020F0502020204030204" pitchFamily="34" charset="0"/>
               <a:cs typeface="Calibri" panose="020F0502020204030204" pitchFamily="34" charset="0"/>
             </a:endParaRPr>
           </a:p>
           <a:p>
-            <a:pPr fontAlgn="base"/>
-            <a:r>
-              <a:rPr lang="tr-TR" sz="2600" b="1" dirty="0" err="1">
-                <a:solidFill>
-                  <a:srgbClr val="FF0000"/>
-                </a:solidFill>
-                <a:latin typeface="Calibri" panose="020F0502020204030204" pitchFamily="34" charset="0"/>
-                <a:cs typeface="Calibri" panose="020F0502020204030204" pitchFamily="34" charset="0"/>
-              </a:rPr>
-              <a:t>Varyans</a:t>
-            </a:r>
-            <a:r>
-              <a:rPr lang="tr-TR" sz="2600" b="1" dirty="0">
-                <a:solidFill>
-                  <a:srgbClr val="FF0000"/>
-                </a:solidFill>
-                <a:latin typeface="Calibri" panose="020F0502020204030204" pitchFamily="34" charset="0"/>
-                <a:cs typeface="Calibri" panose="020F0502020204030204" pitchFamily="34" charset="0"/>
-              </a:rPr>
-              <a:t>: </a:t>
-            </a:r>
-          </a:p>
-          <a:p>
-            <a:pPr fontAlgn="base"/>
-            <a:endParaRPr lang="tr-TR" sz="2600" dirty="0">
-              <a:latin typeface="Calibri" panose="020F0502020204030204" pitchFamily="34" charset="0"/>
-              <a:cs typeface="Calibri" panose="020F0502020204030204" pitchFamily="34" charset="0"/>
-            </a:endParaRPr>
-          </a:p>
-          <a:p>
-            <a:pPr fontAlgn="base"/>
-            <a:r>
-              <a:rPr lang="tr-TR" sz="2600" dirty="0" err="1">
-                <a:latin typeface="Calibri" panose="020F0502020204030204" pitchFamily="34" charset="0"/>
-                <a:cs typeface="Calibri" panose="020F0502020204030204" pitchFamily="34" charset="0"/>
-              </a:rPr>
-              <a:t>Varyans</a:t>
-            </a:r>
-            <a:r>
-              <a:rPr lang="tr-TR" sz="2600" dirty="0">
-                <a:latin typeface="Calibri" panose="020F0502020204030204" pitchFamily="34" charset="0"/>
-                <a:cs typeface="Calibri" panose="020F0502020204030204" pitchFamily="34" charset="0"/>
-              </a:rPr>
-              <a:t>, modelin tahmin ettiği verilerin, gerçek verilerin etrafında ne kadar saçıldığını ölçer. </a:t>
-            </a:r>
-          </a:p>
-          <a:p>
-            <a:pPr fontAlgn="base"/>
-            <a:r>
-              <a:rPr lang="tr-TR" sz="2600" dirty="0">
-                <a:latin typeface="Calibri" panose="020F0502020204030204" pitchFamily="34" charset="0"/>
-                <a:cs typeface="Calibri" panose="020F0502020204030204" pitchFamily="34" charset="0"/>
-              </a:rPr>
-              <a:t>Buna, modelin eğitim verisindeki düşük değişimlere aşırı duyarlılığı sebep olur. Eğer </a:t>
-            </a:r>
-            <a:r>
-              <a:rPr lang="tr-TR" sz="2600" dirty="0" err="1">
-                <a:latin typeface="Calibri" panose="020F0502020204030204" pitchFamily="34" charset="0"/>
-                <a:cs typeface="Calibri" panose="020F0502020204030204" pitchFamily="34" charset="0"/>
-              </a:rPr>
-              <a:t>varyans</a:t>
-            </a:r>
-            <a:r>
-              <a:rPr lang="tr-TR" sz="2600" dirty="0">
-                <a:latin typeface="Calibri" panose="020F0502020204030204" pitchFamily="34" charset="0"/>
-                <a:cs typeface="Calibri" panose="020F0502020204030204" pitchFamily="34" charset="0"/>
-              </a:rPr>
-              <a:t> yüksek ise, modelimiz fazla geneldir; buna da aşırı öğrenme (</a:t>
-            </a:r>
-            <a:r>
-              <a:rPr lang="tr-TR" sz="2600" dirty="0" err="1">
-                <a:latin typeface="Calibri" panose="020F0502020204030204" pitchFamily="34" charset="0"/>
-                <a:cs typeface="Calibri" panose="020F0502020204030204" pitchFamily="34" charset="0"/>
-              </a:rPr>
-              <a:t>overfitting</a:t>
-            </a:r>
-            <a:r>
-              <a:rPr lang="tr-TR" sz="2600" dirty="0">
-                <a:latin typeface="Calibri" panose="020F0502020204030204" pitchFamily="34" charset="0"/>
-                <a:cs typeface="Calibri" panose="020F0502020204030204" pitchFamily="34" charset="0"/>
-              </a:rPr>
-              <a:t>) denir.</a:t>
+            <a:pPr algn="just"/>
+            <a:r>
+              <a:rPr lang="tr-TR" sz="2000" dirty="0">
+                <a:latin typeface="Calibri" panose="020F0502020204030204" pitchFamily="34" charset="0"/>
+                <a:cs typeface="Calibri" panose="020F0502020204030204" pitchFamily="34" charset="0"/>
+              </a:rPr>
+              <a:t>Değişkenlerin ağırlığını azaltmak için </a:t>
+            </a:r>
+            <a:r>
+              <a:rPr lang="tr-TR" sz="2000" dirty="0" err="1">
+                <a:latin typeface="Calibri" panose="020F0502020204030204" pitchFamily="34" charset="0"/>
+                <a:cs typeface="Calibri" panose="020F0502020204030204" pitchFamily="34" charset="0"/>
+              </a:rPr>
+              <a:t>regularization</a:t>
+            </a:r>
+            <a:r>
+              <a:rPr lang="tr-TR" sz="2000" dirty="0">
+                <a:latin typeface="Calibri" panose="020F0502020204030204" pitchFamily="34" charset="0"/>
+                <a:cs typeface="Calibri" panose="020F0502020204030204" pitchFamily="34" charset="0"/>
+              </a:rPr>
+              <a:t> değerini arttırmak gerekmektedir. </a:t>
+            </a:r>
+            <a:r>
+              <a:rPr lang="tr-TR" sz="2000" dirty="0" err="1">
+                <a:latin typeface="Calibri" panose="020F0502020204030204" pitchFamily="34" charset="0"/>
+                <a:cs typeface="Calibri" panose="020F0502020204030204" pitchFamily="34" charset="0"/>
+              </a:rPr>
+              <a:t>Lasso</a:t>
+            </a:r>
+            <a:r>
+              <a:rPr lang="tr-TR" sz="2000" dirty="0">
+                <a:latin typeface="Calibri" panose="020F0502020204030204" pitchFamily="34" charset="0"/>
+                <a:cs typeface="Calibri" panose="020F0502020204030204" pitchFamily="34" charset="0"/>
+              </a:rPr>
+              <a:t> ve </a:t>
+            </a:r>
+            <a:r>
+              <a:rPr lang="tr-TR" sz="2000" dirty="0" err="1">
+                <a:latin typeface="Calibri" panose="020F0502020204030204" pitchFamily="34" charset="0"/>
+                <a:cs typeface="Calibri" panose="020F0502020204030204" pitchFamily="34" charset="0"/>
+              </a:rPr>
+              <a:t>Ridge</a:t>
+            </a:r>
+            <a:r>
+              <a:rPr lang="tr-TR" sz="2000" dirty="0">
+                <a:latin typeface="Calibri" panose="020F0502020204030204" pitchFamily="34" charset="0"/>
+                <a:cs typeface="Calibri" panose="020F0502020204030204" pitchFamily="34" charset="0"/>
+              </a:rPr>
+              <a:t> teknikleri en sık kullanılan </a:t>
+            </a:r>
+            <a:r>
+              <a:rPr lang="tr-TR" sz="2000" dirty="0" err="1">
+                <a:latin typeface="Calibri" panose="020F0502020204030204" pitchFamily="34" charset="0"/>
+                <a:cs typeface="Calibri" panose="020F0502020204030204" pitchFamily="34" charset="0"/>
+              </a:rPr>
+              <a:t>regularizasyon</a:t>
+            </a:r>
+            <a:r>
+              <a:rPr lang="tr-TR" sz="2000" dirty="0">
+                <a:latin typeface="Calibri" panose="020F0502020204030204" pitchFamily="34" charset="0"/>
+                <a:cs typeface="Calibri" panose="020F0502020204030204" pitchFamily="34" charset="0"/>
+              </a:rPr>
+              <a:t> teknikleridir.</a:t>
             </a:r>
           </a:p>
         </p:txBody>
@@ -6495,7 +6755,7 @@
     </p:spTree>
     <p:extLst>
       <p:ext uri="{BB962C8B-B14F-4D97-AF65-F5344CB8AC3E}">
-        <p14:creationId xmlns:p14="http://schemas.microsoft.com/office/powerpoint/2010/main" val="2032193617"/>
+        <p14:creationId xmlns:p14="http://schemas.microsoft.com/office/powerpoint/2010/main" val="304782433"/>
       </p:ext>
     </p:extLst>
   </p:cSld>
@@ -6545,9 +6805,14 @@
           <a:lstStyle/>
           <a:p>
             <a:r>
-              <a:rPr lang="tr-TR" sz="2000" dirty="0"/>
-              <a:t>Öğrenme</a:t>
-            </a:r>
+              <a:rPr lang="tr-TR" sz="2000" dirty="0">
+                <a:solidFill>
+                  <a:srgbClr val="FFFF00"/>
+                </a:solidFill>
+              </a:rPr>
+              <a:t>Aşırı Öğrenme-Eksik Öğrenme</a:t>
+            </a:r>
+            <a:endParaRPr lang="tr-TR" sz="2000" dirty="0"/>
           </a:p>
         </p:txBody>
       </p:sp>
@@ -6561,8 +6826,8 @@
         </p:nvSpPr>
         <p:spPr>
           <a:xfrm>
-            <a:off x="298352" y="869716"/>
-            <a:ext cx="8486584" cy="1895142"/>
+            <a:off x="463789" y="875048"/>
+            <a:ext cx="8486584" cy="4195715"/>
           </a:xfrm>
           <a:prstGeom prst="rect">
             <a:avLst/>
@@ -6592,6 +6857,1143 @@
             </a:lvl1pPr>
           </a:lstStyle>
           <a:p>
+            <a:r>
+              <a:rPr lang="tr-TR" sz="2000" b="1" dirty="0" err="1">
+                <a:solidFill>
+                  <a:srgbClr val="FF0000"/>
+                </a:solidFill>
+                <a:latin typeface="Calibri" panose="020F0502020204030204" pitchFamily="34" charset="0"/>
+                <a:cs typeface="Calibri" panose="020F0502020204030204" pitchFamily="34" charset="0"/>
+              </a:rPr>
+              <a:t>Underfitting</a:t>
+            </a:r>
+            <a:r>
+              <a:rPr lang="tr-TR" sz="2000" b="1" dirty="0">
+                <a:solidFill>
+                  <a:srgbClr val="FF0000"/>
+                </a:solidFill>
+                <a:latin typeface="Calibri" panose="020F0502020204030204" pitchFamily="34" charset="0"/>
+                <a:cs typeface="Calibri" panose="020F0502020204030204" pitchFamily="34" charset="0"/>
+              </a:rPr>
+              <a:t> (Yetersiz öğrenme)</a:t>
+            </a:r>
+          </a:p>
+          <a:p>
+            <a:endParaRPr lang="tr-TR" sz="2000" dirty="0">
+              <a:latin typeface="Calibri" panose="020F0502020204030204" pitchFamily="34" charset="0"/>
+              <a:cs typeface="Calibri" panose="020F0502020204030204" pitchFamily="34" charset="0"/>
+            </a:endParaRPr>
+          </a:p>
+          <a:p>
+            <a:pPr algn="just"/>
+            <a:r>
+              <a:rPr lang="tr-TR" sz="2000" dirty="0">
+                <a:latin typeface="Calibri" panose="020F0502020204030204" pitchFamily="34" charset="0"/>
+                <a:cs typeface="Calibri" panose="020F0502020204030204" pitchFamily="34" charset="0"/>
+              </a:rPr>
+              <a:t>Yetersiz öğrenmeye sahip bir modelin eğitim verilerinden çıkarım yapamadığı görülür. </a:t>
+            </a:r>
+          </a:p>
+          <a:p>
+            <a:pPr algn="just"/>
+            <a:endParaRPr lang="tr-TR" sz="2000" dirty="0">
+              <a:latin typeface="Calibri" panose="020F0502020204030204" pitchFamily="34" charset="0"/>
+              <a:cs typeface="Calibri" panose="020F0502020204030204" pitchFamily="34" charset="0"/>
+            </a:endParaRPr>
+          </a:p>
+          <a:p>
+            <a:pPr algn="just"/>
+            <a:r>
+              <a:rPr lang="tr-TR" sz="2000" dirty="0">
+                <a:latin typeface="Calibri" panose="020F0502020204030204" pitchFamily="34" charset="0"/>
+                <a:cs typeface="Calibri" panose="020F0502020204030204" pitchFamily="34" charset="0"/>
+              </a:rPr>
+              <a:t>Bu modeller eğitim verilerini anlayamaz ve girdiler ile çıktılar arasındaki temel ilişkiyi öğrenemez.</a:t>
+            </a:r>
+          </a:p>
+          <a:p>
+            <a:pPr algn="just"/>
+            <a:endParaRPr lang="tr-TR" sz="2000" dirty="0">
+              <a:latin typeface="Calibri" panose="020F0502020204030204" pitchFamily="34" charset="0"/>
+              <a:cs typeface="Calibri" panose="020F0502020204030204" pitchFamily="34" charset="0"/>
+            </a:endParaRPr>
+          </a:p>
+          <a:p>
+            <a:pPr algn="just"/>
+            <a:r>
+              <a:rPr lang="tr-TR" sz="2000" dirty="0">
+                <a:latin typeface="Calibri" panose="020F0502020204030204" pitchFamily="34" charset="0"/>
+                <a:cs typeface="Calibri" panose="020F0502020204030204" pitchFamily="34" charset="0"/>
+              </a:rPr>
+              <a:t>Bu problem genellikle çok basit bir model inşasının sonucudur (yetersiz </a:t>
+            </a:r>
+            <a:r>
+              <a:rPr lang="tr-TR" sz="2000" dirty="0" err="1">
+                <a:latin typeface="Calibri" panose="020F0502020204030204" pitchFamily="34" charset="0"/>
+                <a:cs typeface="Calibri" panose="020F0502020204030204" pitchFamily="34" charset="0"/>
+              </a:rPr>
+              <a:t>tahminleyici</a:t>
+            </a:r>
+            <a:r>
+              <a:rPr lang="tr-TR" sz="2000" dirty="0">
+                <a:latin typeface="Calibri" panose="020F0502020204030204" pitchFamily="34" charset="0"/>
+                <a:cs typeface="Calibri" panose="020F0502020204030204" pitchFamily="34" charset="0"/>
+              </a:rPr>
+              <a:t>, bağımsız değişken eksikliği).</a:t>
+            </a:r>
+          </a:p>
+          <a:p>
+            <a:pPr algn="just"/>
+            <a:endParaRPr lang="tr-TR" sz="2000" dirty="0">
+              <a:latin typeface="Calibri" panose="020F0502020204030204" pitchFamily="34" charset="0"/>
+              <a:cs typeface="Calibri" panose="020F0502020204030204" pitchFamily="34" charset="0"/>
+            </a:endParaRPr>
+          </a:p>
+          <a:p>
+            <a:r>
+              <a:rPr lang="tr-TR" sz="2000" dirty="0">
+                <a:latin typeface="Calibri" panose="020F0502020204030204" pitchFamily="34" charset="0"/>
+                <a:cs typeface="Calibri" panose="020F0502020204030204" pitchFamily="34" charset="0"/>
+              </a:rPr>
+              <a:t>Sonuç: </a:t>
+            </a:r>
+          </a:p>
+          <a:p>
+            <a:r>
+              <a:rPr lang="tr-TR" sz="2000" dirty="0">
+                <a:latin typeface="Calibri" panose="020F0502020204030204" pitchFamily="34" charset="0"/>
+                <a:cs typeface="Calibri" panose="020F0502020204030204" pitchFamily="34" charset="0"/>
+              </a:rPr>
+              <a:t>Bu modellerde hem eğitim hem de test veri setinde hata oranı yüksektir. </a:t>
+            </a:r>
+          </a:p>
+          <a:p>
+            <a:r>
+              <a:rPr lang="tr-TR" sz="2000" dirty="0">
+                <a:latin typeface="Calibri" panose="020F0502020204030204" pitchFamily="34" charset="0"/>
+                <a:cs typeface="Calibri" panose="020F0502020204030204" pitchFamily="34" charset="0"/>
+              </a:rPr>
+              <a:t>Düşük </a:t>
+            </a:r>
+            <a:r>
+              <a:rPr lang="tr-TR" sz="2000" dirty="0" err="1">
+                <a:latin typeface="Calibri" panose="020F0502020204030204" pitchFamily="34" charset="0"/>
+                <a:cs typeface="Calibri" panose="020F0502020204030204" pitchFamily="34" charset="0"/>
+              </a:rPr>
+              <a:t>varyans</a:t>
+            </a:r>
+            <a:r>
+              <a:rPr lang="tr-TR" sz="2000" dirty="0">
+                <a:latin typeface="Calibri" panose="020F0502020204030204" pitchFamily="34" charset="0"/>
+                <a:cs typeface="Calibri" panose="020F0502020204030204" pitchFamily="34" charset="0"/>
+              </a:rPr>
+              <a:t> ve yüksek </a:t>
+            </a:r>
+            <a:r>
+              <a:rPr lang="tr-TR" sz="2000" dirty="0" err="1">
+                <a:latin typeface="Calibri" panose="020F0502020204030204" pitchFamily="34" charset="0"/>
+                <a:cs typeface="Calibri" panose="020F0502020204030204" pitchFamily="34" charset="0"/>
+              </a:rPr>
+              <a:t>bias</a:t>
+            </a:r>
+            <a:r>
+              <a:rPr lang="tr-TR" sz="2000" dirty="0">
+                <a:latin typeface="Calibri" panose="020F0502020204030204" pitchFamily="34" charset="0"/>
+                <a:cs typeface="Calibri" panose="020F0502020204030204" pitchFamily="34" charset="0"/>
+              </a:rPr>
+              <a:t> vardır. </a:t>
+            </a:r>
+          </a:p>
+          <a:p>
+            <a:endParaRPr lang="tr-TR" sz="2000" dirty="0">
+              <a:latin typeface="Calibri" panose="020F0502020204030204" pitchFamily="34" charset="0"/>
+              <a:cs typeface="Calibri" panose="020F0502020204030204" pitchFamily="34" charset="0"/>
+            </a:endParaRPr>
+          </a:p>
+        </p:txBody>
+      </p:sp>
+    </p:spTree>
+    <p:extLst>
+      <p:ext uri="{BB962C8B-B14F-4D97-AF65-F5344CB8AC3E}">
+        <p14:creationId xmlns:p14="http://schemas.microsoft.com/office/powerpoint/2010/main" val="2148797206"/>
+      </p:ext>
+    </p:extLst>
+  </p:cSld>
+  <p:clrMapOvr>
+    <a:masterClrMapping/>
+  </p:clrMapOvr>
+</p:sld>
+</file>
+
+<file path=ppt/slides/slide22.xml><?xml version="1.0" encoding="utf-8"?>
+<p:sld xmlns:a="http://schemas.openxmlformats.org/drawingml/2006/main" xmlns:r="http://schemas.openxmlformats.org/officeDocument/2006/relationships" xmlns:p="http://schemas.openxmlformats.org/presentationml/2006/main">
+  <p:cSld>
+    <p:spTree>
+      <p:nvGrpSpPr>
+        <p:cNvPr id="1" name=""/>
+        <p:cNvGrpSpPr/>
+        <p:nvPr/>
+      </p:nvGrpSpPr>
+      <p:grpSpPr>
+        <a:xfrm>
+          <a:off x="0" y="0"/>
+          <a:ext cx="0" cy="0"/>
+          <a:chOff x="0" y="0"/>
+          <a:chExt cx="0" cy="0"/>
+        </a:xfrm>
+      </p:grpSpPr>
+      <p:sp>
+        <p:nvSpPr>
+          <p:cNvPr id="3" name="Unvan 2"/>
+          <p:cNvSpPr>
+            <a:spLocks noGrp="1"/>
+          </p:cNvSpPr>
+          <p:nvPr>
+            <p:ph type="title"/>
+          </p:nvPr>
+        </p:nvSpPr>
+        <p:spPr>
+          <a:xfrm>
+            <a:off x="927579" y="0"/>
+            <a:ext cx="7228130" cy="875049"/>
+          </a:xfrm>
+        </p:spPr>
+        <p:txBody>
+          <a:bodyPr>
+            <a:normAutofit/>
+          </a:bodyPr>
+          <a:lstStyle/>
+          <a:p>
+            <a:r>
+              <a:rPr lang="tr-TR" sz="2000" dirty="0">
+                <a:solidFill>
+                  <a:srgbClr val="FFFF00"/>
+                </a:solidFill>
+              </a:rPr>
+              <a:t>Aşırı Öğrenme-Eksik Öğrenme</a:t>
+            </a:r>
+            <a:endParaRPr lang="tr-TR" sz="2000" dirty="0"/>
+          </a:p>
+        </p:txBody>
+      </p:sp>
+      <p:sp>
+        <p:nvSpPr>
+          <p:cNvPr id="7" name="Unvan 2"/>
+          <p:cNvSpPr txBox="1">
+            <a:spLocks/>
+          </p:cNvSpPr>
+          <p:nvPr/>
+        </p:nvSpPr>
+        <p:spPr>
+          <a:xfrm>
+            <a:off x="414961" y="1226127"/>
+            <a:ext cx="8486584" cy="3643746"/>
+          </a:xfrm>
+          <a:prstGeom prst="rect">
+            <a:avLst/>
+          </a:prstGeom>
+        </p:spPr>
+        <p:txBody>
+          <a:bodyPr vert="horz" lIns="91440" tIns="45720" rIns="91440" bIns="45720" rtlCol="0" anchor="t">
+            <a:normAutofit/>
+          </a:bodyPr>
+          <a:lstStyle>
+            <a:lvl1pPr algn="l" defTabSz="685800" rtl="0" eaLnBrk="1" latinLnBrk="0" hangingPunct="1">
+              <a:lnSpc>
+                <a:spcPct val="90000"/>
+              </a:lnSpc>
+              <a:spcBef>
+                <a:spcPct val="0"/>
+              </a:spcBef>
+              <a:buNone/>
+              <a:defRPr sz="3300" kern="1200">
+                <a:solidFill>
+                  <a:schemeClr val="tx1"/>
+                </a:solidFill>
+                <a:latin typeface="+mj-lt"/>
+                <a:ea typeface="+mj-ea"/>
+                <a:cs typeface="+mj-cs"/>
+              </a:defRPr>
+            </a:lvl1pPr>
+          </a:lstStyle>
+          <a:p>
+            <a:pPr marL="342900" indent="-342900">
+              <a:buFont typeface="Arial" panose="020B0604020202020204" pitchFamily="34" charset="0"/>
+              <a:buChar char="•"/>
+            </a:pPr>
+            <a:r>
+              <a:rPr lang="tr-TR" sz="2400" dirty="0" err="1">
+                <a:latin typeface="Calibri" panose="020F0502020204030204" pitchFamily="34" charset="0"/>
+                <a:cs typeface="Calibri" panose="020F0502020204030204" pitchFamily="34" charset="0"/>
+              </a:rPr>
+              <a:t>Overfit</a:t>
+            </a:r>
+            <a:r>
+              <a:rPr lang="tr-TR" sz="2400">
+                <a:latin typeface="Calibri" panose="020F0502020204030204" pitchFamily="34" charset="0"/>
+                <a:cs typeface="Calibri" panose="020F0502020204030204" pitchFamily="34" charset="0"/>
+              </a:rPr>
+              <a:t>, </a:t>
+            </a:r>
+            <a:r>
+              <a:rPr lang="tr-TR" sz="2400" dirty="0" err="1">
+                <a:latin typeface="Calibri" panose="020F0502020204030204" pitchFamily="34" charset="0"/>
+                <a:cs typeface="Calibri" panose="020F0502020204030204" pitchFamily="34" charset="0"/>
+              </a:rPr>
+              <a:t>Underfite</a:t>
+            </a:r>
+            <a:r>
+              <a:rPr lang="tr-TR" sz="2400" dirty="0">
+                <a:latin typeface="Calibri" panose="020F0502020204030204" pitchFamily="34" charset="0"/>
+                <a:cs typeface="Calibri" panose="020F0502020204030204" pitchFamily="34" charset="0"/>
+              </a:rPr>
+              <a:t> göre daha sık görülür. </a:t>
+            </a:r>
+          </a:p>
+          <a:p>
+            <a:pPr marL="342900" indent="-342900">
+              <a:buFont typeface="Arial" panose="020B0604020202020204" pitchFamily="34" charset="0"/>
+              <a:buChar char="•"/>
+            </a:pPr>
+            <a:r>
+              <a:rPr lang="tr-TR" sz="2400" dirty="0">
+                <a:latin typeface="Calibri" panose="020F0502020204030204" pitchFamily="34" charset="0"/>
+                <a:cs typeface="Calibri" panose="020F0502020204030204" pitchFamily="34" charset="0"/>
+              </a:rPr>
+              <a:t>Veri analizinde her iki problemden de kaçınmak gereklidir.</a:t>
+            </a:r>
+          </a:p>
+        </p:txBody>
+      </p:sp>
+    </p:spTree>
+    <p:extLst>
+      <p:ext uri="{BB962C8B-B14F-4D97-AF65-F5344CB8AC3E}">
+        <p14:creationId xmlns:p14="http://schemas.microsoft.com/office/powerpoint/2010/main" val="524043039"/>
+      </p:ext>
+    </p:extLst>
+  </p:cSld>
+  <p:clrMapOvr>
+    <a:masterClrMapping/>
+  </p:clrMapOvr>
+</p:sld>
+</file>
+
+<file path=ppt/slides/slide23.xml><?xml version="1.0" encoding="utf-8"?>
+<p:sld xmlns:a="http://schemas.openxmlformats.org/drawingml/2006/main" xmlns:r="http://schemas.openxmlformats.org/officeDocument/2006/relationships" xmlns:p="http://schemas.openxmlformats.org/presentationml/2006/main">
+  <p:cSld>
+    <p:spTree>
+      <p:nvGrpSpPr>
+        <p:cNvPr id="1" name=""/>
+        <p:cNvGrpSpPr/>
+        <p:nvPr/>
+      </p:nvGrpSpPr>
+      <p:grpSpPr>
+        <a:xfrm>
+          <a:off x="0" y="0"/>
+          <a:ext cx="0" cy="0"/>
+          <a:chOff x="0" y="0"/>
+          <a:chExt cx="0" cy="0"/>
+        </a:xfrm>
+      </p:grpSpPr>
+      <p:sp>
+        <p:nvSpPr>
+          <p:cNvPr id="3" name="Unvan 2"/>
+          <p:cNvSpPr>
+            <a:spLocks noGrp="1"/>
+          </p:cNvSpPr>
+          <p:nvPr>
+            <p:ph type="title"/>
+          </p:nvPr>
+        </p:nvSpPr>
+        <p:spPr>
+          <a:xfrm>
+            <a:off x="927579" y="0"/>
+            <a:ext cx="7228130" cy="875049"/>
+          </a:xfrm>
+        </p:spPr>
+        <p:txBody>
+          <a:bodyPr>
+            <a:normAutofit/>
+          </a:bodyPr>
+          <a:lstStyle/>
+          <a:p>
+            <a:r>
+              <a:rPr lang="tr-TR" sz="2000" dirty="0"/>
+              <a:t>Öğrenme</a:t>
+            </a:r>
+          </a:p>
+        </p:txBody>
+      </p:sp>
+      <p:sp>
+        <p:nvSpPr>
+          <p:cNvPr id="7" name="Unvan 2"/>
+          <p:cNvSpPr txBox="1">
+            <a:spLocks/>
+          </p:cNvSpPr>
+          <p:nvPr/>
+        </p:nvSpPr>
+        <p:spPr>
+          <a:xfrm>
+            <a:off x="414961" y="1226127"/>
+            <a:ext cx="8486584" cy="3643746"/>
+          </a:xfrm>
+          <a:prstGeom prst="rect">
+            <a:avLst/>
+          </a:prstGeom>
+        </p:spPr>
+        <p:txBody>
+          <a:bodyPr vert="horz" lIns="91440" tIns="45720" rIns="91440" bIns="45720" rtlCol="0" anchor="t">
+            <a:normAutofit/>
+          </a:bodyPr>
+          <a:lstStyle>
+            <a:lvl1pPr algn="l" defTabSz="685800" rtl="0" eaLnBrk="1" latinLnBrk="0" hangingPunct="1">
+              <a:lnSpc>
+                <a:spcPct val="90000"/>
+              </a:lnSpc>
+              <a:spcBef>
+                <a:spcPct val="0"/>
+              </a:spcBef>
+              <a:buNone/>
+              <a:defRPr sz="3300" kern="1200">
+                <a:solidFill>
+                  <a:schemeClr val="tx1"/>
+                </a:solidFill>
+                <a:latin typeface="+mj-lt"/>
+                <a:ea typeface="+mj-ea"/>
+                <a:cs typeface="+mj-cs"/>
+              </a:defRPr>
+            </a:lvl1pPr>
+          </a:lstStyle>
+          <a:p>
+            <a:pPr algn="just" fontAlgn="base"/>
+            <a:r>
+              <a:rPr lang="tr-TR" sz="2600" dirty="0">
+                <a:latin typeface="Calibri" panose="020F0502020204030204" pitchFamily="34" charset="0"/>
+                <a:cs typeface="Calibri" panose="020F0502020204030204" pitchFamily="34" charset="0"/>
+              </a:rPr>
+              <a:t>Bir modelin “genelleştirme” hatası, üç farklı hatanın toplamı şeklinde ifade edilebilir:</a:t>
+            </a:r>
+          </a:p>
+          <a:p>
+            <a:pPr algn="just" fontAlgn="base"/>
+            <a:endParaRPr lang="tr-TR" sz="2600" dirty="0">
+              <a:latin typeface="Calibri" panose="020F0502020204030204" pitchFamily="34" charset="0"/>
+              <a:cs typeface="Calibri" panose="020F0502020204030204" pitchFamily="34" charset="0"/>
+            </a:endParaRPr>
+          </a:p>
+          <a:p>
+            <a:pPr algn="just" fontAlgn="base"/>
+            <a:endParaRPr lang="tr-TR" sz="2600" dirty="0">
+              <a:latin typeface="Calibri" panose="020F0502020204030204" pitchFamily="34" charset="0"/>
+              <a:cs typeface="Calibri" panose="020F0502020204030204" pitchFamily="34" charset="0"/>
+            </a:endParaRPr>
+          </a:p>
+          <a:p>
+            <a:pPr algn="just" fontAlgn="base"/>
+            <a:r>
+              <a:rPr lang="tr-TR" sz="2600" dirty="0">
+                <a:latin typeface="Calibri" panose="020F0502020204030204" pitchFamily="34" charset="0"/>
+                <a:cs typeface="Calibri" panose="020F0502020204030204" pitchFamily="34" charset="0"/>
+              </a:rPr>
+              <a:t>Yanlılık (</a:t>
+            </a:r>
+            <a:r>
+              <a:rPr lang="tr-TR" sz="2600" dirty="0" err="1">
+                <a:latin typeface="Calibri" panose="020F0502020204030204" pitchFamily="34" charset="0"/>
+                <a:cs typeface="Calibri" panose="020F0502020204030204" pitchFamily="34" charset="0"/>
+              </a:rPr>
+              <a:t>Bias</a:t>
+            </a:r>
+            <a:r>
+              <a:rPr lang="tr-TR" sz="2600" dirty="0">
+                <a:latin typeface="Calibri" panose="020F0502020204030204" pitchFamily="34" charset="0"/>
+                <a:cs typeface="Calibri" panose="020F0502020204030204" pitchFamily="34" charset="0"/>
+              </a:rPr>
+              <a:t>)</a:t>
+            </a:r>
+          </a:p>
+          <a:p>
+            <a:pPr algn="just" fontAlgn="base"/>
+            <a:r>
+              <a:rPr lang="tr-TR" sz="2600" dirty="0" err="1">
+                <a:latin typeface="Calibri" panose="020F0502020204030204" pitchFamily="34" charset="0"/>
+                <a:cs typeface="Calibri" panose="020F0502020204030204" pitchFamily="34" charset="0"/>
+              </a:rPr>
+              <a:t>Varyans</a:t>
+            </a:r>
+            <a:r>
+              <a:rPr lang="tr-TR" sz="2600" dirty="0">
+                <a:latin typeface="Calibri" panose="020F0502020204030204" pitchFamily="34" charset="0"/>
+                <a:cs typeface="Calibri" panose="020F0502020204030204" pitchFamily="34" charset="0"/>
+              </a:rPr>
+              <a:t> (</a:t>
+            </a:r>
+            <a:r>
+              <a:rPr lang="tr-TR" sz="2600" dirty="0" err="1">
+                <a:latin typeface="Calibri" panose="020F0502020204030204" pitchFamily="34" charset="0"/>
+                <a:cs typeface="Calibri" panose="020F0502020204030204" pitchFamily="34" charset="0"/>
+              </a:rPr>
+              <a:t>Variance</a:t>
+            </a:r>
+            <a:r>
+              <a:rPr lang="tr-TR" sz="2600" dirty="0">
+                <a:latin typeface="Calibri" panose="020F0502020204030204" pitchFamily="34" charset="0"/>
+                <a:cs typeface="Calibri" panose="020F0502020204030204" pitchFamily="34" charset="0"/>
+              </a:rPr>
+              <a:t>)</a:t>
+            </a:r>
+          </a:p>
+          <a:p>
+            <a:pPr algn="just" fontAlgn="base"/>
+            <a:r>
+              <a:rPr lang="tr-TR" sz="2600" dirty="0">
+                <a:latin typeface="Calibri" panose="020F0502020204030204" pitchFamily="34" charset="0"/>
+                <a:cs typeface="Calibri" panose="020F0502020204030204" pitchFamily="34" charset="0"/>
+              </a:rPr>
+              <a:t>İndirgenemez Hata (</a:t>
+            </a:r>
+            <a:r>
+              <a:rPr lang="tr-TR" sz="2600" dirty="0" err="1">
+                <a:latin typeface="Calibri" panose="020F0502020204030204" pitchFamily="34" charset="0"/>
+                <a:cs typeface="Calibri" panose="020F0502020204030204" pitchFamily="34" charset="0"/>
+              </a:rPr>
+              <a:t>Irreducible</a:t>
+            </a:r>
+            <a:r>
+              <a:rPr lang="tr-TR" sz="2600" dirty="0">
+                <a:latin typeface="Calibri" panose="020F0502020204030204" pitchFamily="34" charset="0"/>
+                <a:cs typeface="Calibri" panose="020F0502020204030204" pitchFamily="34" charset="0"/>
+              </a:rPr>
+              <a:t> </a:t>
+            </a:r>
+            <a:r>
+              <a:rPr lang="tr-TR" sz="2600" dirty="0" err="1">
+                <a:latin typeface="Calibri" panose="020F0502020204030204" pitchFamily="34" charset="0"/>
+                <a:cs typeface="Calibri" panose="020F0502020204030204" pitchFamily="34" charset="0"/>
+              </a:rPr>
+              <a:t>error</a:t>
+            </a:r>
+            <a:r>
+              <a:rPr lang="tr-TR" sz="2600" dirty="0">
+                <a:latin typeface="Calibri" panose="020F0502020204030204" pitchFamily="34" charset="0"/>
+                <a:cs typeface="Calibri" panose="020F0502020204030204" pitchFamily="34" charset="0"/>
+              </a:rPr>
+              <a:t>)</a:t>
+            </a:r>
+          </a:p>
+        </p:txBody>
+      </p:sp>
+    </p:spTree>
+    <p:extLst>
+      <p:ext uri="{BB962C8B-B14F-4D97-AF65-F5344CB8AC3E}">
+        <p14:creationId xmlns:p14="http://schemas.microsoft.com/office/powerpoint/2010/main" val="243583585"/>
+      </p:ext>
+    </p:extLst>
+  </p:cSld>
+  <p:clrMapOvr>
+    <a:masterClrMapping/>
+  </p:clrMapOvr>
+</p:sld>
+</file>
+
+<file path=ppt/slides/slide24.xml><?xml version="1.0" encoding="utf-8"?>
+<p:sld xmlns:a="http://schemas.openxmlformats.org/drawingml/2006/main" xmlns:r="http://schemas.openxmlformats.org/officeDocument/2006/relationships" xmlns:p="http://schemas.openxmlformats.org/presentationml/2006/main">
+  <p:cSld>
+    <p:spTree>
+      <p:nvGrpSpPr>
+        <p:cNvPr id="1" name=""/>
+        <p:cNvGrpSpPr/>
+        <p:nvPr/>
+      </p:nvGrpSpPr>
+      <p:grpSpPr>
+        <a:xfrm>
+          <a:off x="0" y="0"/>
+          <a:ext cx="0" cy="0"/>
+          <a:chOff x="0" y="0"/>
+          <a:chExt cx="0" cy="0"/>
+        </a:xfrm>
+      </p:grpSpPr>
+      <p:sp>
+        <p:nvSpPr>
+          <p:cNvPr id="3" name="Unvan 2"/>
+          <p:cNvSpPr>
+            <a:spLocks noGrp="1"/>
+          </p:cNvSpPr>
+          <p:nvPr>
+            <p:ph type="title"/>
+          </p:nvPr>
+        </p:nvSpPr>
+        <p:spPr>
+          <a:xfrm>
+            <a:off x="927579" y="0"/>
+            <a:ext cx="7228130" cy="875049"/>
+          </a:xfrm>
+        </p:spPr>
+        <p:txBody>
+          <a:bodyPr>
+            <a:normAutofit/>
+          </a:bodyPr>
+          <a:lstStyle/>
+          <a:p>
+            <a:r>
+              <a:rPr lang="tr-TR" sz="2000" dirty="0"/>
+              <a:t>Öğrenme</a:t>
+            </a:r>
+          </a:p>
+        </p:txBody>
+      </p:sp>
+      <p:sp>
+        <p:nvSpPr>
+          <p:cNvPr id="7" name="Unvan 2"/>
+          <p:cNvSpPr txBox="1">
+            <a:spLocks/>
+          </p:cNvSpPr>
+          <p:nvPr/>
+        </p:nvSpPr>
+        <p:spPr>
+          <a:xfrm>
+            <a:off x="379792" y="875049"/>
+            <a:ext cx="8486584" cy="3643746"/>
+          </a:xfrm>
+          <a:prstGeom prst="rect">
+            <a:avLst/>
+          </a:prstGeom>
+        </p:spPr>
+        <p:txBody>
+          <a:bodyPr vert="horz" lIns="91440" tIns="45720" rIns="91440" bIns="45720" rtlCol="0" anchor="t">
+            <a:normAutofit fontScale="92500" lnSpcReduction="10000"/>
+          </a:bodyPr>
+          <a:lstStyle>
+            <a:lvl1pPr algn="l" defTabSz="685800" rtl="0" eaLnBrk="1" latinLnBrk="0" hangingPunct="1">
+              <a:lnSpc>
+                <a:spcPct val="90000"/>
+              </a:lnSpc>
+              <a:spcBef>
+                <a:spcPct val="0"/>
+              </a:spcBef>
+              <a:buNone/>
+              <a:defRPr sz="3300" kern="1200">
+                <a:solidFill>
+                  <a:schemeClr val="tx1"/>
+                </a:solidFill>
+                <a:latin typeface="+mj-lt"/>
+                <a:ea typeface="+mj-ea"/>
+                <a:cs typeface="+mj-cs"/>
+              </a:defRPr>
+            </a:lvl1pPr>
+          </a:lstStyle>
+          <a:p>
+            <a:r>
+              <a:rPr lang="tr-TR" dirty="0" err="1">
+                <a:solidFill>
+                  <a:srgbClr val="FF0000"/>
+                </a:solidFill>
+              </a:rPr>
+              <a:t>Varyans</a:t>
+            </a:r>
+            <a:r>
+              <a:rPr lang="tr-TR" dirty="0">
+                <a:solidFill>
+                  <a:srgbClr val="FF0000"/>
+                </a:solidFill>
+              </a:rPr>
+              <a:t> ve </a:t>
+            </a:r>
+            <a:r>
+              <a:rPr lang="tr-TR" dirty="0" err="1">
+                <a:solidFill>
+                  <a:srgbClr val="FF0000"/>
+                </a:solidFill>
+              </a:rPr>
+              <a:t>Bias</a:t>
+            </a:r>
+            <a:r>
+              <a:rPr lang="tr-TR" dirty="0">
+                <a:solidFill>
+                  <a:srgbClr val="FF0000"/>
+                </a:solidFill>
+              </a:rPr>
+              <a:t> </a:t>
+            </a:r>
+          </a:p>
+          <a:p>
+            <a:endParaRPr lang="tr-TR" sz="3000" dirty="0">
+              <a:solidFill>
+                <a:srgbClr val="FF0000"/>
+              </a:solidFill>
+              <a:latin typeface="Calibri" panose="020F0502020204030204" pitchFamily="34" charset="0"/>
+              <a:cs typeface="Calibri" panose="020F0502020204030204" pitchFamily="34" charset="0"/>
+            </a:endParaRPr>
+          </a:p>
+          <a:p>
+            <a:pPr algn="just"/>
+            <a:r>
+              <a:rPr lang="tr-TR" sz="2600" dirty="0" err="1">
+                <a:latin typeface="Calibri" panose="020F0502020204030204" pitchFamily="34" charset="0"/>
+                <a:cs typeface="Calibri" panose="020F0502020204030204" pitchFamily="34" charset="0"/>
+              </a:rPr>
+              <a:t>Varyans</a:t>
+            </a:r>
+            <a:r>
+              <a:rPr lang="tr-TR" sz="2600" dirty="0">
+                <a:latin typeface="Calibri" panose="020F0502020204030204" pitchFamily="34" charset="0"/>
+                <a:cs typeface="Calibri" panose="020F0502020204030204" pitchFamily="34" charset="0"/>
+              </a:rPr>
+              <a:t>, model eğitim veri setinde iyi performans gösterir, ancak bir test veri kümesi veya doğrulama veri kümesi gibi eğitilmemiş bir veri kümesinde iyi performans göstermez ise </a:t>
+            </a:r>
+            <a:r>
+              <a:rPr lang="tr-TR" sz="2600" b="1" dirty="0">
+                <a:solidFill>
+                  <a:srgbClr val="FF0000"/>
+                </a:solidFill>
+                <a:latin typeface="Calibri" panose="020F0502020204030204" pitchFamily="34" charset="0"/>
+                <a:cs typeface="Calibri" panose="020F0502020204030204" pitchFamily="34" charset="0"/>
+              </a:rPr>
+              <a:t>ortaya çıkar. </a:t>
+            </a:r>
+            <a:r>
+              <a:rPr lang="tr-TR" sz="2600" dirty="0" err="1">
+                <a:latin typeface="Calibri" panose="020F0502020204030204" pitchFamily="34" charset="0"/>
+                <a:cs typeface="Calibri" panose="020F0502020204030204" pitchFamily="34" charset="0"/>
+              </a:rPr>
+              <a:t>Varyans</a:t>
+            </a:r>
+            <a:r>
+              <a:rPr lang="tr-TR" sz="2600" dirty="0">
+                <a:latin typeface="Calibri" panose="020F0502020204030204" pitchFamily="34" charset="0"/>
+                <a:cs typeface="Calibri" panose="020F0502020204030204" pitchFamily="34" charset="0"/>
+              </a:rPr>
+              <a:t>, gerçek değerden tahmin edilen değerin ne kadar saçılma yaptığını ifade eder.</a:t>
+            </a:r>
+          </a:p>
+          <a:p>
+            <a:pPr algn="just"/>
+            <a:endParaRPr lang="tr-TR" sz="2600" dirty="0">
+              <a:latin typeface="Calibri" panose="020F0502020204030204" pitchFamily="34" charset="0"/>
+              <a:cs typeface="Calibri" panose="020F0502020204030204" pitchFamily="34" charset="0"/>
+            </a:endParaRPr>
+          </a:p>
+          <a:p>
+            <a:pPr algn="just"/>
+            <a:r>
+              <a:rPr lang="tr-TR" sz="2600" dirty="0" err="1">
+                <a:latin typeface="Calibri" panose="020F0502020204030204" pitchFamily="34" charset="0"/>
+                <a:cs typeface="Calibri" panose="020F0502020204030204" pitchFamily="34" charset="0"/>
+              </a:rPr>
+              <a:t>Bias</a:t>
+            </a:r>
+            <a:r>
+              <a:rPr lang="tr-TR" sz="2600" dirty="0">
+                <a:latin typeface="Calibri" panose="020F0502020204030204" pitchFamily="34" charset="0"/>
+                <a:cs typeface="Calibri" panose="020F0502020204030204" pitchFamily="34" charset="0"/>
+              </a:rPr>
+              <a:t>, gerçek değerlerden tahmin edilen değerlerin ne kadar uzak olduğudur. Tahmin edilen değerler gerçek değerlerden uzaksa, </a:t>
+            </a:r>
+            <a:r>
+              <a:rPr lang="tr-TR" sz="2600" b="1" dirty="0" err="1">
+                <a:solidFill>
+                  <a:srgbClr val="FF0000"/>
+                </a:solidFill>
+                <a:latin typeface="Calibri" panose="020F0502020204030204" pitchFamily="34" charset="0"/>
+                <a:cs typeface="Calibri" panose="020F0502020204030204" pitchFamily="34" charset="0"/>
+              </a:rPr>
+              <a:t>bias</a:t>
+            </a:r>
+            <a:r>
+              <a:rPr lang="tr-TR" sz="2600" b="1" dirty="0">
+                <a:solidFill>
+                  <a:srgbClr val="FF0000"/>
+                </a:solidFill>
+                <a:latin typeface="Calibri" panose="020F0502020204030204" pitchFamily="34" charset="0"/>
+                <a:cs typeface="Calibri" panose="020F0502020204030204" pitchFamily="34" charset="0"/>
+              </a:rPr>
+              <a:t> yüksektir.</a:t>
+            </a:r>
+          </a:p>
+        </p:txBody>
+      </p:sp>
+    </p:spTree>
+    <p:extLst>
+      <p:ext uri="{BB962C8B-B14F-4D97-AF65-F5344CB8AC3E}">
+        <p14:creationId xmlns:p14="http://schemas.microsoft.com/office/powerpoint/2010/main" val="2696308463"/>
+      </p:ext>
+    </p:extLst>
+  </p:cSld>
+  <p:clrMapOvr>
+    <a:masterClrMapping/>
+  </p:clrMapOvr>
+</p:sld>
+</file>
+
+<file path=ppt/slides/slide25.xml><?xml version="1.0" encoding="utf-8"?>
+<p:sld xmlns:a="http://schemas.openxmlformats.org/drawingml/2006/main" xmlns:r="http://schemas.openxmlformats.org/officeDocument/2006/relationships" xmlns:p="http://schemas.openxmlformats.org/presentationml/2006/main">
+  <p:cSld>
+    <p:spTree>
+      <p:nvGrpSpPr>
+        <p:cNvPr id="1" name=""/>
+        <p:cNvGrpSpPr/>
+        <p:nvPr/>
+      </p:nvGrpSpPr>
+      <p:grpSpPr>
+        <a:xfrm>
+          <a:off x="0" y="0"/>
+          <a:ext cx="0" cy="0"/>
+          <a:chOff x="0" y="0"/>
+          <a:chExt cx="0" cy="0"/>
+        </a:xfrm>
+      </p:grpSpPr>
+      <p:sp>
+        <p:nvSpPr>
+          <p:cNvPr id="3" name="Unvan 2"/>
+          <p:cNvSpPr>
+            <a:spLocks noGrp="1"/>
+          </p:cNvSpPr>
+          <p:nvPr>
+            <p:ph type="title"/>
+          </p:nvPr>
+        </p:nvSpPr>
+        <p:spPr>
+          <a:xfrm>
+            <a:off x="927579" y="0"/>
+            <a:ext cx="7228130" cy="875049"/>
+          </a:xfrm>
+        </p:spPr>
+        <p:txBody>
+          <a:bodyPr>
+            <a:normAutofit/>
+          </a:bodyPr>
+          <a:lstStyle/>
+          <a:p>
+            <a:r>
+              <a:rPr lang="tr-TR" sz="2000" dirty="0"/>
+              <a:t>Öğrenme</a:t>
+            </a:r>
+          </a:p>
+        </p:txBody>
+      </p:sp>
+      <p:sp>
+        <p:nvSpPr>
+          <p:cNvPr id="7" name="Unvan 2"/>
+          <p:cNvSpPr txBox="1">
+            <a:spLocks/>
+          </p:cNvSpPr>
+          <p:nvPr/>
+        </p:nvSpPr>
+        <p:spPr>
+          <a:xfrm>
+            <a:off x="414961" y="1226127"/>
+            <a:ext cx="8486584" cy="3643746"/>
+          </a:xfrm>
+          <a:prstGeom prst="rect">
+            <a:avLst/>
+          </a:prstGeom>
+        </p:spPr>
+        <p:txBody>
+          <a:bodyPr vert="horz" lIns="91440" tIns="45720" rIns="91440" bIns="45720" rtlCol="0" anchor="t">
+            <a:normAutofit fontScale="77500" lnSpcReduction="20000"/>
+          </a:bodyPr>
+          <a:lstStyle>
+            <a:lvl1pPr algn="l" defTabSz="685800" rtl="0" eaLnBrk="1" latinLnBrk="0" hangingPunct="1">
+              <a:lnSpc>
+                <a:spcPct val="90000"/>
+              </a:lnSpc>
+              <a:spcBef>
+                <a:spcPct val="0"/>
+              </a:spcBef>
+              <a:buNone/>
+              <a:defRPr sz="3300" kern="1200">
+                <a:solidFill>
+                  <a:schemeClr val="tx1"/>
+                </a:solidFill>
+                <a:latin typeface="+mj-lt"/>
+                <a:ea typeface="+mj-ea"/>
+                <a:cs typeface="+mj-cs"/>
+              </a:defRPr>
+            </a:lvl1pPr>
+          </a:lstStyle>
+          <a:p>
+            <a:r>
+              <a:rPr lang="tr-TR" sz="2600" b="1" dirty="0" err="1">
+                <a:solidFill>
+                  <a:srgbClr val="FF0000"/>
+                </a:solidFill>
+                <a:latin typeface="Calibri" panose="020F0502020204030204" pitchFamily="34" charset="0"/>
+                <a:cs typeface="Calibri" panose="020F0502020204030204" pitchFamily="34" charset="0"/>
+              </a:rPr>
+              <a:t>Bias</a:t>
+            </a:r>
+            <a:r>
+              <a:rPr lang="tr-TR" sz="2600" b="1" dirty="0">
+                <a:solidFill>
+                  <a:srgbClr val="FF0000"/>
+                </a:solidFill>
+                <a:latin typeface="Calibri" panose="020F0502020204030204" pitchFamily="34" charset="0"/>
+                <a:cs typeface="Calibri" panose="020F0502020204030204" pitchFamily="34" charset="0"/>
+              </a:rPr>
+              <a:t> (Yanlılık):</a:t>
+            </a:r>
+          </a:p>
+          <a:p>
+            <a:endParaRPr lang="tr-TR" sz="1600" dirty="0">
+              <a:latin typeface="Calibri" panose="020F0502020204030204" pitchFamily="34" charset="0"/>
+              <a:cs typeface="Calibri" panose="020F0502020204030204" pitchFamily="34" charset="0"/>
+            </a:endParaRPr>
+          </a:p>
+          <a:p>
+            <a:pPr fontAlgn="base"/>
+            <a:r>
+              <a:rPr lang="tr-TR" sz="2600" dirty="0">
+                <a:latin typeface="Calibri" panose="020F0502020204030204" pitchFamily="34" charset="0"/>
+                <a:cs typeface="Calibri" panose="020F0502020204030204" pitchFamily="34" charset="0"/>
+              </a:rPr>
+              <a:t>Modelin ne kadar yanlış sonuçlar sunduğunu ölçer. </a:t>
+            </a:r>
+          </a:p>
+          <a:p>
+            <a:pPr fontAlgn="base"/>
+            <a:r>
+              <a:rPr lang="tr-TR" sz="2600" dirty="0" err="1">
+                <a:latin typeface="Calibri" panose="020F0502020204030204" pitchFamily="34" charset="0"/>
+                <a:cs typeface="Calibri" panose="020F0502020204030204" pitchFamily="34" charset="0"/>
+              </a:rPr>
+              <a:t>Bias</a:t>
+            </a:r>
+            <a:r>
+              <a:rPr lang="tr-TR" sz="2600" dirty="0">
+                <a:latin typeface="Calibri" panose="020F0502020204030204" pitchFamily="34" charset="0"/>
+                <a:cs typeface="Calibri" panose="020F0502020204030204" pitchFamily="34" charset="0"/>
+              </a:rPr>
+              <a:t>, yanlış varsayımlara dayanır. </a:t>
+            </a:r>
+          </a:p>
+          <a:p>
+            <a:pPr fontAlgn="base"/>
+            <a:r>
+              <a:rPr lang="tr-TR" sz="2600" dirty="0">
+                <a:latin typeface="Calibri" panose="020F0502020204030204" pitchFamily="34" charset="0"/>
+                <a:cs typeface="Calibri" panose="020F0502020204030204" pitchFamily="34" charset="0"/>
+              </a:rPr>
+              <a:t>Yanlılık, modelin problemin çözümünü içermediğini gösterir. Yüksek yanlılığa sahip bir modelin, eğitim verimizi eksik öğrenme olasılığı daha fazladır.</a:t>
+            </a:r>
+          </a:p>
+          <a:p>
+            <a:pPr fontAlgn="base"/>
+            <a:r>
+              <a:rPr lang="tr-TR" sz="2600" dirty="0">
+                <a:latin typeface="Calibri" panose="020F0502020204030204" pitchFamily="34" charset="0"/>
+                <a:cs typeface="Calibri" panose="020F0502020204030204" pitchFamily="34" charset="0"/>
+              </a:rPr>
+              <a:t>Modelimizin zayıf kaldığı bu duruma eksik öğrenme (</a:t>
+            </a:r>
+            <a:r>
+              <a:rPr lang="tr-TR" sz="2600" dirty="0" err="1">
+                <a:latin typeface="Calibri" panose="020F0502020204030204" pitchFamily="34" charset="0"/>
+                <a:cs typeface="Calibri" panose="020F0502020204030204" pitchFamily="34" charset="0"/>
+              </a:rPr>
+              <a:t>underfitting</a:t>
+            </a:r>
+            <a:r>
+              <a:rPr lang="tr-TR" sz="2600" dirty="0">
+                <a:latin typeface="Calibri" panose="020F0502020204030204" pitchFamily="34" charset="0"/>
+                <a:cs typeface="Calibri" panose="020F0502020204030204" pitchFamily="34" charset="0"/>
+              </a:rPr>
+              <a:t>) denir. </a:t>
+            </a:r>
+          </a:p>
+          <a:p>
+            <a:pPr fontAlgn="base"/>
+            <a:endParaRPr lang="tr-TR" sz="2600" dirty="0">
+              <a:latin typeface="Calibri" panose="020F0502020204030204" pitchFamily="34" charset="0"/>
+              <a:cs typeface="Calibri" panose="020F0502020204030204" pitchFamily="34" charset="0"/>
+            </a:endParaRPr>
+          </a:p>
+          <a:p>
+            <a:pPr fontAlgn="base"/>
+            <a:r>
+              <a:rPr lang="tr-TR" sz="2600" b="1" dirty="0" err="1">
+                <a:solidFill>
+                  <a:srgbClr val="FF0000"/>
+                </a:solidFill>
+                <a:latin typeface="Calibri" panose="020F0502020204030204" pitchFamily="34" charset="0"/>
+                <a:cs typeface="Calibri" panose="020F0502020204030204" pitchFamily="34" charset="0"/>
+              </a:rPr>
+              <a:t>Varyans</a:t>
+            </a:r>
+            <a:r>
+              <a:rPr lang="tr-TR" sz="2600" b="1" dirty="0">
+                <a:solidFill>
+                  <a:srgbClr val="FF0000"/>
+                </a:solidFill>
+                <a:latin typeface="Calibri" panose="020F0502020204030204" pitchFamily="34" charset="0"/>
+                <a:cs typeface="Calibri" panose="020F0502020204030204" pitchFamily="34" charset="0"/>
+              </a:rPr>
+              <a:t>: </a:t>
+            </a:r>
+          </a:p>
+          <a:p>
+            <a:pPr fontAlgn="base"/>
+            <a:endParaRPr lang="tr-TR" sz="2600" dirty="0">
+              <a:latin typeface="Calibri" panose="020F0502020204030204" pitchFamily="34" charset="0"/>
+              <a:cs typeface="Calibri" panose="020F0502020204030204" pitchFamily="34" charset="0"/>
+            </a:endParaRPr>
+          </a:p>
+          <a:p>
+            <a:pPr fontAlgn="base"/>
+            <a:r>
+              <a:rPr lang="tr-TR" sz="2600" dirty="0" err="1">
+                <a:latin typeface="Calibri" panose="020F0502020204030204" pitchFamily="34" charset="0"/>
+                <a:cs typeface="Calibri" panose="020F0502020204030204" pitchFamily="34" charset="0"/>
+              </a:rPr>
+              <a:t>Varyans</a:t>
+            </a:r>
+            <a:r>
+              <a:rPr lang="tr-TR" sz="2600" dirty="0">
+                <a:latin typeface="Calibri" panose="020F0502020204030204" pitchFamily="34" charset="0"/>
+                <a:cs typeface="Calibri" panose="020F0502020204030204" pitchFamily="34" charset="0"/>
+              </a:rPr>
+              <a:t>, modelin tahmin ettiği verilerin, gerçek verilerin etrafında ne kadar saçıldığını ölçer. </a:t>
+            </a:r>
+          </a:p>
+          <a:p>
+            <a:pPr fontAlgn="base"/>
+            <a:r>
+              <a:rPr lang="tr-TR" sz="2600" dirty="0">
+                <a:latin typeface="Calibri" panose="020F0502020204030204" pitchFamily="34" charset="0"/>
+                <a:cs typeface="Calibri" panose="020F0502020204030204" pitchFamily="34" charset="0"/>
+              </a:rPr>
+              <a:t>Buna, modelin eğitim verisindeki düşük değişimlere aşırı duyarlılığı sebep olur. Eğer </a:t>
+            </a:r>
+            <a:r>
+              <a:rPr lang="tr-TR" sz="2600" dirty="0" err="1">
+                <a:latin typeface="Calibri" panose="020F0502020204030204" pitchFamily="34" charset="0"/>
+                <a:cs typeface="Calibri" panose="020F0502020204030204" pitchFamily="34" charset="0"/>
+              </a:rPr>
+              <a:t>varyans</a:t>
+            </a:r>
+            <a:r>
+              <a:rPr lang="tr-TR" sz="2600" dirty="0">
+                <a:latin typeface="Calibri" panose="020F0502020204030204" pitchFamily="34" charset="0"/>
+                <a:cs typeface="Calibri" panose="020F0502020204030204" pitchFamily="34" charset="0"/>
+              </a:rPr>
+              <a:t> yüksek ise, modelimiz fazla geneldir; buna da aşırı öğrenme (</a:t>
+            </a:r>
+            <a:r>
+              <a:rPr lang="tr-TR" sz="2600" dirty="0" err="1">
+                <a:latin typeface="Calibri" panose="020F0502020204030204" pitchFamily="34" charset="0"/>
+                <a:cs typeface="Calibri" panose="020F0502020204030204" pitchFamily="34" charset="0"/>
+              </a:rPr>
+              <a:t>overfitting</a:t>
+            </a:r>
+            <a:r>
+              <a:rPr lang="tr-TR" sz="2600" dirty="0">
+                <a:latin typeface="Calibri" panose="020F0502020204030204" pitchFamily="34" charset="0"/>
+                <a:cs typeface="Calibri" panose="020F0502020204030204" pitchFamily="34" charset="0"/>
+              </a:rPr>
+              <a:t>) denir.</a:t>
+            </a:r>
+          </a:p>
+        </p:txBody>
+      </p:sp>
+    </p:spTree>
+    <p:extLst>
+      <p:ext uri="{BB962C8B-B14F-4D97-AF65-F5344CB8AC3E}">
+        <p14:creationId xmlns:p14="http://schemas.microsoft.com/office/powerpoint/2010/main" val="2032193617"/>
+      </p:ext>
+    </p:extLst>
+  </p:cSld>
+  <p:clrMapOvr>
+    <a:masterClrMapping/>
+  </p:clrMapOvr>
+</p:sld>
+</file>
+
+<file path=ppt/slides/slide26.xml><?xml version="1.0" encoding="utf-8"?>
+<p:sld xmlns:a="http://schemas.openxmlformats.org/drawingml/2006/main" xmlns:r="http://schemas.openxmlformats.org/officeDocument/2006/relationships" xmlns:p="http://schemas.openxmlformats.org/presentationml/2006/main">
+  <p:cSld>
+    <p:spTree>
+      <p:nvGrpSpPr>
+        <p:cNvPr id="1" name=""/>
+        <p:cNvGrpSpPr/>
+        <p:nvPr/>
+      </p:nvGrpSpPr>
+      <p:grpSpPr>
+        <a:xfrm>
+          <a:off x="0" y="0"/>
+          <a:ext cx="0" cy="0"/>
+          <a:chOff x="0" y="0"/>
+          <a:chExt cx="0" cy="0"/>
+        </a:xfrm>
+      </p:grpSpPr>
+      <p:sp>
+        <p:nvSpPr>
+          <p:cNvPr id="3" name="Unvan 2"/>
+          <p:cNvSpPr>
+            <a:spLocks noGrp="1"/>
+          </p:cNvSpPr>
+          <p:nvPr>
+            <p:ph type="title"/>
+          </p:nvPr>
+        </p:nvSpPr>
+        <p:spPr>
+          <a:xfrm>
+            <a:off x="927579" y="0"/>
+            <a:ext cx="7228130" cy="875049"/>
+          </a:xfrm>
+        </p:spPr>
+        <p:txBody>
+          <a:bodyPr>
+            <a:normAutofit/>
+          </a:bodyPr>
+          <a:lstStyle/>
+          <a:p>
+            <a:r>
+              <a:rPr lang="tr-TR" sz="2000" dirty="0"/>
+              <a:t>Öğrenme</a:t>
+            </a:r>
+          </a:p>
+        </p:txBody>
+      </p:sp>
+      <p:sp>
+        <p:nvSpPr>
+          <p:cNvPr id="7" name="Unvan 2"/>
+          <p:cNvSpPr txBox="1">
+            <a:spLocks/>
+          </p:cNvSpPr>
+          <p:nvPr/>
+        </p:nvSpPr>
+        <p:spPr>
+          <a:xfrm>
+            <a:off x="298352" y="869716"/>
+            <a:ext cx="8486584" cy="1895142"/>
+          </a:xfrm>
+          <a:prstGeom prst="rect">
+            <a:avLst/>
+          </a:prstGeom>
+        </p:spPr>
+        <p:txBody>
+          <a:bodyPr vert="horz" lIns="91440" tIns="45720" rIns="91440" bIns="45720" rtlCol="0" anchor="t">
+            <a:noAutofit/>
+          </a:bodyPr>
+          <a:lstStyle>
+            <a:lvl1pPr algn="l" defTabSz="685800" rtl="0" eaLnBrk="1" latinLnBrk="0" hangingPunct="1">
+              <a:lnSpc>
+                <a:spcPct val="90000"/>
+              </a:lnSpc>
+              <a:spcBef>
+                <a:spcPct val="0"/>
+              </a:spcBef>
+              <a:buNone/>
+              <a:defRPr sz="3300" kern="1200">
+                <a:solidFill>
+                  <a:schemeClr val="tx1"/>
+                </a:solidFill>
+                <a:latin typeface="+mj-lt"/>
+                <a:ea typeface="+mj-ea"/>
+                <a:cs typeface="+mj-cs"/>
+              </a:defRPr>
+            </a:lvl1pPr>
+          </a:lstStyle>
+          <a:p>
             <a:pPr fontAlgn="base"/>
             <a:r>
               <a:rPr lang="tr-TR" sz="2400" b="1" dirty="0">
@@ -6629,7 +8031,7 @@
 </p:sld>
 </file>
 
-<file path=ppt/slides/slide22.xml><?xml version="1.0" encoding="utf-8"?>
+<file path=ppt/slides/slide27.xml><?xml version="1.0" encoding="utf-8"?>
 <p:sld xmlns:a="http://schemas.openxmlformats.org/drawingml/2006/main" xmlns:r="http://schemas.openxmlformats.org/officeDocument/2006/relationships" xmlns:p="http://schemas.openxmlformats.org/presentationml/2006/main">
   <p:cSld>
     <p:spTree>
@@ -6712,7 +8114,7 @@
 </p:sld>
 </file>
 
-<file path=ppt/slides/slide23.xml><?xml version="1.0" encoding="utf-8"?>
+<file path=ppt/slides/slide28.xml><?xml version="1.0" encoding="utf-8"?>
 <p:sld xmlns:a="http://schemas.openxmlformats.org/drawingml/2006/main" xmlns:r="http://schemas.openxmlformats.org/officeDocument/2006/relationships" xmlns:p="http://schemas.openxmlformats.org/presentationml/2006/main">
   <p:cSld>
     <p:spTree>
@@ -7512,6 +8914,497 @@
         </p:nvSpPr>
         <p:spPr>
           <a:xfrm>
+            <a:off x="288351" y="633046"/>
+            <a:ext cx="8285907" cy="4068015"/>
+          </a:xfrm>
+          <a:prstGeom prst="rect">
+            <a:avLst/>
+          </a:prstGeom>
+        </p:spPr>
+        <p:txBody>
+          <a:bodyPr vert="horz" lIns="91440" tIns="45720" rIns="91440" bIns="45720" rtlCol="0" anchor="t">
+            <a:normAutofit/>
+          </a:bodyPr>
+          <a:lstStyle>
+            <a:lvl1pPr algn="l" defTabSz="685800" rtl="0" eaLnBrk="1" latinLnBrk="0" hangingPunct="1">
+              <a:lnSpc>
+                <a:spcPct val="90000"/>
+              </a:lnSpc>
+              <a:spcBef>
+                <a:spcPct val="0"/>
+              </a:spcBef>
+              <a:buNone/>
+              <a:defRPr sz="3300" kern="1200">
+                <a:solidFill>
+                  <a:schemeClr val="tx1"/>
+                </a:solidFill>
+                <a:latin typeface="+mj-lt"/>
+                <a:ea typeface="+mj-ea"/>
+                <a:cs typeface="+mj-cs"/>
+              </a:defRPr>
+            </a:lvl1pPr>
+          </a:lstStyle>
+          <a:p>
+            <a:pPr marL="285750" indent="-285750" algn="just">
+              <a:spcAft>
+                <a:spcPts val="1200"/>
+              </a:spcAft>
+              <a:buFont typeface="Arial" panose="020B0604020202020204" pitchFamily="34" charset="0"/>
+              <a:buChar char="•"/>
+            </a:pPr>
+            <a:r>
+              <a:rPr lang="tr-TR" sz="1600" b="1" dirty="0">
+                <a:latin typeface="Calibri" panose="020F0502020204030204" pitchFamily="34" charset="0"/>
+                <a:cs typeface="Calibri" panose="020F0502020204030204" pitchFamily="34" charset="0"/>
+              </a:rPr>
+              <a:t>Dengesiz veri kümeleriyle karşılaştığımız durumlarda birçok makine öğrenmesi algoritması, sınıflardaki eşit olmayan dağılımı dikkate almayarak güvenilir sonuçlar vermeyebiliyor. </a:t>
+            </a:r>
+          </a:p>
+          <a:p>
+            <a:pPr marL="285750" indent="-285750" algn="just">
+              <a:spcAft>
+                <a:spcPts val="1200"/>
+              </a:spcAft>
+              <a:buFont typeface="Arial" panose="020B0604020202020204" pitchFamily="34" charset="0"/>
+              <a:buChar char="•"/>
+            </a:pPr>
+            <a:r>
+              <a:rPr lang="tr-TR" sz="1600" b="1" dirty="0">
+                <a:latin typeface="Calibri" panose="020F0502020204030204" pitchFamily="34" charset="0"/>
+                <a:cs typeface="Calibri" panose="020F0502020204030204" pitchFamily="34" charset="0"/>
+              </a:rPr>
+              <a:t>Yani elde edilen sınıflandırıcılar (</a:t>
+            </a:r>
+            <a:r>
+              <a:rPr lang="tr-TR" sz="1600" b="1" dirty="0" err="1">
+                <a:latin typeface="Calibri" panose="020F0502020204030204" pitchFamily="34" charset="0"/>
+                <a:cs typeface="Calibri" panose="020F0502020204030204" pitchFamily="34" charset="0"/>
+              </a:rPr>
+              <a:t>classifiers</a:t>
+            </a:r>
+            <a:r>
+              <a:rPr lang="tr-TR" sz="1600" b="1" dirty="0">
+                <a:latin typeface="Calibri" panose="020F0502020204030204" pitchFamily="34" charset="0"/>
+                <a:cs typeface="Calibri" panose="020F0502020204030204" pitchFamily="34" charset="0"/>
+              </a:rPr>
+              <a:t>), genel hata oranını minimize etmeye çalışırken ağırlıklı olan sınıfı (Sınıf-0) kategorize ederek, azınlık sınıfını (Sınıf-1) göz ardı edebiliyor.</a:t>
+            </a:r>
+          </a:p>
+          <a:p>
+            <a:pPr marL="285750" indent="-285750" algn="ctr">
+              <a:spcAft>
+                <a:spcPts val="1200"/>
+              </a:spcAft>
+              <a:buFont typeface="Arial" panose="020B0604020202020204" pitchFamily="34" charset="0"/>
+              <a:buChar char="•"/>
+            </a:pPr>
+            <a:r>
+              <a:rPr lang="tr-TR" sz="1600" dirty="0">
+                <a:solidFill>
+                  <a:srgbClr val="FFFF00"/>
+                </a:solidFill>
+                <a:latin typeface="Calibri" panose="020F0502020204030204" pitchFamily="34" charset="0"/>
+                <a:cs typeface="Calibri" panose="020F0502020204030204" pitchFamily="34" charset="0"/>
+              </a:rPr>
+              <a:t>DOĞRU METRİK SEÇİMİ</a:t>
+            </a:r>
+          </a:p>
+          <a:p>
+            <a:pPr marL="285750" indent="-285750" algn="just">
+              <a:spcAft>
+                <a:spcPts val="1200"/>
+              </a:spcAft>
+              <a:buFont typeface="Arial" panose="020B0604020202020204" pitchFamily="34" charset="0"/>
+              <a:buChar char="•"/>
+            </a:pPr>
+            <a:r>
+              <a:rPr lang="tr-TR" sz="1600" b="1" dirty="0">
+                <a:latin typeface="Calibri" panose="020F0502020204030204" pitchFamily="34" charset="0"/>
+                <a:cs typeface="Calibri" panose="020F0502020204030204" pitchFamily="34" charset="0"/>
+              </a:rPr>
+              <a:t>Öncelikle, birçok sınıflandırmada kullanılan ve eğitilen algoritmaların performansını ölçmek için kullanılan doğruluk (</a:t>
+            </a:r>
+            <a:r>
+              <a:rPr lang="tr-TR" sz="1600" b="1" dirty="0" err="1">
+                <a:latin typeface="Calibri" panose="020F0502020204030204" pitchFamily="34" charset="0"/>
+                <a:cs typeface="Calibri" panose="020F0502020204030204" pitchFamily="34" charset="0"/>
+              </a:rPr>
+              <a:t>accuracy</a:t>
+            </a:r>
+            <a:r>
+              <a:rPr lang="tr-TR" sz="1600" b="1" dirty="0">
+                <a:latin typeface="Calibri" panose="020F0502020204030204" pitchFamily="34" charset="0"/>
+                <a:cs typeface="Calibri" panose="020F0502020204030204" pitchFamily="34" charset="0"/>
+              </a:rPr>
+              <a:t>), dengesiz veri kümesiyle çalışılan durumlarda, model performansını ölçmek için güvenilir bir metrik değil!!</a:t>
+            </a:r>
+          </a:p>
+          <a:p>
+            <a:pPr marL="285750" indent="-285750" algn="just">
+              <a:spcAft>
+                <a:spcPts val="1200"/>
+              </a:spcAft>
+              <a:buFont typeface="Arial" panose="020B0604020202020204" pitchFamily="34" charset="0"/>
+              <a:buChar char="•"/>
+            </a:pPr>
+            <a:r>
+              <a:rPr lang="tr-TR" sz="1600" b="1" dirty="0">
+                <a:latin typeface="Calibri" panose="020F0502020204030204" pitchFamily="34" charset="0"/>
+                <a:cs typeface="Calibri" panose="020F0502020204030204" pitchFamily="34" charset="0"/>
+              </a:rPr>
+              <a:t>Yukarıdaki çıktıyı incelediğimiz zaman, oluşturduğumuz modelde doğruluk oranının %92 çıkmasına karşılık, test veri kümesindeki azınlık sınıfa (Sınıf-1) ait 12 veriden sadece 1 tanesini doğru sınıflandırdığını gözlemleyebilirsiniz. Yani, elde edilen (yanlı) model TP oranını arttırıp, doğruluk </a:t>
+            </a:r>
+            <a:r>
+              <a:rPr lang="tr-TR" sz="1600" b="1" dirty="0" err="1">
+                <a:latin typeface="Calibri" panose="020F0502020204030204" pitchFamily="34" charset="0"/>
+                <a:cs typeface="Calibri" panose="020F0502020204030204" pitchFamily="34" charset="0"/>
+              </a:rPr>
+              <a:t>oranınında</a:t>
+            </a:r>
+            <a:r>
+              <a:rPr lang="tr-TR" sz="1600" b="1" dirty="0">
+                <a:latin typeface="Calibri" panose="020F0502020204030204" pitchFamily="34" charset="0"/>
+                <a:cs typeface="Calibri" panose="020F0502020204030204" pitchFamily="34" charset="0"/>
+              </a:rPr>
+              <a:t> artmasına sebep olduğundan, “doğruluk” oranını modelin performansını ölçmek için uygun metrik olarak almamız yanlış olacaktır.</a:t>
+            </a:r>
+          </a:p>
+        </p:txBody>
+      </p:sp>
+      <p:cxnSp>
+        <p:nvCxnSpPr>
+          <p:cNvPr id="9" name="Düz Ok Bağlayıcısı 8"/>
+          <p:cNvCxnSpPr/>
+          <p:nvPr/>
+        </p:nvCxnSpPr>
+        <p:spPr>
+          <a:xfrm flipV="1">
+            <a:off x="1811215" y="1397977"/>
+            <a:ext cx="589085" cy="8792"/>
+          </a:xfrm>
+          <a:prstGeom prst="straightConnector1">
+            <a:avLst/>
+          </a:prstGeom>
+          <a:ln>
+            <a:tailEnd type="triangle"/>
+          </a:ln>
+        </p:spPr>
+        <p:style>
+          <a:lnRef idx="1">
+            <a:schemeClr val="accent1"/>
+          </a:lnRef>
+          <a:fillRef idx="0">
+            <a:schemeClr val="accent1"/>
+          </a:fillRef>
+          <a:effectRef idx="0">
+            <a:schemeClr val="accent1"/>
+          </a:effectRef>
+          <a:fontRef idx="minor">
+            <a:schemeClr val="tx1"/>
+          </a:fontRef>
+        </p:style>
+      </p:cxnSp>
+      <p:pic>
+        <p:nvPicPr>
+          <p:cNvPr id="4" name="Resim 3">
+            <a:extLst>
+              <a:ext uri="{FF2B5EF4-FFF2-40B4-BE49-F238E27FC236}">
+                <a16:creationId xmlns:a16="http://schemas.microsoft.com/office/drawing/2014/main" id="{070F65D0-7835-CA6C-6589-49197BEFAC6E}"/>
+              </a:ext>
+            </a:extLst>
+          </p:cNvPr>
+          <p:cNvPicPr>
+            <a:picLocks noChangeAspect="1"/>
+          </p:cNvPicPr>
+          <p:nvPr/>
+        </p:nvPicPr>
+        <p:blipFill>
+          <a:blip r:embed="rId2"/>
+          <a:stretch>
+            <a:fillRect/>
+          </a:stretch>
+        </p:blipFill>
+        <p:spPr>
+          <a:xfrm>
+            <a:off x="6850380" y="3916973"/>
+            <a:ext cx="2209800" cy="1085850"/>
+          </a:xfrm>
+          <a:prstGeom prst="rect">
+            <a:avLst/>
+          </a:prstGeom>
+        </p:spPr>
+      </p:pic>
+    </p:spTree>
+    <p:extLst>
+      <p:ext uri="{BB962C8B-B14F-4D97-AF65-F5344CB8AC3E}">
+        <p14:creationId xmlns:p14="http://schemas.microsoft.com/office/powerpoint/2010/main" val="3288343862"/>
+      </p:ext>
+    </p:extLst>
+  </p:cSld>
+  <p:clrMapOvr>
+    <a:masterClrMapping/>
+  </p:clrMapOvr>
+</p:sld>
+</file>
+
+<file path=ppt/slides/slide7.xml><?xml version="1.0" encoding="utf-8"?>
+<p:sld xmlns:a="http://schemas.openxmlformats.org/drawingml/2006/main" xmlns:r="http://schemas.openxmlformats.org/officeDocument/2006/relationships" xmlns:p="http://schemas.openxmlformats.org/presentationml/2006/main">
+  <p:cSld>
+    <p:spTree>
+      <p:nvGrpSpPr>
+        <p:cNvPr id="1" name=""/>
+        <p:cNvGrpSpPr/>
+        <p:nvPr/>
+      </p:nvGrpSpPr>
+      <p:grpSpPr>
+        <a:xfrm>
+          <a:off x="0" y="0"/>
+          <a:ext cx="0" cy="0"/>
+          <a:chOff x="0" y="0"/>
+          <a:chExt cx="0" cy="0"/>
+        </a:xfrm>
+      </p:grpSpPr>
+      <p:sp>
+        <p:nvSpPr>
+          <p:cNvPr id="3" name="Unvan 2"/>
+          <p:cNvSpPr>
+            <a:spLocks noGrp="1"/>
+          </p:cNvSpPr>
+          <p:nvPr>
+            <p:ph type="title"/>
+          </p:nvPr>
+        </p:nvSpPr>
+        <p:spPr>
+          <a:xfrm>
+            <a:off x="927579" y="0"/>
+            <a:ext cx="7228130" cy="875049"/>
+          </a:xfrm>
+        </p:spPr>
+        <p:txBody>
+          <a:bodyPr>
+            <a:normAutofit/>
+          </a:bodyPr>
+          <a:lstStyle/>
+          <a:p>
+            <a:r>
+              <a:rPr lang="tr-TR" sz="2000" dirty="0"/>
+              <a:t>Dengesiz Veri</a:t>
+            </a:r>
+          </a:p>
+        </p:txBody>
+      </p:sp>
+      <p:sp>
+        <p:nvSpPr>
+          <p:cNvPr id="7" name="Unvan 2"/>
+          <p:cNvSpPr txBox="1">
+            <a:spLocks/>
+          </p:cNvSpPr>
+          <p:nvPr/>
+        </p:nvSpPr>
+        <p:spPr>
+          <a:xfrm>
+            <a:off x="288351" y="633046"/>
+            <a:ext cx="8285907" cy="4068015"/>
+          </a:xfrm>
+          <a:prstGeom prst="rect">
+            <a:avLst/>
+          </a:prstGeom>
+        </p:spPr>
+        <p:txBody>
+          <a:bodyPr vert="horz" lIns="91440" tIns="45720" rIns="91440" bIns="45720" rtlCol="0" anchor="t">
+            <a:normAutofit/>
+          </a:bodyPr>
+          <a:lstStyle>
+            <a:lvl1pPr algn="l" defTabSz="685800" rtl="0" eaLnBrk="1" latinLnBrk="0" hangingPunct="1">
+              <a:lnSpc>
+                <a:spcPct val="90000"/>
+              </a:lnSpc>
+              <a:spcBef>
+                <a:spcPct val="0"/>
+              </a:spcBef>
+              <a:buNone/>
+              <a:defRPr sz="3300" kern="1200">
+                <a:solidFill>
+                  <a:schemeClr val="tx1"/>
+                </a:solidFill>
+                <a:latin typeface="+mj-lt"/>
+                <a:ea typeface="+mj-ea"/>
+                <a:cs typeface="+mj-cs"/>
+              </a:defRPr>
+            </a:lvl1pPr>
+          </a:lstStyle>
+          <a:p>
+            <a:pPr marL="285750" indent="-285750" algn="just">
+              <a:spcAft>
+                <a:spcPts val="1200"/>
+              </a:spcAft>
+              <a:buFont typeface="Arial" panose="020B0604020202020204" pitchFamily="34" charset="0"/>
+              <a:buChar char="•"/>
+            </a:pPr>
+            <a:r>
+              <a:rPr lang="tr-TR" sz="1600" b="1" dirty="0">
+                <a:latin typeface="Calibri" panose="020F0502020204030204" pitchFamily="34" charset="0"/>
+                <a:cs typeface="Calibri" panose="020F0502020204030204" pitchFamily="34" charset="0"/>
+              </a:rPr>
+              <a:t>Sınıflandırmada asıl hedefimiz, sınıfları ayırıcı gücü fazla olan sınıflandırıcılar elde etmeye çalışmaktır. Dolayısıyla oluşturduğumuz modelin performansını ölçmek için;</a:t>
+            </a:r>
+          </a:p>
+          <a:p>
+            <a:pPr marL="285750" indent="-285750" algn="just">
+              <a:spcAft>
+                <a:spcPts val="1200"/>
+              </a:spcAft>
+              <a:buFont typeface="Arial" panose="020B0604020202020204" pitchFamily="34" charset="0"/>
+              <a:buChar char="•"/>
+            </a:pPr>
+            <a:r>
+              <a:rPr lang="tr-TR" sz="1600" b="1" dirty="0" err="1">
+                <a:latin typeface="Calibri" panose="020F0502020204030204" pitchFamily="34" charset="0"/>
+                <a:cs typeface="Calibri" panose="020F0502020204030204" pitchFamily="34" charset="0"/>
+              </a:rPr>
+              <a:t>Recall</a:t>
+            </a:r>
+            <a:endParaRPr lang="tr-TR" sz="1600" b="1" dirty="0">
+              <a:latin typeface="Calibri" panose="020F0502020204030204" pitchFamily="34" charset="0"/>
+              <a:cs typeface="Calibri" panose="020F0502020204030204" pitchFamily="34" charset="0"/>
+            </a:endParaRPr>
+          </a:p>
+          <a:p>
+            <a:pPr marL="285750" indent="-285750" algn="just">
+              <a:spcAft>
+                <a:spcPts val="1200"/>
+              </a:spcAft>
+              <a:buFont typeface="Arial" panose="020B0604020202020204" pitchFamily="34" charset="0"/>
+              <a:buChar char="•"/>
+            </a:pPr>
+            <a:r>
+              <a:rPr lang="tr-TR" sz="1600" b="1" dirty="0" err="1">
+                <a:latin typeface="Calibri" panose="020F0502020204030204" pitchFamily="34" charset="0"/>
+                <a:cs typeface="Calibri" panose="020F0502020204030204" pitchFamily="34" charset="0"/>
+              </a:rPr>
+              <a:t>Specificity</a:t>
+            </a:r>
+            <a:endParaRPr lang="tr-TR" sz="1600" b="1" dirty="0">
+              <a:latin typeface="Calibri" panose="020F0502020204030204" pitchFamily="34" charset="0"/>
+              <a:cs typeface="Calibri" panose="020F0502020204030204" pitchFamily="34" charset="0"/>
+            </a:endParaRPr>
+          </a:p>
+          <a:p>
+            <a:pPr marL="285750" indent="-285750" algn="just">
+              <a:spcAft>
+                <a:spcPts val="1200"/>
+              </a:spcAft>
+              <a:buFont typeface="Arial" panose="020B0604020202020204" pitchFamily="34" charset="0"/>
+              <a:buChar char="•"/>
+            </a:pPr>
+            <a:r>
+              <a:rPr lang="tr-TR" sz="1600" b="1" dirty="0">
+                <a:latin typeface="Calibri" panose="020F0502020204030204" pitchFamily="34" charset="0"/>
+                <a:cs typeface="Calibri" panose="020F0502020204030204" pitchFamily="34" charset="0"/>
+              </a:rPr>
+              <a:t>Precision</a:t>
+            </a:r>
+          </a:p>
+          <a:p>
+            <a:pPr marL="285750" indent="-285750" algn="just">
+              <a:spcAft>
+                <a:spcPts val="1200"/>
+              </a:spcAft>
+              <a:buFont typeface="Arial" panose="020B0604020202020204" pitchFamily="34" charset="0"/>
+              <a:buChar char="•"/>
+            </a:pPr>
+            <a:r>
+              <a:rPr lang="tr-TR" sz="1600" b="1" dirty="0">
+                <a:latin typeface="Calibri" panose="020F0502020204030204" pitchFamily="34" charset="0"/>
+                <a:cs typeface="Calibri" panose="020F0502020204030204" pitchFamily="34" charset="0"/>
+              </a:rPr>
+              <a:t>F1-Score metriklerini kullanmak daha doğru sonuç verecektir.</a:t>
+            </a:r>
+          </a:p>
+          <a:p>
+            <a:pPr marL="285750" indent="-285750" algn="just">
+              <a:spcAft>
+                <a:spcPts val="1200"/>
+              </a:spcAft>
+              <a:buFont typeface="Arial" panose="020B0604020202020204" pitchFamily="34" charset="0"/>
+              <a:buChar char="•"/>
+            </a:pPr>
+            <a:endParaRPr lang="tr-TR" sz="1600" b="1" dirty="0">
+              <a:latin typeface="Calibri" panose="020F0502020204030204" pitchFamily="34" charset="0"/>
+              <a:cs typeface="Calibri" panose="020F0502020204030204" pitchFamily="34" charset="0"/>
+            </a:endParaRPr>
+          </a:p>
+        </p:txBody>
+      </p:sp>
+    </p:spTree>
+    <p:extLst>
+      <p:ext uri="{BB962C8B-B14F-4D97-AF65-F5344CB8AC3E}">
+        <p14:creationId xmlns:p14="http://schemas.microsoft.com/office/powerpoint/2010/main" val="1408354154"/>
+      </p:ext>
+    </p:extLst>
+  </p:cSld>
+  <p:clrMapOvr>
+    <a:masterClrMapping/>
+  </p:clrMapOvr>
+</p:sld>
+</file>
+
+<file path=ppt/slides/slide8.xml><?xml version="1.0" encoding="utf-8"?>
+<p:sld xmlns:a="http://schemas.openxmlformats.org/drawingml/2006/main" xmlns:r="http://schemas.openxmlformats.org/officeDocument/2006/relationships" xmlns:p="http://schemas.openxmlformats.org/presentationml/2006/main">
+  <p:cSld>
+    <p:spTree>
+      <p:nvGrpSpPr>
+        <p:cNvPr id="1" name=""/>
+        <p:cNvGrpSpPr/>
+        <p:nvPr/>
+      </p:nvGrpSpPr>
+      <p:grpSpPr>
+        <a:xfrm>
+          <a:off x="0" y="0"/>
+          <a:ext cx="0" cy="0"/>
+          <a:chOff x="0" y="0"/>
+          <a:chExt cx="0" cy="0"/>
+        </a:xfrm>
+      </p:grpSpPr>
+      <p:sp>
+        <p:nvSpPr>
+          <p:cNvPr id="3" name="Unvan 2"/>
+          <p:cNvSpPr>
+            <a:spLocks noGrp="1"/>
+          </p:cNvSpPr>
+          <p:nvPr>
+            <p:ph type="title"/>
+          </p:nvPr>
+        </p:nvSpPr>
+        <p:spPr>
+          <a:xfrm>
+            <a:off x="927579" y="0"/>
+            <a:ext cx="7228130" cy="875049"/>
+          </a:xfrm>
+        </p:spPr>
+        <p:txBody>
+          <a:bodyPr>
+            <a:normAutofit/>
+          </a:bodyPr>
+          <a:lstStyle/>
+          <a:p>
+            <a:r>
+              <a:rPr lang="tr-TR" sz="2000" dirty="0"/>
+              <a:t>Dengesiz Veri</a:t>
+            </a:r>
+          </a:p>
+        </p:txBody>
+      </p:sp>
+      <p:sp>
+        <p:nvSpPr>
+          <p:cNvPr id="7" name="Unvan 2"/>
+          <p:cNvSpPr txBox="1">
+            <a:spLocks/>
+          </p:cNvSpPr>
+          <p:nvPr/>
+        </p:nvSpPr>
+        <p:spPr>
+          <a:xfrm>
             <a:off x="414961" y="1226127"/>
             <a:ext cx="3840516" cy="3643746"/>
           </a:xfrm>
@@ -7749,7 +9642,7 @@
 </p:sld>
 </file>
 
-<file path=ppt/slides/slide7.xml><?xml version="1.0" encoding="utf-8"?>
+<file path=ppt/slides/slide9.xml><?xml version="1.0" encoding="utf-8"?>
 <p:sld xmlns:a="http://schemas.openxmlformats.org/drawingml/2006/main" xmlns:r="http://schemas.openxmlformats.org/officeDocument/2006/relationships" xmlns:p="http://schemas.openxmlformats.org/presentationml/2006/main">
   <p:cSld>
     <p:spTree>
@@ -7790,7 +9683,7 @@
           <a:p>
             <a:r>
               <a:rPr lang="tr-TR" sz="2000" dirty="0"/>
-              <a:t>Dengesiz Veri</a:t>
+              <a:t>Dengesiz Veri- Yeniden Örnekleme</a:t>
             </a:r>
           </a:p>
         </p:txBody>
@@ -7805,8 +9698,8 @@
         </p:nvSpPr>
         <p:spPr>
           <a:xfrm>
-            <a:off x="414961" y="1226127"/>
-            <a:ext cx="3840516" cy="3643746"/>
+            <a:off x="288388" y="752622"/>
+            <a:ext cx="8433581" cy="4117251"/>
           </a:xfrm>
           <a:prstGeom prst="rect">
             <a:avLst/>
@@ -7814,7 +9707,7 @@
         </p:spPr>
         <p:txBody>
           <a:bodyPr vert="horz" lIns="91440" tIns="45720" rIns="91440" bIns="45720" rtlCol="0" anchor="t">
-            <a:normAutofit/>
+            <a:normAutofit fontScale="92500" lnSpcReduction="10000"/>
           </a:bodyPr>
           <a:lstStyle>
             <a:lvl1pPr algn="l" defTabSz="685800" rtl="0" eaLnBrk="1" latinLnBrk="0" hangingPunct="1">
@@ -7836,37 +9729,271 @@
             </a:lvl1pPr>
           </a:lstStyle>
           <a:p>
-            <a:pPr algn="just" fontAlgn="t"/>
+            <a:pPr algn="ctr" fontAlgn="t">
+              <a:spcAft>
+                <a:spcPts val="1200"/>
+              </a:spcAft>
+            </a:pPr>
+            <a:r>
+              <a:rPr lang="tr-TR" sz="2400" b="1" dirty="0" err="1">
+                <a:solidFill>
+                  <a:srgbClr val="FFFF00"/>
+                </a:solidFill>
+                <a:latin typeface="Calibri" panose="020F0502020204030204" pitchFamily="34" charset="0"/>
+                <a:cs typeface="Calibri" panose="020F0502020204030204" pitchFamily="34" charset="0"/>
+              </a:rPr>
+              <a:t>OverSampling</a:t>
+            </a:r>
+            <a:endParaRPr lang="tr-TR" sz="2400" dirty="0">
+              <a:solidFill>
+                <a:srgbClr val="FFFF00"/>
+              </a:solidFill>
+              <a:latin typeface="Calibri" panose="020F0502020204030204" pitchFamily="34" charset="0"/>
+              <a:cs typeface="Calibri" panose="020F0502020204030204" pitchFamily="34" charset="0"/>
+            </a:endParaRPr>
+          </a:p>
+          <a:p>
+            <a:pPr marL="342900" indent="-342900" algn="just" fontAlgn="t">
+              <a:spcAft>
+                <a:spcPts val="1200"/>
+              </a:spcAft>
+              <a:buFont typeface="Arial" panose="020B0604020202020204" pitchFamily="34" charset="0"/>
+              <a:buChar char="•"/>
+            </a:pPr>
             <a:r>
               <a:rPr lang="tr-TR" sz="2400" dirty="0">
-                <a:solidFill>
-                  <a:srgbClr val="FF0000"/>
-                </a:solidFill>
-                <a:latin typeface="Calibri" panose="020F0502020204030204" pitchFamily="34" charset="0"/>
-                <a:cs typeface="Calibri" panose="020F0502020204030204" pitchFamily="34" charset="0"/>
-              </a:rPr>
-              <a:t>Hatalı yaklaşım, </a:t>
+                <a:latin typeface="Calibri" panose="020F0502020204030204" pitchFamily="34" charset="0"/>
+                <a:cs typeface="Calibri" panose="020F0502020204030204" pitchFamily="34" charset="0"/>
+              </a:rPr>
+              <a:t>Yeniden örnekleme yaparak, dengesiz veri kümelerini daha dengeli hale getirebiliriz. Bunu yapmak için ilk yöntem azınlık sınıfına ait verileri çeşitli yöntemlerle arttırarak eşit sayıda veriye sahip sınıflar elde etmektir (</a:t>
+            </a:r>
+            <a:r>
+              <a:rPr lang="tr-TR" sz="2400" dirty="0" err="1">
+                <a:latin typeface="Calibri" panose="020F0502020204030204" pitchFamily="34" charset="0"/>
+                <a:cs typeface="Calibri" panose="020F0502020204030204" pitchFamily="34" charset="0"/>
+              </a:rPr>
+              <a:t>oversampling</a:t>
             </a:r>
             <a:r>
               <a:rPr lang="tr-TR" sz="2400" dirty="0">
                 <a:latin typeface="Calibri" panose="020F0502020204030204" pitchFamily="34" charset="0"/>
                 <a:cs typeface="Calibri" panose="020F0502020204030204" pitchFamily="34" charset="0"/>
               </a:rPr>
-              <a:t>tüm datadan örnekleme ve ardından </a:t>
+              <a:t>). </a:t>
+            </a:r>
+          </a:p>
+          <a:p>
+            <a:pPr marL="342900" indent="-342900" algn="just" fontAlgn="t">
+              <a:spcAft>
+                <a:spcPts val="1200"/>
+              </a:spcAft>
+              <a:buFont typeface="Arial" panose="020B0604020202020204" pitchFamily="34" charset="0"/>
+              <a:buChar char="•"/>
+            </a:pPr>
+            <a:r>
+              <a:rPr lang="tr-TR" sz="2400" dirty="0">
+                <a:latin typeface="Calibri" panose="020F0502020204030204" pitchFamily="34" charset="0"/>
+                <a:cs typeface="Calibri" panose="020F0502020204030204" pitchFamily="34" charset="0"/>
+              </a:rPr>
+              <a:t>Mesela, </a:t>
             </a:r>
             <a:r>
               <a:rPr lang="tr-TR" sz="2400" dirty="0" err="1">
                 <a:latin typeface="Calibri" panose="020F0502020204030204" pitchFamily="34" charset="0"/>
                 <a:cs typeface="Calibri" panose="020F0502020204030204" pitchFamily="34" charset="0"/>
               </a:rPr>
-              <a:t>train</a:t>
+              <a:t>Naive</a:t>
             </a:r>
             <a:r>
               <a:rPr lang="tr-TR" sz="2400" dirty="0">
                 <a:latin typeface="Calibri" panose="020F0502020204030204" pitchFamily="34" charset="0"/>
                 <a:cs typeface="Calibri" panose="020F0502020204030204" pitchFamily="34" charset="0"/>
               </a:rPr>
-              <a:t> test ayrımı</a:t>
+              <a:t> rastgele yeniden örnekleme yöntemiyle (</a:t>
+            </a:r>
+            <a:r>
+              <a:rPr lang="tr-TR" sz="2400" dirty="0" err="1">
+                <a:latin typeface="Calibri" panose="020F0502020204030204" pitchFamily="34" charset="0"/>
+                <a:cs typeface="Calibri" panose="020F0502020204030204" pitchFamily="34" charset="0"/>
+              </a:rPr>
+              <a:t>Naive</a:t>
+            </a:r>
+            <a:r>
+              <a:rPr lang="tr-TR" sz="2400" dirty="0">
+                <a:latin typeface="Calibri" panose="020F0502020204030204" pitchFamily="34" charset="0"/>
+                <a:cs typeface="Calibri" panose="020F0502020204030204" pitchFamily="34" charset="0"/>
+              </a:rPr>
+              <a:t> </a:t>
+            </a:r>
+            <a:r>
+              <a:rPr lang="tr-TR" sz="2400" dirty="0" err="1">
+                <a:latin typeface="Calibri" panose="020F0502020204030204" pitchFamily="34" charset="0"/>
+                <a:cs typeface="Calibri" panose="020F0502020204030204" pitchFamily="34" charset="0"/>
+              </a:rPr>
+              <a:t>Random</a:t>
+            </a:r>
+            <a:r>
+              <a:rPr lang="tr-TR" sz="2400" dirty="0">
+                <a:latin typeface="Calibri" panose="020F0502020204030204" pitchFamily="34" charset="0"/>
+                <a:cs typeface="Calibri" panose="020F0502020204030204" pitchFamily="34" charset="0"/>
+              </a:rPr>
+              <a:t> </a:t>
+            </a:r>
+            <a:r>
+              <a:rPr lang="tr-TR" sz="2400" dirty="0" err="1">
+                <a:latin typeface="Calibri" panose="020F0502020204030204" pitchFamily="34" charset="0"/>
+                <a:cs typeface="Calibri" panose="020F0502020204030204" pitchFamily="34" charset="0"/>
+              </a:rPr>
+              <a:t>Over-Sampling</a:t>
+            </a:r>
+            <a:r>
+              <a:rPr lang="tr-TR" sz="2400" dirty="0">
+                <a:latin typeface="Calibri" panose="020F0502020204030204" pitchFamily="34" charset="0"/>
+                <a:cs typeface="Calibri" panose="020F0502020204030204" pitchFamily="34" charset="0"/>
+              </a:rPr>
+              <a:t>) azınlık sınıfa ait var olan veriyi rastgele seçip yerine koymak (</a:t>
+            </a:r>
+            <a:r>
+              <a:rPr lang="tr-TR" sz="2400" dirty="0" err="1">
+                <a:latin typeface="Calibri" panose="020F0502020204030204" pitchFamily="34" charset="0"/>
+                <a:cs typeface="Calibri" panose="020F0502020204030204" pitchFamily="34" charset="0"/>
+              </a:rPr>
+              <a:t>replacement</a:t>
+            </a:r>
+            <a:r>
+              <a:rPr lang="tr-TR" sz="2400" dirty="0">
+                <a:latin typeface="Calibri" panose="020F0502020204030204" pitchFamily="34" charset="0"/>
+                <a:cs typeface="Calibri" panose="020F0502020204030204" pitchFamily="34" charset="0"/>
+              </a:rPr>
+              <a:t>) suretiyle kopyalayarak dengeyi sağlamak. </a:t>
+            </a:r>
+          </a:p>
+          <a:p>
+            <a:pPr marL="342900" indent="-342900" algn="just" fontAlgn="t">
+              <a:spcAft>
+                <a:spcPts val="1200"/>
+              </a:spcAft>
+              <a:buFont typeface="Arial" panose="020B0604020202020204" pitchFamily="34" charset="0"/>
+              <a:buChar char="•"/>
+            </a:pPr>
+            <a:r>
+              <a:rPr lang="tr-TR" sz="2400" dirty="0">
+                <a:latin typeface="Calibri" panose="020F0502020204030204" pitchFamily="34" charset="0"/>
+                <a:cs typeface="Calibri" panose="020F0502020204030204" pitchFamily="34" charset="0"/>
+              </a:rPr>
+              <a:t>Ayrıca SMOTE (</a:t>
+            </a:r>
+            <a:r>
+              <a:rPr lang="tr-TR" sz="2400" dirty="0" err="1">
+                <a:latin typeface="Calibri" panose="020F0502020204030204" pitchFamily="34" charset="0"/>
+                <a:cs typeface="Calibri" panose="020F0502020204030204" pitchFamily="34" charset="0"/>
+              </a:rPr>
+              <a:t>Synthetic</a:t>
+            </a:r>
+            <a:r>
+              <a:rPr lang="tr-TR" sz="2400" dirty="0">
+                <a:latin typeface="Calibri" panose="020F0502020204030204" pitchFamily="34" charset="0"/>
+                <a:cs typeface="Calibri" panose="020F0502020204030204" pitchFamily="34" charset="0"/>
+              </a:rPr>
+              <a:t> </a:t>
+            </a:r>
+            <a:r>
+              <a:rPr lang="tr-TR" sz="2400" dirty="0" err="1">
+                <a:latin typeface="Calibri" panose="020F0502020204030204" pitchFamily="34" charset="0"/>
+                <a:cs typeface="Calibri" panose="020F0502020204030204" pitchFamily="34" charset="0"/>
+              </a:rPr>
+              <a:t>Minority</a:t>
+            </a:r>
+            <a:r>
+              <a:rPr lang="tr-TR" sz="2400" dirty="0">
+                <a:latin typeface="Calibri" panose="020F0502020204030204" pitchFamily="34" charset="0"/>
+                <a:cs typeface="Calibri" panose="020F0502020204030204" pitchFamily="34" charset="0"/>
+              </a:rPr>
+              <a:t> </a:t>
+            </a:r>
+            <a:r>
+              <a:rPr lang="tr-TR" sz="2400" dirty="0" err="1">
+                <a:latin typeface="Calibri" panose="020F0502020204030204" pitchFamily="34" charset="0"/>
+                <a:cs typeface="Calibri" panose="020F0502020204030204" pitchFamily="34" charset="0"/>
+              </a:rPr>
+              <a:t>Oversampling</a:t>
+            </a:r>
+            <a:r>
+              <a:rPr lang="tr-TR" sz="2400" dirty="0">
+                <a:latin typeface="Calibri" panose="020F0502020204030204" pitchFamily="34" charset="0"/>
+                <a:cs typeface="Calibri" panose="020F0502020204030204" pitchFamily="34" charset="0"/>
+              </a:rPr>
+              <a:t> </a:t>
+            </a:r>
+            <a:r>
+              <a:rPr lang="tr-TR" sz="2400" dirty="0" err="1">
+                <a:latin typeface="Calibri" panose="020F0502020204030204" pitchFamily="34" charset="0"/>
+                <a:cs typeface="Calibri" panose="020F0502020204030204" pitchFamily="34" charset="0"/>
+              </a:rPr>
+              <a:t>Technique</a:t>
+            </a:r>
+            <a:r>
+              <a:rPr lang="tr-TR" sz="2400" dirty="0">
+                <a:latin typeface="Calibri" panose="020F0502020204030204" pitchFamily="34" charset="0"/>
+                <a:cs typeface="Calibri" panose="020F0502020204030204" pitchFamily="34" charset="0"/>
+              </a:rPr>
+              <a:t>) ve ADASYN (</a:t>
+            </a:r>
+            <a:r>
+              <a:rPr lang="tr-TR" sz="2400" dirty="0" err="1">
+                <a:latin typeface="Calibri" panose="020F0502020204030204" pitchFamily="34" charset="0"/>
+                <a:cs typeface="Calibri" panose="020F0502020204030204" pitchFamily="34" charset="0"/>
+              </a:rPr>
+              <a:t>Adaptive</a:t>
+            </a:r>
+            <a:r>
+              <a:rPr lang="tr-TR" sz="2400" dirty="0">
+                <a:latin typeface="Calibri" panose="020F0502020204030204" pitchFamily="34" charset="0"/>
+                <a:cs typeface="Calibri" panose="020F0502020204030204" pitchFamily="34" charset="0"/>
+              </a:rPr>
+              <a:t> </a:t>
+            </a:r>
+            <a:r>
+              <a:rPr lang="tr-TR" sz="2400" dirty="0" err="1">
+                <a:latin typeface="Calibri" panose="020F0502020204030204" pitchFamily="34" charset="0"/>
+                <a:cs typeface="Calibri" panose="020F0502020204030204" pitchFamily="34" charset="0"/>
+              </a:rPr>
+              <a:t>Synthetic</a:t>
+            </a:r>
+            <a:r>
+              <a:rPr lang="tr-TR" sz="2400" dirty="0">
+                <a:latin typeface="Calibri" panose="020F0502020204030204" pitchFamily="34" charset="0"/>
+                <a:cs typeface="Calibri" panose="020F0502020204030204" pitchFamily="34" charset="0"/>
+              </a:rPr>
+              <a:t> </a:t>
+            </a:r>
+            <a:r>
+              <a:rPr lang="tr-TR" sz="2400" dirty="0" err="1">
+                <a:latin typeface="Calibri" panose="020F0502020204030204" pitchFamily="34" charset="0"/>
+                <a:cs typeface="Calibri" panose="020F0502020204030204" pitchFamily="34" charset="0"/>
+              </a:rPr>
+              <a:t>Sampling</a:t>
+            </a:r>
+            <a:r>
+              <a:rPr lang="tr-TR" sz="2400" dirty="0">
+                <a:latin typeface="Calibri" panose="020F0502020204030204" pitchFamily="34" charset="0"/>
+                <a:cs typeface="Calibri" panose="020F0502020204030204" pitchFamily="34" charset="0"/>
+              </a:rPr>
+              <a:t> </a:t>
+            </a:r>
+            <a:r>
+              <a:rPr lang="tr-TR" sz="2400" dirty="0" err="1">
+                <a:latin typeface="Calibri" panose="020F0502020204030204" pitchFamily="34" charset="0"/>
+                <a:cs typeface="Calibri" panose="020F0502020204030204" pitchFamily="34" charset="0"/>
+              </a:rPr>
+              <a:t>Method</a:t>
+            </a:r>
+            <a:r>
+              <a:rPr lang="tr-TR" sz="2400" dirty="0">
+                <a:latin typeface="Calibri" panose="020F0502020204030204" pitchFamily="34" charset="0"/>
+                <a:cs typeface="Calibri" panose="020F0502020204030204" pitchFamily="34" charset="0"/>
+              </a:rPr>
+              <a:t>) algoritmalarında interpolasyon yöntemiyle sentetik veriler üreterek denge sağlanabilir.</a:t>
             </a:r>
           </a:p>
           <a:p>
@@ -7877,40 +10004,6 @@
             </a:endParaRPr>
           </a:p>
           <a:p>
-            <a:pPr algn="just" fontAlgn="t"/>
-            <a:r>
-              <a:rPr lang="tr-TR" sz="2400" dirty="0">
-                <a:solidFill>
-                  <a:srgbClr val="FF0000"/>
-                </a:solidFill>
-                <a:latin typeface="Calibri" panose="020F0502020204030204" pitchFamily="34" charset="0"/>
-                <a:cs typeface="Calibri" panose="020F0502020204030204" pitchFamily="34" charset="0"/>
-              </a:rPr>
-              <a:t>İdeal yaklaşım, </a:t>
-            </a:r>
-            <a:r>
-              <a:rPr lang="tr-TR" sz="2400" dirty="0">
-                <a:latin typeface="Calibri" panose="020F0502020204030204" pitchFamily="34" charset="0"/>
-                <a:cs typeface="Calibri" panose="020F0502020204030204" pitchFamily="34" charset="0"/>
-              </a:rPr>
-              <a:t>sadece </a:t>
-            </a:r>
-            <a:r>
-              <a:rPr lang="tr-TR" sz="2400" dirty="0" err="1">
-                <a:latin typeface="Calibri" panose="020F0502020204030204" pitchFamily="34" charset="0"/>
-                <a:cs typeface="Calibri" panose="020F0502020204030204" pitchFamily="34" charset="0"/>
-              </a:rPr>
-              <a:t>trainden</a:t>
-            </a:r>
-            <a:r>
-              <a:rPr lang="tr-TR" sz="2400" dirty="0">
-                <a:latin typeface="Calibri" panose="020F0502020204030204" pitchFamily="34" charset="0"/>
-                <a:cs typeface="Calibri" panose="020F0502020204030204" pitchFamily="34" charset="0"/>
-              </a:rPr>
-              <a:t> üretim, test datası üzerinde doğrulama. </a:t>
-            </a:r>
-          </a:p>
-          <a:p>
             <a:pPr algn="just"/>
             <a:endParaRPr lang="tr-TR" sz="2400" dirty="0">
               <a:latin typeface="Calibri" panose="020F0502020204030204" pitchFamily="34" charset="0"/>
@@ -7919,570 +10012,10 @@
           </a:p>
         </p:txBody>
       </p:sp>
-      <p:pic>
-        <p:nvPicPr>
-          <p:cNvPr id="8" name="Picture 4" descr="Failure of Classification Accuracy for Imbalanced Class Distributions"/>
-          <p:cNvPicPr>
-            <a:picLocks noChangeAspect="1" noChangeArrowheads="1"/>
-          </p:cNvPicPr>
-          <p:nvPr/>
-        </p:nvPicPr>
-        <p:blipFill>
-          <a:blip r:embed="rId2">
-            <a:extLst>
-              <a:ext uri="{28A0092B-C50C-407E-A947-70E740481C1C}">
-                <a14:useLocalDpi xmlns:a14="http://schemas.microsoft.com/office/drawing/2010/main" val="0"/>
-              </a:ext>
-            </a:extLst>
-          </a:blip>
-          <a:srcRect/>
-          <a:stretch>
-            <a:fillRect/>
-          </a:stretch>
-        </p:blipFill>
-        <p:spPr bwMode="auto">
-          <a:xfrm>
-            <a:off x="4688813" y="1226127"/>
-            <a:ext cx="3961041" cy="2970781"/>
-          </a:xfrm>
-          <a:prstGeom prst="rect">
-            <a:avLst/>
-          </a:prstGeom>
-          <a:noFill/>
-          <a:extLst>
-            <a:ext uri="{909E8E84-426E-40DD-AFC4-6F175D3DCCD1}">
-              <a14:hiddenFill xmlns:a14="http://schemas.microsoft.com/office/drawing/2010/main">
-                <a:solidFill>
-                  <a:srgbClr val="FFFFFF"/>
-                </a:solidFill>
-              </a14:hiddenFill>
-            </a:ext>
-          </a:extLst>
-        </p:spPr>
-      </p:pic>
     </p:spTree>
     <p:extLst>
       <p:ext uri="{BB962C8B-B14F-4D97-AF65-F5344CB8AC3E}">
-        <p14:creationId xmlns:p14="http://schemas.microsoft.com/office/powerpoint/2010/main" val="3592057511"/>
-      </p:ext>
-    </p:extLst>
-  </p:cSld>
-  <p:clrMapOvr>
-    <a:masterClrMapping/>
-  </p:clrMapOvr>
-</p:sld>
-</file>
-
-<file path=ppt/slides/slide8.xml><?xml version="1.0" encoding="utf-8"?>
-<p:sld xmlns:a="http://schemas.openxmlformats.org/drawingml/2006/main" xmlns:r="http://schemas.openxmlformats.org/officeDocument/2006/relationships" xmlns:p="http://schemas.openxmlformats.org/presentationml/2006/main">
-  <p:cSld>
-    <p:spTree>
-      <p:nvGrpSpPr>
-        <p:cNvPr id="1" name=""/>
-        <p:cNvGrpSpPr/>
-        <p:nvPr/>
-      </p:nvGrpSpPr>
-      <p:grpSpPr>
-        <a:xfrm>
-          <a:off x="0" y="0"/>
-          <a:ext cx="0" cy="0"/>
-          <a:chOff x="0" y="0"/>
-          <a:chExt cx="0" cy="0"/>
-        </a:xfrm>
-      </p:grpSpPr>
-      <p:sp>
-        <p:nvSpPr>
-          <p:cNvPr id="3" name="Unvan 2"/>
-          <p:cNvSpPr>
-            <a:spLocks noGrp="1"/>
-          </p:cNvSpPr>
-          <p:nvPr>
-            <p:ph type="title"/>
-          </p:nvPr>
-        </p:nvSpPr>
-        <p:spPr>
-          <a:xfrm>
-            <a:off x="751733" y="351693"/>
-            <a:ext cx="7228130" cy="541606"/>
-          </a:xfrm>
-        </p:spPr>
-        <p:txBody>
-          <a:bodyPr>
-            <a:normAutofit fontScale="90000"/>
-          </a:bodyPr>
-          <a:lstStyle/>
-          <a:p>
-            <a:r>
-              <a:rPr lang="tr-TR" sz="2000" dirty="0">
-                <a:solidFill>
-                  <a:srgbClr val="FFFF00"/>
-                </a:solidFill>
-              </a:rPr>
-              <a:t>Aşırı Öğrenme-Eksik Öğrenme</a:t>
-            </a:r>
-            <a:br>
-              <a:rPr lang="tr-TR" sz="2000" dirty="0">
-                <a:solidFill>
-                  <a:srgbClr val="FFFF00"/>
-                </a:solidFill>
-              </a:rPr>
-            </a:br>
-            <a:endParaRPr lang="tr-TR" sz="2000" dirty="0">
-              <a:solidFill>
-                <a:srgbClr val="FFFF00"/>
-              </a:solidFill>
-            </a:endParaRPr>
-          </a:p>
-        </p:txBody>
-      </p:sp>
-      <p:sp>
-        <p:nvSpPr>
-          <p:cNvPr id="7" name="Unvan 2"/>
-          <p:cNvSpPr txBox="1">
-            <a:spLocks/>
-          </p:cNvSpPr>
-          <p:nvPr/>
-        </p:nvSpPr>
-        <p:spPr>
-          <a:xfrm>
-            <a:off x="414961" y="1226127"/>
-            <a:ext cx="8486584" cy="3643746"/>
-          </a:xfrm>
-          <a:prstGeom prst="rect">
-            <a:avLst/>
-          </a:prstGeom>
-        </p:spPr>
-        <p:txBody>
-          <a:bodyPr vert="horz" lIns="91440" tIns="45720" rIns="91440" bIns="45720" rtlCol="0" anchor="t">
-            <a:normAutofit/>
-          </a:bodyPr>
-          <a:lstStyle>
-            <a:lvl1pPr algn="l" defTabSz="685800" rtl="0" eaLnBrk="1" latinLnBrk="0" hangingPunct="1">
-              <a:lnSpc>
-                <a:spcPct val="90000"/>
-              </a:lnSpc>
-              <a:spcBef>
-                <a:spcPct val="0"/>
-              </a:spcBef>
-              <a:buNone/>
-              <a:defRPr sz="3300" kern="1200">
-                <a:solidFill>
-                  <a:schemeClr val="tx1"/>
-                </a:solidFill>
-                <a:latin typeface="+mj-lt"/>
-                <a:ea typeface="+mj-ea"/>
-                <a:cs typeface="+mj-cs"/>
-              </a:defRPr>
-            </a:lvl1pPr>
-          </a:lstStyle>
-          <a:p>
-            <a:endParaRPr lang="tr-TR" sz="1600" dirty="0">
-              <a:latin typeface="Calibri" panose="020F0502020204030204" pitchFamily="34" charset="0"/>
-              <a:cs typeface="Calibri" panose="020F0502020204030204" pitchFamily="34" charset="0"/>
-            </a:endParaRPr>
-          </a:p>
-          <a:p>
-            <a:pPr algn="just"/>
-            <a:r>
-              <a:rPr lang="tr-TR" sz="2200" b="1" dirty="0">
-                <a:latin typeface="Calibri" panose="020F0502020204030204" pitchFamily="34" charset="0"/>
-                <a:cs typeface="Calibri" panose="020F0502020204030204" pitchFamily="34" charset="0"/>
-              </a:rPr>
-              <a:t>Model, eğitim verilerinden elde edilen örüntülere göre inşa edilir. </a:t>
-            </a:r>
-          </a:p>
-          <a:p>
-            <a:pPr algn="just"/>
-            <a:r>
-              <a:rPr lang="tr-TR" sz="2200" b="1" dirty="0">
-                <a:latin typeface="Calibri" panose="020F0502020204030204" pitchFamily="34" charset="0"/>
-                <a:cs typeface="Calibri" panose="020F0502020204030204" pitchFamily="34" charset="0"/>
-              </a:rPr>
-              <a:t>Bu inşanın sonucunda;</a:t>
-            </a:r>
-          </a:p>
-          <a:p>
-            <a:pPr algn="just"/>
-            <a:endParaRPr lang="tr-TR" sz="2200" b="1" dirty="0">
-              <a:latin typeface="Calibri" panose="020F0502020204030204" pitchFamily="34" charset="0"/>
-              <a:cs typeface="Calibri" panose="020F0502020204030204" pitchFamily="34" charset="0"/>
-            </a:endParaRPr>
-          </a:p>
-          <a:p>
-            <a:pPr algn="just"/>
-            <a:r>
-              <a:rPr lang="tr-TR" sz="2200" b="1" dirty="0">
-                <a:solidFill>
-                  <a:srgbClr val="FF0000"/>
-                </a:solidFill>
-                <a:latin typeface="Calibri" panose="020F0502020204030204" pitchFamily="34" charset="0"/>
-                <a:cs typeface="Calibri" panose="020F0502020204030204" pitchFamily="34" charset="0"/>
-              </a:rPr>
-              <a:t>Aşırı Öğrenme</a:t>
-            </a:r>
-          </a:p>
-          <a:p>
-            <a:pPr algn="just"/>
-            <a:r>
-              <a:rPr lang="tr-TR" sz="2200" b="1" dirty="0">
-                <a:solidFill>
-                  <a:srgbClr val="FF0000"/>
-                </a:solidFill>
-                <a:latin typeface="Calibri" panose="020F0502020204030204" pitchFamily="34" charset="0"/>
-                <a:cs typeface="Calibri" panose="020F0502020204030204" pitchFamily="34" charset="0"/>
-              </a:rPr>
-              <a:t>Eksik Öğrenme</a:t>
-            </a:r>
-          </a:p>
-          <a:p>
-            <a:pPr algn="just"/>
-            <a:endParaRPr lang="tr-TR" sz="2200" b="1" dirty="0">
-              <a:latin typeface="Calibri" panose="020F0502020204030204" pitchFamily="34" charset="0"/>
-              <a:cs typeface="Calibri" panose="020F0502020204030204" pitchFamily="34" charset="0"/>
-            </a:endParaRPr>
-          </a:p>
-          <a:p>
-            <a:pPr algn="just"/>
-            <a:r>
-              <a:rPr lang="tr-TR" sz="2200" b="1" dirty="0">
-                <a:latin typeface="Calibri" panose="020F0502020204030204" pitchFamily="34" charset="0"/>
-                <a:cs typeface="Calibri" panose="020F0502020204030204" pitchFamily="34" charset="0"/>
-              </a:rPr>
-              <a:t>Bunun sonucu olarak, modelin tahminleri incelendiğinde yeterli öngörüde bulunamadığı ve hata oranı yüksek sonuçlar verdiği görülür.</a:t>
-            </a:r>
-            <a:endParaRPr lang="tr-TR" sz="2200" b="1" i="1" dirty="0">
-              <a:latin typeface="Calibri" panose="020F0502020204030204" pitchFamily="34" charset="0"/>
-              <a:cs typeface="Calibri" panose="020F0502020204030204" pitchFamily="34" charset="0"/>
-            </a:endParaRPr>
-          </a:p>
-          <a:p>
-            <a:endParaRPr lang="tr-TR" sz="1600" dirty="0">
-              <a:latin typeface="Calibri" panose="020F0502020204030204" pitchFamily="34" charset="0"/>
-              <a:cs typeface="Calibri" panose="020F0502020204030204" pitchFamily="34" charset="0"/>
-            </a:endParaRPr>
-          </a:p>
-        </p:txBody>
-      </p:sp>
-    </p:spTree>
-    <p:extLst>
-      <p:ext uri="{BB962C8B-B14F-4D97-AF65-F5344CB8AC3E}">
-        <p14:creationId xmlns:p14="http://schemas.microsoft.com/office/powerpoint/2010/main" val="2923711735"/>
-      </p:ext>
-    </p:extLst>
-  </p:cSld>
-  <p:clrMapOvr>
-    <a:masterClrMapping/>
-  </p:clrMapOvr>
-</p:sld>
-</file>
-
-<file path=ppt/slides/slide9.xml><?xml version="1.0" encoding="utf-8"?>
-<p:sld xmlns:a="http://schemas.openxmlformats.org/drawingml/2006/main" xmlns:r="http://schemas.openxmlformats.org/officeDocument/2006/relationships" xmlns:p="http://schemas.openxmlformats.org/presentationml/2006/main">
-  <p:cSld>
-    <p:spTree>
-      <p:nvGrpSpPr>
-        <p:cNvPr id="1" name=""/>
-        <p:cNvGrpSpPr/>
-        <p:nvPr/>
-      </p:nvGrpSpPr>
-      <p:grpSpPr>
-        <a:xfrm>
-          <a:off x="0" y="0"/>
-          <a:ext cx="0" cy="0"/>
-          <a:chOff x="0" y="0"/>
-          <a:chExt cx="0" cy="0"/>
-        </a:xfrm>
-      </p:grpSpPr>
-      <p:sp>
-        <p:nvSpPr>
-          <p:cNvPr id="3" name="Unvan 2"/>
-          <p:cNvSpPr>
-            <a:spLocks noGrp="1"/>
-          </p:cNvSpPr>
-          <p:nvPr>
-            <p:ph type="title"/>
-          </p:nvPr>
-        </p:nvSpPr>
-        <p:spPr>
-          <a:xfrm>
-            <a:off x="927579" y="0"/>
-            <a:ext cx="7228130" cy="875049"/>
-          </a:xfrm>
-        </p:spPr>
-        <p:txBody>
-          <a:bodyPr>
-            <a:normAutofit/>
-          </a:bodyPr>
-          <a:lstStyle/>
-          <a:p>
-            <a:r>
-              <a:rPr lang="tr-TR" sz="2000" dirty="0">
-                <a:solidFill>
-                  <a:srgbClr val="FFFF00"/>
-                </a:solidFill>
-              </a:rPr>
-              <a:t>Aşırı Öğrenme-Eksik Öğrenme</a:t>
-            </a:r>
-            <a:endParaRPr lang="tr-TR" sz="2000" dirty="0"/>
-          </a:p>
-        </p:txBody>
-      </p:sp>
-      <p:sp>
-        <p:nvSpPr>
-          <p:cNvPr id="7" name="Unvan 2"/>
-          <p:cNvSpPr txBox="1">
-            <a:spLocks/>
-          </p:cNvSpPr>
-          <p:nvPr/>
-        </p:nvSpPr>
-        <p:spPr>
-          <a:xfrm>
-            <a:off x="281354" y="991772"/>
-            <a:ext cx="8620191" cy="4002259"/>
-          </a:xfrm>
-          <a:prstGeom prst="rect">
-            <a:avLst/>
-          </a:prstGeom>
-        </p:spPr>
-        <p:txBody>
-          <a:bodyPr vert="horz" lIns="91440" tIns="45720" rIns="91440" bIns="45720" rtlCol="0" anchor="t">
-            <a:normAutofit fontScale="47500" lnSpcReduction="20000"/>
-          </a:bodyPr>
-          <a:lstStyle>
-            <a:lvl1pPr algn="l" defTabSz="685800" rtl="0" eaLnBrk="1" latinLnBrk="0" hangingPunct="1">
-              <a:lnSpc>
-                <a:spcPct val="90000"/>
-              </a:lnSpc>
-              <a:spcBef>
-                <a:spcPct val="0"/>
-              </a:spcBef>
-              <a:buNone/>
-              <a:defRPr sz="3300" kern="1200">
-                <a:solidFill>
-                  <a:schemeClr val="tx1"/>
-                </a:solidFill>
-                <a:latin typeface="+mj-lt"/>
-                <a:ea typeface="+mj-ea"/>
-                <a:cs typeface="+mj-cs"/>
-              </a:defRPr>
-            </a:lvl1pPr>
-          </a:lstStyle>
-          <a:p>
-            <a:pPr>
-              <a:lnSpc>
-                <a:spcPct val="120000"/>
-              </a:lnSpc>
-            </a:pPr>
-            <a:r>
-              <a:rPr lang="tr-TR" dirty="0" err="1">
-                <a:latin typeface="Calibri" panose="020F0502020204030204" pitchFamily="34" charset="0"/>
-                <a:cs typeface="Calibri" panose="020F0502020204030204" pitchFamily="34" charset="0"/>
-              </a:rPr>
-              <a:t>Overfitting</a:t>
-            </a:r>
-            <a:r>
-              <a:rPr lang="tr-TR" dirty="0">
-                <a:latin typeface="Calibri" panose="020F0502020204030204" pitchFamily="34" charset="0"/>
-                <a:cs typeface="Calibri" panose="020F0502020204030204" pitchFamily="34" charset="0"/>
-              </a:rPr>
-              <a:t> (Aşırı Öğrenme)</a:t>
-            </a:r>
-          </a:p>
-          <a:p>
-            <a:pPr>
-              <a:lnSpc>
-                <a:spcPct val="120000"/>
-              </a:lnSpc>
-            </a:pPr>
-            <a:endParaRPr lang="tr-TR" dirty="0">
-              <a:latin typeface="Calibri" panose="020F0502020204030204" pitchFamily="34" charset="0"/>
-              <a:cs typeface="Calibri" panose="020F0502020204030204" pitchFamily="34" charset="0"/>
-            </a:endParaRPr>
-          </a:p>
-          <a:p>
-            <a:pPr marL="514350" indent="-514350" algn="just">
-              <a:lnSpc>
-                <a:spcPct val="120000"/>
-              </a:lnSpc>
-              <a:buAutoNum type="alphaLcParenR"/>
-            </a:pPr>
-            <a:r>
-              <a:rPr lang="tr-TR" sz="3500" dirty="0">
-                <a:latin typeface="Calibri" panose="020F0502020204030204" pitchFamily="34" charset="0"/>
-                <a:cs typeface="Calibri" panose="020F0502020204030204" pitchFamily="34" charset="0"/>
-              </a:rPr>
-              <a:t>Eğitim için kullanılan veri seti üzerinde model gereğinden fazla çalışırsa </a:t>
-            </a:r>
-          </a:p>
-          <a:p>
-            <a:pPr marL="514350" indent="-514350" algn="just">
-              <a:lnSpc>
-                <a:spcPct val="120000"/>
-              </a:lnSpc>
-              <a:buAutoNum type="alphaLcParenR"/>
-            </a:pPr>
-            <a:r>
-              <a:rPr lang="tr-TR" sz="3500" dirty="0">
-                <a:latin typeface="Calibri" panose="020F0502020204030204" pitchFamily="34" charset="0"/>
-                <a:cs typeface="Calibri" panose="020F0502020204030204" pitchFamily="34" charset="0"/>
-              </a:rPr>
-              <a:t>Eğitim seti tek düze ise </a:t>
-            </a:r>
-          </a:p>
-          <a:p>
-            <a:pPr marL="514350" indent="-514350" algn="just">
-              <a:lnSpc>
-                <a:spcPct val="120000"/>
-              </a:lnSpc>
-              <a:buAutoNum type="alphaLcParenR"/>
-            </a:pPr>
-            <a:endParaRPr lang="tr-TR" sz="3500" dirty="0">
-              <a:latin typeface="Calibri" panose="020F0502020204030204" pitchFamily="34" charset="0"/>
-              <a:cs typeface="Calibri" panose="020F0502020204030204" pitchFamily="34" charset="0"/>
-            </a:endParaRPr>
-          </a:p>
-          <a:p>
-            <a:pPr algn="just">
-              <a:lnSpc>
-                <a:spcPct val="120000"/>
-              </a:lnSpc>
-            </a:pPr>
-            <a:r>
-              <a:rPr lang="tr-TR" sz="3500" dirty="0" err="1">
-                <a:latin typeface="Calibri" panose="020F0502020204030204" pitchFamily="34" charset="0"/>
-                <a:cs typeface="Calibri" panose="020F0502020204030204" pitchFamily="34" charset="0"/>
-              </a:rPr>
-              <a:t>overfitting</a:t>
-            </a:r>
-            <a:r>
-              <a:rPr lang="tr-TR" sz="3500" dirty="0">
-                <a:latin typeface="Calibri" panose="020F0502020204030204" pitchFamily="34" charset="0"/>
-                <a:cs typeface="Calibri" panose="020F0502020204030204" pitchFamily="34" charset="0"/>
-              </a:rPr>
-              <a:t> olma riski büyük demektir. </a:t>
-            </a:r>
-          </a:p>
-          <a:p>
-            <a:pPr algn="just">
-              <a:lnSpc>
-                <a:spcPct val="120000"/>
-              </a:lnSpc>
-            </a:pPr>
-            <a:endParaRPr lang="tr-TR" sz="3500" dirty="0">
-              <a:latin typeface="Calibri" panose="020F0502020204030204" pitchFamily="34" charset="0"/>
-              <a:cs typeface="Calibri" panose="020F0502020204030204" pitchFamily="34" charset="0"/>
-            </a:endParaRPr>
-          </a:p>
-          <a:p>
-            <a:pPr algn="just">
-              <a:lnSpc>
-                <a:spcPct val="120000"/>
-              </a:lnSpc>
-            </a:pPr>
-            <a:r>
-              <a:rPr lang="tr-TR" sz="3500" b="1" dirty="0">
-                <a:solidFill>
-                  <a:srgbClr val="FF0000"/>
-                </a:solidFill>
-                <a:effectLst>
-                  <a:outerShdw blurRad="38100" dist="38100" dir="2700000" algn="tl">
-                    <a:srgbClr val="000000">
-                      <a:alpha val="43137"/>
-                    </a:srgbClr>
-                  </a:outerShdw>
-                </a:effectLst>
-                <a:latin typeface="Calibri" panose="020F0502020204030204" pitchFamily="34" charset="0"/>
-                <a:cs typeface="Calibri" panose="020F0502020204030204" pitchFamily="34" charset="0"/>
-              </a:rPr>
-              <a:t>Sonuç: </a:t>
-            </a:r>
-          </a:p>
-          <a:p>
-            <a:pPr algn="just">
-              <a:lnSpc>
-                <a:spcPct val="120000"/>
-              </a:lnSpc>
-            </a:pPr>
-            <a:endParaRPr lang="tr-TR" sz="3500" dirty="0">
-              <a:solidFill>
-                <a:srgbClr val="FF0000"/>
-              </a:solidFill>
-              <a:latin typeface="Calibri" panose="020F0502020204030204" pitchFamily="34" charset="0"/>
-              <a:cs typeface="Calibri" panose="020F0502020204030204" pitchFamily="34" charset="0"/>
-            </a:endParaRPr>
-          </a:p>
-          <a:p>
-            <a:pPr algn="just">
-              <a:lnSpc>
-                <a:spcPct val="120000"/>
-              </a:lnSpc>
-            </a:pPr>
-            <a:r>
-              <a:rPr lang="tr-TR" sz="3500" dirty="0">
-                <a:latin typeface="Calibri" panose="020F0502020204030204" pitchFamily="34" charset="0"/>
-                <a:cs typeface="Calibri" panose="020F0502020204030204" pitchFamily="34" charset="0"/>
-              </a:rPr>
-              <a:t>Eğitim setinde yüksek başarı, test veri setinde </a:t>
-            </a:r>
-            <a:r>
-              <a:rPr lang="tr-TR" sz="3500" b="1" dirty="0">
-                <a:solidFill>
-                  <a:srgbClr val="FF0000"/>
-                </a:solidFill>
-                <a:latin typeface="Calibri" panose="020F0502020204030204" pitchFamily="34" charset="0"/>
-                <a:cs typeface="Calibri" panose="020F0502020204030204" pitchFamily="34" charset="0"/>
-              </a:rPr>
-              <a:t>çok düşük başarı</a:t>
-            </a:r>
-          </a:p>
-          <a:p>
-            <a:pPr algn="just">
-              <a:lnSpc>
-                <a:spcPct val="120000"/>
-              </a:lnSpc>
-            </a:pPr>
-            <a:endParaRPr lang="tr-TR" sz="3500" dirty="0">
-              <a:latin typeface="Calibri" panose="020F0502020204030204" pitchFamily="34" charset="0"/>
-              <a:cs typeface="Calibri" panose="020F0502020204030204" pitchFamily="34" charset="0"/>
-            </a:endParaRPr>
-          </a:p>
-          <a:p>
-            <a:pPr algn="just">
-              <a:lnSpc>
-                <a:spcPct val="120000"/>
-              </a:lnSpc>
-            </a:pPr>
-            <a:r>
-              <a:rPr lang="tr-TR" sz="3500" dirty="0">
-                <a:latin typeface="Calibri" panose="020F0502020204030204" pitchFamily="34" charset="0"/>
-                <a:cs typeface="Calibri" panose="020F0502020204030204" pitchFamily="34" charset="0"/>
-              </a:rPr>
-              <a:t>Çünkü model eğitim setindeki durumları ezberlemiştir ve test veri setinde bu durumları aramaktadır. En ufak bir değişiklikte ezberlenen durumlar bulunamayacağı için test veri setinde başarısız tahminler görülür. </a:t>
-            </a:r>
-          </a:p>
-          <a:p>
-            <a:pPr algn="just">
-              <a:lnSpc>
-                <a:spcPct val="120000"/>
-              </a:lnSpc>
-            </a:pPr>
-            <a:endParaRPr lang="tr-TR" sz="3500" dirty="0">
-              <a:latin typeface="Calibri" panose="020F0502020204030204" pitchFamily="34" charset="0"/>
-              <a:cs typeface="Calibri" panose="020F0502020204030204" pitchFamily="34" charset="0"/>
-            </a:endParaRPr>
-          </a:p>
-          <a:p>
-            <a:endParaRPr lang="tr-TR" sz="1600" dirty="0">
-              <a:latin typeface="Calibri" panose="020F0502020204030204" pitchFamily="34" charset="0"/>
-              <a:cs typeface="Calibri" panose="020F0502020204030204" pitchFamily="34" charset="0"/>
-            </a:endParaRPr>
-          </a:p>
-        </p:txBody>
-      </p:sp>
-    </p:spTree>
-    <p:extLst>
-      <p:ext uri="{BB962C8B-B14F-4D97-AF65-F5344CB8AC3E}">
-        <p14:creationId xmlns:p14="http://schemas.microsoft.com/office/powerpoint/2010/main" val="670347217"/>
+        <p14:creationId xmlns:p14="http://schemas.microsoft.com/office/powerpoint/2010/main" val="492790670"/>
       </p:ext>
     </p:extLst>
   </p:cSld>

--- a/Sunular/MÖT-Hafta-4 - Underfitting_and_Overfitting.pptx
+++ b/Sunular/MÖT-Hafta-4 - Underfitting_and_Overfitting.pptx
@@ -23,18 +23,18 @@
     <p:sldId id="343" r:id="rId14"/>
     <p:sldId id="344" r:id="rId15"/>
     <p:sldId id="375" r:id="rId16"/>
-    <p:sldId id="376" r:id="rId17"/>
-    <p:sldId id="377" r:id="rId18"/>
-    <p:sldId id="379" r:id="rId19"/>
-    <p:sldId id="346" r:id="rId20"/>
-    <p:sldId id="359" r:id="rId21"/>
-    <p:sldId id="347" r:id="rId22"/>
-    <p:sldId id="358" r:id="rId23"/>
-    <p:sldId id="362" r:id="rId24"/>
-    <p:sldId id="360" r:id="rId25"/>
-    <p:sldId id="363" r:id="rId26"/>
-    <p:sldId id="364" r:id="rId27"/>
-    <p:sldId id="361" r:id="rId28"/>
+    <p:sldId id="385" r:id="rId17"/>
+    <p:sldId id="376" r:id="rId18"/>
+    <p:sldId id="377" r:id="rId19"/>
+    <p:sldId id="379" r:id="rId20"/>
+    <p:sldId id="346" r:id="rId21"/>
+    <p:sldId id="359" r:id="rId22"/>
+    <p:sldId id="347" r:id="rId23"/>
+    <p:sldId id="358" r:id="rId24"/>
+    <p:sldId id="362" r:id="rId25"/>
+    <p:sldId id="360" r:id="rId26"/>
+    <p:sldId id="363" r:id="rId27"/>
+    <p:sldId id="364" r:id="rId28"/>
     <p:sldId id="378" r:id="rId29"/>
   </p:sldIdLst>
   <p:sldSz cx="9144000" cy="5143500" type="screen16x9"/>
@@ -43,13 +43,6 @@
     <p:embeddedFont>
       <p:font typeface="Arial Black" panose="020B0A04020102020204" pitchFamily="34" charset="0"/>
       <p:bold r:id="rId31"/>
-    </p:embeddedFont>
-    <p:embeddedFont>
-      <p:font typeface="Calibri" panose="020F0502020204030204" pitchFamily="34" charset="0"/>
-      <p:regular r:id="rId32"/>
-      <p:bold r:id="rId33"/>
-      <p:italic r:id="rId34"/>
-      <p:boldItalic r:id="rId35"/>
     </p:embeddedFont>
   </p:embeddedFontLst>
   <p:defaultTextStyle>
@@ -843,7 +836,7 @@
             <a:fld id="{B61BEF0D-F0BB-DE4B-95CE-6DB70DBA9567}" type="datetimeFigureOut">
               <a:rPr lang="en-US" smtClean="0"/>
               <a:pPr/>
-              <a:t>11/10/2022</a:t>
+              <a:t>11/11/2024</a:t>
             </a:fld>
             <a:endParaRPr lang="en-US" dirty="0"/>
           </a:p>
@@ -1024,7 +1017,7 @@
             <a:fld id="{B61BEF0D-F0BB-DE4B-95CE-6DB70DBA9567}" type="datetimeFigureOut">
               <a:rPr lang="en-US" smtClean="0"/>
               <a:pPr/>
-              <a:t>11/10/2022</a:t>
+              <a:t>11/11/2024</a:t>
             </a:fld>
             <a:endParaRPr lang="en-US" dirty="0"/>
           </a:p>
@@ -1215,7 +1208,7 @@
             <a:fld id="{B61BEF0D-F0BB-DE4B-95CE-6DB70DBA9567}" type="datetimeFigureOut">
               <a:rPr lang="en-US" smtClean="0"/>
               <a:pPr/>
-              <a:t>11/10/2022</a:t>
+              <a:t>11/11/2024</a:t>
             </a:fld>
             <a:endParaRPr lang="en-US" dirty="0"/>
           </a:p>
@@ -1396,7 +1389,7 @@
             <a:fld id="{B61BEF0D-F0BB-DE4B-95CE-6DB70DBA9567}" type="datetimeFigureOut">
               <a:rPr lang="en-US" smtClean="0"/>
               <a:pPr/>
-              <a:t>11/10/2022</a:t>
+              <a:t>11/11/2024</a:t>
             </a:fld>
             <a:endParaRPr lang="en-US" dirty="0"/>
           </a:p>
@@ -1653,7 +1646,7 @@
             <a:fld id="{B61BEF0D-F0BB-DE4B-95CE-6DB70DBA9567}" type="datetimeFigureOut">
               <a:rPr lang="en-US" smtClean="0"/>
               <a:pPr/>
-              <a:t>11/10/2022</a:t>
+              <a:t>11/11/2024</a:t>
             </a:fld>
             <a:endParaRPr lang="en-US" dirty="0"/>
           </a:p>
@@ -1896,7 +1889,7 @@
             <a:fld id="{B61BEF0D-F0BB-DE4B-95CE-6DB70DBA9567}" type="datetimeFigureOut">
               <a:rPr lang="en-US" smtClean="0"/>
               <a:pPr/>
-              <a:t>11/10/2022</a:t>
+              <a:t>11/11/2024</a:t>
             </a:fld>
             <a:endParaRPr lang="en-US" dirty="0"/>
           </a:p>
@@ -2274,7 +2267,7 @@
             <a:fld id="{B61BEF0D-F0BB-DE4B-95CE-6DB70DBA9567}" type="datetimeFigureOut">
               <a:rPr lang="en-US" smtClean="0"/>
               <a:pPr/>
-              <a:t>11/10/2022</a:t>
+              <a:t>11/11/2024</a:t>
             </a:fld>
             <a:endParaRPr lang="en-US" dirty="0"/>
           </a:p>
@@ -2403,7 +2396,7 @@
             <a:fld id="{B61BEF0D-F0BB-DE4B-95CE-6DB70DBA9567}" type="datetimeFigureOut">
               <a:rPr lang="en-US" smtClean="0"/>
               <a:pPr/>
-              <a:t>11/10/2022</a:t>
+              <a:t>11/11/2024</a:t>
             </a:fld>
             <a:endParaRPr lang="en-US" dirty="0"/>
           </a:p>
@@ -2509,7 +2502,7 @@
             <a:fld id="{B61BEF0D-F0BB-DE4B-95CE-6DB70DBA9567}" type="datetimeFigureOut">
               <a:rPr lang="en-US" smtClean="0"/>
               <a:pPr/>
-              <a:t>11/10/2022</a:t>
+              <a:t>11/11/2024</a:t>
             </a:fld>
             <a:endParaRPr lang="en-US" dirty="0"/>
           </a:p>
@@ -2797,7 +2790,7 @@
             <a:fld id="{B61BEF0D-F0BB-DE4B-95CE-6DB70DBA9567}" type="datetimeFigureOut">
               <a:rPr lang="en-US" smtClean="0"/>
               <a:pPr/>
-              <a:t>11/10/2022</a:t>
+              <a:t>11/11/2024</a:t>
             </a:fld>
             <a:endParaRPr lang="en-US" dirty="0"/>
           </a:p>
@@ -3065,7 +3058,7 @@
             <a:fld id="{B61BEF0D-F0BB-DE4B-95CE-6DB70DBA9567}" type="datetimeFigureOut">
               <a:rPr lang="en-US" smtClean="0"/>
               <a:pPr/>
-              <a:t>11/10/2022</a:t>
+              <a:t>11/11/2024</a:t>
             </a:fld>
             <a:endParaRPr lang="en-US" dirty="0"/>
           </a:p>
@@ -3289,7 +3282,7 @@
             <a:fld id="{B61BEF0D-F0BB-DE4B-95CE-6DB70DBA9567}" type="datetimeFigureOut">
               <a:rPr lang="en-US" smtClean="0"/>
               <a:pPr/>
-              <a:t>11/10/2022</a:t>
+              <a:t>11/11/2024</a:t>
             </a:fld>
             <a:endParaRPr lang="en-US" dirty="0"/>
           </a:p>
@@ -4078,7 +4071,7 @@
           <a:p>
             <a:r>
               <a:rPr lang="tr-TR" sz="2000" dirty="0"/>
-              <a:t>Dengesiz Veri</a:t>
+              <a:t>Dengesiz Veri Yeniden Örnekleme</a:t>
             </a:r>
           </a:p>
         </p:txBody>
@@ -4413,19 +4406,8 @@
                 <a:latin typeface="Calibri" panose="020F0502020204030204" pitchFamily="34" charset="0"/>
                 <a:cs typeface="Calibri" panose="020F0502020204030204" pitchFamily="34" charset="0"/>
               </a:rPr>
-              <a:t>) olması </a:t>
-            </a:r>
-            <a:r>
-              <a:rPr lang="tr-TR" sz="2000">
-                <a:latin typeface="Calibri" panose="020F0502020204030204" pitchFamily="34" charset="0"/>
-                <a:cs typeface="Calibri" panose="020F0502020204030204" pitchFamily="34" charset="0"/>
-              </a:rPr>
-              <a:t>açısından önemlidir.</a:t>
-            </a:r>
-            <a:endParaRPr lang="tr-TR" sz="2000" dirty="0">
-              <a:latin typeface="Calibri" panose="020F0502020204030204" pitchFamily="34" charset="0"/>
-              <a:cs typeface="Calibri" panose="020F0502020204030204" pitchFamily="34" charset="0"/>
-            </a:endParaRPr>
+              <a:t>) olması açısından önemlidir.</a:t>
+            </a:r>
           </a:p>
           <a:p>
             <a:pPr marL="342900" indent="-342900" algn="just" fontAlgn="t">
@@ -4744,7 +4726,7 @@
         </p:nvSpPr>
         <p:spPr>
           <a:xfrm>
-            <a:off x="414961" y="1226127"/>
+            <a:off x="407927" y="749877"/>
             <a:ext cx="8486584" cy="3643746"/>
           </a:xfrm>
           <a:prstGeom prst="rect">
@@ -4808,7 +4790,10 @@
             </a:endParaRPr>
           </a:p>
           <a:p>
-            <a:pPr algn="just"/>
+            <a:pPr marL="342900" indent="-342900" algn="just">
+              <a:buFont typeface="Arial" panose="020B0604020202020204" pitchFamily="34" charset="0"/>
+              <a:buChar char="•"/>
+            </a:pPr>
             <a:r>
               <a:rPr lang="tr-TR" sz="2200" b="1" dirty="0">
                 <a:solidFill>
@@ -4821,7 +4806,10 @@
             </a:r>
           </a:p>
           <a:p>
-            <a:pPr algn="just"/>
+            <a:pPr marL="342900" indent="-342900" algn="just">
+              <a:buFont typeface="Arial" panose="020B0604020202020204" pitchFamily="34" charset="0"/>
+              <a:buChar char="•"/>
+            </a:pPr>
             <a:r>
               <a:rPr lang="tr-TR" sz="2200" b="1" dirty="0">
                 <a:solidFill>
@@ -5131,7 +5119,7 @@
                 <a:latin typeface="Calibri" panose="020F0502020204030204" pitchFamily="34" charset="0"/>
                 <a:cs typeface="Calibri" panose="020F0502020204030204" pitchFamily="34" charset="0"/>
               </a:rPr>
-              <a:t>çok düşük başarı</a:t>
+              <a:t>çok düşük başarı.</a:t>
             </a:r>
           </a:p>
           <a:p>
@@ -5308,12 +5296,130 @@
               </a:rPr>
               <a:t>: </a:t>
             </a:r>
+          </a:p>
+          <a:p>
+            <a:pPr marL="285750" indent="-285750" algn="just">
+              <a:lnSpc>
+                <a:spcPct val="120000"/>
+              </a:lnSpc>
+              <a:spcAft>
+                <a:spcPts val="600"/>
+              </a:spcAft>
+              <a:buFont typeface="Arial" panose="020B0604020202020204" pitchFamily="34" charset="0"/>
+              <a:buChar char="•"/>
+            </a:pPr>
             <a:r>
               <a:rPr lang="tr-TR" sz="1600" dirty="0">
                 <a:latin typeface="Calibri" panose="020F0502020204030204" pitchFamily="34" charset="0"/>
                 <a:cs typeface="Calibri" panose="020F0502020204030204" pitchFamily="34" charset="0"/>
               </a:rPr>
-              <a:t>Hata/yanlılık/sapma. Modelleme sonucunda tahmin edilen veriler ile gerçek veriler arasındaki uzaklığı yansıtan değerdir. Modelleme sonucunda tahmin edilen veriler ile gerçek veriler arasındaki uzaklığı yansıtan değerdir.</a:t>
+              <a:t>Hata/yanlılık/sapma. Modelleme sonucunda tahmin edilen veriler ile gerçek veriler arasındaki uzaklığı yansıtan değerdir. </a:t>
+            </a:r>
+          </a:p>
+          <a:p>
+            <a:pPr marL="285750" indent="-285750" algn="just">
+              <a:lnSpc>
+                <a:spcPct val="120000"/>
+              </a:lnSpc>
+              <a:spcAft>
+                <a:spcPts val="600"/>
+              </a:spcAft>
+              <a:buFont typeface="Arial" panose="020B0604020202020204" pitchFamily="34" charset="0"/>
+              <a:buChar char="•"/>
+            </a:pPr>
+            <a:r>
+              <a:rPr lang="tr-TR" sz="1600" dirty="0" err="1">
+                <a:latin typeface="Calibri" panose="020F0502020204030204" pitchFamily="34" charset="0"/>
+                <a:cs typeface="Calibri" panose="020F0502020204030204" pitchFamily="34" charset="0"/>
+              </a:rPr>
+              <a:t>Bias</a:t>
+            </a:r>
+            <a:r>
+              <a:rPr lang="tr-TR" sz="1600" dirty="0">
+                <a:latin typeface="Calibri" panose="020F0502020204030204" pitchFamily="34" charset="0"/>
+                <a:cs typeface="Calibri" panose="020F0502020204030204" pitchFamily="34" charset="0"/>
+              </a:rPr>
+              <a:t>, modelin gerçek veriyi temsil etme konusundaki hata miktarını ifade eder. </a:t>
+            </a:r>
+          </a:p>
+          <a:p>
+            <a:pPr marL="285750" indent="-285750" algn="just">
+              <a:lnSpc>
+                <a:spcPct val="120000"/>
+              </a:lnSpc>
+              <a:spcAft>
+                <a:spcPts val="600"/>
+              </a:spcAft>
+              <a:buFont typeface="Arial" panose="020B0604020202020204" pitchFamily="34" charset="0"/>
+              <a:buChar char="•"/>
+            </a:pPr>
+            <a:r>
+              <a:rPr lang="tr-TR" sz="1600" dirty="0">
+                <a:latin typeface="Calibri" panose="020F0502020204030204" pitchFamily="34" charset="0"/>
+                <a:cs typeface="Calibri" panose="020F0502020204030204" pitchFamily="34" charset="0"/>
+              </a:rPr>
+              <a:t>Yüksek </a:t>
+            </a:r>
+            <a:r>
+              <a:rPr lang="tr-TR" sz="1600" dirty="0" err="1">
+                <a:latin typeface="Calibri" panose="020F0502020204030204" pitchFamily="34" charset="0"/>
+                <a:cs typeface="Calibri" panose="020F0502020204030204" pitchFamily="34" charset="0"/>
+              </a:rPr>
+              <a:t>bias</a:t>
+            </a:r>
+            <a:r>
+              <a:rPr lang="tr-TR" sz="1600" dirty="0">
+                <a:latin typeface="Calibri" panose="020F0502020204030204" pitchFamily="34" charset="0"/>
+                <a:cs typeface="Calibri" panose="020F0502020204030204" pitchFamily="34" charset="0"/>
+              </a:rPr>
+              <a:t>, modelin öğrenmesi gereken karmaşıklığı yeterince öğrenemediği anlamına gelir. Bu da modelin, hem eğitim verisi üzerinde hem de yeni verilerle düşük performans göstermesine neden olabilir.</a:t>
+            </a:r>
+          </a:p>
+          <a:p>
+            <a:pPr marL="285750" indent="-285750" algn="just">
+              <a:lnSpc>
+                <a:spcPct val="120000"/>
+              </a:lnSpc>
+              <a:spcAft>
+                <a:spcPts val="600"/>
+              </a:spcAft>
+              <a:buFont typeface="Arial" panose="020B0604020202020204" pitchFamily="34" charset="0"/>
+              <a:buChar char="•"/>
+            </a:pPr>
+            <a:r>
+              <a:rPr lang="tr-TR" sz="1600" dirty="0">
+                <a:latin typeface="Calibri" panose="020F0502020204030204" pitchFamily="34" charset="0"/>
+                <a:cs typeface="Calibri" panose="020F0502020204030204" pitchFamily="34" charset="0"/>
+              </a:rPr>
+              <a:t>Düşük </a:t>
+            </a:r>
+            <a:r>
+              <a:rPr lang="tr-TR" sz="1600" dirty="0" err="1">
+                <a:latin typeface="Calibri" panose="020F0502020204030204" pitchFamily="34" charset="0"/>
+                <a:cs typeface="Calibri" panose="020F0502020204030204" pitchFamily="34" charset="0"/>
+              </a:rPr>
+              <a:t>bias</a:t>
+            </a:r>
+            <a:r>
+              <a:rPr lang="tr-TR" sz="1600" dirty="0">
+                <a:latin typeface="Calibri" panose="020F0502020204030204" pitchFamily="34" charset="0"/>
+                <a:cs typeface="Calibri" panose="020F0502020204030204" pitchFamily="34" charset="0"/>
+              </a:rPr>
+              <a:t> durumunda ise Model, eğitim verisindeki hemen hemen tüm noktaları doğru tahmin edebilecek kadar karmaşık hale gelir. Bu durumda, eğitim verisi üzerindeki hatası çok düşük olur. Yani, eğitim verisi üzerinden bakıldığında model neredeyse hatasız bir tahmin gerçekleştirdiği için </a:t>
+            </a:r>
+            <a:r>
+              <a:rPr lang="tr-TR" sz="1600" dirty="0" err="1">
+                <a:latin typeface="Calibri" panose="020F0502020204030204" pitchFamily="34" charset="0"/>
+                <a:cs typeface="Calibri" panose="020F0502020204030204" pitchFamily="34" charset="0"/>
+              </a:rPr>
+              <a:t>bias</a:t>
+            </a:r>
+            <a:r>
+              <a:rPr lang="tr-TR" sz="1600" dirty="0">
+                <a:latin typeface="Calibri" panose="020F0502020204030204" pitchFamily="34" charset="0"/>
+                <a:cs typeface="Calibri" panose="020F0502020204030204" pitchFamily="34" charset="0"/>
+              </a:rPr>
+              <a:t> düşük olur.</a:t>
             </a:r>
           </a:p>
           <a:p>
@@ -5326,126 +5432,6 @@
               <a:latin typeface="Calibri" panose="020F0502020204030204" pitchFamily="34" charset="0"/>
               <a:cs typeface="Calibri" panose="020F0502020204030204" pitchFamily="34" charset="0"/>
             </a:endParaRPr>
-          </a:p>
-          <a:p>
-            <a:pPr algn="just">
-              <a:lnSpc>
-                <a:spcPct val="120000"/>
-              </a:lnSpc>
-            </a:pPr>
-            <a:r>
-              <a:rPr lang="tr-TR" sz="1600" b="1" u="sng" dirty="0" err="1">
-                <a:solidFill>
-                  <a:srgbClr val="FFFF00"/>
-                </a:solidFill>
-                <a:latin typeface="Calibri" panose="020F0502020204030204" pitchFamily="34" charset="0"/>
-                <a:cs typeface="Calibri" panose="020F0502020204030204" pitchFamily="34" charset="0"/>
-              </a:rPr>
-              <a:t>Variance</a:t>
-            </a:r>
-            <a:r>
-              <a:rPr lang="tr-TR" sz="1600" b="1" u="sng" dirty="0">
-                <a:solidFill>
-                  <a:srgbClr val="FFFF00"/>
-                </a:solidFill>
-                <a:latin typeface="Calibri" panose="020F0502020204030204" pitchFamily="34" charset="0"/>
-                <a:cs typeface="Calibri" panose="020F0502020204030204" pitchFamily="34" charset="0"/>
-              </a:rPr>
-              <a:t> (Varyans): </a:t>
-            </a:r>
-            <a:r>
-              <a:rPr lang="tr-TR" sz="1600" dirty="0">
-                <a:latin typeface="Calibri" panose="020F0502020204030204" pitchFamily="34" charset="0"/>
-                <a:cs typeface="Calibri" panose="020F0502020204030204" pitchFamily="34" charset="0"/>
-              </a:rPr>
-              <a:t>Varyans, belirli bir veri noktası için model tahmininin değişkenliği veya verilerin nasıl yayıldığını bize gösteren değerdir. Bu da modelin test setindeki performansının, eğitim setindekine göre ne kadar değiştiğini, kötüleştiğini gösteriyor.</a:t>
-            </a:r>
-          </a:p>
-          <a:p>
-            <a:pPr algn="just">
-              <a:lnSpc>
-                <a:spcPct val="120000"/>
-              </a:lnSpc>
-            </a:pPr>
-            <a:endParaRPr lang="tr-TR" sz="1600" dirty="0">
-              <a:latin typeface="Calibri" panose="020F0502020204030204" pitchFamily="34" charset="0"/>
-              <a:cs typeface="Calibri" panose="020F0502020204030204" pitchFamily="34" charset="0"/>
-            </a:endParaRPr>
-          </a:p>
-          <a:p>
-            <a:pPr algn="just">
-              <a:lnSpc>
-                <a:spcPct val="120000"/>
-              </a:lnSpc>
-            </a:pPr>
-            <a:r>
-              <a:rPr lang="tr-TR" sz="1600" dirty="0" err="1">
-                <a:latin typeface="Calibri" panose="020F0502020204030204" pitchFamily="34" charset="0"/>
-                <a:cs typeface="Calibri" panose="020F0502020204030204" pitchFamily="34" charset="0"/>
-              </a:rPr>
-              <a:t>Overfitting</a:t>
-            </a:r>
-            <a:r>
-              <a:rPr lang="tr-TR" sz="1600" dirty="0">
-                <a:latin typeface="Calibri" panose="020F0502020204030204" pitchFamily="34" charset="0"/>
-                <a:cs typeface="Calibri" panose="020F0502020204030204" pitchFamily="34" charset="0"/>
-              </a:rPr>
-              <a:t> problemi olan modellerde </a:t>
-            </a:r>
-            <a:r>
-              <a:rPr lang="tr-TR" sz="1600" dirty="0">
-                <a:solidFill>
-                  <a:srgbClr val="FF0000"/>
-                </a:solidFill>
-                <a:latin typeface="Calibri" panose="020F0502020204030204" pitchFamily="34" charset="0"/>
-                <a:cs typeface="Calibri" panose="020F0502020204030204" pitchFamily="34" charset="0"/>
-              </a:rPr>
-              <a:t>yüksek varyans ve</a:t>
-            </a:r>
-            <a:r>
-              <a:rPr lang="tr-TR" sz="1600" dirty="0">
-                <a:latin typeface="Calibri" panose="020F0502020204030204" pitchFamily="34" charset="0"/>
-                <a:cs typeface="Calibri" panose="020F0502020204030204" pitchFamily="34" charset="0"/>
-              </a:rPr>
-              <a:t> </a:t>
-            </a:r>
-            <a:r>
-              <a:rPr lang="tr-TR" sz="1600" dirty="0">
-                <a:solidFill>
-                  <a:srgbClr val="FF0000"/>
-                </a:solidFill>
-                <a:latin typeface="Calibri" panose="020F0502020204030204" pitchFamily="34" charset="0"/>
-                <a:cs typeface="Calibri" panose="020F0502020204030204" pitchFamily="34" charset="0"/>
-              </a:rPr>
-              <a:t>düşük </a:t>
-            </a:r>
-            <a:r>
-              <a:rPr lang="tr-TR" sz="1600" dirty="0" err="1">
-                <a:solidFill>
-                  <a:srgbClr val="FF0000"/>
-                </a:solidFill>
-                <a:latin typeface="Calibri" panose="020F0502020204030204" pitchFamily="34" charset="0"/>
-                <a:cs typeface="Calibri" panose="020F0502020204030204" pitchFamily="34" charset="0"/>
-              </a:rPr>
-              <a:t>bias</a:t>
-            </a:r>
-            <a:r>
-              <a:rPr lang="tr-TR" sz="1600" dirty="0">
-                <a:solidFill>
-                  <a:srgbClr val="FF0000"/>
-                </a:solidFill>
-                <a:latin typeface="Calibri" panose="020F0502020204030204" pitchFamily="34" charset="0"/>
-                <a:cs typeface="Calibri" panose="020F0502020204030204" pitchFamily="34" charset="0"/>
-              </a:rPr>
-              <a:t> </a:t>
-            </a:r>
-            <a:r>
-              <a:rPr lang="tr-TR" sz="1600" dirty="0">
-                <a:latin typeface="Calibri" panose="020F0502020204030204" pitchFamily="34" charset="0"/>
-                <a:cs typeface="Calibri" panose="020F0502020204030204" pitchFamily="34" charset="0"/>
-              </a:rPr>
-              <a:t>görülmektedir.</a:t>
-            </a:r>
           </a:p>
           <a:p>
             <a:endParaRPr lang="tr-TR" sz="1600" dirty="0">
@@ -5471,17 +5457,15 @@
 <file path=ppt/slides/slide16.xml><?xml version="1.0" encoding="utf-8"?>
 <p:sld xmlns:a="http://schemas.openxmlformats.org/drawingml/2006/main" xmlns:r="http://schemas.openxmlformats.org/officeDocument/2006/relationships" xmlns:p="http://schemas.openxmlformats.org/presentationml/2006/main">
   <p:cSld>
-    <p:bg>
-      <p:bgPr>
-        <a:solidFill>
-          <a:schemeClr val="bg1"/>
-        </a:solidFill>
-        <a:effectLst/>
-      </p:bgPr>
-    </p:bg>
     <p:spTree>
       <p:nvGrpSpPr>
-        <p:cNvPr id="1" name=""/>
+        <p:cNvPr id="1" name="">
+          <a:extLst>
+            <a:ext uri="{FF2B5EF4-FFF2-40B4-BE49-F238E27FC236}">
+              <a16:creationId xmlns:a16="http://schemas.microsoft.com/office/drawing/2014/main" id="{1063CC46-A029-CB89-6346-760AA016CFDD}"/>
+            </a:ext>
+          </a:extLst>
+        </p:cNvPr>
         <p:cNvGrpSpPr/>
         <p:nvPr/>
       </p:nvGrpSpPr>
@@ -5495,211 +5479,53 @@
       </p:grpSpPr>
       <p:sp>
         <p:nvSpPr>
-          <p:cNvPr id="15" name="Rectangle 11">
+          <p:cNvPr id="3" name="Unvan 2">
             <a:extLst>
               <a:ext uri="{FF2B5EF4-FFF2-40B4-BE49-F238E27FC236}">
-                <a16:creationId xmlns:a16="http://schemas.microsoft.com/office/drawing/2014/main" id="{6753252F-4873-4F63-801D-CC719279A7D5}"/>
-              </a:ext>
-              <a:ext uri="{C183D7F6-B498-43B3-948B-1728B52AA6E4}">
-                <adec:decorative xmlns:adec="http://schemas.microsoft.com/office/drawing/2017/decorative" val="1"/>
+                <a16:creationId xmlns:a16="http://schemas.microsoft.com/office/drawing/2014/main" id="{687DF019-61DA-FF44-BFBD-73C4ED20CBA7}"/>
               </a:ext>
             </a:extLst>
           </p:cNvPr>
           <p:cNvSpPr>
-            <a:spLocks noGrp="1" noRot="1" noChangeAspect="1" noMove="1" noResize="1" noEditPoints="1" noAdjustHandles="1" noChangeArrowheads="1" noChangeShapeType="1" noTextEdit="1"/>
+            <a:spLocks noGrp="1"/>
           </p:cNvSpPr>
           <p:nvPr>
-            <p:extLst>
-              <p:ext uri="{386F3935-93C4-4BCD-93E2-E3B085C9AB24}">
-                <p16:designElem xmlns:p16="http://schemas.microsoft.com/office/powerpoint/2015/main" val="1"/>
-              </p:ext>
-            </p:extLst>
+            <p:ph type="title"/>
           </p:nvPr>
         </p:nvSpPr>
         <p:spPr>
           <a:xfrm>
-            <a:off x="0" y="0"/>
-            <a:ext cx="9144000" cy="5143500"/>
+            <a:off x="927579" y="0"/>
+            <a:ext cx="7228130" cy="875049"/>
           </a:xfrm>
-          <a:prstGeom prst="rect">
-            <a:avLst/>
-          </a:prstGeom>
-          <a:solidFill>
-            <a:srgbClr val="FFFFFF"/>
-          </a:solidFill>
-          <a:ln>
-            <a:noFill/>
-          </a:ln>
         </p:spPr>
-        <p:style>
-          <a:lnRef idx="2">
-            <a:schemeClr val="accent1">
-              <a:shade val="50000"/>
-            </a:schemeClr>
-          </a:lnRef>
-          <a:fillRef idx="1">
-            <a:schemeClr val="accent1"/>
-          </a:fillRef>
-          <a:effectRef idx="0">
-            <a:schemeClr val="accent1"/>
-          </a:effectRef>
-          <a:fontRef idx="minor">
-            <a:schemeClr val="lt1"/>
-          </a:fontRef>
-        </p:style>
-        <p:txBody>
-          <a:bodyPr rtlCol="0" anchor="ctr"/>
+        <p:txBody>
+          <a:bodyPr>
+            <a:normAutofit/>
+          </a:bodyPr>
           <a:lstStyle/>
           <a:p>
-            <a:pPr algn="ctr"/>
-            <a:endParaRPr lang="en-US"/>
-          </a:p>
-        </p:txBody>
-      </p:sp>
-      <p:sp>
-        <p:nvSpPr>
-          <p:cNvPr id="14" name="Rectangle 13">
+            <a:r>
+              <a:rPr lang="tr-TR" sz="2000" dirty="0">
+                <a:solidFill>
+                  <a:srgbClr val="FFFF00"/>
+                </a:solidFill>
+              </a:rPr>
+              <a:t>Aşırı Öğrenme-Eksik Öğrenme</a:t>
+            </a:r>
+            <a:endParaRPr lang="tr-TR" sz="2000" dirty="0"/>
+          </a:p>
+        </p:txBody>
+      </p:sp>
+      <p:sp>
+        <p:nvSpPr>
+          <p:cNvPr id="7" name="Unvan 2">
             <a:extLst>
               <a:ext uri="{FF2B5EF4-FFF2-40B4-BE49-F238E27FC236}">
-                <a16:creationId xmlns:a16="http://schemas.microsoft.com/office/drawing/2014/main" id="{047C8CCB-F95D-4249-92DD-651249D3535A}"/>
-              </a:ext>
-              <a:ext uri="{C183D7F6-B498-43B3-948B-1728B52AA6E4}">
-                <adec:decorative xmlns:adec="http://schemas.microsoft.com/office/drawing/2017/decorative" val="1"/>
+                <a16:creationId xmlns:a16="http://schemas.microsoft.com/office/drawing/2014/main" id="{C09871C6-46AA-347D-3488-4BD5D296672E}"/>
               </a:ext>
             </a:extLst>
           </p:cNvPr>
-          <p:cNvSpPr>
-            <a:spLocks noGrp="1" noRot="1" noChangeAspect="1" noMove="1" noResize="1" noEditPoints="1" noAdjustHandles="1" noChangeArrowheads="1" noChangeShapeType="1" noTextEdit="1"/>
-          </p:cNvSpPr>
-          <p:nvPr>
-            <p:extLst>
-              <p:ext uri="{386F3935-93C4-4BCD-93E2-E3B085C9AB24}">
-                <p16:designElem xmlns:p16="http://schemas.microsoft.com/office/powerpoint/2015/main" val="1"/>
-              </p:ext>
-            </p:extLst>
-          </p:nvPr>
-        </p:nvSpPr>
-        <p:spPr>
-          <a:xfrm>
-            <a:off x="0" y="0"/>
-            <a:ext cx="1510167" cy="5143500"/>
-          </a:xfrm>
-          <a:prstGeom prst="rect">
-            <a:avLst/>
-          </a:prstGeom>
-          <a:solidFill>
-            <a:srgbClr val="7F7F7F"/>
-          </a:solidFill>
-          <a:ln>
-            <a:noFill/>
-          </a:ln>
-        </p:spPr>
-        <p:style>
-          <a:lnRef idx="2">
-            <a:schemeClr val="accent1">
-              <a:shade val="50000"/>
-            </a:schemeClr>
-          </a:lnRef>
-          <a:fillRef idx="1">
-            <a:schemeClr val="accent1"/>
-          </a:fillRef>
-          <a:effectRef idx="0">
-            <a:schemeClr val="accent1"/>
-          </a:effectRef>
-          <a:fontRef idx="minor">
-            <a:schemeClr val="lt1"/>
-          </a:fontRef>
-        </p:style>
-        <p:txBody>
-          <a:bodyPr rtlCol="0" anchor="ctr"/>
-          <a:lstStyle/>
-          <a:p>
-            <a:pPr algn="ctr"/>
-            <a:endParaRPr lang="en-US"/>
-          </a:p>
-        </p:txBody>
-      </p:sp>
-      <p:sp>
-        <p:nvSpPr>
-          <p:cNvPr id="3" name="Unvan 2"/>
-          <p:cNvSpPr>
-            <a:spLocks noGrp="1"/>
-          </p:cNvSpPr>
-          <p:nvPr>
-            <p:ph type="title"/>
-          </p:nvPr>
-        </p:nvSpPr>
-        <p:spPr>
-          <a:xfrm>
-            <a:off x="480060" y="1555772"/>
-            <a:ext cx="2064265" cy="2031956"/>
-          </a:xfrm>
-          <a:prstGeom prst="ellipse">
-            <a:avLst/>
-          </a:prstGeom>
-          <a:solidFill>
-            <a:srgbClr val="262626"/>
-          </a:solidFill>
-          <a:ln w="174625" cmpd="thinThick">
-            <a:solidFill>
-              <a:srgbClr val="262626"/>
-            </a:solidFill>
-          </a:ln>
-        </p:spPr>
-        <p:txBody>
-          <a:bodyPr vert="horz" lIns="91440" tIns="45720" rIns="91440" bIns="45720" rtlCol="0" anchor="ctr">
-            <a:normAutofit/>
-          </a:bodyPr>
-          <a:lstStyle/>
-          <a:p>
-            <a:pPr algn="ctr" defTabSz="914400"/>
-            <a:r>
-              <a:rPr lang="en-US" sz="2000" kern="1200">
-                <a:solidFill>
-                  <a:srgbClr val="FFFFFF"/>
-                </a:solidFill>
-                <a:latin typeface="+mj-lt"/>
-                <a:ea typeface="+mj-ea"/>
-                <a:cs typeface="+mj-cs"/>
-              </a:rPr>
-              <a:t>Model</a:t>
-            </a:r>
-          </a:p>
-        </p:txBody>
-      </p:sp>
-      <p:pic>
-        <p:nvPicPr>
-          <p:cNvPr id="4" name="Picture 3" descr="Diagram&#10;&#10;Description automatically generated">
-            <a:extLst>
-              <a:ext uri="{FF2B5EF4-FFF2-40B4-BE49-F238E27FC236}">
-                <a16:creationId xmlns:a16="http://schemas.microsoft.com/office/drawing/2014/main" id="{9D3DA50F-553F-A41A-1771-C9D92EBD83BD}"/>
-              </a:ext>
-            </a:extLst>
-          </p:cNvPr>
-          <p:cNvPicPr>
-            <a:picLocks noChangeAspect="1"/>
-          </p:cNvPicPr>
-          <p:nvPr/>
-        </p:nvPicPr>
-        <p:blipFill>
-          <a:blip r:embed="rId2"/>
-          <a:stretch>
-            <a:fillRect/>
-          </a:stretch>
-        </p:blipFill>
-        <p:spPr>
-          <a:xfrm>
-            <a:off x="3338563" y="721359"/>
-            <a:ext cx="4771923" cy="3698240"/>
-          </a:xfrm>
-          <a:prstGeom prst="rect">
-            <a:avLst/>
-          </a:prstGeom>
-        </p:spPr>
-      </p:pic>
-      <p:sp>
-        <p:nvSpPr>
-          <p:cNvPr id="7" name="Unvan 2"/>
           <p:cNvSpPr txBox="1">
             <a:spLocks/>
           </p:cNvSpPr>
@@ -5738,17 +5564,216 @@
             </a:lvl1pPr>
           </a:lstStyle>
           <a:p>
+            <a:pPr algn="just">
+              <a:lnSpc>
+                <a:spcPct val="120000"/>
+              </a:lnSpc>
+            </a:pPr>
+            <a:r>
+              <a:rPr lang="tr-TR" sz="1600" b="1" u="sng" dirty="0" err="1">
+                <a:solidFill>
+                  <a:srgbClr val="FFFF00"/>
+                </a:solidFill>
+                <a:latin typeface="Calibri" panose="020F0502020204030204" pitchFamily="34" charset="0"/>
+                <a:cs typeface="Calibri" panose="020F0502020204030204" pitchFamily="34" charset="0"/>
+              </a:rPr>
+              <a:t>Variance</a:t>
+            </a:r>
+            <a:r>
+              <a:rPr lang="tr-TR" sz="1600" b="1" u="sng" dirty="0">
+                <a:solidFill>
+                  <a:srgbClr val="FFFF00"/>
+                </a:solidFill>
+                <a:latin typeface="Calibri" panose="020F0502020204030204" pitchFamily="34" charset="0"/>
+                <a:cs typeface="Calibri" panose="020F0502020204030204" pitchFamily="34" charset="0"/>
+              </a:rPr>
+              <a:t> (Varyans): </a:t>
+            </a:r>
+          </a:p>
+          <a:p>
+            <a:pPr marL="285750" indent="-285750" algn="just">
+              <a:lnSpc>
+                <a:spcPct val="120000"/>
+              </a:lnSpc>
+              <a:spcAft>
+                <a:spcPts val="600"/>
+              </a:spcAft>
+              <a:buFont typeface="Arial" panose="020B0604020202020204" pitchFamily="34" charset="0"/>
+              <a:buChar char="•"/>
+            </a:pPr>
+            <a:r>
+              <a:rPr lang="tr-TR" sz="1600" dirty="0">
+                <a:latin typeface="Calibri" panose="020F0502020204030204" pitchFamily="34" charset="0"/>
+                <a:cs typeface="Calibri" panose="020F0502020204030204" pitchFamily="34" charset="0"/>
+              </a:rPr>
+              <a:t>Varyans, belirli bir veri noktası için model tahmininin değişkenliği veya verilerin nasıl yayıldığını bize gösteren değerdir. </a:t>
+            </a:r>
+          </a:p>
+          <a:p>
+            <a:pPr marL="285750" indent="-285750" algn="just">
+              <a:lnSpc>
+                <a:spcPct val="120000"/>
+              </a:lnSpc>
+              <a:spcAft>
+                <a:spcPts val="600"/>
+              </a:spcAft>
+              <a:buFont typeface="Arial" panose="020B0604020202020204" pitchFamily="34" charset="0"/>
+              <a:buChar char="•"/>
+            </a:pPr>
+            <a:r>
+              <a:rPr lang="tr-TR" sz="1600" dirty="0">
+                <a:latin typeface="Calibri" panose="020F0502020204030204" pitchFamily="34" charset="0"/>
+                <a:cs typeface="Calibri" panose="020F0502020204030204" pitchFamily="34" charset="0"/>
+              </a:rPr>
+              <a:t>Varyans, modelin eğitildiği veri setine ne kadar "uyum sağladığını" veya "ezberlediğini" belirtir. </a:t>
+            </a:r>
+          </a:p>
+          <a:p>
+            <a:pPr marL="285750" indent="-285750" algn="just">
+              <a:lnSpc>
+                <a:spcPct val="120000"/>
+              </a:lnSpc>
+              <a:spcAft>
+                <a:spcPts val="600"/>
+              </a:spcAft>
+              <a:buFont typeface="Arial" panose="020B0604020202020204" pitchFamily="34" charset="0"/>
+              <a:buChar char="•"/>
+            </a:pPr>
+            <a:r>
+              <a:rPr lang="tr-TR" sz="1600" b="1" dirty="0">
+                <a:solidFill>
+                  <a:srgbClr val="92D050"/>
+                </a:solidFill>
+                <a:latin typeface="Calibri" panose="020F0502020204030204" pitchFamily="34" charset="0"/>
+                <a:cs typeface="Calibri" panose="020F0502020204030204" pitchFamily="34" charset="0"/>
+              </a:rPr>
+              <a:t>Yüksek varyans, modelin eğitim verisindeki küçük değişikliklere fazla duyarlı olduğu anlamına gelir</a:t>
+            </a:r>
+            <a:r>
+              <a:rPr lang="tr-TR" sz="1600" dirty="0">
+                <a:latin typeface="Calibri" panose="020F0502020204030204" pitchFamily="34" charset="0"/>
+                <a:cs typeface="Calibri" panose="020F0502020204030204" pitchFamily="34" charset="0"/>
+              </a:rPr>
+              <a:t>. </a:t>
+            </a:r>
+          </a:p>
+          <a:p>
+            <a:pPr marL="285750" indent="-285750" algn="just">
+              <a:lnSpc>
+                <a:spcPct val="120000"/>
+              </a:lnSpc>
+              <a:spcAft>
+                <a:spcPts val="600"/>
+              </a:spcAft>
+              <a:buFont typeface="Arial" panose="020B0604020202020204" pitchFamily="34" charset="0"/>
+              <a:buChar char="•"/>
+            </a:pPr>
+            <a:r>
+              <a:rPr lang="tr-TR" sz="1600" dirty="0">
+                <a:latin typeface="Calibri" panose="020F0502020204030204" pitchFamily="34" charset="0"/>
+                <a:cs typeface="Calibri" panose="020F0502020204030204" pitchFamily="34" charset="0"/>
+              </a:rPr>
+              <a:t>Bu durumda model, eğitim setindeki gürültüleri ve rastlantısal desenleri öğrenmiş olur, fakat yeni verilerle karşılaştığında genelleme yapmada zorlanır.</a:t>
+            </a:r>
+          </a:p>
+          <a:p>
+            <a:pPr algn="just">
+              <a:lnSpc>
+                <a:spcPct val="120000"/>
+              </a:lnSpc>
+            </a:pPr>
             <a:endParaRPr lang="tr-TR" sz="1600" dirty="0">
               <a:latin typeface="Calibri" panose="020F0502020204030204" pitchFamily="34" charset="0"/>
               <a:cs typeface="Calibri" panose="020F0502020204030204" pitchFamily="34" charset="0"/>
             </a:endParaRPr>
           </a:p>
+          <a:p>
+            <a:pPr algn="just">
+              <a:lnSpc>
+                <a:spcPct val="120000"/>
+              </a:lnSpc>
+            </a:pPr>
+            <a:r>
+              <a:rPr lang="tr-TR" sz="1600" dirty="0" err="1">
+                <a:latin typeface="Calibri" panose="020F0502020204030204" pitchFamily="34" charset="0"/>
+                <a:cs typeface="Calibri" panose="020F0502020204030204" pitchFamily="34" charset="0"/>
+              </a:rPr>
+              <a:t>Overfitting</a:t>
+            </a:r>
+            <a:r>
+              <a:rPr lang="tr-TR" sz="1600" dirty="0">
+                <a:latin typeface="Calibri" panose="020F0502020204030204" pitchFamily="34" charset="0"/>
+                <a:cs typeface="Calibri" panose="020F0502020204030204" pitchFamily="34" charset="0"/>
+              </a:rPr>
+              <a:t> problemi olan modellerde eğitim verisi üzerinde </a:t>
+            </a:r>
+            <a:r>
+              <a:rPr lang="tr-TR" sz="1600" dirty="0">
+                <a:solidFill>
+                  <a:srgbClr val="FF0000"/>
+                </a:solidFill>
+                <a:latin typeface="Calibri" panose="020F0502020204030204" pitchFamily="34" charset="0"/>
+                <a:cs typeface="Calibri" panose="020F0502020204030204" pitchFamily="34" charset="0"/>
+              </a:rPr>
+              <a:t>yüksek varyans ve</a:t>
+            </a:r>
+            <a:r>
+              <a:rPr lang="tr-TR" sz="1600" dirty="0">
+                <a:latin typeface="Calibri" panose="020F0502020204030204" pitchFamily="34" charset="0"/>
+                <a:cs typeface="Calibri" panose="020F0502020204030204" pitchFamily="34" charset="0"/>
+              </a:rPr>
+              <a:t> </a:t>
+            </a:r>
+            <a:r>
+              <a:rPr lang="tr-TR" sz="1600" dirty="0">
+                <a:solidFill>
+                  <a:srgbClr val="FF0000"/>
+                </a:solidFill>
+                <a:latin typeface="Calibri" panose="020F0502020204030204" pitchFamily="34" charset="0"/>
+                <a:cs typeface="Calibri" panose="020F0502020204030204" pitchFamily="34" charset="0"/>
+              </a:rPr>
+              <a:t>düşük </a:t>
+            </a:r>
+            <a:r>
+              <a:rPr lang="tr-TR" sz="1600" dirty="0" err="1">
+                <a:solidFill>
+                  <a:srgbClr val="FF0000"/>
+                </a:solidFill>
+                <a:latin typeface="Calibri" panose="020F0502020204030204" pitchFamily="34" charset="0"/>
+                <a:cs typeface="Calibri" panose="020F0502020204030204" pitchFamily="34" charset="0"/>
+              </a:rPr>
+              <a:t>bias</a:t>
+            </a:r>
+            <a:r>
+              <a:rPr lang="tr-TR" sz="1600" dirty="0">
+                <a:solidFill>
+                  <a:srgbClr val="FF0000"/>
+                </a:solidFill>
+                <a:latin typeface="Calibri" panose="020F0502020204030204" pitchFamily="34" charset="0"/>
+                <a:cs typeface="Calibri" panose="020F0502020204030204" pitchFamily="34" charset="0"/>
+              </a:rPr>
+              <a:t> </a:t>
+            </a:r>
+            <a:r>
+              <a:rPr lang="tr-TR" sz="1600" dirty="0">
+                <a:latin typeface="Calibri" panose="020F0502020204030204" pitchFamily="34" charset="0"/>
+                <a:cs typeface="Calibri" panose="020F0502020204030204" pitchFamily="34" charset="0"/>
+              </a:rPr>
+              <a:t>görülmektedir.</a:t>
+            </a:r>
+          </a:p>
+          <a:p>
+            <a:endParaRPr lang="tr-TR" sz="1600" dirty="0">
+              <a:latin typeface="Calibri" panose="020F0502020204030204" pitchFamily="34" charset="0"/>
+              <a:cs typeface="Calibri" panose="020F0502020204030204" pitchFamily="34" charset="0"/>
+            </a:endParaRPr>
+          </a:p>
         </p:txBody>
       </p:sp>
     </p:spTree>
     <p:extLst>
       <p:ext uri="{BB962C8B-B14F-4D97-AF65-F5344CB8AC3E}">
-        <p14:creationId xmlns:p14="http://schemas.microsoft.com/office/powerpoint/2010/main" val="1000008728"/>
+        <p14:creationId xmlns:p14="http://schemas.microsoft.com/office/powerpoint/2010/main" val="3839118384"/>
       </p:ext>
     </p:extLst>
   </p:cSld>
@@ -5785,7 +5810,7 @@
       </p:grpSpPr>
       <p:sp>
         <p:nvSpPr>
-          <p:cNvPr id="12" name="Rectangle 11">
+          <p:cNvPr id="15" name="Rectangle 11">
             <a:extLst>
               <a:ext uri="{FF2B5EF4-FFF2-40B4-BE49-F238E27FC236}">
                 <a16:creationId xmlns:a16="http://schemas.microsoft.com/office/drawing/2014/main" id="{6753252F-4873-4F63-801D-CC719279A7D5}"/>
@@ -5878,6 +5903,296 @@
             <a:avLst/>
           </a:prstGeom>
           <a:solidFill>
+            <a:srgbClr val="7F7F7F"/>
+          </a:solidFill>
+          <a:ln>
+            <a:noFill/>
+          </a:ln>
+        </p:spPr>
+        <p:style>
+          <a:lnRef idx="2">
+            <a:schemeClr val="accent1">
+              <a:shade val="50000"/>
+            </a:schemeClr>
+          </a:lnRef>
+          <a:fillRef idx="1">
+            <a:schemeClr val="accent1"/>
+          </a:fillRef>
+          <a:effectRef idx="0">
+            <a:schemeClr val="accent1"/>
+          </a:effectRef>
+          <a:fontRef idx="minor">
+            <a:schemeClr val="lt1"/>
+          </a:fontRef>
+        </p:style>
+        <p:txBody>
+          <a:bodyPr rtlCol="0" anchor="ctr"/>
+          <a:lstStyle/>
+          <a:p>
+            <a:pPr algn="ctr"/>
+            <a:endParaRPr lang="en-US"/>
+          </a:p>
+        </p:txBody>
+      </p:sp>
+      <p:sp>
+        <p:nvSpPr>
+          <p:cNvPr id="3" name="Unvan 2"/>
+          <p:cNvSpPr>
+            <a:spLocks noGrp="1"/>
+          </p:cNvSpPr>
+          <p:nvPr>
+            <p:ph type="title"/>
+          </p:nvPr>
+        </p:nvSpPr>
+        <p:spPr>
+          <a:xfrm>
+            <a:off x="480060" y="1555772"/>
+            <a:ext cx="2064265" cy="2031956"/>
+          </a:xfrm>
+          <a:prstGeom prst="ellipse">
+            <a:avLst/>
+          </a:prstGeom>
+          <a:solidFill>
+            <a:srgbClr val="262626"/>
+          </a:solidFill>
+          <a:ln w="174625" cmpd="thinThick">
+            <a:solidFill>
+              <a:srgbClr val="262626"/>
+            </a:solidFill>
+          </a:ln>
+        </p:spPr>
+        <p:txBody>
+          <a:bodyPr vert="horz" lIns="91440" tIns="45720" rIns="91440" bIns="45720" rtlCol="0" anchor="ctr">
+            <a:normAutofit/>
+          </a:bodyPr>
+          <a:lstStyle/>
+          <a:p>
+            <a:pPr algn="ctr" defTabSz="914400"/>
+            <a:r>
+              <a:rPr lang="en-US" sz="2000" kern="1200">
+                <a:solidFill>
+                  <a:srgbClr val="FFFFFF"/>
+                </a:solidFill>
+                <a:latin typeface="+mj-lt"/>
+                <a:ea typeface="+mj-ea"/>
+                <a:cs typeface="+mj-cs"/>
+              </a:rPr>
+              <a:t>Model</a:t>
+            </a:r>
+          </a:p>
+        </p:txBody>
+      </p:sp>
+      <p:pic>
+        <p:nvPicPr>
+          <p:cNvPr id="4" name="Picture 3" descr="Diagram&#10;&#10;Description automatically generated">
+            <a:extLst>
+              <a:ext uri="{FF2B5EF4-FFF2-40B4-BE49-F238E27FC236}">
+                <a16:creationId xmlns:a16="http://schemas.microsoft.com/office/drawing/2014/main" id="{9D3DA50F-553F-A41A-1771-C9D92EBD83BD}"/>
+              </a:ext>
+            </a:extLst>
+          </p:cNvPr>
+          <p:cNvPicPr>
+            <a:picLocks noChangeAspect="1"/>
+          </p:cNvPicPr>
+          <p:nvPr/>
+        </p:nvPicPr>
+        <p:blipFill>
+          <a:blip r:embed="rId2"/>
+          <a:stretch>
+            <a:fillRect/>
+          </a:stretch>
+        </p:blipFill>
+        <p:spPr>
+          <a:xfrm>
+            <a:off x="3338563" y="721359"/>
+            <a:ext cx="4771923" cy="3698240"/>
+          </a:xfrm>
+          <a:prstGeom prst="rect">
+            <a:avLst/>
+          </a:prstGeom>
+        </p:spPr>
+      </p:pic>
+      <p:sp>
+        <p:nvSpPr>
+          <p:cNvPr id="7" name="Unvan 2"/>
+          <p:cNvSpPr txBox="1">
+            <a:spLocks/>
+          </p:cNvSpPr>
+          <p:nvPr/>
+        </p:nvSpPr>
+        <p:spPr>
+          <a:xfrm>
+            <a:off x="281354" y="745588"/>
+            <a:ext cx="8620191" cy="4248443"/>
+          </a:xfrm>
+          <a:prstGeom prst="rect">
+            <a:avLst/>
+          </a:prstGeom>
+        </p:spPr>
+        <p:txBody>
+          <a:bodyPr vert="horz" lIns="91440" tIns="45720" rIns="91440" bIns="45720" rtlCol="0" anchor="t">
+            <a:normAutofit/>
+          </a:bodyPr>
+          <a:lstStyle>
+            <a:lvl1pPr algn="l" defTabSz="685800" rtl="0" eaLnBrk="1" latinLnBrk="0" hangingPunct="1">
+              <a:lnSpc>
+                <a:spcPct val="90000"/>
+              </a:lnSpc>
+              <a:spcBef>
+                <a:spcPct val="0"/>
+              </a:spcBef>
+              <a:buNone/>
+              <a:defRPr sz="3300" kern="1200">
+                <a:solidFill>
+                  <a:schemeClr val="tx1"/>
+                </a:solidFill>
+                <a:latin typeface="+mj-lt"/>
+                <a:ea typeface="+mj-ea"/>
+                <a:cs typeface="+mj-cs"/>
+              </a:defRPr>
+            </a:lvl1pPr>
+          </a:lstStyle>
+          <a:p>
+            <a:endParaRPr lang="tr-TR" sz="1600" dirty="0">
+              <a:latin typeface="Calibri" panose="020F0502020204030204" pitchFamily="34" charset="0"/>
+              <a:cs typeface="Calibri" panose="020F0502020204030204" pitchFamily="34" charset="0"/>
+            </a:endParaRPr>
+          </a:p>
+        </p:txBody>
+      </p:sp>
+    </p:spTree>
+    <p:extLst>
+      <p:ext uri="{BB962C8B-B14F-4D97-AF65-F5344CB8AC3E}">
+        <p14:creationId xmlns:p14="http://schemas.microsoft.com/office/powerpoint/2010/main" val="1000008728"/>
+      </p:ext>
+    </p:extLst>
+  </p:cSld>
+  <p:clrMapOvr>
+    <a:masterClrMapping/>
+  </p:clrMapOvr>
+</p:sld>
+</file>
+
+<file path=ppt/slides/slide18.xml><?xml version="1.0" encoding="utf-8"?>
+<p:sld xmlns:a="http://schemas.openxmlformats.org/drawingml/2006/main" xmlns:r="http://schemas.openxmlformats.org/officeDocument/2006/relationships" xmlns:p="http://schemas.openxmlformats.org/presentationml/2006/main">
+  <p:cSld>
+    <p:bg>
+      <p:bgPr>
+        <a:solidFill>
+          <a:schemeClr val="bg1"/>
+        </a:solidFill>
+        <a:effectLst/>
+      </p:bgPr>
+    </p:bg>
+    <p:spTree>
+      <p:nvGrpSpPr>
+        <p:cNvPr id="1" name=""/>
+        <p:cNvGrpSpPr/>
+        <p:nvPr/>
+      </p:nvGrpSpPr>
+      <p:grpSpPr>
+        <a:xfrm>
+          <a:off x="0" y="0"/>
+          <a:ext cx="0" cy="0"/>
+          <a:chOff x="0" y="0"/>
+          <a:chExt cx="0" cy="0"/>
+        </a:xfrm>
+      </p:grpSpPr>
+      <p:sp>
+        <p:nvSpPr>
+          <p:cNvPr id="12" name="Rectangle 11">
+            <a:extLst>
+              <a:ext uri="{FF2B5EF4-FFF2-40B4-BE49-F238E27FC236}">
+                <a16:creationId xmlns:a16="http://schemas.microsoft.com/office/drawing/2014/main" id="{6753252F-4873-4F63-801D-CC719279A7D5}"/>
+              </a:ext>
+              <a:ext uri="{C183D7F6-B498-43B3-948B-1728B52AA6E4}">
+                <adec:decorative xmlns:adec="http://schemas.microsoft.com/office/drawing/2017/decorative" val="1"/>
+              </a:ext>
+            </a:extLst>
+          </p:cNvPr>
+          <p:cNvSpPr>
+            <a:spLocks noGrp="1" noRot="1" noChangeAspect="1" noMove="1" noResize="1" noEditPoints="1" noAdjustHandles="1" noChangeArrowheads="1" noChangeShapeType="1" noTextEdit="1"/>
+          </p:cNvSpPr>
+          <p:nvPr>
+            <p:extLst>
+              <p:ext uri="{386F3935-93C4-4BCD-93E2-E3B085C9AB24}">
+                <p16:designElem xmlns:p16="http://schemas.microsoft.com/office/powerpoint/2015/main" val="1"/>
+              </p:ext>
+            </p:extLst>
+          </p:nvPr>
+        </p:nvSpPr>
+        <p:spPr>
+          <a:xfrm>
+            <a:off x="0" y="0"/>
+            <a:ext cx="9144000" cy="5143500"/>
+          </a:xfrm>
+          <a:prstGeom prst="rect">
+            <a:avLst/>
+          </a:prstGeom>
+          <a:solidFill>
+            <a:srgbClr val="FFFFFF"/>
+          </a:solidFill>
+          <a:ln>
+            <a:noFill/>
+          </a:ln>
+        </p:spPr>
+        <p:style>
+          <a:lnRef idx="2">
+            <a:schemeClr val="accent1">
+              <a:shade val="50000"/>
+            </a:schemeClr>
+          </a:lnRef>
+          <a:fillRef idx="1">
+            <a:schemeClr val="accent1"/>
+          </a:fillRef>
+          <a:effectRef idx="0">
+            <a:schemeClr val="accent1"/>
+          </a:effectRef>
+          <a:fontRef idx="minor">
+            <a:schemeClr val="lt1"/>
+          </a:fontRef>
+        </p:style>
+        <p:txBody>
+          <a:bodyPr rtlCol="0" anchor="ctr"/>
+          <a:lstStyle/>
+          <a:p>
+            <a:pPr algn="ctr"/>
+            <a:endParaRPr lang="en-US"/>
+          </a:p>
+        </p:txBody>
+      </p:sp>
+      <p:sp>
+        <p:nvSpPr>
+          <p:cNvPr id="14" name="Rectangle 13">
+            <a:extLst>
+              <a:ext uri="{FF2B5EF4-FFF2-40B4-BE49-F238E27FC236}">
+                <a16:creationId xmlns:a16="http://schemas.microsoft.com/office/drawing/2014/main" id="{047C8CCB-F95D-4249-92DD-651249D3535A}"/>
+              </a:ext>
+              <a:ext uri="{C183D7F6-B498-43B3-948B-1728B52AA6E4}">
+                <adec:decorative xmlns:adec="http://schemas.microsoft.com/office/drawing/2017/decorative" val="1"/>
+              </a:ext>
+            </a:extLst>
+          </p:cNvPr>
+          <p:cNvSpPr>
+            <a:spLocks noGrp="1" noRot="1" noChangeAspect="1" noMove="1" noResize="1" noEditPoints="1" noAdjustHandles="1" noChangeArrowheads="1" noChangeShapeType="1" noTextEdit="1"/>
+          </p:cNvSpPr>
+          <p:nvPr>
+            <p:extLst>
+              <p:ext uri="{386F3935-93C4-4BCD-93E2-E3B085C9AB24}">
+                <p16:designElem xmlns:p16="http://schemas.microsoft.com/office/powerpoint/2015/main" val="1"/>
+              </p:ext>
+            </p:extLst>
+          </p:nvPr>
+        </p:nvSpPr>
+        <p:spPr>
+          <a:xfrm>
+            <a:off x="0" y="0"/>
+            <a:ext cx="1510167" cy="5143500"/>
+          </a:xfrm>
+          <a:prstGeom prst="rect">
+            <a:avLst/>
+          </a:prstGeom>
+          <a:solidFill>
             <a:srgbClr val="36395C"/>
           </a:solidFill>
           <a:ln>
@@ -6048,7 +6363,7 @@
 </p:sld>
 </file>
 
-<file path=ppt/slides/slide18.xml><?xml version="1.0" encoding="utf-8"?>
+<file path=ppt/slides/slide19.xml><?xml version="1.0" encoding="utf-8"?>
 <p:sld xmlns:a="http://schemas.openxmlformats.org/drawingml/2006/main" xmlns:r="http://schemas.openxmlformats.org/officeDocument/2006/relationships" xmlns:p="http://schemas.openxmlformats.org/presentationml/2006/main">
   <p:cSld>
     <p:spTree>
@@ -6198,237 +6513,6 @@
 </p:sld>
 </file>
 
-<file path=ppt/slides/slide19.xml><?xml version="1.0" encoding="utf-8"?>
-<p:sld xmlns:a="http://schemas.openxmlformats.org/drawingml/2006/main" xmlns:r="http://schemas.openxmlformats.org/officeDocument/2006/relationships" xmlns:p="http://schemas.openxmlformats.org/presentationml/2006/main">
-  <p:cSld>
-    <p:spTree>
-      <p:nvGrpSpPr>
-        <p:cNvPr id="1" name=""/>
-        <p:cNvGrpSpPr/>
-        <p:nvPr/>
-      </p:nvGrpSpPr>
-      <p:grpSpPr>
-        <a:xfrm>
-          <a:off x="0" y="0"/>
-          <a:ext cx="0" cy="0"/>
-          <a:chOff x="0" y="0"/>
-          <a:chExt cx="0" cy="0"/>
-        </a:xfrm>
-      </p:grpSpPr>
-      <p:sp>
-        <p:nvSpPr>
-          <p:cNvPr id="3" name="Unvan 2"/>
-          <p:cNvSpPr>
-            <a:spLocks noGrp="1"/>
-          </p:cNvSpPr>
-          <p:nvPr>
-            <p:ph type="title"/>
-          </p:nvPr>
-        </p:nvSpPr>
-        <p:spPr>
-          <a:xfrm>
-            <a:off x="927579" y="0"/>
-            <a:ext cx="7228130" cy="875049"/>
-          </a:xfrm>
-        </p:spPr>
-        <p:txBody>
-          <a:bodyPr>
-            <a:normAutofit/>
-          </a:bodyPr>
-          <a:lstStyle/>
-          <a:p>
-            <a:r>
-              <a:rPr lang="tr-TR" sz="2000" dirty="0">
-                <a:solidFill>
-                  <a:srgbClr val="FFFF00"/>
-                </a:solidFill>
-              </a:rPr>
-              <a:t>Aşırı Öğrenme-Eksik Öğrenme</a:t>
-            </a:r>
-            <a:endParaRPr lang="tr-TR" sz="2000" dirty="0"/>
-          </a:p>
-        </p:txBody>
-      </p:sp>
-      <p:sp>
-        <p:nvSpPr>
-          <p:cNvPr id="7" name="Unvan 2"/>
-          <p:cNvSpPr txBox="1">
-            <a:spLocks/>
-          </p:cNvSpPr>
-          <p:nvPr/>
-        </p:nvSpPr>
-        <p:spPr>
-          <a:xfrm>
-            <a:off x="401444" y="1126296"/>
-            <a:ext cx="8486584" cy="3643746"/>
-          </a:xfrm>
-          <a:prstGeom prst="rect">
-            <a:avLst/>
-          </a:prstGeom>
-        </p:spPr>
-        <p:txBody>
-          <a:bodyPr vert="horz" lIns="91440" tIns="45720" rIns="91440" bIns="45720" rtlCol="0" anchor="t">
-            <a:noAutofit/>
-          </a:bodyPr>
-          <a:lstStyle>
-            <a:lvl1pPr algn="l" defTabSz="685800" rtl="0" eaLnBrk="1" latinLnBrk="0" hangingPunct="1">
-              <a:lnSpc>
-                <a:spcPct val="90000"/>
-              </a:lnSpc>
-              <a:spcBef>
-                <a:spcPct val="0"/>
-              </a:spcBef>
-              <a:buNone/>
-              <a:defRPr sz="3300" kern="1200">
-                <a:solidFill>
-                  <a:schemeClr val="tx1"/>
-                </a:solidFill>
-                <a:latin typeface="+mj-lt"/>
-                <a:ea typeface="+mj-ea"/>
-                <a:cs typeface="+mj-cs"/>
-              </a:defRPr>
-            </a:lvl1pPr>
-          </a:lstStyle>
-          <a:p>
-            <a:pPr algn="just"/>
-            <a:r>
-              <a:rPr lang="tr-TR" sz="2000" dirty="0" err="1">
-                <a:latin typeface="Calibri" panose="020F0502020204030204" pitchFamily="34" charset="0"/>
-                <a:cs typeface="Calibri" panose="020F0502020204030204" pitchFamily="34" charset="0"/>
-              </a:rPr>
-              <a:t>Overfitting</a:t>
-            </a:r>
-            <a:r>
-              <a:rPr lang="tr-TR" sz="2000" dirty="0">
-                <a:latin typeface="Calibri" panose="020F0502020204030204" pitchFamily="34" charset="0"/>
-                <a:cs typeface="Calibri" panose="020F0502020204030204" pitchFamily="34" charset="0"/>
-              </a:rPr>
-              <a:t> sorunu, modelin genelleştirme yapamamasından kaynaklanır. Bu tip modeller verilerdeki değişkenler arasındaki gerçek ilişkiler yerine eğitim verilerindeki “gürültüyü” öğrenir veya açıklar.</a:t>
-            </a:r>
-          </a:p>
-          <a:p>
-            <a:pPr algn="just"/>
-            <a:endParaRPr lang="tr-TR" sz="2000" dirty="0">
-              <a:latin typeface="Calibri" panose="020F0502020204030204" pitchFamily="34" charset="0"/>
-              <a:cs typeface="Calibri" panose="020F0502020204030204" pitchFamily="34" charset="0"/>
-            </a:endParaRPr>
-          </a:p>
-          <a:p>
-            <a:pPr algn="just"/>
-            <a:r>
-              <a:rPr lang="tr-TR" sz="2000" dirty="0" err="1">
-                <a:solidFill>
-                  <a:srgbClr val="FF0000"/>
-                </a:solidFill>
-              </a:rPr>
-              <a:t>Overfitting</a:t>
-            </a:r>
-            <a:r>
-              <a:rPr lang="tr-TR" sz="2000" dirty="0">
-                <a:solidFill>
-                  <a:srgbClr val="FF0000"/>
-                </a:solidFill>
-              </a:rPr>
-              <a:t> problemi için:</a:t>
-            </a:r>
-            <a:endParaRPr lang="tr-TR" sz="2000" dirty="0">
-              <a:latin typeface="Calibri" panose="020F0502020204030204" pitchFamily="34" charset="0"/>
-              <a:cs typeface="Calibri" panose="020F0502020204030204" pitchFamily="34" charset="0"/>
-            </a:endParaRPr>
-          </a:p>
-          <a:p>
-            <a:pPr marL="457200" indent="-457200" algn="just">
-              <a:buFont typeface="+mj-lt"/>
-              <a:buAutoNum type="arabicPeriod"/>
-            </a:pPr>
-            <a:r>
-              <a:rPr lang="tr-TR" sz="2000" b="1" dirty="0">
-                <a:latin typeface="Calibri" panose="020F0502020204030204" pitchFamily="34" charset="0"/>
-                <a:cs typeface="Calibri" panose="020F0502020204030204" pitchFamily="34" charset="0"/>
-              </a:rPr>
-              <a:t>Öz nitelik sayısını azaltmak</a:t>
-            </a:r>
-            <a:r>
-              <a:rPr lang="tr-TR" sz="2000" dirty="0">
-                <a:latin typeface="Calibri" panose="020F0502020204030204" pitchFamily="34" charset="0"/>
-                <a:cs typeface="Calibri" panose="020F0502020204030204" pitchFamily="34" charset="0"/>
-              </a:rPr>
-              <a:t>: Birbirleriyle yüksek </a:t>
-            </a:r>
-            <a:r>
-              <a:rPr lang="tr-TR" sz="2000" dirty="0" err="1">
-                <a:latin typeface="Calibri" panose="020F0502020204030204" pitchFamily="34" charset="0"/>
-                <a:cs typeface="Calibri" panose="020F0502020204030204" pitchFamily="34" charset="0"/>
-              </a:rPr>
-              <a:t>korelasyonlu</a:t>
-            </a:r>
-            <a:r>
-              <a:rPr lang="tr-TR" sz="2000" dirty="0">
-                <a:latin typeface="Calibri" panose="020F0502020204030204" pitchFamily="34" charset="0"/>
-                <a:cs typeface="Calibri" panose="020F0502020204030204" pitchFamily="34" charset="0"/>
-              </a:rPr>
-              <a:t> olan öznitelikler kaldırılabilir ya da faktör analizi gibi yöntemlerle bu değişkenlerden tek bir değişken oluşturulabilir.</a:t>
-            </a:r>
-          </a:p>
-          <a:p>
-            <a:pPr marL="457200" indent="-457200" algn="just">
-              <a:buFont typeface="+mj-lt"/>
-              <a:buAutoNum type="arabicPeriod"/>
-            </a:pPr>
-            <a:endParaRPr lang="tr-TR" sz="2000" dirty="0">
-              <a:latin typeface="Calibri" panose="020F0502020204030204" pitchFamily="34" charset="0"/>
-              <a:cs typeface="Calibri" panose="020F0502020204030204" pitchFamily="34" charset="0"/>
-            </a:endParaRPr>
-          </a:p>
-          <a:p>
-            <a:pPr marL="457200" indent="-457200" algn="just">
-              <a:buFont typeface="+mj-lt"/>
-              <a:buAutoNum type="arabicPeriod"/>
-            </a:pPr>
-            <a:r>
-              <a:rPr lang="tr-TR" sz="2000" b="1" dirty="0">
-                <a:latin typeface="Calibri" panose="020F0502020204030204" pitchFamily="34" charset="0"/>
-                <a:cs typeface="Calibri" panose="020F0502020204030204" pitchFamily="34" charset="0"/>
-              </a:rPr>
-              <a:t>Daha fazla veri eklemek:</a:t>
-            </a:r>
-            <a:r>
-              <a:rPr lang="tr-TR" sz="2000" dirty="0">
-                <a:latin typeface="Calibri" panose="020F0502020204030204" pitchFamily="34" charset="0"/>
-                <a:cs typeface="Calibri" panose="020F0502020204030204" pitchFamily="34" charset="0"/>
-              </a:rPr>
-              <a:t> Eğitim seti tek düze ise daha farklı olmak kaydıyla daha fazla veri ekleyerek veri çeşitliliği arttırılır.</a:t>
-            </a:r>
-          </a:p>
-          <a:p>
-            <a:pPr algn="just"/>
-            <a:endParaRPr lang="tr-TR" sz="2000" dirty="0">
-              <a:latin typeface="Calibri" panose="020F0502020204030204" pitchFamily="34" charset="0"/>
-              <a:cs typeface="Calibri" panose="020F0502020204030204" pitchFamily="34" charset="0"/>
-            </a:endParaRPr>
-          </a:p>
-          <a:p>
-            <a:pPr algn="just"/>
-            <a:endParaRPr lang="tr-TR" sz="2000" dirty="0">
-              <a:latin typeface="Calibri" panose="020F0502020204030204" pitchFamily="34" charset="0"/>
-              <a:cs typeface="Calibri" panose="020F0502020204030204" pitchFamily="34" charset="0"/>
-            </a:endParaRPr>
-          </a:p>
-        </p:txBody>
-      </p:sp>
-    </p:spTree>
-    <p:extLst>
-      <p:ext uri="{BB962C8B-B14F-4D97-AF65-F5344CB8AC3E}">
-        <p14:creationId xmlns:p14="http://schemas.microsoft.com/office/powerpoint/2010/main" val="4053033962"/>
-      </p:ext>
-    </p:extLst>
-  </p:cSld>
-  <p:clrMapOvr>
-    <a:masterClrMapping/>
-  </p:clrMapOvr>
-</p:sld>
-</file>
-
 <file path=ppt/slides/slide2.xml><?xml version="1.0" encoding="utf-8"?>
 <p:sld xmlns:a="http://schemas.openxmlformats.org/drawingml/2006/main" xmlns:r="http://schemas.openxmlformats.org/officeDocument/2006/relationships" xmlns:p="http://schemas.openxmlformats.org/presentationml/2006/main">
   <p:cSld>
@@ -6590,7 +6674,7 @@
         </p:nvSpPr>
         <p:spPr>
           <a:xfrm>
-            <a:off x="380662" y="1257914"/>
+            <a:off x="401444" y="1126296"/>
             <a:ext cx="8486584" cy="3643746"/>
           </a:xfrm>
           <a:prstGeom prst="rect">
@@ -6624,19 +6708,17 @@
             <a:pPr algn="just"/>
             <a:r>
               <a:rPr lang="tr-TR" sz="2000" dirty="0" err="1">
-                <a:solidFill>
-                  <a:srgbClr val="FF0000"/>
-                </a:solidFill>
+                <a:latin typeface="Calibri" panose="020F0502020204030204" pitchFamily="34" charset="0"/>
+                <a:cs typeface="Calibri" panose="020F0502020204030204" pitchFamily="34" charset="0"/>
               </a:rPr>
               <a:t>Overfitting</a:t>
             </a:r>
             <a:r>
               <a:rPr lang="tr-TR" sz="2000" dirty="0">
-                <a:solidFill>
-                  <a:srgbClr val="FF0000"/>
-                </a:solidFill>
-              </a:rPr>
-              <a:t> problemi için:</a:t>
+                <a:latin typeface="Calibri" panose="020F0502020204030204" pitchFamily="34" charset="0"/>
+                <a:cs typeface="Calibri" panose="020F0502020204030204" pitchFamily="34" charset="0"/>
+              </a:rPr>
+              <a:t> sorunu, modelin genelleştirme yapamamasından kaynaklanır. Bu tip modeller verilerdeki değişkenler arasındaki gerçek ilişkiler yerine eğitim verilerindeki “gürültüyü” öğrenir veya açıklar.</a:t>
             </a:r>
           </a:p>
           <a:p>
@@ -6649,32 +6731,88 @@
           <a:p>
             <a:pPr algn="just"/>
             <a:r>
+              <a:rPr lang="tr-TR" sz="2000" dirty="0" err="1">
+                <a:solidFill>
+                  <a:srgbClr val="FF0000"/>
+                </a:solidFill>
+              </a:rPr>
+              <a:t>Overfitting</a:t>
+            </a:r>
+            <a:r>
+              <a:rPr lang="tr-TR" sz="2000" dirty="0">
+                <a:solidFill>
+                  <a:srgbClr val="FF0000"/>
+                </a:solidFill>
+              </a:rPr>
+              <a:t> problemi için:</a:t>
+            </a:r>
+            <a:endParaRPr lang="tr-TR" sz="2000" dirty="0">
+              <a:latin typeface="Calibri" panose="020F0502020204030204" pitchFamily="34" charset="0"/>
+              <a:cs typeface="Calibri" panose="020F0502020204030204" pitchFamily="34" charset="0"/>
+            </a:endParaRPr>
+          </a:p>
+          <a:p>
+            <a:pPr marL="457200" indent="-457200" algn="just">
+              <a:buFont typeface="+mj-lt"/>
+              <a:buAutoNum type="arabicPeriod"/>
+            </a:pPr>
+            <a:r>
               <a:rPr lang="tr-TR" sz="2000" b="1" dirty="0">
                 <a:latin typeface="Calibri" panose="020F0502020204030204" pitchFamily="34" charset="0"/>
                 <a:cs typeface="Calibri" panose="020F0502020204030204" pitchFamily="34" charset="0"/>
               </a:rPr>
-              <a:t>3. </a:t>
-            </a:r>
-            <a:r>
-              <a:rPr lang="tr-TR" sz="2000" b="1" dirty="0" err="1">
-                <a:latin typeface="Calibri" panose="020F0502020204030204" pitchFamily="34" charset="0"/>
-                <a:cs typeface="Calibri" panose="020F0502020204030204" pitchFamily="34" charset="0"/>
-              </a:rPr>
-              <a:t>Regularization</a:t>
-            </a:r>
+              <a:t>Öz nitelik sayısını azaltmak</a:t>
+            </a:r>
+            <a:r>
+              <a:rPr lang="tr-TR" sz="2000" dirty="0">
+                <a:latin typeface="Calibri" panose="020F0502020204030204" pitchFamily="34" charset="0"/>
+                <a:cs typeface="Calibri" panose="020F0502020204030204" pitchFamily="34" charset="0"/>
+              </a:rPr>
+              <a:t>: Birbirleriyle yüksek </a:t>
+            </a:r>
+            <a:r>
+              <a:rPr lang="tr-TR" sz="2000" dirty="0" err="1">
+                <a:latin typeface="Calibri" panose="020F0502020204030204" pitchFamily="34" charset="0"/>
+                <a:cs typeface="Calibri" panose="020F0502020204030204" pitchFamily="34" charset="0"/>
+              </a:rPr>
+              <a:t>korelasyonlu</a:t>
+            </a:r>
+            <a:r>
+              <a:rPr lang="tr-TR" sz="2000" dirty="0">
+                <a:latin typeface="Calibri" panose="020F0502020204030204" pitchFamily="34" charset="0"/>
+                <a:cs typeface="Calibri" panose="020F0502020204030204" pitchFamily="34" charset="0"/>
+              </a:rPr>
+              <a:t> olan öznitelikler kaldırılabilir ya da faktör analizi gibi yöntemlerle bu değişkenlerden tek bir değişken oluşturulabilir.</a:t>
+            </a:r>
+          </a:p>
+          <a:p>
+            <a:pPr marL="457200" indent="-457200" algn="just">
+              <a:buFont typeface="+mj-lt"/>
+              <a:buAutoNum type="arabicPeriod"/>
+            </a:pPr>
+            <a:endParaRPr lang="tr-TR" sz="2000" dirty="0">
+              <a:latin typeface="Calibri" panose="020F0502020204030204" pitchFamily="34" charset="0"/>
+              <a:cs typeface="Calibri" panose="020F0502020204030204" pitchFamily="34" charset="0"/>
+            </a:endParaRPr>
+          </a:p>
+          <a:p>
+            <a:pPr marL="457200" indent="-457200" algn="just">
+              <a:buFont typeface="+mj-lt"/>
+              <a:buAutoNum type="arabicPeriod"/>
+            </a:pPr>
             <a:r>
               <a:rPr lang="tr-TR" sz="2000" b="1" dirty="0">
                 <a:latin typeface="Calibri" panose="020F0502020204030204" pitchFamily="34" charset="0"/>
                 <a:cs typeface="Calibri" panose="020F0502020204030204" pitchFamily="34" charset="0"/>
               </a:rPr>
-              <a:t> (Düzenleme):</a:t>
+              <a:t>Daha fazla veri eklemek:</a:t>
             </a:r>
             <a:r>
               <a:rPr lang="tr-TR" sz="2000" dirty="0">
                 <a:latin typeface="Calibri" panose="020F0502020204030204" pitchFamily="34" charset="0"/>
                 <a:cs typeface="Calibri" panose="020F0502020204030204" pitchFamily="34" charset="0"/>
               </a:rPr>
-              <a:t> Düzenleme, modelin karmaşıklığını azaltmak için bir kullanılan tekniktir. Modelde ağırlığı yüksek olan değişkenlerin ağırlığını azaltarak bu değişkenlerin etki oranı azaltılarak yapılır. Bu yöntem, aşırı öğrenme probleminin çözülmesine yardımcı olur. </a:t>
+              <a:t> Eğitim seti tek düze ise daha farklı olmak kaydıyla daha fazla veri ekleyerek veri çeşitliliği arttırılır.</a:t>
             </a:r>
           </a:p>
           <a:p>
@@ -6686,76 +6824,17 @@
           </a:p>
           <a:p>
             <a:pPr algn="just"/>
-            <a:r>
-              <a:rPr lang="tr-TR" sz="2000" dirty="0">
-                <a:latin typeface="Calibri" panose="020F0502020204030204" pitchFamily="34" charset="0"/>
-                <a:cs typeface="Calibri" panose="020F0502020204030204" pitchFamily="34" charset="0"/>
-              </a:rPr>
-              <a:t>Değişkenlerin ağırlığını azaltmak için </a:t>
-            </a:r>
-            <a:r>
-              <a:rPr lang="tr-TR" sz="2000" dirty="0" err="1">
-                <a:latin typeface="Calibri" panose="020F0502020204030204" pitchFamily="34" charset="0"/>
-                <a:cs typeface="Calibri" panose="020F0502020204030204" pitchFamily="34" charset="0"/>
-              </a:rPr>
-              <a:t>regularization</a:t>
-            </a:r>
-            <a:r>
-              <a:rPr lang="tr-TR" sz="2000" dirty="0">
-                <a:latin typeface="Calibri" panose="020F0502020204030204" pitchFamily="34" charset="0"/>
-                <a:cs typeface="Calibri" panose="020F0502020204030204" pitchFamily="34" charset="0"/>
-              </a:rPr>
-              <a:t> değerini arttırmak gerekmektedir. </a:t>
-            </a:r>
-            <a:r>
-              <a:rPr lang="tr-TR" sz="2000" dirty="0" err="1">
-                <a:latin typeface="Calibri" panose="020F0502020204030204" pitchFamily="34" charset="0"/>
-                <a:cs typeface="Calibri" panose="020F0502020204030204" pitchFamily="34" charset="0"/>
-              </a:rPr>
-              <a:t>Lasso</a:t>
-            </a:r>
-            <a:r>
-              <a:rPr lang="tr-TR" sz="2000" dirty="0">
-                <a:latin typeface="Calibri" panose="020F0502020204030204" pitchFamily="34" charset="0"/>
-                <a:cs typeface="Calibri" panose="020F0502020204030204" pitchFamily="34" charset="0"/>
-              </a:rPr>
-              <a:t> ve </a:t>
-            </a:r>
-            <a:r>
-              <a:rPr lang="tr-TR" sz="2000" dirty="0" err="1">
-                <a:latin typeface="Calibri" panose="020F0502020204030204" pitchFamily="34" charset="0"/>
-                <a:cs typeface="Calibri" panose="020F0502020204030204" pitchFamily="34" charset="0"/>
-              </a:rPr>
-              <a:t>Ridge</a:t>
-            </a:r>
-            <a:r>
-              <a:rPr lang="tr-TR" sz="2000" dirty="0">
-                <a:latin typeface="Calibri" panose="020F0502020204030204" pitchFamily="34" charset="0"/>
-                <a:cs typeface="Calibri" panose="020F0502020204030204" pitchFamily="34" charset="0"/>
-              </a:rPr>
-              <a:t> teknikleri en sık kullanılan </a:t>
-            </a:r>
-            <a:r>
-              <a:rPr lang="tr-TR" sz="2000" dirty="0" err="1">
-                <a:latin typeface="Calibri" panose="020F0502020204030204" pitchFamily="34" charset="0"/>
-                <a:cs typeface="Calibri" panose="020F0502020204030204" pitchFamily="34" charset="0"/>
-              </a:rPr>
-              <a:t>regularizasyon</a:t>
-            </a:r>
-            <a:r>
-              <a:rPr lang="tr-TR" sz="2000" dirty="0">
-                <a:latin typeface="Calibri" panose="020F0502020204030204" pitchFamily="34" charset="0"/>
-                <a:cs typeface="Calibri" panose="020F0502020204030204" pitchFamily="34" charset="0"/>
-              </a:rPr>
-              <a:t> teknikleridir.</a:t>
-            </a:r>
+            <a:endParaRPr lang="tr-TR" sz="2000" dirty="0">
+              <a:latin typeface="Calibri" panose="020F0502020204030204" pitchFamily="34" charset="0"/>
+              <a:cs typeface="Calibri" panose="020F0502020204030204" pitchFamily="34" charset="0"/>
+            </a:endParaRPr>
           </a:p>
         </p:txBody>
       </p:sp>
     </p:spTree>
     <p:extLst>
       <p:ext uri="{BB962C8B-B14F-4D97-AF65-F5344CB8AC3E}">
-        <p14:creationId xmlns:p14="http://schemas.microsoft.com/office/powerpoint/2010/main" val="304782433"/>
+        <p14:creationId xmlns:p14="http://schemas.microsoft.com/office/powerpoint/2010/main" val="4053033962"/>
       </p:ext>
     </p:extLst>
   </p:cSld>
@@ -6826,8 +6905,8 @@
         </p:nvSpPr>
         <p:spPr>
           <a:xfrm>
-            <a:off x="463789" y="875048"/>
-            <a:ext cx="8486584" cy="4195715"/>
+            <a:off x="380662" y="1257914"/>
+            <a:ext cx="8486584" cy="3643746"/>
           </a:xfrm>
           <a:prstGeom prst="rect">
             <a:avLst/>
@@ -6857,41 +6936,22 @@
             </a:lvl1pPr>
           </a:lstStyle>
           <a:p>
-            <a:r>
-              <a:rPr lang="tr-TR" sz="2000" b="1" dirty="0" err="1">
+            <a:pPr algn="just"/>
+            <a:r>
+              <a:rPr lang="tr-TR" sz="2000" dirty="0" err="1">
                 <a:solidFill>
                   <a:srgbClr val="FF0000"/>
                 </a:solidFill>
-                <a:latin typeface="Calibri" panose="020F0502020204030204" pitchFamily="34" charset="0"/>
-                <a:cs typeface="Calibri" panose="020F0502020204030204" pitchFamily="34" charset="0"/>
-              </a:rPr>
-              <a:t>Underfitting</a:t>
-            </a:r>
-            <a:r>
-              <a:rPr lang="tr-TR" sz="2000" b="1" dirty="0">
+              </a:rPr>
+              <a:t>Overfitting</a:t>
+            </a:r>
+            <a:r>
+              <a:rPr lang="tr-TR" sz="2000" dirty="0">
                 <a:solidFill>
                   <a:srgbClr val="FF0000"/>
                 </a:solidFill>
-                <a:latin typeface="Calibri" panose="020F0502020204030204" pitchFamily="34" charset="0"/>
-                <a:cs typeface="Calibri" panose="020F0502020204030204" pitchFamily="34" charset="0"/>
-              </a:rPr>
-              <a:t> (Yetersiz öğrenme)</a:t>
-            </a:r>
-          </a:p>
-          <a:p>
-            <a:endParaRPr lang="tr-TR" sz="2000" dirty="0">
-              <a:latin typeface="Calibri" panose="020F0502020204030204" pitchFamily="34" charset="0"/>
-              <a:cs typeface="Calibri" panose="020F0502020204030204" pitchFamily="34" charset="0"/>
-            </a:endParaRPr>
-          </a:p>
-          <a:p>
-            <a:pPr algn="just"/>
-            <a:r>
-              <a:rPr lang="tr-TR" sz="2000" dirty="0">
-                <a:latin typeface="Calibri" panose="020F0502020204030204" pitchFamily="34" charset="0"/>
-                <a:cs typeface="Calibri" panose="020F0502020204030204" pitchFamily="34" charset="0"/>
-              </a:rPr>
-              <a:t>Yetersiz öğrenmeye sahip bir modelin eğitim verilerinden çıkarım yapamadığı görülür. </a:t>
+              </a:rPr>
+              <a:t> problemi için:</a:t>
             </a:r>
           </a:p>
           <a:p>
@@ -6904,11 +6964,32 @@
           <a:p>
             <a:pPr algn="just"/>
             <a:r>
+              <a:rPr lang="tr-TR" sz="2000" b="1" dirty="0">
+                <a:latin typeface="Calibri" panose="020F0502020204030204" pitchFamily="34" charset="0"/>
+                <a:cs typeface="Calibri" panose="020F0502020204030204" pitchFamily="34" charset="0"/>
+              </a:rPr>
+              <a:t>3. </a:t>
+            </a:r>
+            <a:r>
+              <a:rPr lang="tr-TR" sz="2000" b="1" dirty="0" err="1">
+                <a:latin typeface="Calibri" panose="020F0502020204030204" pitchFamily="34" charset="0"/>
+                <a:cs typeface="Calibri" panose="020F0502020204030204" pitchFamily="34" charset="0"/>
+              </a:rPr>
+              <a:t>Regularization</a:t>
+            </a:r>
+            <a:r>
+              <a:rPr lang="tr-TR" sz="2000" b="1" dirty="0">
+                <a:latin typeface="Calibri" panose="020F0502020204030204" pitchFamily="34" charset="0"/>
+                <a:cs typeface="Calibri" panose="020F0502020204030204" pitchFamily="34" charset="0"/>
+              </a:rPr>
+              <a:t> (Düzenleme):</a:t>
+            </a:r>
+            <a:r>
               <a:rPr lang="tr-TR" sz="2000" dirty="0">
                 <a:latin typeface="Calibri" panose="020F0502020204030204" pitchFamily="34" charset="0"/>
                 <a:cs typeface="Calibri" panose="020F0502020204030204" pitchFamily="34" charset="0"/>
               </a:rPr>
-              <a:t>Bu modeller eğitim verilerini anlayamaz ve girdiler ile çıktılar arasındaki temel ilişkiyi öğrenemez.</a:t>
+              <a:t> Düzenleme, modelin karmaşıklığını azaltmak için bir kullanılan tekniktir. Modelde ağırlığı yüksek olan değişkenlerin ağırlığını azaltarak bu değişkenlerin etki oranı azaltılarak yapılır. Bu yöntem, aşırı öğrenme probleminin çözülmesine yardımcı olur. </a:t>
             </a:r>
           </a:p>
           <a:p>
@@ -6925,97 +7006,71 @@
                 <a:latin typeface="Calibri" panose="020F0502020204030204" pitchFamily="34" charset="0"/>
                 <a:cs typeface="Calibri" panose="020F0502020204030204" pitchFamily="34" charset="0"/>
               </a:rPr>
-              <a:t>Bu problem genellikle çok basit bir model inşasının sonucudur (yetersiz </a:t>
+              <a:t>Değişkenlerin ağırlığını azaltmak için </a:t>
             </a:r>
             <a:r>
               <a:rPr lang="tr-TR" sz="2000" dirty="0" err="1">
                 <a:latin typeface="Calibri" panose="020F0502020204030204" pitchFamily="34" charset="0"/>
                 <a:cs typeface="Calibri" panose="020F0502020204030204" pitchFamily="34" charset="0"/>
               </a:rPr>
-              <a:t>tahminleyici</a:t>
+              <a:t>regularization</a:t>
             </a:r>
             <a:r>
               <a:rPr lang="tr-TR" sz="2000" dirty="0">
                 <a:latin typeface="Calibri" panose="020F0502020204030204" pitchFamily="34" charset="0"/>
                 <a:cs typeface="Calibri" panose="020F0502020204030204" pitchFamily="34" charset="0"/>
               </a:rPr>
-              <a:t>, bağımsız değişken eksikliği).</a:t>
-            </a:r>
-          </a:p>
-          <a:p>
-            <a:pPr algn="just"/>
-            <a:endParaRPr lang="tr-TR" sz="2000" dirty="0">
-              <a:latin typeface="Calibri" panose="020F0502020204030204" pitchFamily="34" charset="0"/>
-              <a:cs typeface="Calibri" panose="020F0502020204030204" pitchFamily="34" charset="0"/>
-            </a:endParaRPr>
-          </a:p>
-          <a:p>
+              <a:t> değerini arttırmak gerekmektedir. </a:t>
+            </a:r>
+            <a:r>
+              <a:rPr lang="tr-TR" sz="2000" dirty="0" err="1">
+                <a:latin typeface="Calibri" panose="020F0502020204030204" pitchFamily="34" charset="0"/>
+                <a:cs typeface="Calibri" panose="020F0502020204030204" pitchFamily="34" charset="0"/>
+              </a:rPr>
+              <a:t>Lasso</a:t>
+            </a:r>
             <a:r>
               <a:rPr lang="tr-TR" sz="2000" dirty="0">
                 <a:latin typeface="Calibri" panose="020F0502020204030204" pitchFamily="34" charset="0"/>
                 <a:cs typeface="Calibri" panose="020F0502020204030204" pitchFamily="34" charset="0"/>
               </a:rPr>
-              <a:t>Sonuç: </a:t>
-            </a:r>
-          </a:p>
-          <a:p>
+              <a:t> ve </a:t>
+            </a:r>
+            <a:r>
+              <a:rPr lang="tr-TR" sz="2000" dirty="0" err="1">
+                <a:latin typeface="Calibri" panose="020F0502020204030204" pitchFamily="34" charset="0"/>
+                <a:cs typeface="Calibri" panose="020F0502020204030204" pitchFamily="34" charset="0"/>
+              </a:rPr>
+              <a:t>Ridge</a:t>
+            </a:r>
             <a:r>
               <a:rPr lang="tr-TR" sz="2000" dirty="0">
                 <a:latin typeface="Calibri" panose="020F0502020204030204" pitchFamily="34" charset="0"/>
                 <a:cs typeface="Calibri" panose="020F0502020204030204" pitchFamily="34" charset="0"/>
               </a:rPr>
-              <a:t>Bu modellerde hem eğitim hem de test veri setinde hata oranı yüksektir. </a:t>
-            </a:r>
-          </a:p>
-          <a:p>
+              <a:t> teknikleri en sık kullanılan </a:t>
+            </a:r>
+            <a:r>
+              <a:rPr lang="tr-TR" sz="2000" dirty="0" err="1">
+                <a:latin typeface="Calibri" panose="020F0502020204030204" pitchFamily="34" charset="0"/>
+                <a:cs typeface="Calibri" panose="020F0502020204030204" pitchFamily="34" charset="0"/>
+              </a:rPr>
+              <a:t>regularizasyon</a:t>
+            </a:r>
             <a:r>
               <a:rPr lang="tr-TR" sz="2000" dirty="0">
                 <a:latin typeface="Calibri" panose="020F0502020204030204" pitchFamily="34" charset="0"/>
                 <a:cs typeface="Calibri" panose="020F0502020204030204" pitchFamily="34" charset="0"/>
               </a:rPr>
-              <a:t>Düşük </a:t>
-            </a:r>
-            <a:r>
-              <a:rPr lang="tr-TR" sz="2000" dirty="0" err="1">
-                <a:latin typeface="Calibri" panose="020F0502020204030204" pitchFamily="34" charset="0"/>
-                <a:cs typeface="Calibri" panose="020F0502020204030204" pitchFamily="34" charset="0"/>
-              </a:rPr>
-              <a:t>varyans</a:t>
-            </a:r>
-            <a:r>
-              <a:rPr lang="tr-TR" sz="2000" dirty="0">
-                <a:latin typeface="Calibri" panose="020F0502020204030204" pitchFamily="34" charset="0"/>
-                <a:cs typeface="Calibri" panose="020F0502020204030204" pitchFamily="34" charset="0"/>
-              </a:rPr>
-              <a:t> ve yüksek </a:t>
-            </a:r>
-            <a:r>
-              <a:rPr lang="tr-TR" sz="2000" dirty="0" err="1">
-                <a:latin typeface="Calibri" panose="020F0502020204030204" pitchFamily="34" charset="0"/>
-                <a:cs typeface="Calibri" panose="020F0502020204030204" pitchFamily="34" charset="0"/>
-              </a:rPr>
-              <a:t>bias</a:t>
-            </a:r>
-            <a:r>
-              <a:rPr lang="tr-TR" sz="2000" dirty="0">
-                <a:latin typeface="Calibri" panose="020F0502020204030204" pitchFamily="34" charset="0"/>
-                <a:cs typeface="Calibri" panose="020F0502020204030204" pitchFamily="34" charset="0"/>
-              </a:rPr>
-              <a:t> vardır. </a:t>
-            </a:r>
-          </a:p>
-          <a:p>
-            <a:endParaRPr lang="tr-TR" sz="2000" dirty="0">
-              <a:latin typeface="Calibri" panose="020F0502020204030204" pitchFamily="34" charset="0"/>
-              <a:cs typeface="Calibri" panose="020F0502020204030204" pitchFamily="34" charset="0"/>
-            </a:endParaRPr>
+              <a:t> teknikleridir.</a:t>
+            </a:r>
           </a:p>
         </p:txBody>
       </p:sp>
     </p:spTree>
     <p:extLst>
       <p:ext uri="{BB962C8B-B14F-4D97-AF65-F5344CB8AC3E}">
-        <p14:creationId xmlns:p14="http://schemas.microsoft.com/office/powerpoint/2010/main" val="2148797206"/>
+        <p14:creationId xmlns:p14="http://schemas.microsoft.com/office/powerpoint/2010/main" val="304782433"/>
       </p:ext>
     </p:extLst>
   </p:cSld>
@@ -7086,8 +7141,8 @@
         </p:nvSpPr>
         <p:spPr>
           <a:xfrm>
-            <a:off x="414961" y="1226127"/>
-            <a:ext cx="8486584" cy="3643746"/>
+            <a:off x="463789" y="875048"/>
+            <a:ext cx="8486584" cy="4195715"/>
           </a:xfrm>
           <a:prstGeom prst="rect">
             <a:avLst/>
@@ -7095,7 +7150,7 @@
         </p:spPr>
         <p:txBody>
           <a:bodyPr vert="horz" lIns="91440" tIns="45720" rIns="91440" bIns="45720" rtlCol="0" anchor="t">
-            <a:normAutofit/>
+            <a:noAutofit/>
           </a:bodyPr>
           <a:lstStyle>
             <a:lvl1pPr algn="l" defTabSz="685800" rtl="0" eaLnBrk="1" latinLnBrk="0" hangingPunct="1">
@@ -7117,37 +7172,121 @@
             </a:lvl1pPr>
           </a:lstStyle>
           <a:p>
+            <a:r>
+              <a:rPr lang="tr-TR" sz="2000" b="1" dirty="0" err="1">
+                <a:solidFill>
+                  <a:srgbClr val="FF0000"/>
+                </a:solidFill>
+                <a:latin typeface="Calibri" panose="020F0502020204030204" pitchFamily="34" charset="0"/>
+                <a:cs typeface="Calibri" panose="020F0502020204030204" pitchFamily="34" charset="0"/>
+              </a:rPr>
+              <a:t>Underfitting</a:t>
+            </a:r>
+            <a:r>
+              <a:rPr lang="tr-TR" sz="2000" b="1" dirty="0">
+                <a:solidFill>
+                  <a:srgbClr val="FF0000"/>
+                </a:solidFill>
+                <a:latin typeface="Calibri" panose="020F0502020204030204" pitchFamily="34" charset="0"/>
+                <a:cs typeface="Calibri" panose="020F0502020204030204" pitchFamily="34" charset="0"/>
+              </a:rPr>
+              <a:t> (Yetersiz öğrenme)</a:t>
+            </a:r>
+          </a:p>
+          <a:p>
+            <a:endParaRPr lang="tr-TR" sz="2000" dirty="0">
+              <a:latin typeface="Calibri" panose="020F0502020204030204" pitchFamily="34" charset="0"/>
+              <a:cs typeface="Calibri" panose="020F0502020204030204" pitchFamily="34" charset="0"/>
+            </a:endParaRPr>
+          </a:p>
+          <a:p>
+            <a:pPr algn="just"/>
+            <a:r>
+              <a:rPr lang="tr-TR" sz="2000" dirty="0">
+                <a:latin typeface="Calibri" panose="020F0502020204030204" pitchFamily="34" charset="0"/>
+                <a:cs typeface="Calibri" panose="020F0502020204030204" pitchFamily="34" charset="0"/>
+              </a:rPr>
+              <a:t>Yetersiz öğrenmeye sahip bir modelin eğitim verilerinden çıkarım yapamadığı görülür. </a:t>
+            </a:r>
+          </a:p>
+          <a:p>
+            <a:pPr algn="just"/>
+            <a:endParaRPr lang="tr-TR" sz="2000" dirty="0">
+              <a:latin typeface="Calibri" panose="020F0502020204030204" pitchFamily="34" charset="0"/>
+              <a:cs typeface="Calibri" panose="020F0502020204030204" pitchFamily="34" charset="0"/>
+            </a:endParaRPr>
+          </a:p>
+          <a:p>
+            <a:pPr algn="just"/>
+            <a:r>
+              <a:rPr lang="tr-TR" sz="2000" dirty="0">
+                <a:latin typeface="Calibri" panose="020F0502020204030204" pitchFamily="34" charset="0"/>
+                <a:cs typeface="Calibri" panose="020F0502020204030204" pitchFamily="34" charset="0"/>
+              </a:rPr>
+              <a:t>Bu modeller eğitim verilerini anlayamaz ve girdiler ile çıktılar arasındaki temel ilişkiyi öğrenemez.</a:t>
+            </a:r>
+          </a:p>
+          <a:p>
+            <a:pPr algn="just"/>
+            <a:endParaRPr lang="tr-TR" sz="2000" dirty="0">
+              <a:latin typeface="Calibri" panose="020F0502020204030204" pitchFamily="34" charset="0"/>
+              <a:cs typeface="Calibri" panose="020F0502020204030204" pitchFamily="34" charset="0"/>
+            </a:endParaRPr>
+          </a:p>
+          <a:p>
+            <a:pPr algn="just"/>
+            <a:r>
+              <a:rPr lang="tr-TR" sz="2000" dirty="0">
+                <a:latin typeface="Calibri" panose="020F0502020204030204" pitchFamily="34" charset="0"/>
+                <a:cs typeface="Calibri" panose="020F0502020204030204" pitchFamily="34" charset="0"/>
+              </a:rPr>
+              <a:t>Bu problem genellikle çok basit bir model inşasının sonucudur (yetersiz </a:t>
+            </a:r>
+            <a:r>
+              <a:rPr lang="tr-TR" sz="2000" dirty="0" err="1">
+                <a:latin typeface="Calibri" panose="020F0502020204030204" pitchFamily="34" charset="0"/>
+                <a:cs typeface="Calibri" panose="020F0502020204030204" pitchFamily="34" charset="0"/>
+              </a:rPr>
+              <a:t>tahminleyici</a:t>
+            </a:r>
+            <a:r>
+              <a:rPr lang="tr-TR" sz="2000" dirty="0">
+                <a:latin typeface="Calibri" panose="020F0502020204030204" pitchFamily="34" charset="0"/>
+                <a:cs typeface="Calibri" panose="020F0502020204030204" pitchFamily="34" charset="0"/>
+              </a:rPr>
+              <a:t>, bağımsız değişken eksikliği).</a:t>
+            </a:r>
+          </a:p>
+          <a:p>
+            <a:pPr algn="just"/>
+            <a:endParaRPr lang="tr-TR" sz="2000" dirty="0">
+              <a:latin typeface="Calibri" panose="020F0502020204030204" pitchFamily="34" charset="0"/>
+              <a:cs typeface="Calibri" panose="020F0502020204030204" pitchFamily="34" charset="0"/>
+            </a:endParaRPr>
+          </a:p>
+          <a:p>
+            <a:r>
+              <a:rPr lang="tr-TR" sz="2000" dirty="0">
+                <a:latin typeface="Calibri" panose="020F0502020204030204" pitchFamily="34" charset="0"/>
+                <a:cs typeface="Calibri" panose="020F0502020204030204" pitchFamily="34" charset="0"/>
+              </a:rPr>
+              <a:t>Sonuç: </a:t>
+            </a:r>
+          </a:p>
+          <a:p>
             <a:pPr marL="342900" indent="-342900">
               <a:buFont typeface="Arial" panose="020B0604020202020204" pitchFamily="34" charset="0"/>
               <a:buChar char="•"/>
             </a:pPr>
             <a:r>
-              <a:rPr lang="tr-TR" sz="2400" dirty="0" err="1">
-                <a:latin typeface="Calibri" panose="020F0502020204030204" pitchFamily="34" charset="0"/>
-                <a:cs typeface="Calibri" panose="020F0502020204030204" pitchFamily="34" charset="0"/>
-              </a:rPr>
-              <a:t>Overfit</a:t>
-            </a:r>
-            <a:r>
-              <a:rPr lang="tr-TR" sz="2400">
-                <a:latin typeface="Calibri" panose="020F0502020204030204" pitchFamily="34" charset="0"/>
-                <a:cs typeface="Calibri" panose="020F0502020204030204" pitchFamily="34" charset="0"/>
-              </a:rPr>
-              <a:t>, </a:t>
-            </a:r>
-            <a:r>
-              <a:rPr lang="tr-TR" sz="2400" dirty="0" err="1">
-                <a:latin typeface="Calibri" panose="020F0502020204030204" pitchFamily="34" charset="0"/>
-                <a:cs typeface="Calibri" panose="020F0502020204030204" pitchFamily="34" charset="0"/>
-              </a:rPr>
-              <a:t>Underfite</a:t>
-            </a:r>
-            <a:r>
-              <a:rPr lang="tr-TR" sz="2400" dirty="0">
-                <a:latin typeface="Calibri" panose="020F0502020204030204" pitchFamily="34" charset="0"/>
-                <a:cs typeface="Calibri" panose="020F0502020204030204" pitchFamily="34" charset="0"/>
-              </a:rPr>
-              <a:t> göre daha sık görülür. </a:t>
+              <a:rPr lang="tr-TR" sz="2000" dirty="0">
+                <a:solidFill>
+                  <a:srgbClr val="FFFF00"/>
+                </a:solidFill>
+                <a:latin typeface="Calibri" panose="020F0502020204030204" pitchFamily="34" charset="0"/>
+                <a:cs typeface="Calibri" panose="020F0502020204030204" pitchFamily="34" charset="0"/>
+              </a:rPr>
+              <a:t>Bu modellerde hem eğitim hem de test veri setinde hata oranı yüksektir. </a:t>
             </a:r>
           </a:p>
           <a:p>
@@ -7156,19 +7295,68 @@
               <a:buChar char="•"/>
             </a:pPr>
             <a:r>
-              <a:rPr lang="tr-TR" sz="2400" dirty="0">
-                <a:latin typeface="Calibri" panose="020F0502020204030204" pitchFamily="34" charset="0"/>
-                <a:cs typeface="Calibri" panose="020F0502020204030204" pitchFamily="34" charset="0"/>
-              </a:rPr>
-              <a:t>Veri analizinde her iki problemden de kaçınmak gereklidir.</a:t>
-            </a:r>
+              <a:rPr lang="tr-TR" sz="2000" dirty="0">
+                <a:solidFill>
+                  <a:srgbClr val="FFFF00"/>
+                </a:solidFill>
+                <a:latin typeface="Calibri" panose="020F0502020204030204" pitchFamily="34" charset="0"/>
+                <a:cs typeface="Calibri" panose="020F0502020204030204" pitchFamily="34" charset="0"/>
+              </a:rPr>
+              <a:t>Düşük </a:t>
+            </a:r>
+            <a:r>
+              <a:rPr lang="tr-TR" sz="2000" dirty="0" err="1">
+                <a:solidFill>
+                  <a:srgbClr val="FFFF00"/>
+                </a:solidFill>
+                <a:latin typeface="Calibri" panose="020F0502020204030204" pitchFamily="34" charset="0"/>
+                <a:cs typeface="Calibri" panose="020F0502020204030204" pitchFamily="34" charset="0"/>
+              </a:rPr>
+              <a:t>varyans</a:t>
+            </a:r>
+            <a:r>
+              <a:rPr lang="tr-TR" sz="2000" dirty="0">
+                <a:solidFill>
+                  <a:srgbClr val="FFFF00"/>
+                </a:solidFill>
+                <a:latin typeface="Calibri" panose="020F0502020204030204" pitchFamily="34" charset="0"/>
+                <a:cs typeface="Calibri" panose="020F0502020204030204" pitchFamily="34" charset="0"/>
+              </a:rPr>
+              <a:t> ve yüksek </a:t>
+            </a:r>
+            <a:r>
+              <a:rPr lang="tr-TR" sz="2000" dirty="0" err="1">
+                <a:solidFill>
+                  <a:srgbClr val="FFFF00"/>
+                </a:solidFill>
+                <a:latin typeface="Calibri" panose="020F0502020204030204" pitchFamily="34" charset="0"/>
+                <a:cs typeface="Calibri" panose="020F0502020204030204" pitchFamily="34" charset="0"/>
+              </a:rPr>
+              <a:t>bias</a:t>
+            </a:r>
+            <a:r>
+              <a:rPr lang="tr-TR" sz="2000" dirty="0">
+                <a:solidFill>
+                  <a:srgbClr val="FFFF00"/>
+                </a:solidFill>
+                <a:latin typeface="Calibri" panose="020F0502020204030204" pitchFamily="34" charset="0"/>
+                <a:cs typeface="Calibri" panose="020F0502020204030204" pitchFamily="34" charset="0"/>
+              </a:rPr>
+              <a:t> vardır. </a:t>
+            </a:r>
+          </a:p>
+          <a:p>
+            <a:endParaRPr lang="tr-TR" sz="2000" dirty="0">
+              <a:latin typeface="Calibri" panose="020F0502020204030204" pitchFamily="34" charset="0"/>
+              <a:cs typeface="Calibri" panose="020F0502020204030204" pitchFamily="34" charset="0"/>
+            </a:endParaRPr>
           </a:p>
         </p:txBody>
       </p:sp>
     </p:spTree>
     <p:extLst>
       <p:ext uri="{BB962C8B-B14F-4D97-AF65-F5344CB8AC3E}">
-        <p14:creationId xmlns:p14="http://schemas.microsoft.com/office/powerpoint/2010/main" val="524043039"/>
+        <p14:creationId xmlns:p14="http://schemas.microsoft.com/office/powerpoint/2010/main" val="2148797206"/>
       </p:ext>
     </p:extLst>
   </p:cSld>
@@ -7218,9 +7406,14 @@
           <a:lstStyle/>
           <a:p>
             <a:r>
-              <a:rPr lang="tr-TR" sz="2000" dirty="0"/>
-              <a:t>Öğrenme</a:t>
-            </a:r>
+              <a:rPr lang="tr-TR" sz="2000" dirty="0">
+                <a:solidFill>
+                  <a:srgbClr val="FFFF00"/>
+                </a:solidFill>
+              </a:rPr>
+              <a:t>Aşırı Öğrenme-Eksik Öğrenme</a:t>
+            </a:r>
+            <a:endParaRPr lang="tr-TR" sz="2000" dirty="0"/>
           </a:p>
         </p:txBody>
       </p:sp>
@@ -7265,120 +7458,50 @@
             </a:lvl1pPr>
           </a:lstStyle>
           <a:p>
-            <a:pPr algn="just" fontAlgn="base"/>
-            <a:r>
-              <a:rPr lang="tr-TR" sz="2600" dirty="0">
-                <a:latin typeface="Calibri" panose="020F0502020204030204" pitchFamily="34" charset="0"/>
-                <a:cs typeface="Calibri" panose="020F0502020204030204" pitchFamily="34" charset="0"/>
-              </a:rPr>
-              <a:t>Bir modelin “genelleştirme” hatası, üç farklı hatanın toplamı şeklinde ifade edilebilir:</a:t>
-            </a:r>
-          </a:p>
-          <a:p>
-            <a:pPr algn="just" fontAlgn="base"/>
-            <a:endParaRPr lang="tr-TR" sz="2600" dirty="0">
-              <a:latin typeface="Calibri" panose="020F0502020204030204" pitchFamily="34" charset="0"/>
-              <a:cs typeface="Calibri" panose="020F0502020204030204" pitchFamily="34" charset="0"/>
-            </a:endParaRPr>
-          </a:p>
-          <a:p>
-            <a:pPr algn="just" fontAlgn="base"/>
-            <a:endParaRPr lang="tr-TR" sz="2600" dirty="0">
-              <a:latin typeface="Calibri" panose="020F0502020204030204" pitchFamily="34" charset="0"/>
-              <a:cs typeface="Calibri" panose="020F0502020204030204" pitchFamily="34" charset="0"/>
-            </a:endParaRPr>
-          </a:p>
-          <a:p>
-            <a:pPr algn="just" fontAlgn="base"/>
-            <a:r>
-              <a:rPr lang="tr-TR" sz="2600" dirty="0">
-                <a:latin typeface="Calibri" panose="020F0502020204030204" pitchFamily="34" charset="0"/>
-                <a:cs typeface="Calibri" panose="020F0502020204030204" pitchFamily="34" charset="0"/>
-              </a:rPr>
-              <a:t>Yanlılık (</a:t>
-            </a:r>
-            <a:r>
-              <a:rPr lang="tr-TR" sz="2600" dirty="0" err="1">
-                <a:latin typeface="Calibri" panose="020F0502020204030204" pitchFamily="34" charset="0"/>
-                <a:cs typeface="Calibri" panose="020F0502020204030204" pitchFamily="34" charset="0"/>
-              </a:rPr>
-              <a:t>Bias</a:t>
-            </a:r>
-            <a:r>
-              <a:rPr lang="tr-TR" sz="2600" dirty="0">
-                <a:latin typeface="Calibri" panose="020F0502020204030204" pitchFamily="34" charset="0"/>
-                <a:cs typeface="Calibri" panose="020F0502020204030204" pitchFamily="34" charset="0"/>
-              </a:rPr>
-              <a:t>)</a:t>
-            </a:r>
-          </a:p>
-          <a:p>
-            <a:pPr algn="just" fontAlgn="base"/>
-            <a:r>
-              <a:rPr lang="tr-TR" sz="2600" dirty="0" err="1">
-                <a:latin typeface="Calibri" panose="020F0502020204030204" pitchFamily="34" charset="0"/>
-                <a:cs typeface="Calibri" panose="020F0502020204030204" pitchFamily="34" charset="0"/>
-              </a:rPr>
-              <a:t>Varyans</a:t>
-            </a:r>
-            <a:r>
-              <a:rPr lang="tr-TR" sz="2600" dirty="0">
-                <a:latin typeface="Calibri" panose="020F0502020204030204" pitchFamily="34" charset="0"/>
-                <a:cs typeface="Calibri" panose="020F0502020204030204" pitchFamily="34" charset="0"/>
-              </a:rPr>
-              <a:t> (</a:t>
-            </a:r>
-            <a:r>
-              <a:rPr lang="tr-TR" sz="2600" dirty="0" err="1">
-                <a:latin typeface="Calibri" panose="020F0502020204030204" pitchFamily="34" charset="0"/>
-                <a:cs typeface="Calibri" panose="020F0502020204030204" pitchFamily="34" charset="0"/>
-              </a:rPr>
-              <a:t>Variance</a:t>
-            </a:r>
-            <a:r>
-              <a:rPr lang="tr-TR" sz="2600" dirty="0">
-                <a:latin typeface="Calibri" panose="020F0502020204030204" pitchFamily="34" charset="0"/>
-                <a:cs typeface="Calibri" panose="020F0502020204030204" pitchFamily="34" charset="0"/>
-              </a:rPr>
-              <a:t>)</a:t>
-            </a:r>
-          </a:p>
-          <a:p>
-            <a:pPr algn="just" fontAlgn="base"/>
-            <a:r>
-              <a:rPr lang="tr-TR" sz="2600" dirty="0">
-                <a:latin typeface="Calibri" panose="020F0502020204030204" pitchFamily="34" charset="0"/>
-                <a:cs typeface="Calibri" panose="020F0502020204030204" pitchFamily="34" charset="0"/>
-              </a:rPr>
-              <a:t>İndirgenemez Hata (</a:t>
-            </a:r>
-            <a:r>
-              <a:rPr lang="tr-TR" sz="2600" dirty="0" err="1">
-                <a:latin typeface="Calibri" panose="020F0502020204030204" pitchFamily="34" charset="0"/>
-                <a:cs typeface="Calibri" panose="020F0502020204030204" pitchFamily="34" charset="0"/>
-              </a:rPr>
-              <a:t>Irreducible</a:t>
-            </a:r>
-            <a:r>
-              <a:rPr lang="tr-TR" sz="2600" dirty="0">
-                <a:latin typeface="Calibri" panose="020F0502020204030204" pitchFamily="34" charset="0"/>
-                <a:cs typeface="Calibri" panose="020F0502020204030204" pitchFamily="34" charset="0"/>
-              </a:rPr>
-              <a:t> </a:t>
-            </a:r>
-            <a:r>
-              <a:rPr lang="tr-TR" sz="2600" dirty="0" err="1">
-                <a:latin typeface="Calibri" panose="020F0502020204030204" pitchFamily="34" charset="0"/>
-                <a:cs typeface="Calibri" panose="020F0502020204030204" pitchFamily="34" charset="0"/>
-              </a:rPr>
-              <a:t>error</a:t>
-            </a:r>
-            <a:r>
-              <a:rPr lang="tr-TR" sz="2600" dirty="0">
-                <a:latin typeface="Calibri" panose="020F0502020204030204" pitchFamily="34" charset="0"/>
-                <a:cs typeface="Calibri" panose="020F0502020204030204" pitchFamily="34" charset="0"/>
-              </a:rPr>
-              <a:t>)</a:t>
+            <a:pPr marL="342900" indent="-342900">
+              <a:buFont typeface="Arial" panose="020B0604020202020204" pitchFamily="34" charset="0"/>
+              <a:buChar char="•"/>
+            </a:pPr>
+            <a:r>
+              <a:rPr lang="tr-TR" sz="2400" dirty="0" err="1">
+                <a:latin typeface="Calibri" panose="020F0502020204030204" pitchFamily="34" charset="0"/>
+                <a:cs typeface="Calibri" panose="020F0502020204030204" pitchFamily="34" charset="0"/>
+              </a:rPr>
+              <a:t>Overfit</a:t>
+            </a:r>
+            <a:r>
+              <a:rPr lang="tr-TR" sz="2400" dirty="0">
+                <a:latin typeface="Calibri" panose="020F0502020204030204" pitchFamily="34" charset="0"/>
+                <a:cs typeface="Calibri" panose="020F0502020204030204" pitchFamily="34" charset="0"/>
+              </a:rPr>
+              <a:t>, </a:t>
+            </a:r>
+            <a:r>
+              <a:rPr lang="tr-TR" sz="2400" dirty="0" err="1">
+                <a:latin typeface="Calibri" panose="020F0502020204030204" pitchFamily="34" charset="0"/>
+                <a:cs typeface="Calibri" panose="020F0502020204030204" pitchFamily="34" charset="0"/>
+              </a:rPr>
+              <a:t>Underfit’e</a:t>
+            </a:r>
+            <a:r>
+              <a:rPr lang="tr-TR" sz="2400" dirty="0">
+                <a:latin typeface="Calibri" panose="020F0502020204030204" pitchFamily="34" charset="0"/>
+                <a:cs typeface="Calibri" panose="020F0502020204030204" pitchFamily="34" charset="0"/>
+              </a:rPr>
+              <a:t> göre daha sık görülür. </a:t>
+            </a:r>
+          </a:p>
+          <a:p>
+            <a:pPr marL="342900" indent="-342900">
+              <a:buFont typeface="Arial" panose="020B0604020202020204" pitchFamily="34" charset="0"/>
+              <a:buChar char="•"/>
+            </a:pPr>
+            <a:r>
+              <a:rPr lang="tr-TR" sz="2400" dirty="0">
+                <a:latin typeface="Calibri" panose="020F0502020204030204" pitchFamily="34" charset="0"/>
+                <a:cs typeface="Calibri" panose="020F0502020204030204" pitchFamily="34" charset="0"/>
+              </a:rPr>
+              <a:t>Veri analizinde her iki problemden de kaçınmak gereklidir.</a:t>
             </a:r>
           </a:p>
         </p:txBody>
@@ -7386,7 +7509,7 @@
     </p:spTree>
     <p:extLst>
       <p:ext uri="{BB962C8B-B14F-4D97-AF65-F5344CB8AC3E}">
-        <p14:creationId xmlns:p14="http://schemas.microsoft.com/office/powerpoint/2010/main" val="243583585"/>
+        <p14:creationId xmlns:p14="http://schemas.microsoft.com/office/powerpoint/2010/main" val="524043039"/>
       </p:ext>
     </p:extLst>
   </p:cSld>
@@ -7452,7 +7575,7 @@
         </p:nvSpPr>
         <p:spPr>
           <a:xfrm>
-            <a:off x="379792" y="875049"/>
+            <a:off x="414961" y="1226127"/>
             <a:ext cx="8486584" cy="3643746"/>
           </a:xfrm>
           <a:prstGeom prst="rect">
@@ -7461,7 +7584,7 @@
         </p:spPr>
         <p:txBody>
           <a:bodyPr vert="horz" lIns="91440" tIns="45720" rIns="91440" bIns="45720" rtlCol="0" anchor="t">
-            <a:normAutofit fontScale="92500" lnSpcReduction="10000"/>
+            <a:normAutofit/>
           </a:bodyPr>
           <a:lstStyle>
             <a:lvl1pPr algn="l" defTabSz="685800" rtl="0" eaLnBrk="1" latinLnBrk="0" hangingPunct="1">
@@ -7483,98 +7606,41 @@
             </a:lvl1pPr>
           </a:lstStyle>
           <a:p>
-            <a:r>
-              <a:rPr lang="tr-TR" dirty="0" err="1">
-                <a:solidFill>
-                  <a:srgbClr val="FF0000"/>
-                </a:solidFill>
-              </a:rPr>
-              <a:t>Varyans</a:t>
-            </a:r>
-            <a:r>
-              <a:rPr lang="tr-TR" dirty="0">
-                <a:solidFill>
-                  <a:srgbClr val="FF0000"/>
-                </a:solidFill>
-              </a:rPr>
-              <a:t> ve </a:t>
-            </a:r>
-            <a:r>
-              <a:rPr lang="tr-TR" dirty="0" err="1">
-                <a:solidFill>
-                  <a:srgbClr val="FF0000"/>
-                </a:solidFill>
-              </a:rPr>
-              <a:t>Bias</a:t>
-            </a:r>
-            <a:r>
-              <a:rPr lang="tr-TR" dirty="0">
-                <a:solidFill>
-                  <a:srgbClr val="FF0000"/>
-                </a:solidFill>
-              </a:rPr>
-              <a:t> </a:t>
-            </a:r>
-          </a:p>
-          <a:p>
-            <a:endParaRPr lang="tr-TR" sz="3000" dirty="0">
-              <a:solidFill>
-                <a:srgbClr val="FF0000"/>
-              </a:solidFill>
-              <a:latin typeface="Calibri" panose="020F0502020204030204" pitchFamily="34" charset="0"/>
-              <a:cs typeface="Calibri" panose="020F0502020204030204" pitchFamily="34" charset="0"/>
-            </a:endParaRPr>
-          </a:p>
-          <a:p>
-            <a:pPr algn="just"/>
-            <a:r>
-              <a:rPr lang="tr-TR" sz="2600" dirty="0" err="1">
-                <a:latin typeface="Calibri" panose="020F0502020204030204" pitchFamily="34" charset="0"/>
-                <a:cs typeface="Calibri" panose="020F0502020204030204" pitchFamily="34" charset="0"/>
-              </a:rPr>
-              <a:t>Varyans</a:t>
-            </a:r>
+            <a:pPr algn="just" fontAlgn="base"/>
             <a:r>
               <a:rPr lang="tr-TR" sz="2600" dirty="0">
                 <a:latin typeface="Calibri" panose="020F0502020204030204" pitchFamily="34" charset="0"/>
                 <a:cs typeface="Calibri" panose="020F0502020204030204" pitchFamily="34" charset="0"/>
               </a:rPr>
-              <a:t>, model eğitim veri setinde iyi performans gösterir, ancak bir test veri kümesi veya doğrulama veri kümesi gibi eğitilmemiş bir veri kümesinde iyi performans göstermez ise </a:t>
-            </a:r>
-            <a:r>
-              <a:rPr lang="tr-TR" sz="2600" b="1" dirty="0">
-                <a:solidFill>
-                  <a:srgbClr val="FF0000"/>
-                </a:solidFill>
-                <a:latin typeface="Calibri" panose="020F0502020204030204" pitchFamily="34" charset="0"/>
-                <a:cs typeface="Calibri" panose="020F0502020204030204" pitchFamily="34" charset="0"/>
-              </a:rPr>
-              <a:t>ortaya çıkar. </a:t>
-            </a:r>
-            <a:r>
-              <a:rPr lang="tr-TR" sz="2600" dirty="0" err="1">
-                <a:latin typeface="Calibri" panose="020F0502020204030204" pitchFamily="34" charset="0"/>
-                <a:cs typeface="Calibri" panose="020F0502020204030204" pitchFamily="34" charset="0"/>
-              </a:rPr>
-              <a:t>Varyans</a:t>
-            </a:r>
-            <a:r>
-              <a:rPr lang="tr-TR" sz="2600" dirty="0">
-                <a:latin typeface="Calibri" panose="020F0502020204030204" pitchFamily="34" charset="0"/>
-                <a:cs typeface="Calibri" panose="020F0502020204030204" pitchFamily="34" charset="0"/>
-              </a:rPr>
-              <a:t>, gerçek değerden tahmin edilen değerin ne kadar saçılma yaptığını ifade eder.</a:t>
-            </a:r>
-          </a:p>
-          <a:p>
-            <a:pPr algn="just"/>
+              <a:t>Bir modelin “genelleştirme” hatası, üç farklı hatanın toplamı şeklinde ifade edilebilir:</a:t>
+            </a:r>
+          </a:p>
+          <a:p>
+            <a:pPr algn="just" fontAlgn="base"/>
             <a:endParaRPr lang="tr-TR" sz="2600" dirty="0">
               <a:latin typeface="Calibri" panose="020F0502020204030204" pitchFamily="34" charset="0"/>
               <a:cs typeface="Calibri" panose="020F0502020204030204" pitchFamily="34" charset="0"/>
             </a:endParaRPr>
           </a:p>
           <a:p>
-            <a:pPr algn="just"/>
+            <a:pPr algn="just" fontAlgn="base"/>
+            <a:endParaRPr lang="tr-TR" sz="2600" dirty="0">
+              <a:latin typeface="Calibri" panose="020F0502020204030204" pitchFamily="34" charset="0"/>
+              <a:cs typeface="Calibri" panose="020F0502020204030204" pitchFamily="34" charset="0"/>
+            </a:endParaRPr>
+          </a:p>
+          <a:p>
+            <a:pPr marL="457200" indent="-457200" algn="just" fontAlgn="base">
+              <a:buFont typeface="Arial" panose="020B0604020202020204" pitchFamily="34" charset="0"/>
+              <a:buChar char="•"/>
+            </a:pPr>
+            <a:r>
+              <a:rPr lang="tr-TR" sz="2600" dirty="0">
+                <a:latin typeface="Calibri" panose="020F0502020204030204" pitchFamily="34" charset="0"/>
+                <a:cs typeface="Calibri" panose="020F0502020204030204" pitchFamily="34" charset="0"/>
+              </a:rPr>
+              <a:t>Yanlılık (</a:t>
+            </a:r>
             <a:r>
               <a:rPr lang="tr-TR" sz="2600" dirty="0" err="1">
                 <a:latin typeface="Calibri" panose="020F0502020204030204" pitchFamily="34" charset="0"/>
@@ -7587,27 +7653,82 @@
                 <a:latin typeface="Calibri" panose="020F0502020204030204" pitchFamily="34" charset="0"/>
                 <a:cs typeface="Calibri" panose="020F0502020204030204" pitchFamily="34" charset="0"/>
               </a:rPr>
-              <a:t>, gerçek değerlerden tahmin edilen değerlerin ne kadar uzak olduğudur. Tahmin edilen değerler gerçek değerlerden uzaksa, </a:t>
-            </a:r>
-            <a:r>
-              <a:rPr lang="tr-TR" sz="2600" b="1" dirty="0" err="1">
-                <a:solidFill>
-                  <a:srgbClr val="FF0000"/>
-                </a:solidFill>
-                <a:latin typeface="Calibri" panose="020F0502020204030204" pitchFamily="34" charset="0"/>
-                <a:cs typeface="Calibri" panose="020F0502020204030204" pitchFamily="34" charset="0"/>
-              </a:rPr>
-              <a:t>bias</a:t>
-            </a:r>
-            <a:r>
-              <a:rPr lang="tr-TR" sz="2600" b="1" dirty="0">
-                <a:solidFill>
-                  <a:srgbClr val="FF0000"/>
-                </a:solidFill>
-                <a:latin typeface="Calibri" panose="020F0502020204030204" pitchFamily="34" charset="0"/>
-                <a:cs typeface="Calibri" panose="020F0502020204030204" pitchFamily="34" charset="0"/>
-              </a:rPr>
-              <a:t> yüksektir.</a:t>
+              <a:t>)</a:t>
+            </a:r>
+          </a:p>
+          <a:p>
+            <a:pPr marL="457200" indent="-457200" algn="just" fontAlgn="base">
+              <a:buFont typeface="Arial" panose="020B0604020202020204" pitchFamily="34" charset="0"/>
+              <a:buChar char="•"/>
+            </a:pPr>
+            <a:r>
+              <a:rPr lang="tr-TR" sz="2600" dirty="0" err="1">
+                <a:latin typeface="Calibri" panose="020F0502020204030204" pitchFamily="34" charset="0"/>
+                <a:cs typeface="Calibri" panose="020F0502020204030204" pitchFamily="34" charset="0"/>
+              </a:rPr>
+              <a:t>Varyans</a:t>
+            </a:r>
+            <a:r>
+              <a:rPr lang="tr-TR" sz="2600" dirty="0">
+                <a:latin typeface="Calibri" panose="020F0502020204030204" pitchFamily="34" charset="0"/>
+                <a:cs typeface="Calibri" panose="020F0502020204030204" pitchFamily="34" charset="0"/>
+              </a:rPr>
+              <a:t> (</a:t>
+            </a:r>
+            <a:r>
+              <a:rPr lang="tr-TR" sz="2600" dirty="0" err="1">
+                <a:latin typeface="Calibri" panose="020F0502020204030204" pitchFamily="34" charset="0"/>
+                <a:cs typeface="Calibri" panose="020F0502020204030204" pitchFamily="34" charset="0"/>
+              </a:rPr>
+              <a:t>Variance</a:t>
+            </a:r>
+            <a:r>
+              <a:rPr lang="tr-TR" sz="2600" dirty="0">
+                <a:latin typeface="Calibri" panose="020F0502020204030204" pitchFamily="34" charset="0"/>
+                <a:cs typeface="Calibri" panose="020F0502020204030204" pitchFamily="34" charset="0"/>
+              </a:rPr>
+              <a:t>)</a:t>
+            </a:r>
+          </a:p>
+          <a:p>
+            <a:pPr marL="457200" indent="-457200" algn="just" fontAlgn="base">
+              <a:buFont typeface="Arial" panose="020B0604020202020204" pitchFamily="34" charset="0"/>
+              <a:buChar char="•"/>
+            </a:pPr>
+            <a:r>
+              <a:rPr lang="tr-TR" sz="2600" dirty="0">
+                <a:latin typeface="Calibri" panose="020F0502020204030204" pitchFamily="34" charset="0"/>
+                <a:cs typeface="Calibri" panose="020F0502020204030204" pitchFamily="34" charset="0"/>
+              </a:rPr>
+              <a:t>İndirgenemez Hata (</a:t>
+            </a:r>
+            <a:r>
+              <a:rPr lang="tr-TR" sz="2600" dirty="0" err="1">
+                <a:latin typeface="Calibri" panose="020F0502020204030204" pitchFamily="34" charset="0"/>
+                <a:cs typeface="Calibri" panose="020F0502020204030204" pitchFamily="34" charset="0"/>
+              </a:rPr>
+              <a:t>Irreducible</a:t>
+            </a:r>
+            <a:r>
+              <a:rPr lang="tr-TR" sz="2600" dirty="0">
+                <a:latin typeface="Calibri" panose="020F0502020204030204" pitchFamily="34" charset="0"/>
+                <a:cs typeface="Calibri" panose="020F0502020204030204" pitchFamily="34" charset="0"/>
+              </a:rPr>
+              <a:t> </a:t>
+            </a:r>
+            <a:r>
+              <a:rPr lang="tr-TR" sz="2600" dirty="0" err="1">
+                <a:latin typeface="Calibri" panose="020F0502020204030204" pitchFamily="34" charset="0"/>
+                <a:cs typeface="Calibri" panose="020F0502020204030204" pitchFamily="34" charset="0"/>
+              </a:rPr>
+              <a:t>error</a:t>
+            </a:r>
+            <a:r>
+              <a:rPr lang="tr-TR" sz="2600" dirty="0">
+                <a:latin typeface="Calibri" panose="020F0502020204030204" pitchFamily="34" charset="0"/>
+                <a:cs typeface="Calibri" panose="020F0502020204030204" pitchFamily="34" charset="0"/>
+              </a:rPr>
+              <a:t>)</a:t>
             </a:r>
           </a:p>
         </p:txBody>
@@ -7615,7 +7736,7 @@
     </p:spTree>
     <p:extLst>
       <p:ext uri="{BB962C8B-B14F-4D97-AF65-F5344CB8AC3E}">
-        <p14:creationId xmlns:p14="http://schemas.microsoft.com/office/powerpoint/2010/main" val="2696308463"/>
+        <p14:creationId xmlns:p14="http://schemas.microsoft.com/office/powerpoint/2010/main" val="243583585"/>
       </p:ext>
     </p:extLst>
   </p:cSld>
@@ -7681,7 +7802,7 @@
         </p:nvSpPr>
         <p:spPr>
           <a:xfrm>
-            <a:off x="414961" y="1226127"/>
+            <a:off x="379792" y="875049"/>
             <a:ext cx="8486584" cy="3643746"/>
           </a:xfrm>
           <a:prstGeom prst="rect">
@@ -7690,7 +7811,7 @@
         </p:spPr>
         <p:txBody>
           <a:bodyPr vert="horz" lIns="91440" tIns="45720" rIns="91440" bIns="45720" rtlCol="0" anchor="t">
-            <a:normAutofit fontScale="77500" lnSpcReduction="20000"/>
+            <a:normAutofit fontScale="92500" lnSpcReduction="10000"/>
           </a:bodyPr>
           <a:lstStyle>
             <a:lvl1pPr algn="l" defTabSz="685800" rtl="0" eaLnBrk="1" latinLnBrk="0" hangingPunct="1">
@@ -7713,102 +7834,111 @@
           </a:lstStyle>
           <a:p>
             <a:r>
-              <a:rPr lang="tr-TR" sz="2600" b="1" dirty="0" err="1">
+              <a:rPr lang="tr-TR" dirty="0" err="1">
                 <a:solidFill>
                   <a:srgbClr val="FF0000"/>
                 </a:solidFill>
-                <a:latin typeface="Calibri" panose="020F0502020204030204" pitchFamily="34" charset="0"/>
-                <a:cs typeface="Calibri" panose="020F0502020204030204" pitchFamily="34" charset="0"/>
+              </a:rPr>
+              <a:t>Varyans</a:t>
+            </a:r>
+            <a:r>
+              <a:rPr lang="tr-TR" dirty="0">
+                <a:solidFill>
+                  <a:srgbClr val="FF0000"/>
+                </a:solidFill>
+              </a:rPr>
+              <a:t> ve </a:t>
+            </a:r>
+            <a:r>
+              <a:rPr lang="tr-TR" dirty="0" err="1">
+                <a:solidFill>
+                  <a:srgbClr val="FF0000"/>
+                </a:solidFill>
               </a:rPr>
               <a:t>Bias</a:t>
             </a:r>
             <a:r>
-              <a:rPr lang="tr-TR" sz="2600" b="1" dirty="0">
+              <a:rPr lang="tr-TR" dirty="0">
                 <a:solidFill>
                   <a:srgbClr val="FF0000"/>
                 </a:solidFill>
-                <a:latin typeface="Calibri" panose="020F0502020204030204" pitchFamily="34" charset="0"/>
-                <a:cs typeface="Calibri" panose="020F0502020204030204" pitchFamily="34" charset="0"/>
-              </a:rPr>
-              <a:t> (Yanlılık):</a:t>
-            </a:r>
-          </a:p>
-          <a:p>
-            <a:endParaRPr lang="tr-TR" sz="1600" dirty="0">
+              </a:rPr>
+              <a:t> </a:t>
+            </a:r>
+          </a:p>
+          <a:p>
+            <a:endParaRPr lang="tr-TR" sz="3000" dirty="0">
+              <a:solidFill>
+                <a:srgbClr val="FF0000"/>
+              </a:solidFill>
               <a:latin typeface="Calibri" panose="020F0502020204030204" pitchFamily="34" charset="0"/>
               <a:cs typeface="Calibri" panose="020F0502020204030204" pitchFamily="34" charset="0"/>
             </a:endParaRPr>
           </a:p>
           <a:p>
-            <a:pPr fontAlgn="base"/>
+            <a:pPr algn="just"/>
+            <a:r>
+              <a:rPr lang="tr-TR" sz="2600" dirty="0" err="1">
+                <a:latin typeface="Calibri" panose="020F0502020204030204" pitchFamily="34" charset="0"/>
+                <a:cs typeface="Calibri" panose="020F0502020204030204" pitchFamily="34" charset="0"/>
+              </a:rPr>
+              <a:t>Varyans</a:t>
+            </a:r>
             <a:r>
               <a:rPr lang="tr-TR" sz="2600" dirty="0">
                 <a:latin typeface="Calibri" panose="020F0502020204030204" pitchFamily="34" charset="0"/>
                 <a:cs typeface="Calibri" panose="020F0502020204030204" pitchFamily="34" charset="0"/>
               </a:rPr>
-              <a:t>Modelin ne kadar yanlış sonuçlar sunduğunu ölçer. </a:t>
-            </a:r>
-          </a:p>
-          <a:p>
-            <a:pPr fontAlgn="base"/>
+              <a:t>, model eğitim veri setinde iyi performans gösterir, ancak bir test veri kümesi veya doğrulama veri kümesi gibi eğitilmemiş bir veri kümesinde iyi performans göstermez ise </a:t>
+            </a:r>
+            <a:r>
+              <a:rPr lang="tr-TR" sz="2600" b="1" dirty="0">
+                <a:solidFill>
+                  <a:srgbClr val="FF0000"/>
+                </a:solidFill>
+                <a:latin typeface="Calibri" panose="020F0502020204030204" pitchFamily="34" charset="0"/>
+                <a:cs typeface="Calibri" panose="020F0502020204030204" pitchFamily="34" charset="0"/>
+              </a:rPr>
+              <a:t>ortaya çıkar. </a:t>
+            </a:r>
             <a:r>
               <a:rPr lang="tr-TR" sz="2600" dirty="0" err="1">
                 <a:latin typeface="Calibri" panose="020F0502020204030204" pitchFamily="34" charset="0"/>
                 <a:cs typeface="Calibri" panose="020F0502020204030204" pitchFamily="34" charset="0"/>
               </a:rPr>
-              <a:t>Bias</a:t>
+              <a:t>Varyans</a:t>
             </a:r>
             <a:r>
               <a:rPr lang="tr-TR" sz="2600" dirty="0">
                 <a:latin typeface="Calibri" panose="020F0502020204030204" pitchFamily="34" charset="0"/>
                 <a:cs typeface="Calibri" panose="020F0502020204030204" pitchFamily="34" charset="0"/>
               </a:rPr>
-              <a:t>, yanlış varsayımlara dayanır. </a:t>
-            </a:r>
-          </a:p>
-          <a:p>
-            <a:pPr fontAlgn="base"/>
-            <a:r>
-              <a:rPr lang="tr-TR" sz="2600" dirty="0">
-                <a:latin typeface="Calibri" panose="020F0502020204030204" pitchFamily="34" charset="0"/>
-                <a:cs typeface="Calibri" panose="020F0502020204030204" pitchFamily="34" charset="0"/>
-              </a:rPr>
-              <a:t>Yanlılık, modelin problemin çözümünü içermediğini gösterir. Yüksek yanlılığa sahip bir modelin, eğitim verimizi eksik öğrenme olasılığı daha fazladır.</a:t>
-            </a:r>
-          </a:p>
-          <a:p>
-            <a:pPr fontAlgn="base"/>
-            <a:r>
-              <a:rPr lang="tr-TR" sz="2600" dirty="0">
-                <a:latin typeface="Calibri" panose="020F0502020204030204" pitchFamily="34" charset="0"/>
-                <a:cs typeface="Calibri" panose="020F0502020204030204" pitchFamily="34" charset="0"/>
-              </a:rPr>
-              <a:t>Modelimizin zayıf kaldığı bu duruma eksik öğrenme (</a:t>
-            </a:r>
-            <a:r>
-              <a:rPr lang="tr-TR" sz="2600" dirty="0" err="1">
-                <a:latin typeface="Calibri" panose="020F0502020204030204" pitchFamily="34" charset="0"/>
-                <a:cs typeface="Calibri" panose="020F0502020204030204" pitchFamily="34" charset="0"/>
-              </a:rPr>
-              <a:t>underfitting</a:t>
-            </a:r>
-            <a:r>
-              <a:rPr lang="tr-TR" sz="2600" dirty="0">
-                <a:latin typeface="Calibri" panose="020F0502020204030204" pitchFamily="34" charset="0"/>
-                <a:cs typeface="Calibri" panose="020F0502020204030204" pitchFamily="34" charset="0"/>
-              </a:rPr>
-              <a:t>) denir. </a:t>
-            </a:r>
-          </a:p>
-          <a:p>
-            <a:pPr fontAlgn="base"/>
+              <a:t>, gerçek değerden tahmin edilen değerin ne kadar saçılma yaptığını ifade eder.</a:t>
+            </a:r>
+          </a:p>
+          <a:p>
+            <a:pPr algn="just"/>
             <a:endParaRPr lang="tr-TR" sz="2600" dirty="0">
               <a:latin typeface="Calibri" panose="020F0502020204030204" pitchFamily="34" charset="0"/>
               <a:cs typeface="Calibri" panose="020F0502020204030204" pitchFamily="34" charset="0"/>
             </a:endParaRPr>
           </a:p>
           <a:p>
-            <a:pPr fontAlgn="base"/>
+            <a:pPr algn="just"/>
+            <a:r>
+              <a:rPr lang="tr-TR" sz="2600" dirty="0" err="1">
+                <a:latin typeface="Calibri" panose="020F0502020204030204" pitchFamily="34" charset="0"/>
+                <a:cs typeface="Calibri" panose="020F0502020204030204" pitchFamily="34" charset="0"/>
+              </a:rPr>
+              <a:t>Bias</a:t>
+            </a:r>
+            <a:r>
+              <a:rPr lang="tr-TR" sz="2600" dirty="0">
+                <a:latin typeface="Calibri" panose="020F0502020204030204" pitchFamily="34" charset="0"/>
+                <a:cs typeface="Calibri" panose="020F0502020204030204" pitchFamily="34" charset="0"/>
+              </a:rPr>
+              <a:t>, gerçek değerlerden tahmin edilen değerlerin ne kadar uzak olduğudur. Tahmin edilen değerler gerçek değerlerden uzaksa, </a:t>
+            </a:r>
             <a:r>
               <a:rPr lang="tr-TR" sz="2600" b="1" dirty="0" err="1">
                 <a:solidFill>
@@ -7817,7 +7947,7 @@
                 <a:latin typeface="Calibri" panose="020F0502020204030204" pitchFamily="34" charset="0"/>
                 <a:cs typeface="Calibri" panose="020F0502020204030204" pitchFamily="34" charset="0"/>
               </a:rPr>
-              <a:t>Varyans</a:t>
+              <a:t>bias</a:t>
             </a:r>
             <a:r>
               <a:rPr lang="tr-TR" sz="2600" b="1" dirty="0">
@@ -7827,69 +7957,7 @@
                 <a:latin typeface="Calibri" panose="020F0502020204030204" pitchFamily="34" charset="0"/>
                 <a:cs typeface="Calibri" panose="020F0502020204030204" pitchFamily="34" charset="0"/>
               </a:rPr>
-              <a:t>: </a:t>
-            </a:r>
-          </a:p>
-          <a:p>
-            <a:pPr fontAlgn="base"/>
-            <a:endParaRPr lang="tr-TR" sz="2600" dirty="0">
-              <a:latin typeface="Calibri" panose="020F0502020204030204" pitchFamily="34" charset="0"/>
-              <a:cs typeface="Calibri" panose="020F0502020204030204" pitchFamily="34" charset="0"/>
-            </a:endParaRPr>
-          </a:p>
-          <a:p>
-            <a:pPr fontAlgn="base"/>
-            <a:r>
-              <a:rPr lang="tr-TR" sz="2600" dirty="0" err="1">
-                <a:latin typeface="Calibri" panose="020F0502020204030204" pitchFamily="34" charset="0"/>
-                <a:cs typeface="Calibri" panose="020F0502020204030204" pitchFamily="34" charset="0"/>
-              </a:rPr>
-              <a:t>Varyans</a:t>
-            </a:r>
-            <a:r>
-              <a:rPr lang="tr-TR" sz="2600" dirty="0">
-                <a:latin typeface="Calibri" panose="020F0502020204030204" pitchFamily="34" charset="0"/>
-                <a:cs typeface="Calibri" panose="020F0502020204030204" pitchFamily="34" charset="0"/>
-              </a:rPr>
-              <a:t>, modelin tahmin ettiği verilerin, gerçek verilerin etrafında ne kadar saçıldığını ölçer. </a:t>
-            </a:r>
-          </a:p>
-          <a:p>
-            <a:pPr fontAlgn="base"/>
-            <a:r>
-              <a:rPr lang="tr-TR" sz="2600" dirty="0">
-                <a:latin typeface="Calibri" panose="020F0502020204030204" pitchFamily="34" charset="0"/>
-                <a:cs typeface="Calibri" panose="020F0502020204030204" pitchFamily="34" charset="0"/>
-              </a:rPr>
-              <a:t>Buna, modelin eğitim verisindeki düşük değişimlere aşırı duyarlılığı sebep olur. Eğer </a:t>
-            </a:r>
-            <a:r>
-              <a:rPr lang="tr-TR" sz="2600" dirty="0" err="1">
-                <a:latin typeface="Calibri" panose="020F0502020204030204" pitchFamily="34" charset="0"/>
-                <a:cs typeface="Calibri" panose="020F0502020204030204" pitchFamily="34" charset="0"/>
-              </a:rPr>
-              <a:t>varyans</a:t>
-            </a:r>
-            <a:r>
-              <a:rPr lang="tr-TR" sz="2600" dirty="0">
-                <a:latin typeface="Calibri" panose="020F0502020204030204" pitchFamily="34" charset="0"/>
-                <a:cs typeface="Calibri" panose="020F0502020204030204" pitchFamily="34" charset="0"/>
-              </a:rPr>
-              <a:t> yüksek ise, modelimiz fazla geneldir; buna da aşırı öğrenme (</a:t>
-            </a:r>
-            <a:r>
-              <a:rPr lang="tr-TR" sz="2600" dirty="0" err="1">
-                <a:latin typeface="Calibri" panose="020F0502020204030204" pitchFamily="34" charset="0"/>
-                <a:cs typeface="Calibri" panose="020F0502020204030204" pitchFamily="34" charset="0"/>
-              </a:rPr>
-              <a:t>overfitting</a:t>
-            </a:r>
-            <a:r>
-              <a:rPr lang="tr-TR" sz="2600" dirty="0">
-                <a:latin typeface="Calibri" panose="020F0502020204030204" pitchFamily="34" charset="0"/>
-                <a:cs typeface="Calibri" panose="020F0502020204030204" pitchFamily="34" charset="0"/>
-              </a:rPr>
-              <a:t>) denir.</a:t>
+              <a:t> yüksektir.</a:t>
             </a:r>
           </a:p>
         </p:txBody>
@@ -7897,7 +7965,7 @@
     </p:spTree>
     <p:extLst>
       <p:ext uri="{BB962C8B-B14F-4D97-AF65-F5344CB8AC3E}">
-        <p14:creationId xmlns:p14="http://schemas.microsoft.com/office/powerpoint/2010/main" val="2032193617"/>
+        <p14:creationId xmlns:p14="http://schemas.microsoft.com/office/powerpoint/2010/main" val="2696308463"/>
       </p:ext>
     </p:extLst>
   </p:cSld>
@@ -7963,8 +8031,8 @@
         </p:nvSpPr>
         <p:spPr>
           <a:xfrm>
-            <a:off x="298352" y="869716"/>
-            <a:ext cx="8486584" cy="1895142"/>
+            <a:off x="414961" y="669073"/>
+            <a:ext cx="8486584" cy="3849722"/>
           </a:xfrm>
           <a:prstGeom prst="rect">
             <a:avLst/>
@@ -7972,7 +8040,7 @@
         </p:spPr>
         <p:txBody>
           <a:bodyPr vert="horz" lIns="91440" tIns="45720" rIns="91440" bIns="45720" rtlCol="0" anchor="t">
-            <a:noAutofit/>
+            <a:normAutofit fontScale="70000" lnSpcReduction="20000"/>
           </a:bodyPr>
           <a:lstStyle>
             <a:lvl1pPr algn="l" defTabSz="685800" rtl="0" eaLnBrk="1" latinLnBrk="0" hangingPunct="1">
@@ -7994,26 +8062,220 @@
             </a:lvl1pPr>
           </a:lstStyle>
           <a:p>
+            <a:r>
+              <a:rPr lang="tr-TR" sz="2600" b="1" dirty="0" err="1">
+                <a:solidFill>
+                  <a:srgbClr val="FF0000"/>
+                </a:solidFill>
+                <a:latin typeface="Calibri" panose="020F0502020204030204" pitchFamily="34" charset="0"/>
+                <a:cs typeface="Calibri" panose="020F0502020204030204" pitchFamily="34" charset="0"/>
+              </a:rPr>
+              <a:t>Bias</a:t>
+            </a:r>
+            <a:r>
+              <a:rPr lang="tr-TR" sz="2600" b="1" dirty="0">
+                <a:solidFill>
+                  <a:srgbClr val="FF0000"/>
+                </a:solidFill>
+                <a:latin typeface="Calibri" panose="020F0502020204030204" pitchFamily="34" charset="0"/>
+                <a:cs typeface="Calibri" panose="020F0502020204030204" pitchFamily="34" charset="0"/>
+              </a:rPr>
+              <a:t> (Yanlılık):</a:t>
+            </a:r>
+          </a:p>
+          <a:p>
+            <a:endParaRPr lang="tr-TR" sz="1600" dirty="0">
+              <a:latin typeface="Calibri" panose="020F0502020204030204" pitchFamily="34" charset="0"/>
+              <a:cs typeface="Calibri" panose="020F0502020204030204" pitchFamily="34" charset="0"/>
+            </a:endParaRPr>
+          </a:p>
+          <a:p>
+            <a:pPr marL="457200" indent="-457200" fontAlgn="base">
+              <a:lnSpc>
+                <a:spcPct val="120000"/>
+              </a:lnSpc>
+              <a:buFont typeface="Arial" panose="020B0604020202020204" pitchFamily="34" charset="0"/>
+              <a:buChar char="•"/>
+            </a:pPr>
+            <a:r>
+              <a:rPr lang="tr-TR" sz="2600" dirty="0">
+                <a:latin typeface="Calibri" panose="020F0502020204030204" pitchFamily="34" charset="0"/>
+                <a:cs typeface="Calibri" panose="020F0502020204030204" pitchFamily="34" charset="0"/>
+              </a:rPr>
+              <a:t>Modelin ne kadar yanlış sonuçlar sunduğunu ölçer. </a:t>
+            </a:r>
+          </a:p>
+          <a:p>
+            <a:pPr marL="457200" indent="-457200" fontAlgn="base">
+              <a:lnSpc>
+                <a:spcPct val="120000"/>
+              </a:lnSpc>
+              <a:buFont typeface="Arial" panose="020B0604020202020204" pitchFamily="34" charset="0"/>
+              <a:buChar char="•"/>
+            </a:pPr>
+            <a:r>
+              <a:rPr lang="tr-TR" sz="2600" dirty="0" err="1">
+                <a:latin typeface="Calibri" panose="020F0502020204030204" pitchFamily="34" charset="0"/>
+                <a:cs typeface="Calibri" panose="020F0502020204030204" pitchFamily="34" charset="0"/>
+              </a:rPr>
+              <a:t>Bias</a:t>
+            </a:r>
+            <a:r>
+              <a:rPr lang="tr-TR" sz="2600" dirty="0">
+                <a:latin typeface="Calibri" panose="020F0502020204030204" pitchFamily="34" charset="0"/>
+                <a:cs typeface="Calibri" panose="020F0502020204030204" pitchFamily="34" charset="0"/>
+              </a:rPr>
+              <a:t>, yanlış varsayımlara dayanır. </a:t>
+            </a:r>
+          </a:p>
+          <a:p>
+            <a:pPr marL="457200" indent="-457200" fontAlgn="base">
+              <a:lnSpc>
+                <a:spcPct val="120000"/>
+              </a:lnSpc>
+              <a:buFont typeface="Arial" panose="020B0604020202020204" pitchFamily="34" charset="0"/>
+              <a:buChar char="•"/>
+            </a:pPr>
+            <a:r>
+              <a:rPr lang="tr-TR" sz="2600" dirty="0">
+                <a:latin typeface="Calibri" panose="020F0502020204030204" pitchFamily="34" charset="0"/>
+                <a:cs typeface="Calibri" panose="020F0502020204030204" pitchFamily="34" charset="0"/>
+              </a:rPr>
+              <a:t>Yanlılık, modelin problemin çözümünü içermediğini gösterir. Yüksek yanlılığa sahip bir modelin, eğitim verimizi eksik öğrenme olasılığı daha fazladır.</a:t>
+            </a:r>
+          </a:p>
+          <a:p>
+            <a:pPr marL="457200" indent="-457200" fontAlgn="base">
+              <a:lnSpc>
+                <a:spcPct val="120000"/>
+              </a:lnSpc>
+              <a:buFont typeface="Arial" panose="020B0604020202020204" pitchFamily="34" charset="0"/>
+              <a:buChar char="•"/>
+            </a:pPr>
+            <a:r>
+              <a:rPr lang="tr-TR" sz="2600" dirty="0">
+                <a:latin typeface="Calibri" panose="020F0502020204030204" pitchFamily="34" charset="0"/>
+                <a:cs typeface="Calibri" panose="020F0502020204030204" pitchFamily="34" charset="0"/>
+              </a:rPr>
+              <a:t>Modelimizin zayıf kaldığı bu duruma eksik öğrenme (</a:t>
+            </a:r>
+            <a:r>
+              <a:rPr lang="tr-TR" sz="2600" dirty="0" err="1">
+                <a:latin typeface="Calibri" panose="020F0502020204030204" pitchFamily="34" charset="0"/>
+                <a:cs typeface="Calibri" panose="020F0502020204030204" pitchFamily="34" charset="0"/>
+              </a:rPr>
+              <a:t>underfitting</a:t>
+            </a:r>
+            <a:r>
+              <a:rPr lang="tr-TR" sz="2600" dirty="0">
+                <a:latin typeface="Calibri" panose="020F0502020204030204" pitchFamily="34" charset="0"/>
+                <a:cs typeface="Calibri" panose="020F0502020204030204" pitchFamily="34" charset="0"/>
+              </a:rPr>
+              <a:t>) denir. </a:t>
+            </a:r>
+          </a:p>
+          <a:p>
             <a:pPr fontAlgn="base"/>
-            <a:r>
-              <a:rPr lang="tr-TR" sz="2400" b="1" dirty="0">
+            <a:endParaRPr lang="tr-TR" sz="2600" dirty="0">
+              <a:latin typeface="Calibri" panose="020F0502020204030204" pitchFamily="34" charset="0"/>
+              <a:cs typeface="Calibri" panose="020F0502020204030204" pitchFamily="34" charset="0"/>
+            </a:endParaRPr>
+          </a:p>
+          <a:p>
+            <a:pPr fontAlgn="base"/>
+            <a:r>
+              <a:rPr lang="tr-TR" sz="2600" b="1" dirty="0" err="1">
                 <a:solidFill>
                   <a:srgbClr val="FF0000"/>
                 </a:solidFill>
                 <a:latin typeface="Calibri" panose="020F0502020204030204" pitchFamily="34" charset="0"/>
                 <a:cs typeface="Calibri" panose="020F0502020204030204" pitchFamily="34" charset="0"/>
               </a:rPr>
-              <a:t>İndirgenemez Hata: </a:t>
+              <a:t>Varyans</a:t>
+            </a:r>
+            <a:r>
+              <a:rPr lang="tr-TR" sz="2600" b="1" dirty="0">
+                <a:solidFill>
+                  <a:srgbClr val="FF0000"/>
+                </a:solidFill>
+                <a:latin typeface="Calibri" panose="020F0502020204030204" pitchFamily="34" charset="0"/>
+                <a:cs typeface="Calibri" panose="020F0502020204030204" pitchFamily="34" charset="0"/>
+              </a:rPr>
+              <a:t>: </a:t>
             </a:r>
           </a:p>
           <a:p>
             <a:pPr fontAlgn="base"/>
-            <a:r>
-              <a:rPr lang="tr-TR" sz="2400" dirty="0">
-                <a:latin typeface="Calibri" panose="020F0502020204030204" pitchFamily="34" charset="0"/>
-                <a:cs typeface="Calibri" panose="020F0502020204030204" pitchFamily="34" charset="0"/>
-              </a:rPr>
-              <a:t>Verideki gürültülere bağlıdır. Bu hatayı azaltmanın yolu, veriyi temizlemektir.</a:t>
+            <a:endParaRPr lang="tr-TR" sz="2600" dirty="0">
+              <a:latin typeface="Calibri" panose="020F0502020204030204" pitchFamily="34" charset="0"/>
+              <a:cs typeface="Calibri" panose="020F0502020204030204" pitchFamily="34" charset="0"/>
+            </a:endParaRPr>
+          </a:p>
+          <a:p>
+            <a:pPr marL="457200" indent="-457200" fontAlgn="base">
+              <a:lnSpc>
+                <a:spcPct val="120000"/>
+              </a:lnSpc>
+              <a:buFont typeface="Arial" panose="020B0604020202020204" pitchFamily="34" charset="0"/>
+              <a:buChar char="•"/>
+            </a:pPr>
+            <a:r>
+              <a:rPr lang="tr-TR" sz="2600" dirty="0" err="1">
+                <a:latin typeface="Calibri" panose="020F0502020204030204" pitchFamily="34" charset="0"/>
+                <a:cs typeface="Calibri" panose="020F0502020204030204" pitchFamily="34" charset="0"/>
+              </a:rPr>
+              <a:t>Varyans</a:t>
+            </a:r>
+            <a:r>
+              <a:rPr lang="tr-TR" sz="2600" dirty="0">
+                <a:latin typeface="Calibri" panose="020F0502020204030204" pitchFamily="34" charset="0"/>
+                <a:cs typeface="Calibri" panose="020F0502020204030204" pitchFamily="34" charset="0"/>
+              </a:rPr>
+              <a:t>, modelin tahmin ettiği verilerin, gerçek verilerin etrafında ne kadar saçıldığını ölçer. </a:t>
+            </a:r>
+          </a:p>
+          <a:p>
+            <a:pPr marL="457200" indent="-457200" fontAlgn="base">
+              <a:lnSpc>
+                <a:spcPct val="120000"/>
+              </a:lnSpc>
+              <a:buFont typeface="Arial" panose="020B0604020202020204" pitchFamily="34" charset="0"/>
+              <a:buChar char="•"/>
+            </a:pPr>
+            <a:r>
+              <a:rPr lang="tr-TR" sz="2600" dirty="0">
+                <a:latin typeface="Calibri" panose="020F0502020204030204" pitchFamily="34" charset="0"/>
+                <a:cs typeface="Calibri" panose="020F0502020204030204" pitchFamily="34" charset="0"/>
+              </a:rPr>
+              <a:t>Buna, modelin eğitim verisindeki düşük değişimlere aşırı duyarlılığı sebep olur. Eğer </a:t>
+            </a:r>
+            <a:r>
+              <a:rPr lang="tr-TR" sz="2600" dirty="0" err="1">
+                <a:latin typeface="Calibri" panose="020F0502020204030204" pitchFamily="34" charset="0"/>
+                <a:cs typeface="Calibri" panose="020F0502020204030204" pitchFamily="34" charset="0"/>
+              </a:rPr>
+              <a:t>varyans</a:t>
+            </a:r>
+            <a:r>
+              <a:rPr lang="tr-TR" sz="2600" dirty="0">
+                <a:latin typeface="Calibri" panose="020F0502020204030204" pitchFamily="34" charset="0"/>
+                <a:cs typeface="Calibri" panose="020F0502020204030204" pitchFamily="34" charset="0"/>
+              </a:rPr>
+              <a:t> yüksek ise, modelimiz fazla geneldir; buna da aşırı öğrenme (</a:t>
+            </a:r>
+            <a:r>
+              <a:rPr lang="tr-TR" sz="2600" dirty="0" err="1">
+                <a:latin typeface="Calibri" panose="020F0502020204030204" pitchFamily="34" charset="0"/>
+                <a:cs typeface="Calibri" panose="020F0502020204030204" pitchFamily="34" charset="0"/>
+              </a:rPr>
+              <a:t>overfitting</a:t>
+            </a:r>
+            <a:r>
+              <a:rPr lang="tr-TR" sz="2600" dirty="0">
+                <a:latin typeface="Calibri" panose="020F0502020204030204" pitchFamily="34" charset="0"/>
+                <a:cs typeface="Calibri" panose="020F0502020204030204" pitchFamily="34" charset="0"/>
+              </a:rPr>
+              <a:t>) denir.</a:t>
             </a:r>
           </a:p>
         </p:txBody>
@@ -8021,7 +8283,7 @@
     </p:spTree>
     <p:extLst>
       <p:ext uri="{BB962C8B-B14F-4D97-AF65-F5344CB8AC3E}">
-        <p14:creationId xmlns:p14="http://schemas.microsoft.com/office/powerpoint/2010/main" val="1680313595"/>
+        <p14:creationId xmlns:p14="http://schemas.microsoft.com/office/powerpoint/2010/main" val="2032193617"/>
       </p:ext>
     </p:extLst>
   </p:cSld>
@@ -8077,34 +8339,97 @@
           </a:p>
         </p:txBody>
       </p:sp>
-      <p:pic>
-        <p:nvPicPr>
-          <p:cNvPr id="2" name="Resim 1"/>
-          <p:cNvPicPr>
-            <a:picLocks noChangeAspect="1"/>
-          </p:cNvPicPr>
+      <p:sp>
+        <p:nvSpPr>
+          <p:cNvPr id="7" name="Unvan 2"/>
+          <p:cNvSpPr txBox="1">
+            <a:spLocks/>
+          </p:cNvSpPr>
           <p:nvPr/>
-        </p:nvPicPr>
-        <p:blipFill>
-          <a:blip r:embed="rId2"/>
-          <a:stretch>
-            <a:fillRect/>
-          </a:stretch>
-        </p:blipFill>
+        </p:nvSpPr>
         <p:spPr>
           <a:xfrm>
-            <a:off x="1525099" y="1058373"/>
-            <a:ext cx="5623047" cy="3813097"/>
+            <a:off x="298352" y="869716"/>
+            <a:ext cx="8486584" cy="1895142"/>
           </a:xfrm>
           <a:prstGeom prst="rect">
             <a:avLst/>
           </a:prstGeom>
         </p:spPr>
-      </p:pic>
+        <p:txBody>
+          <a:bodyPr vert="horz" lIns="91440" tIns="45720" rIns="91440" bIns="45720" rtlCol="0" anchor="t">
+            <a:noAutofit/>
+          </a:bodyPr>
+          <a:lstStyle>
+            <a:lvl1pPr algn="l" defTabSz="685800" rtl="0" eaLnBrk="1" latinLnBrk="0" hangingPunct="1">
+              <a:lnSpc>
+                <a:spcPct val="90000"/>
+              </a:lnSpc>
+              <a:spcBef>
+                <a:spcPct val="0"/>
+              </a:spcBef>
+              <a:buNone/>
+              <a:defRPr sz="3300" kern="1200">
+                <a:solidFill>
+                  <a:schemeClr val="tx1"/>
+                </a:solidFill>
+                <a:latin typeface="+mj-lt"/>
+                <a:ea typeface="+mj-ea"/>
+                <a:cs typeface="+mj-cs"/>
+              </a:defRPr>
+            </a:lvl1pPr>
+          </a:lstStyle>
+          <a:p>
+            <a:pPr fontAlgn="base">
+              <a:lnSpc>
+                <a:spcPct val="100000"/>
+              </a:lnSpc>
+            </a:pPr>
+            <a:r>
+              <a:rPr lang="tr-TR" sz="2000" b="1" dirty="0">
+                <a:solidFill>
+                  <a:srgbClr val="FF0000"/>
+                </a:solidFill>
+                <a:latin typeface="Calibri" panose="020F0502020204030204" pitchFamily="34" charset="0"/>
+                <a:cs typeface="Calibri" panose="020F0502020204030204" pitchFamily="34" charset="0"/>
+              </a:rPr>
+              <a:t>İndirgenemez Hata: </a:t>
+            </a:r>
+          </a:p>
+          <a:p>
+            <a:pPr fontAlgn="base">
+              <a:lnSpc>
+                <a:spcPct val="100000"/>
+              </a:lnSpc>
+            </a:pPr>
+            <a:endParaRPr lang="tr-TR" sz="2000" b="1" dirty="0">
+              <a:solidFill>
+                <a:srgbClr val="FF0000"/>
+              </a:solidFill>
+              <a:latin typeface="Calibri" panose="020F0502020204030204" pitchFamily="34" charset="0"/>
+              <a:cs typeface="Calibri" panose="020F0502020204030204" pitchFamily="34" charset="0"/>
+            </a:endParaRPr>
+          </a:p>
+          <a:p>
+            <a:pPr fontAlgn="base">
+              <a:lnSpc>
+                <a:spcPct val="100000"/>
+              </a:lnSpc>
+            </a:pPr>
+            <a:r>
+              <a:rPr lang="tr-TR" sz="2000" dirty="0">
+                <a:latin typeface="Calibri" panose="020F0502020204030204" pitchFamily="34" charset="0"/>
+                <a:cs typeface="Calibri" panose="020F0502020204030204" pitchFamily="34" charset="0"/>
+              </a:rPr>
+              <a:t>Verideki gürültülere bağlıdır. Bu hatayı azaltmanın yolu, veriyi temizlemektir.</a:t>
+            </a:r>
+          </a:p>
+        </p:txBody>
+      </p:sp>
     </p:spTree>
     <p:extLst>
       <p:ext uri="{BB962C8B-B14F-4D97-AF65-F5344CB8AC3E}">
-        <p14:creationId xmlns:p14="http://schemas.microsoft.com/office/powerpoint/2010/main" val="1156809884"/>
+        <p14:creationId xmlns:p14="http://schemas.microsoft.com/office/powerpoint/2010/main" val="1680313595"/>
       </p:ext>
     </p:extLst>
   </p:cSld>
@@ -8987,7 +9312,7 @@
                 <a:latin typeface="Calibri" panose="020F0502020204030204" pitchFamily="34" charset="0"/>
                 <a:cs typeface="Calibri" panose="020F0502020204030204" pitchFamily="34" charset="0"/>
               </a:rPr>
-              <a:t>), genel hata oranını minimize etmeye çalışırken ağırlıklı olan sınıfı (Sınıf-0) kategorize ederek, azınlık sınıfını (Sınıf-1) göz ardı edebiliyor.</a:t>
+              <a:t>), genel hata oranını minimize etmeye çalışırken ağırlıklı olan sınıfı (Sınıf-0) kategorize ederek, azınlık sınıfını göz ardı edebiliyor.</a:t>
             </a:r>
           </a:p>
           <a:p>
@@ -9052,7 +9377,7 @@
                 <a:latin typeface="Calibri" panose="020F0502020204030204" pitchFamily="34" charset="0"/>
                 <a:cs typeface="Calibri" panose="020F0502020204030204" pitchFamily="34" charset="0"/>
               </a:rPr>
-              <a:t>Yukarıdaki çıktıyı incelediğimiz zaman, oluşturduğumuz modelde doğruluk oranının %92 çıkmasına karşılık, test veri kümesindeki azınlık sınıfa (Sınıf-1) ait 12 veriden sadece 1 tanesini doğru sınıflandırdığını gözlemleyebilirsiniz. Yani, elde edilen (yanlı) model TP oranını arttırıp, doğruluk </a:t>
+              <a:t>Aşağıdaki çıktıyı incelediğimiz zaman, oluşturduğumuz modelde doğruluk oranının %92 çıkmasına karşılık, test veri kümesindeki azınlık sınıfa ait 12 veriden sadece 1 tanesini doğru sınıflandırdığını gözlemleyebilirsiniz. Yani, elde edilen (yanlı) model TP oranını arttırıp, doğruluk </a:t>
             </a:r>
             <a:r>
               <a:rPr lang="tr-TR" sz="1600" b="1" dirty="0" err="1">
@@ -9071,39 +9396,6 @@
           </a:p>
         </p:txBody>
       </p:sp>
-      <p:cxnSp>
-        <p:nvCxnSpPr>
-          <p:cNvPr id="9" name="Düz Ok Bağlayıcısı 8"/>
-          <p:cNvCxnSpPr/>
-          <p:nvPr/>
-        </p:nvCxnSpPr>
-        <p:spPr>
-          <a:xfrm flipV="1">
-            <a:off x="1811215" y="1397977"/>
-            <a:ext cx="589085" cy="8792"/>
-          </a:xfrm>
-          <a:prstGeom prst="straightConnector1">
-            <a:avLst/>
-          </a:prstGeom>
-          <a:ln>
-            <a:tailEnd type="triangle"/>
-          </a:ln>
-        </p:spPr>
-        <p:style>
-          <a:lnRef idx="1">
-            <a:schemeClr val="accent1"/>
-          </a:lnRef>
-          <a:fillRef idx="0">
-            <a:schemeClr val="accent1"/>
-          </a:fillRef>
-          <a:effectRef idx="0">
-            <a:schemeClr val="accent1"/>
-          </a:effectRef>
-          <a:fontRef idx="minor">
-            <a:schemeClr val="tx1"/>
-          </a:fontRef>
-        </p:style>
-      </p:cxnSp>
       <p:pic>
         <p:nvPicPr>
           <p:cNvPr id="4" name="Resim 3">
